--- a/파이썬기초(PPT)/파이썬 기초 9강_함수.pptx
+++ b/파이썬기초(PPT)/파이썬 기초 9강_함수.pptx
@@ -5,27 +5,29 @@
     <p:sldMasterId id="2147483648" r:id="rId1"/>
   </p:sldMasterIdLst>
   <p:handoutMasterIdLst>
-    <p:handoutMasterId r:id="rId20"/>
+    <p:handoutMasterId r:id="rId22"/>
   </p:handoutMasterIdLst>
   <p:sldIdLst>
-    <p:sldId id="256" r:id="rId2"/>
-    <p:sldId id="264" r:id="rId3"/>
-    <p:sldId id="274" r:id="rId4"/>
-    <p:sldId id="277" r:id="rId5"/>
-    <p:sldId id="265" r:id="rId6"/>
-    <p:sldId id="276" r:id="rId7"/>
-    <p:sldId id="278" r:id="rId8"/>
-    <p:sldId id="280" r:id="rId9"/>
-    <p:sldId id="281" r:id="rId10"/>
-    <p:sldId id="284" r:id="rId11"/>
-    <p:sldId id="279" r:id="rId12"/>
-    <p:sldId id="282" r:id="rId13"/>
-    <p:sldId id="285" r:id="rId14"/>
-    <p:sldId id="283" r:id="rId15"/>
-    <p:sldId id="286" r:id="rId16"/>
-    <p:sldId id="287" r:id="rId17"/>
-    <p:sldId id="288" r:id="rId18"/>
-    <p:sldId id="289" r:id="rId19"/>
+    <p:sldId id="290" r:id="rId2"/>
+    <p:sldId id="272" r:id="rId3"/>
+    <p:sldId id="291" r:id="rId4"/>
+    <p:sldId id="264" r:id="rId5"/>
+    <p:sldId id="274" r:id="rId6"/>
+    <p:sldId id="277" r:id="rId7"/>
+    <p:sldId id="265" r:id="rId8"/>
+    <p:sldId id="276" r:id="rId9"/>
+    <p:sldId id="278" r:id="rId10"/>
+    <p:sldId id="280" r:id="rId11"/>
+    <p:sldId id="281" r:id="rId12"/>
+    <p:sldId id="284" r:id="rId13"/>
+    <p:sldId id="279" r:id="rId14"/>
+    <p:sldId id="282" r:id="rId15"/>
+    <p:sldId id="285" r:id="rId16"/>
+    <p:sldId id="283" r:id="rId17"/>
+    <p:sldId id="286" r:id="rId18"/>
+    <p:sldId id="287" r:id="rId19"/>
+    <p:sldId id="288" r:id="rId20"/>
+    <p:sldId id="289" r:id="rId21"/>
   </p:sldIdLst>
   <p:sldSz cx="9906000" cy="6858000" type="A4"/>
   <p:notesSz cx="10020300" cy="6888163"/>
@@ -473,7 +475,7 @@
           <a:p>
             <a:fld id="{FB30EDBD-1C2D-4C1E-B459-B60219FAB484}" type="datetimeFigureOut">
               <a:rPr lang="ko-KR" altLang="en-US" smtClean="0"/>
-              <a:t>2021-01-10</a:t>
+              <a:t>2021-02-05</a:t>
             </a:fld>
             <a:endParaRPr lang="ko-KR" altLang="en-US"/>
           </a:p>
@@ -636,7 +638,7 @@
           <a:p>
             <a:fld id="{FB30EDBD-1C2D-4C1E-B459-B60219FAB484}" type="datetimeFigureOut">
               <a:rPr lang="ko-KR" altLang="en-US" smtClean="0"/>
-              <a:t>2021-01-10</a:t>
+              <a:t>2021-02-05</a:t>
             </a:fld>
             <a:endParaRPr lang="ko-KR" altLang="en-US"/>
           </a:p>
@@ -809,7 +811,7 @@
           <a:p>
             <a:fld id="{FB30EDBD-1C2D-4C1E-B459-B60219FAB484}" type="datetimeFigureOut">
               <a:rPr lang="ko-KR" altLang="en-US" smtClean="0"/>
-              <a:t>2021-01-10</a:t>
+              <a:t>2021-02-05</a:t>
             </a:fld>
             <a:endParaRPr lang="ko-KR" altLang="en-US"/>
           </a:p>
@@ -972,7 +974,7 @@
           <a:p>
             <a:fld id="{FB30EDBD-1C2D-4C1E-B459-B60219FAB484}" type="datetimeFigureOut">
               <a:rPr lang="ko-KR" altLang="en-US" smtClean="0"/>
-              <a:t>2021-01-10</a:t>
+              <a:t>2021-02-05</a:t>
             </a:fld>
             <a:endParaRPr lang="ko-KR" altLang="en-US"/>
           </a:p>
@@ -1212,7 +1214,7 @@
           <a:p>
             <a:fld id="{FB30EDBD-1C2D-4C1E-B459-B60219FAB484}" type="datetimeFigureOut">
               <a:rPr lang="ko-KR" altLang="en-US" smtClean="0"/>
-              <a:t>2021-01-10</a:t>
+              <a:t>2021-02-05</a:t>
             </a:fld>
             <a:endParaRPr lang="ko-KR" altLang="en-US"/>
           </a:p>
@@ -1492,7 +1494,7 @@
           <a:p>
             <a:fld id="{FB30EDBD-1C2D-4C1E-B459-B60219FAB484}" type="datetimeFigureOut">
               <a:rPr lang="ko-KR" altLang="en-US" smtClean="0"/>
-              <a:t>2021-01-10</a:t>
+              <a:t>2021-02-05</a:t>
             </a:fld>
             <a:endParaRPr lang="ko-KR" altLang="en-US"/>
           </a:p>
@@ -1906,7 +1908,7 @@
           <a:p>
             <a:fld id="{FB30EDBD-1C2D-4C1E-B459-B60219FAB484}" type="datetimeFigureOut">
               <a:rPr lang="ko-KR" altLang="en-US" smtClean="0"/>
-              <a:t>2021-01-10</a:t>
+              <a:t>2021-02-05</a:t>
             </a:fld>
             <a:endParaRPr lang="ko-KR" altLang="en-US"/>
           </a:p>
@@ -2018,7 +2020,7 @@
           <a:p>
             <a:fld id="{FB30EDBD-1C2D-4C1E-B459-B60219FAB484}" type="datetimeFigureOut">
               <a:rPr lang="ko-KR" altLang="en-US" smtClean="0"/>
-              <a:t>2021-01-10</a:t>
+              <a:t>2021-02-05</a:t>
             </a:fld>
             <a:endParaRPr lang="ko-KR" altLang="en-US"/>
           </a:p>
@@ -2108,7 +2110,7 @@
           <a:p>
             <a:fld id="{FB30EDBD-1C2D-4C1E-B459-B60219FAB484}" type="datetimeFigureOut">
               <a:rPr lang="ko-KR" altLang="en-US" smtClean="0"/>
-              <a:t>2021-01-10</a:t>
+              <a:t>2021-02-05</a:t>
             </a:fld>
             <a:endParaRPr lang="ko-KR" altLang="en-US"/>
           </a:p>
@@ -2378,7 +2380,7 @@
           <a:p>
             <a:fld id="{FB30EDBD-1C2D-4C1E-B459-B60219FAB484}" type="datetimeFigureOut">
               <a:rPr lang="ko-KR" altLang="en-US" smtClean="0"/>
-              <a:t>2021-01-10</a:t>
+              <a:t>2021-02-05</a:t>
             </a:fld>
             <a:endParaRPr lang="ko-KR" altLang="en-US"/>
           </a:p>
@@ -2625,7 +2627,7 @@
           <a:p>
             <a:fld id="{FB30EDBD-1C2D-4C1E-B459-B60219FAB484}" type="datetimeFigureOut">
               <a:rPr lang="ko-KR" altLang="en-US" smtClean="0"/>
-              <a:t>2021-01-10</a:t>
+              <a:t>2021-02-05</a:t>
             </a:fld>
             <a:endParaRPr lang="ko-KR" altLang="en-US"/>
           </a:p>
@@ -2831,7 +2833,7 @@
           <a:p>
             <a:fld id="{FB30EDBD-1C2D-4C1E-B459-B60219FAB484}" type="datetimeFigureOut">
               <a:rPr lang="ko-KR" altLang="en-US" smtClean="0"/>
-              <a:t>2021-01-10</a:t>
+              <a:t>2021-02-05</a:t>
             </a:fld>
             <a:endParaRPr lang="ko-KR" altLang="en-US"/>
           </a:p>
@@ -3190,10 +3192,7 @@
     <p:bg>
       <p:bgPr>
         <a:solidFill>
-          <a:schemeClr val="tx1">
-            <a:lumMod val="85000"/>
-            <a:lumOff val="15000"/>
-          </a:schemeClr>
+          <a:schemeClr val="accent1"/>
         </a:solidFill>
         <a:effectLst/>
       </p:bgPr>
@@ -3214,10 +3213,110 @@
       </p:grpSpPr>
       <p:sp>
         <p:nvSpPr>
-          <p:cNvPr id="2" name="TextBox 1">
+          <p:cNvPr id="7" name="직사각형 6">
             <a:extLst>
               <a:ext uri="{FF2B5EF4-FFF2-40B4-BE49-F238E27FC236}">
-                <a16:creationId xmlns:a16="http://schemas.microsoft.com/office/drawing/2014/main" id="{0B332A50-CC0E-4C7E-B47E-E7CFBA7B423B}"/>
+                <a16:creationId xmlns:a16="http://schemas.microsoft.com/office/drawing/2014/main" id="{344F0B58-7D8B-4FD1-9406-93CAC32C65D3}"/>
+              </a:ext>
+            </a:extLst>
+          </p:cNvPr>
+          <p:cNvSpPr/>
+          <p:nvPr/>
+        </p:nvSpPr>
+        <p:spPr>
+          <a:xfrm>
+            <a:off x="2396715" y="1795615"/>
+            <a:ext cx="5112568" cy="2695581"/>
+          </a:xfrm>
+          <a:prstGeom prst="rect">
+            <a:avLst/>
+          </a:prstGeom>
+          <a:ln w="57150">
+            <a:solidFill>
+              <a:schemeClr val="bg1"/>
+            </a:solidFill>
+          </a:ln>
+        </p:spPr>
+        <p:style>
+          <a:lnRef idx="2">
+            <a:schemeClr val="accent1">
+              <a:shade val="50000"/>
+            </a:schemeClr>
+          </a:lnRef>
+          <a:fillRef idx="1">
+            <a:schemeClr val="accent1"/>
+          </a:fillRef>
+          <a:effectRef idx="0">
+            <a:schemeClr val="accent1"/>
+          </a:effectRef>
+          <a:fontRef idx="minor">
+            <a:schemeClr val="lt1"/>
+          </a:fontRef>
+        </p:style>
+        <p:txBody>
+          <a:bodyPr rtlCol="0" anchor="ctr"/>
+          <a:lstStyle/>
+          <a:p>
+            <a:pPr algn="ctr"/>
+            <a:endParaRPr lang="ko-KR" altLang="en-US" dirty="0"/>
+          </a:p>
+        </p:txBody>
+      </p:sp>
+      <p:sp>
+        <p:nvSpPr>
+          <p:cNvPr id="8" name="직사각형 7">
+            <a:extLst>
+              <a:ext uri="{FF2B5EF4-FFF2-40B4-BE49-F238E27FC236}">
+                <a16:creationId xmlns:a16="http://schemas.microsoft.com/office/drawing/2014/main" id="{A7F642D3-857A-4CBF-9220-D4F6114B29D1}"/>
+              </a:ext>
+            </a:extLst>
+          </p:cNvPr>
+          <p:cNvSpPr/>
+          <p:nvPr/>
+        </p:nvSpPr>
+        <p:spPr>
+          <a:xfrm>
+            <a:off x="3584848" y="2341414"/>
+            <a:ext cx="2808312" cy="727546"/>
+          </a:xfrm>
+          <a:prstGeom prst="rect">
+            <a:avLst/>
+          </a:prstGeom>
+          <a:ln>
+            <a:noFill/>
+          </a:ln>
+        </p:spPr>
+        <p:style>
+          <a:lnRef idx="2">
+            <a:schemeClr val="accent1">
+              <a:shade val="50000"/>
+            </a:schemeClr>
+          </a:lnRef>
+          <a:fillRef idx="1">
+            <a:schemeClr val="accent1"/>
+          </a:fillRef>
+          <a:effectRef idx="0">
+            <a:schemeClr val="accent1"/>
+          </a:effectRef>
+          <a:fontRef idx="minor">
+            <a:schemeClr val="lt1"/>
+          </a:fontRef>
+        </p:style>
+        <p:txBody>
+          <a:bodyPr rtlCol="0" anchor="ctr"/>
+          <a:lstStyle/>
+          <a:p>
+            <a:pPr algn="ctr"/>
+            <a:endParaRPr lang="ko-KR" altLang="en-US"/>
+          </a:p>
+        </p:txBody>
+      </p:sp>
+      <p:sp>
+        <p:nvSpPr>
+          <p:cNvPr id="5" name="TextBox 4">
+            <a:extLst>
+              <a:ext uri="{FF2B5EF4-FFF2-40B4-BE49-F238E27FC236}">
+                <a16:creationId xmlns:a16="http://schemas.microsoft.com/office/drawing/2014/main" id="{594F4257-0C2B-4236-92D8-05CE6562B676}"/>
               </a:ext>
             </a:extLst>
           </p:cNvPr>
@@ -3226,8 +3325,8 @@
         </p:nvSpPr>
         <p:spPr>
           <a:xfrm>
-            <a:off x="1718782" y="2582615"/>
-            <a:ext cx="6468437" cy="1692771"/>
+            <a:off x="2509607" y="6165304"/>
+            <a:ext cx="4886787" cy="338554"/>
           </a:xfrm>
           <a:prstGeom prst="rect">
             <a:avLst/>
@@ -3240,61 +3339,405 @@
           </a:bodyPr>
           <a:lstStyle/>
           <a:p>
-            <a:pPr algn="ctr"/>
-            <a:r>
-              <a:rPr lang="ko-KR" altLang="en-US" sz="6000" dirty="0">
-                <a:solidFill>
-                  <a:schemeClr val="bg1">
-                    <a:lumMod val="95000"/>
-                  </a:schemeClr>
-                </a:solidFill>
-                <a:latin typeface="나눔바른고딕" panose="020B0603020101020101" pitchFamily="50" charset="-127"/>
-                <a:ea typeface="나눔바른고딕" panose="020B0603020101020101" pitchFamily="50" charset="-127"/>
-              </a:rPr>
-              <a:t>파이썬 기초과정 </a:t>
-            </a:r>
-            <a:r>
-              <a:rPr lang="en-US" altLang="ko-KR" sz="6000" dirty="0">
-                <a:solidFill>
-                  <a:schemeClr val="accent6">
-                    <a:lumMod val="75000"/>
-                  </a:schemeClr>
-                </a:solidFill>
-                <a:latin typeface="나눔바른고딕" panose="020B0603020101020101" pitchFamily="50" charset="-127"/>
-                <a:ea typeface="나눔바른고딕" panose="020B0603020101020101" pitchFamily="50" charset="-127"/>
-              </a:rPr>
-              <a:t>9</a:t>
-            </a:r>
-            <a:r>
-              <a:rPr lang="ko-KR" altLang="en-US" sz="6000" dirty="0">
-                <a:solidFill>
-                  <a:schemeClr val="accent6">
-                    <a:lumMod val="75000"/>
-                  </a:schemeClr>
-                </a:solidFill>
-                <a:latin typeface="나눔바른고딕" panose="020B0603020101020101" pitchFamily="50" charset="-127"/>
-                <a:ea typeface="나눔바른고딕" panose="020B0603020101020101" pitchFamily="50" charset="-127"/>
-              </a:rPr>
-              <a:t>강</a:t>
-            </a:r>
-            <a:endParaRPr lang="en-US" altLang="ko-KR" sz="6000" dirty="0">
+            <a:r>
+              <a:rPr lang="en-US" altLang="ko-KR" sz="1600" dirty="0">
+                <a:solidFill>
+                  <a:schemeClr val="bg1"/>
+                </a:solidFill>
+                <a:latin typeface="나눔바른고딕" panose="020B0603020101020101" pitchFamily="50" charset="-127"/>
+                <a:ea typeface="나눔바른고딕" panose="020B0603020101020101" pitchFamily="50" charset="-127"/>
+              </a:rPr>
+              <a:t>Copyright 2020. </a:t>
+            </a:r>
+            <a:r>
+              <a:rPr lang="en-US" altLang="ko-KR" sz="1600" dirty="0">
+                <a:solidFill>
+                  <a:srgbClr val="FDE035"/>
+                </a:solidFill>
+                <a:latin typeface="나눔바른고딕" panose="020B0603020101020101" pitchFamily="50" charset="-127"/>
+                <a:ea typeface="나눔바른고딕" panose="020B0603020101020101" pitchFamily="50" charset="-127"/>
+              </a:rPr>
+              <a:t>S</a:t>
+            </a:r>
+            <a:r>
+              <a:rPr lang="en-US" altLang="ko-KR" sz="1600" dirty="0">
+                <a:solidFill>
+                  <a:schemeClr val="bg1"/>
+                </a:solidFill>
+                <a:latin typeface="나눔바른고딕" panose="020B0603020101020101" pitchFamily="50" charset="-127"/>
+                <a:ea typeface="나눔바른고딕" panose="020B0603020101020101" pitchFamily="50" charset="-127"/>
+              </a:rPr>
+              <a:t>TART</a:t>
+            </a:r>
+            <a:r>
+              <a:rPr lang="en-US" altLang="ko-KR" sz="1600" dirty="0">
+                <a:solidFill>
+                  <a:srgbClr val="FDE035"/>
+                </a:solidFill>
+                <a:latin typeface="나눔바른고딕" panose="020B0603020101020101" pitchFamily="50" charset="-127"/>
+                <a:ea typeface="나눔바른고딕" panose="020B0603020101020101" pitchFamily="50" charset="-127"/>
+              </a:rPr>
+              <a:t>C</a:t>
+            </a:r>
+            <a:r>
+              <a:rPr lang="en-US" altLang="ko-KR" sz="1600" dirty="0">
+                <a:solidFill>
+                  <a:schemeClr val="bg1"/>
+                </a:solidFill>
+                <a:latin typeface="나눔바른고딕" panose="020B0603020101020101" pitchFamily="50" charset="-127"/>
+                <a:ea typeface="나눔바른고딕" panose="020B0603020101020101" pitchFamily="50" charset="-127"/>
+              </a:rPr>
+              <a:t>ODING All rights Reserved</a:t>
+            </a:r>
+            <a:endParaRPr lang="ko-KR" altLang="en-US" sz="1600" dirty="0">
               <a:solidFill>
-                <a:schemeClr val="accent6">
-                  <a:lumMod val="75000"/>
-                </a:schemeClr>
+                <a:schemeClr val="bg1"/>
               </a:solidFill>
               <a:latin typeface="나눔바른고딕" panose="020B0603020101020101" pitchFamily="50" charset="-127"/>
               <a:ea typeface="나눔바른고딕" panose="020B0603020101020101" pitchFamily="50" charset="-127"/>
             </a:endParaRPr>
           </a:p>
+        </p:txBody>
+      </p:sp>
+      <p:sp>
+        <p:nvSpPr>
+          <p:cNvPr id="6" name="제목 1">
+            <a:extLst>
+              <a:ext uri="{FF2B5EF4-FFF2-40B4-BE49-F238E27FC236}">
+                <a16:creationId xmlns:a16="http://schemas.microsoft.com/office/drawing/2014/main" id="{B31CB78E-A592-43C9-BB61-AB55D1B6FD7B}"/>
+              </a:ext>
+            </a:extLst>
+          </p:cNvPr>
+          <p:cNvSpPr txBox="1">
+            <a:spLocks/>
+          </p:cNvSpPr>
+          <p:nvPr/>
+        </p:nvSpPr>
+        <p:spPr>
+          <a:xfrm>
+            <a:off x="1066799" y="510147"/>
+            <a:ext cx="7772400" cy="1086382"/>
+          </a:xfrm>
+          <a:prstGeom prst="rect">
+            <a:avLst/>
+          </a:prstGeom>
+        </p:spPr>
+        <p:txBody>
+          <a:bodyPr vert="horz" lIns="91440" tIns="45720" rIns="91440" bIns="45720" rtlCol="0" anchor="ctr">
+            <a:normAutofit fontScale="97500"/>
+          </a:bodyPr>
+          <a:lstStyle>
+            <a:lvl1pPr algn="ctr" defTabSz="914400" rtl="0" eaLnBrk="1" latinLnBrk="1" hangingPunct="1">
+              <a:spcBef>
+                <a:spcPct val="0"/>
+              </a:spcBef>
+              <a:buNone/>
+              <a:defRPr sz="4400" kern="1200">
+                <a:solidFill>
+                  <a:schemeClr val="tx1"/>
+                </a:solidFill>
+                <a:latin typeface="+mj-lt"/>
+                <a:ea typeface="+mj-ea"/>
+                <a:cs typeface="+mj-cs"/>
+              </a:defRPr>
+            </a:lvl1pPr>
+          </a:lstStyle>
+          <a:p>
+            <a:r>
+              <a:rPr lang="en-US" altLang="ko-KR" sz="2800" spc="-150" dirty="0">
+                <a:ln>
+                  <a:solidFill>
+                    <a:schemeClr val="accent1">
+                      <a:alpha val="0"/>
+                    </a:schemeClr>
+                  </a:solidFill>
+                </a:ln>
+                <a:solidFill>
+                  <a:schemeClr val="bg1"/>
+                </a:solidFill>
+                <a:latin typeface="나눔바른고딕" panose="020B0603020101020101" pitchFamily="50" charset="-127"/>
+                <a:ea typeface="나눔바른고딕" panose="020B0603020101020101" pitchFamily="50" charset="-127"/>
+              </a:rPr>
+              <a:t>	</a:t>
+            </a:r>
+            <a:endParaRPr lang="ko-KR" altLang="en-US" spc="-150" dirty="0">
+              <a:ln>
+                <a:solidFill>
+                  <a:schemeClr val="accent1">
+                    <a:alpha val="0"/>
+                  </a:schemeClr>
+                </a:solidFill>
+              </a:ln>
+              <a:solidFill>
+                <a:srgbClr val="FDE035"/>
+              </a:solidFill>
+              <a:latin typeface="나눔바른고딕" panose="020B0603020101020101" pitchFamily="50" charset="-127"/>
+              <a:ea typeface="나눔바른고딕" panose="020B0603020101020101" pitchFamily="50" charset="-127"/>
+            </a:endParaRPr>
+          </a:p>
+        </p:txBody>
+      </p:sp>
+      <p:sp>
+        <p:nvSpPr>
+          <p:cNvPr id="13" name="직사각형 12">
+            <a:extLst>
+              <a:ext uri="{FF2B5EF4-FFF2-40B4-BE49-F238E27FC236}">
+                <a16:creationId xmlns:a16="http://schemas.microsoft.com/office/drawing/2014/main" id="{C4037729-0584-44B0-B186-ED93E3C9DC0E}"/>
+              </a:ext>
+            </a:extLst>
+          </p:cNvPr>
+          <p:cNvSpPr/>
+          <p:nvPr/>
+        </p:nvSpPr>
+        <p:spPr>
+          <a:xfrm>
+            <a:off x="3531135" y="1719202"/>
+            <a:ext cx="2880320" cy="773695"/>
+          </a:xfrm>
+          <a:prstGeom prst="rect">
+            <a:avLst/>
+          </a:prstGeom>
+          <a:solidFill>
+            <a:schemeClr val="accent1"/>
+          </a:solidFill>
+          <a:ln>
+            <a:noFill/>
+          </a:ln>
+        </p:spPr>
+        <p:style>
+          <a:lnRef idx="2">
+            <a:schemeClr val="accent1">
+              <a:shade val="50000"/>
+            </a:schemeClr>
+          </a:lnRef>
+          <a:fillRef idx="1">
+            <a:schemeClr val="accent1"/>
+          </a:fillRef>
+          <a:effectRef idx="0">
+            <a:schemeClr val="accent1"/>
+          </a:effectRef>
+          <a:fontRef idx="minor">
+            <a:schemeClr val="lt1"/>
+          </a:fontRef>
+        </p:style>
+        <p:txBody>
+          <a:bodyPr rtlCol="0" anchor="ctr"/>
+          <a:lstStyle/>
           <a:p>
             <a:pPr algn="ctr"/>
-            <a:r>
-              <a:rPr lang="ko-KR" altLang="en-US" sz="4400" dirty="0">
-                <a:solidFill>
-                  <a:schemeClr val="accent6">
-                    <a:lumMod val="75000"/>
-                  </a:schemeClr>
+            <a:endParaRPr lang="ko-KR" altLang="en-US"/>
+          </a:p>
+        </p:txBody>
+      </p:sp>
+      <p:sp>
+        <p:nvSpPr>
+          <p:cNvPr id="2" name="제목 1"/>
+          <p:cNvSpPr>
+            <a:spLocks noGrp="1"/>
+          </p:cNvSpPr>
+          <p:nvPr>
+            <p:ph type="ctrTitle"/>
+          </p:nvPr>
+        </p:nvSpPr>
+        <p:spPr>
+          <a:xfrm>
+            <a:off x="992560" y="1340769"/>
+            <a:ext cx="7772400" cy="2861927"/>
+          </a:xfrm>
+        </p:spPr>
+        <p:txBody>
+          <a:bodyPr>
+            <a:noAutofit/>
+          </a:bodyPr>
+          <a:lstStyle/>
+          <a:p>
+            <a:r>
+              <a:rPr lang="ko-KR" altLang="en-US" sz="4000" b="1" spc="-150" dirty="0">
+                <a:ln>
+                  <a:solidFill>
+                    <a:schemeClr val="accent1">
+                      <a:alpha val="0"/>
+                    </a:schemeClr>
+                  </a:solidFill>
+                </a:ln>
+                <a:solidFill>
+                  <a:schemeClr val="bg1"/>
+                </a:solidFill>
+                <a:latin typeface="나눔바른고딕" panose="020B0603020101020101" pitchFamily="50" charset="-127"/>
+                <a:ea typeface="나눔바른고딕" panose="020B0603020101020101" pitchFamily="50" charset="-127"/>
+              </a:rPr>
+              <a:t>핵심만 </a:t>
+            </a:r>
+            <a:r>
+              <a:rPr lang="ko-KR" altLang="en-US" sz="4000" b="1" spc="-150" dirty="0">
+                <a:ln>
+                  <a:solidFill>
+                    <a:schemeClr val="accent1">
+                      <a:alpha val="0"/>
+                    </a:schemeClr>
+                  </a:solidFill>
+                </a:ln>
+                <a:solidFill>
+                  <a:schemeClr val="accent1">
+                    <a:lumMod val="40000"/>
+                    <a:lumOff val="60000"/>
+                  </a:schemeClr>
+                </a:solidFill>
+                <a:latin typeface="나눔바른고딕" panose="020B0603020101020101" pitchFamily="50" charset="-127"/>
+                <a:ea typeface="나눔바른고딕" panose="020B0603020101020101" pitchFamily="50" charset="-127"/>
+              </a:rPr>
+              <a:t>쏘</a:t>
+            </a:r>
+            <a:r>
+              <a:rPr lang="en-US" altLang="ko-KR" sz="4000" b="1" spc="-150" dirty="0">
+                <a:ln>
+                  <a:solidFill>
+                    <a:schemeClr val="accent1">
+                      <a:alpha val="0"/>
+                    </a:schemeClr>
+                  </a:solidFill>
+                </a:ln>
+                <a:solidFill>
+                  <a:schemeClr val="accent1">
+                    <a:lumMod val="40000"/>
+                    <a:lumOff val="60000"/>
+                  </a:schemeClr>
+                </a:solidFill>
+                <a:latin typeface="나눔바른고딕" panose="020B0603020101020101" pitchFamily="50" charset="-127"/>
+                <a:ea typeface="나눔바른고딕" panose="020B0603020101020101" pitchFamily="50" charset="-127"/>
+              </a:rPr>
+              <a:t>~</a:t>
+            </a:r>
+            <a:r>
+              <a:rPr lang="ko-KR" altLang="en-US" sz="4000" b="1" spc="-150" dirty="0">
+                <a:ln>
+                  <a:solidFill>
+                    <a:schemeClr val="accent1">
+                      <a:alpha val="0"/>
+                    </a:schemeClr>
+                  </a:solidFill>
+                </a:ln>
+                <a:solidFill>
+                  <a:schemeClr val="accent1">
+                    <a:lumMod val="40000"/>
+                    <a:lumOff val="60000"/>
+                  </a:schemeClr>
+                </a:solidFill>
+                <a:latin typeface="나눔바른고딕" panose="020B0603020101020101" pitchFamily="50" charset="-127"/>
+                <a:ea typeface="나눔바른고딕" panose="020B0603020101020101" pitchFamily="50" charset="-127"/>
+              </a:rPr>
+              <a:t>옥</a:t>
+            </a:r>
+            <a:br>
+              <a:rPr lang="en-US" altLang="ko-KR" sz="4000" b="1" spc="-150" dirty="0">
+                <a:ln>
+                  <a:solidFill>
+                    <a:schemeClr val="accent1">
+                      <a:alpha val="0"/>
+                    </a:schemeClr>
+                  </a:solidFill>
+                </a:ln>
+                <a:solidFill>
+                  <a:schemeClr val="bg1"/>
+                </a:solidFill>
+                <a:latin typeface="나눔바른고딕" panose="020B0603020101020101" pitchFamily="50" charset="-127"/>
+                <a:ea typeface="나눔바른고딕" panose="020B0603020101020101" pitchFamily="50" charset="-127"/>
+              </a:rPr>
+            </a:br>
+            <a:br>
+              <a:rPr lang="en-US" altLang="ko-KR" sz="4000" b="1" spc="-150" dirty="0">
+                <a:ln>
+                  <a:solidFill>
+                    <a:schemeClr val="accent1">
+                      <a:alpha val="0"/>
+                    </a:schemeClr>
+                  </a:solidFill>
+                </a:ln>
+                <a:solidFill>
+                  <a:schemeClr val="bg1"/>
+                </a:solidFill>
+                <a:latin typeface="나눔바른고딕" panose="020B0603020101020101" pitchFamily="50" charset="-127"/>
+                <a:ea typeface="나눔바른고딕" panose="020B0603020101020101" pitchFamily="50" charset="-127"/>
+              </a:rPr>
+            </a:br>
+            <a:r>
+              <a:rPr lang="ko-KR" altLang="en-US" sz="4000" b="1" spc="-150" dirty="0">
+                <a:ln>
+                  <a:solidFill>
+                    <a:schemeClr val="accent1">
+                      <a:alpha val="0"/>
+                    </a:schemeClr>
+                  </a:solidFill>
+                </a:ln>
+                <a:solidFill>
+                  <a:schemeClr val="bg1"/>
+                </a:solidFill>
+                <a:latin typeface="나눔바른고딕" panose="020B0603020101020101" pitchFamily="50" charset="-127"/>
+                <a:ea typeface="나눔바른고딕" panose="020B0603020101020101" pitchFamily="50" charset="-127"/>
+              </a:rPr>
+              <a:t>파이썬 입문 </a:t>
+            </a:r>
+            <a:r>
+              <a:rPr lang="en-US" altLang="ko-KR" sz="4000" b="1" spc="-150" dirty="0">
+                <a:ln>
+                  <a:solidFill>
+                    <a:schemeClr val="accent1">
+                      <a:alpha val="0"/>
+                    </a:schemeClr>
+                  </a:solidFill>
+                </a:ln>
+                <a:solidFill>
+                  <a:schemeClr val="bg1"/>
+                </a:solidFill>
+                <a:latin typeface="나눔바른고딕" panose="020B0603020101020101" pitchFamily="50" charset="-127"/>
+                <a:ea typeface="나눔바른고딕" panose="020B0603020101020101" pitchFamily="50" charset="-127"/>
+              </a:rPr>
+              <a:t>9</a:t>
+            </a:r>
+            <a:r>
+              <a:rPr lang="ko-KR" altLang="en-US" sz="4000" b="1" spc="-150">
+                <a:ln>
+                  <a:solidFill>
+                    <a:schemeClr val="accent1">
+                      <a:alpha val="0"/>
+                    </a:schemeClr>
+                  </a:solidFill>
+                </a:ln>
+                <a:solidFill>
+                  <a:schemeClr val="bg1"/>
+                </a:solidFill>
+                <a:latin typeface="나눔바른고딕" panose="020B0603020101020101" pitchFamily="50" charset="-127"/>
+                <a:ea typeface="나눔바른고딕" panose="020B0603020101020101" pitchFamily="50" charset="-127"/>
+              </a:rPr>
+              <a:t>강</a:t>
+            </a:r>
+            <a:br>
+              <a:rPr lang="en-US" altLang="ko-KR" sz="4000" b="1" spc="-150" dirty="0">
+                <a:ln>
+                  <a:solidFill>
+                    <a:schemeClr val="accent1">
+                      <a:alpha val="0"/>
+                    </a:schemeClr>
+                  </a:solidFill>
+                </a:ln>
+                <a:solidFill>
+                  <a:schemeClr val="bg1"/>
+                </a:solidFill>
+                <a:latin typeface="나눔바른고딕" panose="020B0603020101020101" pitchFamily="50" charset="-127"/>
+                <a:ea typeface="나눔바른고딕" panose="020B0603020101020101" pitchFamily="50" charset="-127"/>
+              </a:rPr>
+            </a:br>
+            <a:r>
+              <a:rPr lang="ko-KR" altLang="en-US" sz="4000" b="1" spc="-150" dirty="0">
+                <a:ln>
+                  <a:solidFill>
+                    <a:schemeClr val="accent1">
+                      <a:alpha val="0"/>
+                    </a:schemeClr>
+                  </a:solidFill>
+                </a:ln>
+                <a:solidFill>
+                  <a:srgbClr val="FDE035"/>
                 </a:solidFill>
                 <a:latin typeface="나눔바른고딕" panose="020B0603020101020101" pitchFamily="50" charset="-127"/>
                 <a:ea typeface="나눔바른고딕" panose="020B0603020101020101" pitchFamily="50" charset="-127"/>
@@ -3307,7 +3750,7 @@
     </p:spTree>
     <p:extLst>
       <p:ext uri="{BB962C8B-B14F-4D97-AF65-F5344CB8AC3E}">
-        <p14:creationId xmlns:p14="http://schemas.microsoft.com/office/powerpoint/2010/main" val="4108424399"/>
+        <p14:creationId xmlns:p14="http://schemas.microsoft.com/office/powerpoint/2010/main" val="3836177951"/>
       </p:ext>
     </p:extLst>
   </p:cSld>
@@ -3318,2970 +3761,6 @@
 </file>
 
 <file path=ppt/slides/slide10.xml><?xml version="1.0" encoding="utf-8"?>
-<p:sld xmlns:a="http://schemas.openxmlformats.org/drawingml/2006/main" xmlns:r="http://schemas.openxmlformats.org/officeDocument/2006/relationships" xmlns:p="http://schemas.openxmlformats.org/presentationml/2006/main">
-  <p:cSld>
-    <p:bg>
-      <p:bgPr>
-        <a:solidFill>
-          <a:schemeClr val="tx1">
-            <a:lumMod val="85000"/>
-            <a:lumOff val="15000"/>
-          </a:schemeClr>
-        </a:solidFill>
-        <a:effectLst/>
-      </p:bgPr>
-    </p:bg>
-    <p:spTree>
-      <p:nvGrpSpPr>
-        <p:cNvPr id="1" name=""/>
-        <p:cNvGrpSpPr/>
-        <p:nvPr/>
-      </p:nvGrpSpPr>
-      <p:grpSpPr>
-        <a:xfrm>
-          <a:off x="0" y="0"/>
-          <a:ext cx="0" cy="0"/>
-          <a:chOff x="0" y="0"/>
-          <a:chExt cx="0" cy="0"/>
-        </a:xfrm>
-      </p:grpSpPr>
-      <p:sp>
-        <p:nvSpPr>
-          <p:cNvPr id="2" name="TextBox 1">
-            <a:extLst>
-              <a:ext uri="{FF2B5EF4-FFF2-40B4-BE49-F238E27FC236}">
-                <a16:creationId xmlns:a16="http://schemas.microsoft.com/office/drawing/2014/main" id="{0B332A50-CC0E-4C7E-B47E-E7CFBA7B423B}"/>
-              </a:ext>
-            </a:extLst>
-          </p:cNvPr>
-          <p:cNvSpPr txBox="1"/>
-          <p:nvPr/>
-        </p:nvSpPr>
-        <p:spPr>
-          <a:xfrm>
-            <a:off x="2028161" y="2028617"/>
-            <a:ext cx="4388124" cy="2800767"/>
-          </a:xfrm>
-          <a:prstGeom prst="rect">
-            <a:avLst/>
-          </a:prstGeom>
-          <a:noFill/>
-        </p:spPr>
-        <p:txBody>
-          <a:bodyPr wrap="none" rtlCol="0">
-            <a:spAutoFit/>
-          </a:bodyPr>
-          <a:lstStyle/>
-          <a:p>
-            <a:r>
-              <a:rPr lang="en-US" altLang="ko-KR" sz="4400" dirty="0">
-                <a:solidFill>
-                  <a:schemeClr val="accent6">
-                    <a:lumMod val="75000"/>
-                  </a:schemeClr>
-                </a:solidFill>
-                <a:latin typeface="나눔바른고딕" panose="020B0603020101020101" pitchFamily="50" charset="-127"/>
-                <a:ea typeface="나눔바른고딕" panose="020B0603020101020101" pitchFamily="50" charset="-127"/>
-              </a:rPr>
-              <a:t>def</a:t>
-            </a:r>
-            <a:r>
-              <a:rPr lang="ko-KR" altLang="en-US" sz="4400" dirty="0">
-                <a:solidFill>
-                  <a:schemeClr val="accent6">
-                    <a:lumMod val="75000"/>
-                  </a:schemeClr>
-                </a:solidFill>
-                <a:latin typeface="나눔바른고딕" panose="020B0603020101020101" pitchFamily="50" charset="-127"/>
-                <a:ea typeface="나눔바른고딕" panose="020B0603020101020101" pitchFamily="50" charset="-127"/>
-              </a:rPr>
-              <a:t> </a:t>
-            </a:r>
-            <a:r>
-              <a:rPr lang="ko-KR" altLang="en-US" sz="4400" dirty="0">
-                <a:solidFill>
-                  <a:schemeClr val="bg1"/>
-                </a:solidFill>
-                <a:latin typeface="나눔바른고딕" panose="020B0603020101020101" pitchFamily="50" charset="-127"/>
-                <a:ea typeface="나눔바른고딕" panose="020B0603020101020101" pitchFamily="50" charset="-127"/>
-              </a:rPr>
-              <a:t>함수이름</a:t>
-            </a:r>
-            <a:r>
-              <a:rPr lang="en-US" altLang="ko-KR" sz="4400" dirty="0">
-                <a:solidFill>
-                  <a:schemeClr val="accent6">
-                    <a:lumMod val="75000"/>
-                  </a:schemeClr>
-                </a:solidFill>
-                <a:latin typeface="나눔바른고딕" panose="020B0603020101020101" pitchFamily="50" charset="-127"/>
-                <a:ea typeface="나눔바른고딕" panose="020B0603020101020101" pitchFamily="50" charset="-127"/>
-              </a:rPr>
-              <a:t>():</a:t>
-            </a:r>
-          </a:p>
-          <a:p>
-            <a:r>
-              <a:rPr lang="en-US" altLang="ko-KR" sz="4400" dirty="0">
-                <a:solidFill>
-                  <a:schemeClr val="accent6">
-                    <a:lumMod val="75000"/>
-                  </a:schemeClr>
-                </a:solidFill>
-                <a:latin typeface="나눔바른고딕" panose="020B0603020101020101" pitchFamily="50" charset="-127"/>
-                <a:ea typeface="나눔바른고딕" panose="020B0603020101020101" pitchFamily="50" charset="-127"/>
-              </a:rPr>
-              <a:t>	</a:t>
-            </a:r>
-            <a:r>
-              <a:rPr lang="ko-KR" altLang="en-US" sz="4400" dirty="0">
-                <a:solidFill>
-                  <a:schemeClr val="bg1"/>
-                </a:solidFill>
-                <a:latin typeface="나눔바른고딕" panose="020B0603020101020101" pitchFamily="50" charset="-127"/>
-                <a:ea typeface="나눔바른고딕" panose="020B0603020101020101" pitchFamily="50" charset="-127"/>
-              </a:rPr>
-              <a:t>명령블록</a:t>
-            </a:r>
-            <a:endParaRPr lang="en-US" altLang="ko-KR" sz="4400" dirty="0">
-              <a:solidFill>
-                <a:schemeClr val="bg1"/>
-              </a:solidFill>
-              <a:latin typeface="나눔바른고딕" panose="020B0603020101020101" pitchFamily="50" charset="-127"/>
-              <a:ea typeface="나눔바른고딕" panose="020B0603020101020101" pitchFamily="50" charset="-127"/>
-            </a:endParaRPr>
-          </a:p>
-          <a:p>
-            <a:r>
-              <a:rPr lang="en-US" altLang="ko-KR" sz="4400" dirty="0">
-                <a:solidFill>
-                  <a:schemeClr val="bg1"/>
-                </a:solidFill>
-                <a:latin typeface="나눔바른고딕" panose="020B0603020101020101" pitchFamily="50" charset="-127"/>
-                <a:ea typeface="나눔바른고딕" panose="020B0603020101020101" pitchFamily="50" charset="-127"/>
-              </a:rPr>
-              <a:t>	…</a:t>
-            </a:r>
-          </a:p>
-          <a:p>
-            <a:r>
-              <a:rPr lang="en-US" altLang="ko-KR" sz="4400" dirty="0">
-                <a:solidFill>
-                  <a:schemeClr val="bg1"/>
-                </a:solidFill>
-                <a:latin typeface="나눔바른고딕" panose="020B0603020101020101" pitchFamily="50" charset="-127"/>
-                <a:ea typeface="나눔바른고딕" panose="020B0603020101020101" pitchFamily="50" charset="-127"/>
-              </a:rPr>
-              <a:t>	return</a:t>
-            </a:r>
-            <a:r>
-              <a:rPr lang="ko-KR" altLang="en-US" sz="4400" dirty="0">
-                <a:solidFill>
-                  <a:schemeClr val="bg1"/>
-                </a:solidFill>
-                <a:latin typeface="나눔바른고딕" panose="020B0603020101020101" pitchFamily="50" charset="-127"/>
-                <a:ea typeface="나눔바른고딕" panose="020B0603020101020101" pitchFamily="50" charset="-127"/>
-              </a:rPr>
-              <a:t> </a:t>
-            </a:r>
-            <a:r>
-              <a:rPr lang="ko-KR" altLang="en-US" sz="4400" dirty="0" err="1">
-                <a:solidFill>
-                  <a:schemeClr val="bg1"/>
-                </a:solidFill>
-                <a:latin typeface="나눔바른고딕" panose="020B0603020101020101" pitchFamily="50" charset="-127"/>
-                <a:ea typeface="나눔바른고딕" panose="020B0603020101020101" pitchFamily="50" charset="-127"/>
-              </a:rPr>
-              <a:t>리턴값</a:t>
-            </a:r>
-            <a:endParaRPr lang="en-US" altLang="ko-KR" sz="4400" dirty="0">
-              <a:solidFill>
-                <a:schemeClr val="bg1"/>
-              </a:solidFill>
-              <a:latin typeface="나눔바른고딕" panose="020B0603020101020101" pitchFamily="50" charset="-127"/>
-              <a:ea typeface="나눔바른고딕" panose="020B0603020101020101" pitchFamily="50" charset="-127"/>
-            </a:endParaRPr>
-          </a:p>
-        </p:txBody>
-      </p:sp>
-    </p:spTree>
-    <p:extLst>
-      <p:ext uri="{BB962C8B-B14F-4D97-AF65-F5344CB8AC3E}">
-        <p14:creationId xmlns:p14="http://schemas.microsoft.com/office/powerpoint/2010/main" val="4187566478"/>
-      </p:ext>
-    </p:extLst>
-  </p:cSld>
-  <p:clrMapOvr>
-    <a:masterClrMapping/>
-  </p:clrMapOvr>
-</p:sld>
-</file>
-
-<file path=ppt/slides/slide11.xml><?xml version="1.0" encoding="utf-8"?>
-<p:sld xmlns:a="http://schemas.openxmlformats.org/drawingml/2006/main" xmlns:r="http://schemas.openxmlformats.org/officeDocument/2006/relationships" xmlns:p="http://schemas.openxmlformats.org/presentationml/2006/main">
-  <p:cSld>
-    <p:bg>
-      <p:bgPr>
-        <a:solidFill>
-          <a:schemeClr val="tx1">
-            <a:lumMod val="85000"/>
-            <a:lumOff val="15000"/>
-          </a:schemeClr>
-        </a:solidFill>
-        <a:effectLst/>
-      </p:bgPr>
-    </p:bg>
-    <p:spTree>
-      <p:nvGrpSpPr>
-        <p:cNvPr id="1" name=""/>
-        <p:cNvGrpSpPr/>
-        <p:nvPr/>
-      </p:nvGrpSpPr>
-      <p:grpSpPr>
-        <a:xfrm>
-          <a:off x="0" y="0"/>
-          <a:ext cx="0" cy="0"/>
-          <a:chOff x="0" y="0"/>
-          <a:chExt cx="0" cy="0"/>
-        </a:xfrm>
-      </p:grpSpPr>
-      <p:sp>
-        <p:nvSpPr>
-          <p:cNvPr id="3" name="TextBox 2">
-            <a:extLst>
-              <a:ext uri="{FF2B5EF4-FFF2-40B4-BE49-F238E27FC236}">
-                <a16:creationId xmlns:a16="http://schemas.microsoft.com/office/drawing/2014/main" id="{D5F399E4-670C-4443-8EB0-89BE61849494}"/>
-              </a:ext>
-            </a:extLst>
-          </p:cNvPr>
-          <p:cNvSpPr txBox="1"/>
-          <p:nvPr/>
-        </p:nvSpPr>
-        <p:spPr>
-          <a:xfrm>
-            <a:off x="1653840" y="3933056"/>
-            <a:ext cx="6551256" cy="1384995"/>
-          </a:xfrm>
-          <a:prstGeom prst="rect">
-            <a:avLst/>
-          </a:prstGeom>
-          <a:noFill/>
-        </p:spPr>
-        <p:txBody>
-          <a:bodyPr wrap="square" rtlCol="0">
-            <a:spAutoFit/>
-          </a:bodyPr>
-          <a:lstStyle/>
-          <a:p>
-            <a:r>
-              <a:rPr lang="en-US" altLang="ko-KR" sz="2800" dirty="0">
-                <a:solidFill>
-                  <a:schemeClr val="accent6">
-                    <a:lumMod val="75000"/>
-                  </a:schemeClr>
-                </a:solidFill>
-                <a:latin typeface="나눔바른고딕" panose="020B0603020101020101" pitchFamily="50" charset="-127"/>
-                <a:ea typeface="나눔바른고딕" panose="020B0603020101020101" pitchFamily="50" charset="-127"/>
-              </a:rPr>
-              <a:t>def</a:t>
-            </a:r>
-            <a:r>
-              <a:rPr lang="en-US" altLang="ko-KR" sz="2800" dirty="0">
-                <a:solidFill>
-                  <a:schemeClr val="bg1"/>
-                </a:solidFill>
-                <a:latin typeface="나눔바른고딕" panose="020B0603020101020101" pitchFamily="50" charset="-127"/>
-                <a:ea typeface="나눔바른고딕" panose="020B0603020101020101" pitchFamily="50" charset="-127"/>
-              </a:rPr>
-              <a:t> </a:t>
-            </a:r>
-            <a:r>
-              <a:rPr lang="en-US" altLang="ko-KR" sz="2800" dirty="0" err="1">
-                <a:solidFill>
-                  <a:schemeClr val="bg1"/>
-                </a:solidFill>
-                <a:latin typeface="나눔바른고딕" panose="020B0603020101020101" pitchFamily="50" charset="-127"/>
-                <a:ea typeface="나눔바른고딕" panose="020B0603020101020101" pitchFamily="50" charset="-127"/>
-              </a:rPr>
-              <a:t>getRandomNumber</a:t>
-            </a:r>
-            <a:r>
-              <a:rPr lang="en-US" altLang="ko-KR" sz="2800" dirty="0">
-                <a:solidFill>
-                  <a:schemeClr val="bg1"/>
-                </a:solidFill>
-                <a:latin typeface="나눔바른고딕" panose="020B0603020101020101" pitchFamily="50" charset="-127"/>
-                <a:ea typeface="나눔바른고딕" panose="020B0603020101020101" pitchFamily="50" charset="-127"/>
-              </a:rPr>
-              <a:t> </a:t>
-            </a:r>
-            <a:r>
-              <a:rPr lang="en-US" altLang="ko-KR" sz="2800" dirty="0">
-                <a:solidFill>
-                  <a:schemeClr val="accent6">
-                    <a:lumMod val="75000"/>
-                  </a:schemeClr>
-                </a:solidFill>
-                <a:latin typeface="나눔바른고딕" panose="020B0603020101020101" pitchFamily="50" charset="-127"/>
-                <a:ea typeface="나눔바른고딕" panose="020B0603020101020101" pitchFamily="50" charset="-127"/>
-              </a:rPr>
-              <a:t>():</a:t>
-            </a:r>
-          </a:p>
-          <a:p>
-            <a:r>
-              <a:rPr lang="en-US" altLang="ko-KR" sz="2800" dirty="0">
-                <a:solidFill>
-                  <a:schemeClr val="bg1"/>
-                </a:solidFill>
-                <a:latin typeface="나눔바른고딕" panose="020B0603020101020101" pitchFamily="50" charset="-127"/>
-                <a:ea typeface="나눔바른고딕" panose="020B0603020101020101" pitchFamily="50" charset="-127"/>
-              </a:rPr>
-              <a:t>	number = </a:t>
-            </a:r>
-            <a:r>
-              <a:rPr lang="en-US" altLang="ko-KR" sz="2800" dirty="0" err="1">
-                <a:solidFill>
-                  <a:schemeClr val="bg1"/>
-                </a:solidFill>
-                <a:latin typeface="나눔바른고딕" panose="020B0603020101020101" pitchFamily="50" charset="-127"/>
-                <a:ea typeface="나눔바른고딕" panose="020B0603020101020101" pitchFamily="50" charset="-127"/>
-              </a:rPr>
-              <a:t>random.randint</a:t>
-            </a:r>
-            <a:r>
-              <a:rPr lang="en-US" altLang="ko-KR" sz="2800" dirty="0">
-                <a:solidFill>
-                  <a:schemeClr val="bg1"/>
-                </a:solidFill>
-                <a:latin typeface="나눔바른고딕" panose="020B0603020101020101" pitchFamily="50" charset="-127"/>
-                <a:ea typeface="나눔바른고딕" panose="020B0603020101020101" pitchFamily="50" charset="-127"/>
-              </a:rPr>
-              <a:t>(1,10)</a:t>
-            </a:r>
-          </a:p>
-          <a:p>
-            <a:r>
-              <a:rPr lang="en-US" altLang="ko-KR" sz="2800" dirty="0">
-                <a:solidFill>
-                  <a:schemeClr val="bg1"/>
-                </a:solidFill>
-                <a:latin typeface="나눔바른고딕" panose="020B0603020101020101" pitchFamily="50" charset="-127"/>
-                <a:ea typeface="나눔바른고딕" panose="020B0603020101020101" pitchFamily="50" charset="-127"/>
-              </a:rPr>
-              <a:t>	</a:t>
-            </a:r>
-            <a:r>
-              <a:rPr lang="en-US" altLang="ko-KR" sz="2800" dirty="0">
-                <a:solidFill>
-                  <a:schemeClr val="accent6">
-                    <a:lumMod val="75000"/>
-                  </a:schemeClr>
-                </a:solidFill>
-                <a:latin typeface="나눔바른고딕" panose="020B0603020101020101" pitchFamily="50" charset="-127"/>
-                <a:ea typeface="나눔바른고딕" panose="020B0603020101020101" pitchFamily="50" charset="-127"/>
-              </a:rPr>
-              <a:t>return</a:t>
-            </a:r>
-            <a:r>
-              <a:rPr lang="en-US" altLang="ko-KR" sz="2800" dirty="0">
-                <a:solidFill>
-                  <a:schemeClr val="bg1"/>
-                </a:solidFill>
-                <a:latin typeface="나눔바른고딕" panose="020B0603020101020101" pitchFamily="50" charset="-127"/>
-                <a:ea typeface="나눔바른고딕" panose="020B0603020101020101" pitchFamily="50" charset="-127"/>
-              </a:rPr>
-              <a:t> number</a:t>
-            </a:r>
-          </a:p>
-        </p:txBody>
-      </p:sp>
-      <p:sp>
-        <p:nvSpPr>
-          <p:cNvPr id="4" name="TextBox 3">
-            <a:extLst>
-              <a:ext uri="{FF2B5EF4-FFF2-40B4-BE49-F238E27FC236}">
-                <a16:creationId xmlns:a16="http://schemas.microsoft.com/office/drawing/2014/main" id="{81F952B8-2F96-4293-B245-50DE89B72DAC}"/>
-              </a:ext>
-            </a:extLst>
-          </p:cNvPr>
-          <p:cNvSpPr txBox="1"/>
-          <p:nvPr/>
-        </p:nvSpPr>
-        <p:spPr>
-          <a:xfrm>
-            <a:off x="1653840" y="1114337"/>
-            <a:ext cx="3212867" cy="1815882"/>
-          </a:xfrm>
-          <a:prstGeom prst="rect">
-            <a:avLst/>
-          </a:prstGeom>
-          <a:noFill/>
-        </p:spPr>
-        <p:txBody>
-          <a:bodyPr wrap="none" rtlCol="0">
-            <a:spAutoFit/>
-          </a:bodyPr>
-          <a:lstStyle/>
-          <a:p>
-            <a:r>
-              <a:rPr lang="en-US" altLang="ko-KR" sz="2800" dirty="0">
-                <a:solidFill>
-                  <a:schemeClr val="accent6">
-                    <a:lumMod val="75000"/>
-                  </a:schemeClr>
-                </a:solidFill>
-                <a:latin typeface="나눔바른고딕" panose="020B0603020101020101" pitchFamily="50" charset="-127"/>
-                <a:ea typeface="나눔바른고딕" panose="020B0603020101020101" pitchFamily="50" charset="-127"/>
-              </a:rPr>
-              <a:t>def</a:t>
-            </a:r>
-            <a:r>
-              <a:rPr lang="ko-KR" altLang="en-US" sz="2800" dirty="0">
-                <a:solidFill>
-                  <a:schemeClr val="accent6">
-                    <a:lumMod val="75000"/>
-                  </a:schemeClr>
-                </a:solidFill>
-                <a:latin typeface="나눔바른고딕" panose="020B0603020101020101" pitchFamily="50" charset="-127"/>
-                <a:ea typeface="나눔바른고딕" panose="020B0603020101020101" pitchFamily="50" charset="-127"/>
-              </a:rPr>
-              <a:t> </a:t>
-            </a:r>
-            <a:r>
-              <a:rPr lang="ko-KR" altLang="en-US" sz="2800" dirty="0">
-                <a:solidFill>
-                  <a:schemeClr val="bg1"/>
-                </a:solidFill>
-                <a:latin typeface="나눔바른고딕" panose="020B0603020101020101" pitchFamily="50" charset="-127"/>
-                <a:ea typeface="나눔바른고딕" panose="020B0603020101020101" pitchFamily="50" charset="-127"/>
-              </a:rPr>
-              <a:t>함수이름</a:t>
-            </a:r>
-            <a:r>
-              <a:rPr lang="en-US" altLang="ko-KR" sz="2800" dirty="0">
-                <a:solidFill>
-                  <a:schemeClr val="accent6">
-                    <a:lumMod val="75000"/>
-                  </a:schemeClr>
-                </a:solidFill>
-                <a:latin typeface="나눔바른고딕" panose="020B0603020101020101" pitchFamily="50" charset="-127"/>
-                <a:ea typeface="나눔바른고딕" panose="020B0603020101020101" pitchFamily="50" charset="-127"/>
-              </a:rPr>
-              <a:t>():</a:t>
-            </a:r>
-          </a:p>
-          <a:p>
-            <a:r>
-              <a:rPr lang="en-US" altLang="ko-KR" sz="2800" dirty="0">
-                <a:solidFill>
-                  <a:schemeClr val="accent6">
-                    <a:lumMod val="75000"/>
-                  </a:schemeClr>
-                </a:solidFill>
-                <a:latin typeface="나눔바른고딕" panose="020B0603020101020101" pitchFamily="50" charset="-127"/>
-                <a:ea typeface="나눔바른고딕" panose="020B0603020101020101" pitchFamily="50" charset="-127"/>
-              </a:rPr>
-              <a:t>	</a:t>
-            </a:r>
-            <a:r>
-              <a:rPr lang="ko-KR" altLang="en-US" sz="2800" dirty="0">
-                <a:solidFill>
-                  <a:schemeClr val="bg1"/>
-                </a:solidFill>
-                <a:latin typeface="나눔바른고딕" panose="020B0603020101020101" pitchFamily="50" charset="-127"/>
-                <a:ea typeface="나눔바른고딕" panose="020B0603020101020101" pitchFamily="50" charset="-127"/>
-              </a:rPr>
-              <a:t>명령블록</a:t>
-            </a:r>
-            <a:endParaRPr lang="en-US" altLang="ko-KR" sz="2800" dirty="0">
-              <a:solidFill>
-                <a:schemeClr val="bg1"/>
-              </a:solidFill>
-              <a:latin typeface="나눔바른고딕" panose="020B0603020101020101" pitchFamily="50" charset="-127"/>
-              <a:ea typeface="나눔바른고딕" panose="020B0603020101020101" pitchFamily="50" charset="-127"/>
-            </a:endParaRPr>
-          </a:p>
-          <a:p>
-            <a:r>
-              <a:rPr lang="en-US" altLang="ko-KR" sz="2800" dirty="0">
-                <a:solidFill>
-                  <a:schemeClr val="bg1"/>
-                </a:solidFill>
-                <a:latin typeface="나눔바른고딕" panose="020B0603020101020101" pitchFamily="50" charset="-127"/>
-                <a:ea typeface="나눔바른고딕" panose="020B0603020101020101" pitchFamily="50" charset="-127"/>
-              </a:rPr>
-              <a:t>	…</a:t>
-            </a:r>
-          </a:p>
-          <a:p>
-            <a:r>
-              <a:rPr lang="en-US" altLang="ko-KR" sz="2800" dirty="0">
-                <a:solidFill>
-                  <a:schemeClr val="bg1"/>
-                </a:solidFill>
-                <a:latin typeface="나눔바른고딕" panose="020B0603020101020101" pitchFamily="50" charset="-127"/>
-                <a:ea typeface="나눔바른고딕" panose="020B0603020101020101" pitchFamily="50" charset="-127"/>
-              </a:rPr>
-              <a:t>	return</a:t>
-            </a:r>
-            <a:r>
-              <a:rPr lang="ko-KR" altLang="en-US" sz="2800" dirty="0">
-                <a:solidFill>
-                  <a:schemeClr val="bg1"/>
-                </a:solidFill>
-                <a:latin typeface="나눔바른고딕" panose="020B0603020101020101" pitchFamily="50" charset="-127"/>
-                <a:ea typeface="나눔바른고딕" panose="020B0603020101020101" pitchFamily="50" charset="-127"/>
-              </a:rPr>
-              <a:t> </a:t>
-            </a:r>
-            <a:r>
-              <a:rPr lang="ko-KR" altLang="en-US" sz="2800" dirty="0" err="1">
-                <a:solidFill>
-                  <a:schemeClr val="bg1"/>
-                </a:solidFill>
-                <a:latin typeface="나눔바른고딕" panose="020B0603020101020101" pitchFamily="50" charset="-127"/>
-                <a:ea typeface="나눔바른고딕" panose="020B0603020101020101" pitchFamily="50" charset="-127"/>
-              </a:rPr>
-              <a:t>리턴값</a:t>
-            </a:r>
-            <a:endParaRPr lang="en-US" altLang="ko-KR" sz="2800" dirty="0">
-              <a:solidFill>
-                <a:schemeClr val="bg1"/>
-              </a:solidFill>
-              <a:latin typeface="나눔바른고딕" panose="020B0603020101020101" pitchFamily="50" charset="-127"/>
-              <a:ea typeface="나눔바른고딕" panose="020B0603020101020101" pitchFamily="50" charset="-127"/>
-            </a:endParaRPr>
-          </a:p>
-        </p:txBody>
-      </p:sp>
-    </p:spTree>
-    <p:extLst>
-      <p:ext uri="{BB962C8B-B14F-4D97-AF65-F5344CB8AC3E}">
-        <p14:creationId xmlns:p14="http://schemas.microsoft.com/office/powerpoint/2010/main" val="806224239"/>
-      </p:ext>
-    </p:extLst>
-  </p:cSld>
-  <p:clrMapOvr>
-    <a:masterClrMapping/>
-  </p:clrMapOvr>
-  <mc:AlternateContent xmlns:mc="http://schemas.openxmlformats.org/markup-compatibility/2006">
-    <mc:Choice xmlns:p159="http://schemas.microsoft.com/office/powerpoint/2015/09/main" Requires="p159">
-      <p:transition xmlns:p14="http://schemas.microsoft.com/office/powerpoint/2010/main" spd="slow" p14:dur="2000">
-        <p159:morph option="byObject"/>
-      </p:transition>
-    </mc:Choice>
-    <mc:Fallback>
-      <p:transition spd="slow">
-        <p:fade/>
-      </p:transition>
-    </mc:Fallback>
-  </mc:AlternateContent>
-</p:sld>
-</file>
-
-<file path=ppt/slides/slide12.xml><?xml version="1.0" encoding="utf-8"?>
-<p:sld xmlns:a="http://schemas.openxmlformats.org/drawingml/2006/main" xmlns:r="http://schemas.openxmlformats.org/officeDocument/2006/relationships" xmlns:p="http://schemas.openxmlformats.org/presentationml/2006/main">
-  <p:cSld>
-    <p:bg>
-      <p:bgPr>
-        <a:solidFill>
-          <a:schemeClr val="tx1">
-            <a:lumMod val="85000"/>
-            <a:lumOff val="15000"/>
-          </a:schemeClr>
-        </a:solidFill>
-        <a:effectLst/>
-      </p:bgPr>
-    </p:bg>
-    <p:spTree>
-      <p:nvGrpSpPr>
-        <p:cNvPr id="1" name=""/>
-        <p:cNvGrpSpPr/>
-        <p:nvPr/>
-      </p:nvGrpSpPr>
-      <p:grpSpPr>
-        <a:xfrm>
-          <a:off x="0" y="0"/>
-          <a:ext cx="0" cy="0"/>
-          <a:chOff x="0" y="0"/>
-          <a:chExt cx="0" cy="0"/>
-        </a:xfrm>
-      </p:grpSpPr>
-      <p:sp>
-        <p:nvSpPr>
-          <p:cNvPr id="3" name="TextBox 2">
-            <a:extLst>
-              <a:ext uri="{FF2B5EF4-FFF2-40B4-BE49-F238E27FC236}">
-                <a16:creationId xmlns:a16="http://schemas.microsoft.com/office/drawing/2014/main" id="{08BB054E-84A4-4F77-A4B9-E0027E24282F}"/>
-              </a:ext>
-            </a:extLst>
-          </p:cNvPr>
-          <p:cNvSpPr txBox="1"/>
-          <p:nvPr/>
-        </p:nvSpPr>
-        <p:spPr>
-          <a:xfrm>
-            <a:off x="2183662" y="2644170"/>
-            <a:ext cx="5538696" cy="830997"/>
-          </a:xfrm>
-          <a:prstGeom prst="rect">
-            <a:avLst/>
-          </a:prstGeom>
-          <a:noFill/>
-        </p:spPr>
-        <p:txBody>
-          <a:bodyPr wrap="none" rtlCol="0">
-            <a:spAutoFit/>
-          </a:bodyPr>
-          <a:lstStyle/>
-          <a:p>
-            <a:pPr algn="ctr"/>
-            <a:r>
-              <a:rPr lang="en-US" altLang="ko-KR" sz="4800" dirty="0">
-                <a:solidFill>
-                  <a:schemeClr val="bg1">
-                    <a:lumMod val="95000"/>
-                  </a:schemeClr>
-                </a:solidFill>
-                <a:latin typeface="나눔바른고딕" panose="020B0603020101020101" pitchFamily="50" charset="-127"/>
-                <a:ea typeface="나눔바른고딕" panose="020B0603020101020101" pitchFamily="50" charset="-127"/>
-              </a:rPr>
-              <a:t>4. </a:t>
-            </a:r>
-            <a:r>
-              <a:rPr lang="ko-KR" altLang="en-US" sz="4800" dirty="0" err="1">
-                <a:solidFill>
-                  <a:schemeClr val="bg1">
-                    <a:lumMod val="95000"/>
-                  </a:schemeClr>
-                </a:solidFill>
-                <a:latin typeface="나눔바른고딕" panose="020B0603020101020101" pitchFamily="50" charset="-127"/>
-                <a:ea typeface="나눔바른고딕" panose="020B0603020101020101" pitchFamily="50" charset="-127"/>
-              </a:rPr>
-              <a:t>리턴값이</a:t>
-            </a:r>
-            <a:r>
-              <a:rPr lang="ko-KR" altLang="en-US" sz="4800" dirty="0">
-                <a:solidFill>
-                  <a:schemeClr val="bg1">
-                    <a:lumMod val="95000"/>
-                  </a:schemeClr>
-                </a:solidFill>
-                <a:latin typeface="나눔바른고딕" panose="020B0603020101020101" pitchFamily="50" charset="-127"/>
-                <a:ea typeface="나눔바른고딕" panose="020B0603020101020101" pitchFamily="50" charset="-127"/>
-              </a:rPr>
-              <a:t> 없는 함수</a:t>
-            </a:r>
-            <a:endParaRPr lang="en-US" altLang="ko-KR" sz="4800" dirty="0">
-              <a:solidFill>
-                <a:schemeClr val="bg1">
-                  <a:lumMod val="95000"/>
-                </a:schemeClr>
-              </a:solidFill>
-              <a:latin typeface="나눔바른고딕" panose="020B0603020101020101" pitchFamily="50" charset="-127"/>
-              <a:ea typeface="나눔바른고딕" panose="020B0603020101020101" pitchFamily="50" charset="-127"/>
-            </a:endParaRPr>
-          </a:p>
-        </p:txBody>
-      </p:sp>
-    </p:spTree>
-    <p:extLst>
-      <p:ext uri="{BB962C8B-B14F-4D97-AF65-F5344CB8AC3E}">
-        <p14:creationId xmlns:p14="http://schemas.microsoft.com/office/powerpoint/2010/main" val="3094025725"/>
-      </p:ext>
-    </p:extLst>
-  </p:cSld>
-  <p:clrMapOvr>
-    <a:masterClrMapping/>
-  </p:clrMapOvr>
-  <mc:AlternateContent xmlns:mc="http://schemas.openxmlformats.org/markup-compatibility/2006">
-    <mc:Choice xmlns:p159="http://schemas.microsoft.com/office/powerpoint/2015/09/main" Requires="p159">
-      <p:transition xmlns:p14="http://schemas.microsoft.com/office/powerpoint/2010/main" spd="slow" p14:dur="2000">
-        <p159:morph option="byObject"/>
-      </p:transition>
-    </mc:Choice>
-    <mc:Fallback>
-      <p:transition spd="slow">
-        <p:fade/>
-      </p:transition>
-    </mc:Fallback>
-  </mc:AlternateContent>
-</p:sld>
-</file>
-
-<file path=ppt/slides/slide13.xml><?xml version="1.0" encoding="utf-8"?>
-<p:sld xmlns:a="http://schemas.openxmlformats.org/drawingml/2006/main" xmlns:r="http://schemas.openxmlformats.org/officeDocument/2006/relationships" xmlns:p="http://schemas.openxmlformats.org/presentationml/2006/main">
-  <p:cSld>
-    <p:bg>
-      <p:bgPr>
-        <a:solidFill>
-          <a:schemeClr val="tx1">
-            <a:lumMod val="85000"/>
-            <a:lumOff val="15000"/>
-          </a:schemeClr>
-        </a:solidFill>
-        <a:effectLst/>
-      </p:bgPr>
-    </p:bg>
-    <p:spTree>
-      <p:nvGrpSpPr>
-        <p:cNvPr id="1" name=""/>
-        <p:cNvGrpSpPr/>
-        <p:nvPr/>
-      </p:nvGrpSpPr>
-      <p:grpSpPr>
-        <a:xfrm>
-          <a:off x="0" y="0"/>
-          <a:ext cx="0" cy="0"/>
-          <a:chOff x="0" y="0"/>
-          <a:chExt cx="0" cy="0"/>
-        </a:xfrm>
-      </p:grpSpPr>
-      <p:sp>
-        <p:nvSpPr>
-          <p:cNvPr id="2" name="TextBox 1">
-            <a:extLst>
-              <a:ext uri="{FF2B5EF4-FFF2-40B4-BE49-F238E27FC236}">
-                <a16:creationId xmlns:a16="http://schemas.microsoft.com/office/drawing/2014/main" id="{0B332A50-CC0E-4C7E-B47E-E7CFBA7B423B}"/>
-              </a:ext>
-            </a:extLst>
-          </p:cNvPr>
-          <p:cNvSpPr txBox="1"/>
-          <p:nvPr/>
-        </p:nvSpPr>
-        <p:spPr>
-          <a:xfrm>
-            <a:off x="2028161" y="2028617"/>
-            <a:ext cx="5849678" cy="2123658"/>
-          </a:xfrm>
-          <a:prstGeom prst="rect">
-            <a:avLst/>
-          </a:prstGeom>
-          <a:noFill/>
-        </p:spPr>
-        <p:txBody>
-          <a:bodyPr wrap="none" rtlCol="0">
-            <a:spAutoFit/>
-          </a:bodyPr>
-          <a:lstStyle/>
-          <a:p>
-            <a:r>
-              <a:rPr lang="en-US" altLang="ko-KR" sz="4400" dirty="0">
-                <a:solidFill>
-                  <a:schemeClr val="accent6">
-                    <a:lumMod val="75000"/>
-                  </a:schemeClr>
-                </a:solidFill>
-                <a:latin typeface="나눔바른고딕" panose="020B0603020101020101" pitchFamily="50" charset="-127"/>
-                <a:ea typeface="나눔바른고딕" panose="020B0603020101020101" pitchFamily="50" charset="-127"/>
-              </a:rPr>
-              <a:t>def</a:t>
-            </a:r>
-            <a:r>
-              <a:rPr lang="ko-KR" altLang="en-US" sz="4400" dirty="0">
-                <a:solidFill>
-                  <a:schemeClr val="accent6">
-                    <a:lumMod val="75000"/>
-                  </a:schemeClr>
-                </a:solidFill>
-                <a:latin typeface="나눔바른고딕" panose="020B0603020101020101" pitchFamily="50" charset="-127"/>
-                <a:ea typeface="나눔바른고딕" panose="020B0603020101020101" pitchFamily="50" charset="-127"/>
-              </a:rPr>
-              <a:t> </a:t>
-            </a:r>
-            <a:r>
-              <a:rPr lang="ko-KR" altLang="en-US" sz="4400" dirty="0">
-                <a:solidFill>
-                  <a:schemeClr val="bg1"/>
-                </a:solidFill>
-                <a:latin typeface="나눔바른고딕" panose="020B0603020101020101" pitchFamily="50" charset="-127"/>
-                <a:ea typeface="나눔바른고딕" panose="020B0603020101020101" pitchFamily="50" charset="-127"/>
-              </a:rPr>
-              <a:t>함수이름</a:t>
-            </a:r>
-            <a:r>
-              <a:rPr lang="en-US" altLang="ko-KR" sz="4400" dirty="0">
-                <a:solidFill>
-                  <a:schemeClr val="accent6">
-                    <a:lumMod val="75000"/>
-                  </a:schemeClr>
-                </a:solidFill>
-                <a:latin typeface="나눔바른고딕" panose="020B0603020101020101" pitchFamily="50" charset="-127"/>
-                <a:ea typeface="나눔바른고딕" panose="020B0603020101020101" pitchFamily="50" charset="-127"/>
-              </a:rPr>
-              <a:t>(</a:t>
-            </a:r>
-            <a:r>
-              <a:rPr lang="ko-KR" altLang="en-US" sz="4400" dirty="0">
-                <a:solidFill>
-                  <a:schemeClr val="accent6">
-                    <a:lumMod val="75000"/>
-                  </a:schemeClr>
-                </a:solidFill>
-                <a:latin typeface="나눔바른고딕" panose="020B0603020101020101" pitchFamily="50" charset="-127"/>
-                <a:ea typeface="나눔바른고딕" panose="020B0603020101020101" pitchFamily="50" charset="-127"/>
-              </a:rPr>
-              <a:t>매개변수</a:t>
-            </a:r>
-            <a:r>
-              <a:rPr lang="en-US" altLang="ko-KR" sz="4400" dirty="0">
-                <a:solidFill>
-                  <a:schemeClr val="accent6">
-                    <a:lumMod val="75000"/>
-                  </a:schemeClr>
-                </a:solidFill>
-                <a:latin typeface="나눔바른고딕" panose="020B0603020101020101" pitchFamily="50" charset="-127"/>
-                <a:ea typeface="나눔바른고딕" panose="020B0603020101020101" pitchFamily="50" charset="-127"/>
-              </a:rPr>
-              <a:t>):</a:t>
-            </a:r>
-          </a:p>
-          <a:p>
-            <a:r>
-              <a:rPr lang="en-US" altLang="ko-KR" sz="4400" dirty="0">
-                <a:solidFill>
-                  <a:schemeClr val="accent6">
-                    <a:lumMod val="75000"/>
-                  </a:schemeClr>
-                </a:solidFill>
-                <a:latin typeface="나눔바른고딕" panose="020B0603020101020101" pitchFamily="50" charset="-127"/>
-                <a:ea typeface="나눔바른고딕" panose="020B0603020101020101" pitchFamily="50" charset="-127"/>
-              </a:rPr>
-              <a:t>	</a:t>
-            </a:r>
-            <a:r>
-              <a:rPr lang="ko-KR" altLang="en-US" sz="4400" dirty="0">
-                <a:solidFill>
-                  <a:schemeClr val="bg1"/>
-                </a:solidFill>
-                <a:latin typeface="나눔바른고딕" panose="020B0603020101020101" pitchFamily="50" charset="-127"/>
-                <a:ea typeface="나눔바른고딕" panose="020B0603020101020101" pitchFamily="50" charset="-127"/>
-              </a:rPr>
-              <a:t>명령블록</a:t>
-            </a:r>
-            <a:endParaRPr lang="en-US" altLang="ko-KR" sz="4400" dirty="0">
-              <a:solidFill>
-                <a:schemeClr val="bg1"/>
-              </a:solidFill>
-              <a:latin typeface="나눔바른고딕" panose="020B0603020101020101" pitchFamily="50" charset="-127"/>
-              <a:ea typeface="나눔바른고딕" panose="020B0603020101020101" pitchFamily="50" charset="-127"/>
-            </a:endParaRPr>
-          </a:p>
-          <a:p>
-            <a:r>
-              <a:rPr lang="en-US" altLang="ko-KR" sz="4400" dirty="0">
-                <a:solidFill>
-                  <a:schemeClr val="bg1"/>
-                </a:solidFill>
-                <a:latin typeface="나눔바른고딕" panose="020B0603020101020101" pitchFamily="50" charset="-127"/>
-                <a:ea typeface="나눔바른고딕" panose="020B0603020101020101" pitchFamily="50" charset="-127"/>
-              </a:rPr>
-              <a:t>	…</a:t>
-            </a:r>
-          </a:p>
-        </p:txBody>
-      </p:sp>
-    </p:spTree>
-    <p:extLst>
-      <p:ext uri="{BB962C8B-B14F-4D97-AF65-F5344CB8AC3E}">
-        <p14:creationId xmlns:p14="http://schemas.microsoft.com/office/powerpoint/2010/main" val="3990447185"/>
-      </p:ext>
-    </p:extLst>
-  </p:cSld>
-  <p:clrMapOvr>
-    <a:masterClrMapping/>
-  </p:clrMapOvr>
-</p:sld>
-</file>
-
-<file path=ppt/slides/slide14.xml><?xml version="1.0" encoding="utf-8"?>
-<p:sld xmlns:a="http://schemas.openxmlformats.org/drawingml/2006/main" xmlns:r="http://schemas.openxmlformats.org/officeDocument/2006/relationships" xmlns:p="http://schemas.openxmlformats.org/presentationml/2006/main">
-  <p:cSld>
-    <p:bg>
-      <p:bgPr>
-        <a:solidFill>
-          <a:schemeClr val="tx1">
-            <a:lumMod val="85000"/>
-            <a:lumOff val="15000"/>
-          </a:schemeClr>
-        </a:solidFill>
-        <a:effectLst/>
-      </p:bgPr>
-    </p:bg>
-    <p:spTree>
-      <p:nvGrpSpPr>
-        <p:cNvPr id="1" name=""/>
-        <p:cNvGrpSpPr/>
-        <p:nvPr/>
-      </p:nvGrpSpPr>
-      <p:grpSpPr>
-        <a:xfrm>
-          <a:off x="0" y="0"/>
-          <a:ext cx="0" cy="0"/>
-          <a:chOff x="0" y="0"/>
-          <a:chExt cx="0" cy="0"/>
-        </a:xfrm>
-      </p:grpSpPr>
-      <p:sp>
-        <p:nvSpPr>
-          <p:cNvPr id="3" name="TextBox 2">
-            <a:extLst>
-              <a:ext uri="{FF2B5EF4-FFF2-40B4-BE49-F238E27FC236}">
-                <a16:creationId xmlns:a16="http://schemas.microsoft.com/office/drawing/2014/main" id="{D5F399E4-670C-4443-8EB0-89BE61849494}"/>
-              </a:ext>
-            </a:extLst>
-          </p:cNvPr>
-          <p:cNvSpPr txBox="1"/>
-          <p:nvPr/>
-        </p:nvSpPr>
-        <p:spPr>
-          <a:xfrm>
-            <a:off x="5007221" y="2351782"/>
-            <a:ext cx="4770316" cy="1077218"/>
-          </a:xfrm>
-          <a:prstGeom prst="rect">
-            <a:avLst/>
-          </a:prstGeom>
-          <a:noFill/>
-        </p:spPr>
-        <p:txBody>
-          <a:bodyPr wrap="square" rtlCol="0">
-            <a:spAutoFit/>
-          </a:bodyPr>
-          <a:lstStyle/>
-          <a:p>
-            <a:r>
-              <a:rPr lang="en-US" altLang="ko-KR" sz="3200" dirty="0">
-                <a:solidFill>
-                  <a:schemeClr val="accent6">
-                    <a:lumMod val="75000"/>
-                  </a:schemeClr>
-                </a:solidFill>
-                <a:latin typeface="나눔바른고딕" panose="020B0603020101020101" pitchFamily="50" charset="-127"/>
-                <a:ea typeface="나눔바른고딕" panose="020B0603020101020101" pitchFamily="50" charset="-127"/>
-              </a:rPr>
-              <a:t>def</a:t>
-            </a:r>
-            <a:r>
-              <a:rPr lang="en-US" altLang="ko-KR" sz="3200" dirty="0">
-                <a:solidFill>
-                  <a:schemeClr val="bg1"/>
-                </a:solidFill>
-                <a:latin typeface="나눔바른고딕" panose="020B0603020101020101" pitchFamily="50" charset="-127"/>
-                <a:ea typeface="나눔바른고딕" panose="020B0603020101020101" pitchFamily="50" charset="-127"/>
-              </a:rPr>
-              <a:t> </a:t>
-            </a:r>
-            <a:r>
-              <a:rPr lang="en-US" altLang="ko-KR" sz="3200" dirty="0" err="1">
-                <a:solidFill>
-                  <a:schemeClr val="bg1"/>
-                </a:solidFill>
-                <a:latin typeface="나눔바른고딕" panose="020B0603020101020101" pitchFamily="50" charset="-127"/>
-                <a:ea typeface="나눔바른고딕" panose="020B0603020101020101" pitchFamily="50" charset="-127"/>
-              </a:rPr>
-              <a:t>printName</a:t>
-            </a:r>
-            <a:r>
-              <a:rPr lang="en-US" altLang="ko-KR" sz="3200" dirty="0">
-                <a:solidFill>
-                  <a:schemeClr val="bg1"/>
-                </a:solidFill>
-                <a:latin typeface="나눔바른고딕" panose="020B0603020101020101" pitchFamily="50" charset="-127"/>
-                <a:ea typeface="나눔바른고딕" panose="020B0603020101020101" pitchFamily="50" charset="-127"/>
-              </a:rPr>
-              <a:t> </a:t>
-            </a:r>
-            <a:r>
-              <a:rPr lang="en-US" altLang="ko-KR" sz="3200" dirty="0">
-                <a:solidFill>
-                  <a:schemeClr val="accent6">
-                    <a:lumMod val="75000"/>
-                  </a:schemeClr>
-                </a:solidFill>
-                <a:latin typeface="나눔바른고딕" panose="020B0603020101020101" pitchFamily="50" charset="-127"/>
-                <a:ea typeface="나눔바른고딕" panose="020B0603020101020101" pitchFamily="50" charset="-127"/>
-              </a:rPr>
-              <a:t>(name):</a:t>
-            </a:r>
-          </a:p>
-          <a:p>
-            <a:r>
-              <a:rPr lang="en-US" altLang="ko-KR" sz="3200" dirty="0">
-                <a:solidFill>
-                  <a:schemeClr val="bg1"/>
-                </a:solidFill>
-                <a:latin typeface="나눔바른고딕" panose="020B0603020101020101" pitchFamily="50" charset="-127"/>
-                <a:ea typeface="나눔바른고딕" panose="020B0603020101020101" pitchFamily="50" charset="-127"/>
-              </a:rPr>
-              <a:t>	print(name)	</a:t>
-            </a:r>
-          </a:p>
-        </p:txBody>
-      </p:sp>
-      <p:sp>
-        <p:nvSpPr>
-          <p:cNvPr id="4" name="TextBox 3">
-            <a:extLst>
-              <a:ext uri="{FF2B5EF4-FFF2-40B4-BE49-F238E27FC236}">
-                <a16:creationId xmlns:a16="http://schemas.microsoft.com/office/drawing/2014/main" id="{C614D1EC-67A2-4D91-B8F9-EBED44F2C3BA}"/>
-              </a:ext>
-            </a:extLst>
-          </p:cNvPr>
-          <p:cNvSpPr txBox="1"/>
-          <p:nvPr/>
-        </p:nvSpPr>
-        <p:spPr>
-          <a:xfrm>
-            <a:off x="632520" y="2367171"/>
-            <a:ext cx="4297971" cy="1569660"/>
-          </a:xfrm>
-          <a:prstGeom prst="rect">
-            <a:avLst/>
-          </a:prstGeom>
-          <a:noFill/>
-        </p:spPr>
-        <p:txBody>
-          <a:bodyPr wrap="none" rtlCol="0">
-            <a:spAutoFit/>
-          </a:bodyPr>
-          <a:lstStyle/>
-          <a:p>
-            <a:r>
-              <a:rPr lang="en-US" altLang="ko-KR" sz="3200" dirty="0">
-                <a:solidFill>
-                  <a:schemeClr val="accent6">
-                    <a:lumMod val="75000"/>
-                  </a:schemeClr>
-                </a:solidFill>
-                <a:latin typeface="나눔바른고딕" panose="020B0603020101020101" pitchFamily="50" charset="-127"/>
-                <a:ea typeface="나눔바른고딕" panose="020B0603020101020101" pitchFamily="50" charset="-127"/>
-              </a:rPr>
-              <a:t>def</a:t>
-            </a:r>
-            <a:r>
-              <a:rPr lang="ko-KR" altLang="en-US" sz="3200" dirty="0">
-                <a:solidFill>
-                  <a:schemeClr val="accent6">
-                    <a:lumMod val="75000"/>
-                  </a:schemeClr>
-                </a:solidFill>
-                <a:latin typeface="나눔바른고딕" panose="020B0603020101020101" pitchFamily="50" charset="-127"/>
-                <a:ea typeface="나눔바른고딕" panose="020B0603020101020101" pitchFamily="50" charset="-127"/>
-              </a:rPr>
-              <a:t> </a:t>
-            </a:r>
-            <a:r>
-              <a:rPr lang="ko-KR" altLang="en-US" sz="3200" dirty="0">
-                <a:solidFill>
-                  <a:schemeClr val="bg1"/>
-                </a:solidFill>
-                <a:latin typeface="나눔바른고딕" panose="020B0603020101020101" pitchFamily="50" charset="-127"/>
-                <a:ea typeface="나눔바른고딕" panose="020B0603020101020101" pitchFamily="50" charset="-127"/>
-              </a:rPr>
-              <a:t>함수이름</a:t>
-            </a:r>
-            <a:r>
-              <a:rPr lang="en-US" altLang="ko-KR" sz="3200" dirty="0">
-                <a:solidFill>
-                  <a:schemeClr val="accent6">
-                    <a:lumMod val="75000"/>
-                  </a:schemeClr>
-                </a:solidFill>
-                <a:latin typeface="나눔바른고딕" panose="020B0603020101020101" pitchFamily="50" charset="-127"/>
-                <a:ea typeface="나눔바른고딕" panose="020B0603020101020101" pitchFamily="50" charset="-127"/>
-              </a:rPr>
-              <a:t>(</a:t>
-            </a:r>
-            <a:r>
-              <a:rPr lang="ko-KR" altLang="en-US" sz="3200" dirty="0">
-                <a:solidFill>
-                  <a:schemeClr val="accent6">
-                    <a:lumMod val="75000"/>
-                  </a:schemeClr>
-                </a:solidFill>
-                <a:latin typeface="나눔바른고딕" panose="020B0603020101020101" pitchFamily="50" charset="-127"/>
-                <a:ea typeface="나눔바른고딕" panose="020B0603020101020101" pitchFamily="50" charset="-127"/>
-              </a:rPr>
-              <a:t>매개변수</a:t>
-            </a:r>
-            <a:r>
-              <a:rPr lang="en-US" altLang="ko-KR" sz="3200" dirty="0">
-                <a:solidFill>
-                  <a:schemeClr val="accent6">
-                    <a:lumMod val="75000"/>
-                  </a:schemeClr>
-                </a:solidFill>
-                <a:latin typeface="나눔바른고딕" panose="020B0603020101020101" pitchFamily="50" charset="-127"/>
-                <a:ea typeface="나눔바른고딕" panose="020B0603020101020101" pitchFamily="50" charset="-127"/>
-              </a:rPr>
-              <a:t>):</a:t>
-            </a:r>
-          </a:p>
-          <a:p>
-            <a:r>
-              <a:rPr lang="en-US" altLang="ko-KR" sz="3200" dirty="0">
-                <a:solidFill>
-                  <a:schemeClr val="accent6">
-                    <a:lumMod val="75000"/>
-                  </a:schemeClr>
-                </a:solidFill>
-                <a:latin typeface="나눔바른고딕" panose="020B0603020101020101" pitchFamily="50" charset="-127"/>
-                <a:ea typeface="나눔바른고딕" panose="020B0603020101020101" pitchFamily="50" charset="-127"/>
-              </a:rPr>
-              <a:t>	</a:t>
-            </a:r>
-            <a:r>
-              <a:rPr lang="ko-KR" altLang="en-US" sz="3200" dirty="0">
-                <a:solidFill>
-                  <a:schemeClr val="bg1"/>
-                </a:solidFill>
-                <a:latin typeface="나눔바른고딕" panose="020B0603020101020101" pitchFamily="50" charset="-127"/>
-                <a:ea typeface="나눔바른고딕" panose="020B0603020101020101" pitchFamily="50" charset="-127"/>
-              </a:rPr>
-              <a:t>명령블록</a:t>
-            </a:r>
-            <a:endParaRPr lang="en-US" altLang="ko-KR" sz="3200" dirty="0">
-              <a:solidFill>
-                <a:schemeClr val="bg1"/>
-              </a:solidFill>
-              <a:latin typeface="나눔바른고딕" panose="020B0603020101020101" pitchFamily="50" charset="-127"/>
-              <a:ea typeface="나눔바른고딕" panose="020B0603020101020101" pitchFamily="50" charset="-127"/>
-            </a:endParaRPr>
-          </a:p>
-          <a:p>
-            <a:r>
-              <a:rPr lang="en-US" altLang="ko-KR" sz="3200" dirty="0">
-                <a:solidFill>
-                  <a:schemeClr val="bg1"/>
-                </a:solidFill>
-                <a:latin typeface="나눔바른고딕" panose="020B0603020101020101" pitchFamily="50" charset="-127"/>
-                <a:ea typeface="나눔바른고딕" panose="020B0603020101020101" pitchFamily="50" charset="-127"/>
-              </a:rPr>
-              <a:t>	…</a:t>
-            </a:r>
-          </a:p>
-        </p:txBody>
-      </p:sp>
-    </p:spTree>
-    <p:extLst>
-      <p:ext uri="{BB962C8B-B14F-4D97-AF65-F5344CB8AC3E}">
-        <p14:creationId xmlns:p14="http://schemas.microsoft.com/office/powerpoint/2010/main" val="1745082487"/>
-      </p:ext>
-    </p:extLst>
-  </p:cSld>
-  <p:clrMapOvr>
-    <a:masterClrMapping/>
-  </p:clrMapOvr>
-  <mc:AlternateContent xmlns:mc="http://schemas.openxmlformats.org/markup-compatibility/2006">
-    <mc:Choice xmlns:p159="http://schemas.microsoft.com/office/powerpoint/2015/09/main" Requires="p159">
-      <p:transition xmlns:p14="http://schemas.microsoft.com/office/powerpoint/2010/main" spd="slow" p14:dur="2000">
-        <p159:morph option="byObject"/>
-      </p:transition>
-    </mc:Choice>
-    <mc:Fallback>
-      <p:transition spd="slow">
-        <p:fade/>
-      </p:transition>
-    </mc:Fallback>
-  </mc:AlternateContent>
-</p:sld>
-</file>
-
-<file path=ppt/slides/slide15.xml><?xml version="1.0" encoding="utf-8"?>
-<p:sld xmlns:a="http://schemas.openxmlformats.org/drawingml/2006/main" xmlns:r="http://schemas.openxmlformats.org/officeDocument/2006/relationships" xmlns:p="http://schemas.openxmlformats.org/presentationml/2006/main">
-  <p:cSld>
-    <p:bg>
-      <p:bgPr>
-        <a:solidFill>
-          <a:schemeClr val="tx1">
-            <a:lumMod val="85000"/>
-            <a:lumOff val="15000"/>
-          </a:schemeClr>
-        </a:solidFill>
-        <a:effectLst/>
-      </p:bgPr>
-    </p:bg>
-    <p:spTree>
-      <p:nvGrpSpPr>
-        <p:cNvPr id="1" name=""/>
-        <p:cNvGrpSpPr/>
-        <p:nvPr/>
-      </p:nvGrpSpPr>
-      <p:grpSpPr>
-        <a:xfrm>
-          <a:off x="0" y="0"/>
-          <a:ext cx="0" cy="0"/>
-          <a:chOff x="0" y="0"/>
-          <a:chExt cx="0" cy="0"/>
-        </a:xfrm>
-      </p:grpSpPr>
-      <p:sp>
-        <p:nvSpPr>
-          <p:cNvPr id="3" name="TextBox 2">
-            <a:extLst>
-              <a:ext uri="{FF2B5EF4-FFF2-40B4-BE49-F238E27FC236}">
-                <a16:creationId xmlns:a16="http://schemas.microsoft.com/office/drawing/2014/main" id="{08BB054E-84A4-4F77-A4B9-E0027E24282F}"/>
-              </a:ext>
-            </a:extLst>
-          </p:cNvPr>
-          <p:cNvSpPr txBox="1"/>
-          <p:nvPr/>
-        </p:nvSpPr>
-        <p:spPr>
-          <a:xfrm>
-            <a:off x="923703" y="2644170"/>
-            <a:ext cx="8058617" cy="830997"/>
-          </a:xfrm>
-          <a:prstGeom prst="rect">
-            <a:avLst/>
-          </a:prstGeom>
-          <a:noFill/>
-        </p:spPr>
-        <p:txBody>
-          <a:bodyPr wrap="none" rtlCol="0">
-            <a:spAutoFit/>
-          </a:bodyPr>
-          <a:lstStyle/>
-          <a:p>
-            <a:pPr algn="ctr"/>
-            <a:r>
-              <a:rPr lang="en-US" altLang="ko-KR" sz="4800" dirty="0">
-                <a:solidFill>
-                  <a:schemeClr val="bg1">
-                    <a:lumMod val="95000"/>
-                  </a:schemeClr>
-                </a:solidFill>
-                <a:latin typeface="나눔바른고딕" panose="020B0603020101020101" pitchFamily="50" charset="-127"/>
-                <a:ea typeface="나눔바른고딕" panose="020B0603020101020101" pitchFamily="50" charset="-127"/>
-              </a:rPr>
-              <a:t>5. </a:t>
-            </a:r>
-            <a:r>
-              <a:rPr lang="ko-KR" altLang="en-US" sz="4800" dirty="0">
-                <a:solidFill>
-                  <a:schemeClr val="bg1">
-                    <a:lumMod val="95000"/>
-                  </a:schemeClr>
-                </a:solidFill>
-                <a:latin typeface="나눔바른고딕" panose="020B0603020101020101" pitchFamily="50" charset="-127"/>
-                <a:ea typeface="나눔바른고딕" panose="020B0603020101020101" pitchFamily="50" charset="-127"/>
-              </a:rPr>
-              <a:t>매개변수</a:t>
-            </a:r>
-            <a:r>
-              <a:rPr lang="en-US" altLang="ko-KR" sz="4800" dirty="0">
-                <a:solidFill>
-                  <a:schemeClr val="bg1">
-                    <a:lumMod val="95000"/>
-                  </a:schemeClr>
-                </a:solidFill>
-                <a:latin typeface="나눔바른고딕" panose="020B0603020101020101" pitchFamily="50" charset="-127"/>
-                <a:ea typeface="나눔바른고딕" panose="020B0603020101020101" pitchFamily="50" charset="-127"/>
-              </a:rPr>
-              <a:t>, </a:t>
-            </a:r>
-            <a:r>
-              <a:rPr lang="ko-KR" altLang="en-US" sz="4800" dirty="0" err="1">
-                <a:solidFill>
-                  <a:schemeClr val="bg1">
-                    <a:lumMod val="95000"/>
-                  </a:schemeClr>
-                </a:solidFill>
-                <a:latin typeface="나눔바른고딕" panose="020B0603020101020101" pitchFamily="50" charset="-127"/>
-                <a:ea typeface="나눔바른고딕" panose="020B0603020101020101" pitchFamily="50" charset="-127"/>
-              </a:rPr>
-              <a:t>리턴값이</a:t>
-            </a:r>
-            <a:r>
-              <a:rPr lang="ko-KR" altLang="en-US" sz="4800" dirty="0">
-                <a:solidFill>
-                  <a:schemeClr val="bg1">
-                    <a:lumMod val="95000"/>
-                  </a:schemeClr>
-                </a:solidFill>
-                <a:latin typeface="나눔바른고딕" panose="020B0603020101020101" pitchFamily="50" charset="-127"/>
-                <a:ea typeface="나눔바른고딕" panose="020B0603020101020101" pitchFamily="50" charset="-127"/>
-              </a:rPr>
-              <a:t> 없는 함수</a:t>
-            </a:r>
-            <a:endParaRPr lang="en-US" altLang="ko-KR" sz="4800" dirty="0">
-              <a:solidFill>
-                <a:schemeClr val="bg1">
-                  <a:lumMod val="95000"/>
-                </a:schemeClr>
-              </a:solidFill>
-              <a:latin typeface="나눔바른고딕" panose="020B0603020101020101" pitchFamily="50" charset="-127"/>
-              <a:ea typeface="나눔바른고딕" panose="020B0603020101020101" pitchFamily="50" charset="-127"/>
-            </a:endParaRPr>
-          </a:p>
-        </p:txBody>
-      </p:sp>
-    </p:spTree>
-    <p:extLst>
-      <p:ext uri="{BB962C8B-B14F-4D97-AF65-F5344CB8AC3E}">
-        <p14:creationId xmlns:p14="http://schemas.microsoft.com/office/powerpoint/2010/main" val="3548830610"/>
-      </p:ext>
-    </p:extLst>
-  </p:cSld>
-  <p:clrMapOvr>
-    <a:masterClrMapping/>
-  </p:clrMapOvr>
-  <mc:AlternateContent xmlns:mc="http://schemas.openxmlformats.org/markup-compatibility/2006">
-    <mc:Choice xmlns:p159="http://schemas.microsoft.com/office/powerpoint/2015/09/main" Requires="p159">
-      <p:transition xmlns:p14="http://schemas.microsoft.com/office/powerpoint/2010/main" spd="slow" p14:dur="2000">
-        <p159:morph option="byObject"/>
-      </p:transition>
-    </mc:Choice>
-    <mc:Fallback>
-      <p:transition spd="slow">
-        <p:fade/>
-      </p:transition>
-    </mc:Fallback>
-  </mc:AlternateContent>
-</p:sld>
-</file>
-
-<file path=ppt/slides/slide16.xml><?xml version="1.0" encoding="utf-8"?>
-<p:sld xmlns:a="http://schemas.openxmlformats.org/drawingml/2006/main" xmlns:r="http://schemas.openxmlformats.org/officeDocument/2006/relationships" xmlns:p="http://schemas.openxmlformats.org/presentationml/2006/main">
-  <p:cSld>
-    <p:bg>
-      <p:bgPr>
-        <a:solidFill>
-          <a:schemeClr val="tx1">
-            <a:lumMod val="85000"/>
-            <a:lumOff val="15000"/>
-          </a:schemeClr>
-        </a:solidFill>
-        <a:effectLst/>
-      </p:bgPr>
-    </p:bg>
-    <p:spTree>
-      <p:nvGrpSpPr>
-        <p:cNvPr id="1" name=""/>
-        <p:cNvGrpSpPr/>
-        <p:nvPr/>
-      </p:nvGrpSpPr>
-      <p:grpSpPr>
-        <a:xfrm>
-          <a:off x="0" y="0"/>
-          <a:ext cx="0" cy="0"/>
-          <a:chOff x="0" y="0"/>
-          <a:chExt cx="0" cy="0"/>
-        </a:xfrm>
-      </p:grpSpPr>
-      <p:sp>
-        <p:nvSpPr>
-          <p:cNvPr id="2" name="TextBox 1">
-            <a:extLst>
-              <a:ext uri="{FF2B5EF4-FFF2-40B4-BE49-F238E27FC236}">
-                <a16:creationId xmlns:a16="http://schemas.microsoft.com/office/drawing/2014/main" id="{0B332A50-CC0E-4C7E-B47E-E7CFBA7B423B}"/>
-              </a:ext>
-            </a:extLst>
-          </p:cNvPr>
-          <p:cNvSpPr txBox="1"/>
-          <p:nvPr/>
-        </p:nvSpPr>
-        <p:spPr>
-          <a:xfrm>
-            <a:off x="3034847" y="2367171"/>
-            <a:ext cx="3836307" cy="2123658"/>
-          </a:xfrm>
-          <a:prstGeom prst="rect">
-            <a:avLst/>
-          </a:prstGeom>
-          <a:noFill/>
-        </p:spPr>
-        <p:txBody>
-          <a:bodyPr wrap="none" rtlCol="0">
-            <a:spAutoFit/>
-          </a:bodyPr>
-          <a:lstStyle/>
-          <a:p>
-            <a:r>
-              <a:rPr lang="en-US" altLang="ko-KR" sz="4400" dirty="0">
-                <a:solidFill>
-                  <a:schemeClr val="accent6">
-                    <a:lumMod val="75000"/>
-                  </a:schemeClr>
-                </a:solidFill>
-                <a:latin typeface="나눔바른고딕" panose="020B0603020101020101" pitchFamily="50" charset="-127"/>
-                <a:ea typeface="나눔바른고딕" panose="020B0603020101020101" pitchFamily="50" charset="-127"/>
-              </a:rPr>
-              <a:t>def</a:t>
-            </a:r>
-            <a:r>
-              <a:rPr lang="ko-KR" altLang="en-US" sz="4400" dirty="0">
-                <a:solidFill>
-                  <a:schemeClr val="accent6">
-                    <a:lumMod val="75000"/>
-                  </a:schemeClr>
-                </a:solidFill>
-                <a:latin typeface="나눔바른고딕" panose="020B0603020101020101" pitchFamily="50" charset="-127"/>
-                <a:ea typeface="나눔바른고딕" panose="020B0603020101020101" pitchFamily="50" charset="-127"/>
-              </a:rPr>
-              <a:t> </a:t>
-            </a:r>
-            <a:r>
-              <a:rPr lang="ko-KR" altLang="en-US" sz="4400" dirty="0">
-                <a:solidFill>
-                  <a:schemeClr val="bg1"/>
-                </a:solidFill>
-                <a:latin typeface="나눔바른고딕" panose="020B0603020101020101" pitchFamily="50" charset="-127"/>
-                <a:ea typeface="나눔바른고딕" panose="020B0603020101020101" pitchFamily="50" charset="-127"/>
-              </a:rPr>
-              <a:t>함수이름</a:t>
-            </a:r>
-            <a:r>
-              <a:rPr lang="en-US" altLang="ko-KR" sz="4400" dirty="0">
-                <a:solidFill>
-                  <a:schemeClr val="accent6">
-                    <a:lumMod val="75000"/>
-                  </a:schemeClr>
-                </a:solidFill>
-                <a:latin typeface="나눔바른고딕" panose="020B0603020101020101" pitchFamily="50" charset="-127"/>
-                <a:ea typeface="나눔바른고딕" panose="020B0603020101020101" pitchFamily="50" charset="-127"/>
-              </a:rPr>
-              <a:t>():</a:t>
-            </a:r>
-          </a:p>
-          <a:p>
-            <a:r>
-              <a:rPr lang="en-US" altLang="ko-KR" sz="4400" dirty="0">
-                <a:solidFill>
-                  <a:schemeClr val="accent6">
-                    <a:lumMod val="75000"/>
-                  </a:schemeClr>
-                </a:solidFill>
-                <a:latin typeface="나눔바른고딕" panose="020B0603020101020101" pitchFamily="50" charset="-127"/>
-                <a:ea typeface="나눔바른고딕" panose="020B0603020101020101" pitchFamily="50" charset="-127"/>
-              </a:rPr>
-              <a:t>	</a:t>
-            </a:r>
-            <a:r>
-              <a:rPr lang="ko-KR" altLang="en-US" sz="4400" dirty="0">
-                <a:solidFill>
-                  <a:schemeClr val="bg1"/>
-                </a:solidFill>
-                <a:latin typeface="나눔바른고딕" panose="020B0603020101020101" pitchFamily="50" charset="-127"/>
-                <a:ea typeface="나눔바른고딕" panose="020B0603020101020101" pitchFamily="50" charset="-127"/>
-              </a:rPr>
-              <a:t>명령블록</a:t>
-            </a:r>
-            <a:endParaRPr lang="en-US" altLang="ko-KR" sz="4400" dirty="0">
-              <a:solidFill>
-                <a:schemeClr val="bg1"/>
-              </a:solidFill>
-              <a:latin typeface="나눔바른고딕" panose="020B0603020101020101" pitchFamily="50" charset="-127"/>
-              <a:ea typeface="나눔바른고딕" panose="020B0603020101020101" pitchFamily="50" charset="-127"/>
-            </a:endParaRPr>
-          </a:p>
-          <a:p>
-            <a:r>
-              <a:rPr lang="en-US" altLang="ko-KR" sz="4400" dirty="0">
-                <a:solidFill>
-                  <a:schemeClr val="bg1"/>
-                </a:solidFill>
-                <a:latin typeface="나눔바른고딕" panose="020B0603020101020101" pitchFamily="50" charset="-127"/>
-                <a:ea typeface="나눔바른고딕" panose="020B0603020101020101" pitchFamily="50" charset="-127"/>
-              </a:rPr>
-              <a:t>	…</a:t>
-            </a:r>
-          </a:p>
-        </p:txBody>
-      </p:sp>
-    </p:spTree>
-    <p:extLst>
-      <p:ext uri="{BB962C8B-B14F-4D97-AF65-F5344CB8AC3E}">
-        <p14:creationId xmlns:p14="http://schemas.microsoft.com/office/powerpoint/2010/main" val="421516446"/>
-      </p:ext>
-    </p:extLst>
-  </p:cSld>
-  <p:clrMapOvr>
-    <a:masterClrMapping/>
-  </p:clrMapOvr>
-</p:sld>
-</file>
-
-<file path=ppt/slides/slide17.xml><?xml version="1.0" encoding="utf-8"?>
-<p:sld xmlns:a="http://schemas.openxmlformats.org/drawingml/2006/main" xmlns:r="http://schemas.openxmlformats.org/officeDocument/2006/relationships" xmlns:p="http://schemas.openxmlformats.org/presentationml/2006/main">
-  <p:cSld>
-    <p:bg>
-      <p:bgPr>
-        <a:solidFill>
-          <a:schemeClr val="tx1">
-            <a:lumMod val="85000"/>
-            <a:lumOff val="15000"/>
-          </a:schemeClr>
-        </a:solidFill>
-        <a:effectLst/>
-      </p:bgPr>
-    </p:bg>
-    <p:spTree>
-      <p:nvGrpSpPr>
-        <p:cNvPr id="1" name=""/>
-        <p:cNvGrpSpPr/>
-        <p:nvPr/>
-      </p:nvGrpSpPr>
-      <p:grpSpPr>
-        <a:xfrm>
-          <a:off x="0" y="0"/>
-          <a:ext cx="0" cy="0"/>
-          <a:chOff x="0" y="0"/>
-          <a:chExt cx="0" cy="0"/>
-        </a:xfrm>
-      </p:grpSpPr>
-      <p:sp>
-        <p:nvSpPr>
-          <p:cNvPr id="2" name="TextBox 1">
-            <a:extLst>
-              <a:ext uri="{FF2B5EF4-FFF2-40B4-BE49-F238E27FC236}">
-                <a16:creationId xmlns:a16="http://schemas.microsoft.com/office/drawing/2014/main" id="{0B332A50-CC0E-4C7E-B47E-E7CFBA7B423B}"/>
-              </a:ext>
-            </a:extLst>
-          </p:cNvPr>
-          <p:cNvSpPr txBox="1"/>
-          <p:nvPr/>
-        </p:nvSpPr>
-        <p:spPr>
-          <a:xfrm>
-            <a:off x="718121" y="2367171"/>
-            <a:ext cx="3501280" cy="1938992"/>
-          </a:xfrm>
-          <a:prstGeom prst="rect">
-            <a:avLst/>
-          </a:prstGeom>
-          <a:noFill/>
-        </p:spPr>
-        <p:txBody>
-          <a:bodyPr wrap="none" rtlCol="0">
-            <a:spAutoFit/>
-          </a:bodyPr>
-          <a:lstStyle/>
-          <a:p>
-            <a:r>
-              <a:rPr lang="en-US" altLang="ko-KR" sz="4000" dirty="0">
-                <a:solidFill>
-                  <a:schemeClr val="accent6">
-                    <a:lumMod val="75000"/>
-                  </a:schemeClr>
-                </a:solidFill>
-                <a:latin typeface="나눔바른고딕" panose="020B0603020101020101" pitchFamily="50" charset="-127"/>
-                <a:ea typeface="나눔바른고딕" panose="020B0603020101020101" pitchFamily="50" charset="-127"/>
-              </a:rPr>
-              <a:t>def</a:t>
-            </a:r>
-            <a:r>
-              <a:rPr lang="ko-KR" altLang="en-US" sz="4000" dirty="0">
-                <a:solidFill>
-                  <a:schemeClr val="accent6">
-                    <a:lumMod val="75000"/>
-                  </a:schemeClr>
-                </a:solidFill>
-                <a:latin typeface="나눔바른고딕" panose="020B0603020101020101" pitchFamily="50" charset="-127"/>
-                <a:ea typeface="나눔바른고딕" panose="020B0603020101020101" pitchFamily="50" charset="-127"/>
-              </a:rPr>
-              <a:t> </a:t>
-            </a:r>
-            <a:r>
-              <a:rPr lang="ko-KR" altLang="en-US" sz="4000" dirty="0">
-                <a:solidFill>
-                  <a:schemeClr val="bg1"/>
-                </a:solidFill>
-                <a:latin typeface="나눔바른고딕" panose="020B0603020101020101" pitchFamily="50" charset="-127"/>
-                <a:ea typeface="나눔바른고딕" panose="020B0603020101020101" pitchFamily="50" charset="-127"/>
-              </a:rPr>
-              <a:t>함수이름</a:t>
-            </a:r>
-            <a:r>
-              <a:rPr lang="en-US" altLang="ko-KR" sz="4000" dirty="0">
-                <a:solidFill>
-                  <a:schemeClr val="accent6">
-                    <a:lumMod val="75000"/>
-                  </a:schemeClr>
-                </a:solidFill>
-                <a:latin typeface="나눔바른고딕" panose="020B0603020101020101" pitchFamily="50" charset="-127"/>
-                <a:ea typeface="나눔바른고딕" panose="020B0603020101020101" pitchFamily="50" charset="-127"/>
-              </a:rPr>
-              <a:t>():</a:t>
-            </a:r>
-          </a:p>
-          <a:p>
-            <a:r>
-              <a:rPr lang="en-US" altLang="ko-KR" sz="4000" dirty="0">
-                <a:solidFill>
-                  <a:schemeClr val="accent6">
-                    <a:lumMod val="75000"/>
-                  </a:schemeClr>
-                </a:solidFill>
-                <a:latin typeface="나눔바른고딕" panose="020B0603020101020101" pitchFamily="50" charset="-127"/>
-                <a:ea typeface="나눔바른고딕" panose="020B0603020101020101" pitchFamily="50" charset="-127"/>
-              </a:rPr>
-              <a:t>	</a:t>
-            </a:r>
-            <a:r>
-              <a:rPr lang="ko-KR" altLang="en-US" sz="4000" dirty="0">
-                <a:solidFill>
-                  <a:schemeClr val="bg1"/>
-                </a:solidFill>
-                <a:latin typeface="나눔바른고딕" panose="020B0603020101020101" pitchFamily="50" charset="-127"/>
-                <a:ea typeface="나눔바른고딕" panose="020B0603020101020101" pitchFamily="50" charset="-127"/>
-              </a:rPr>
-              <a:t>명령블록</a:t>
-            </a:r>
-            <a:endParaRPr lang="en-US" altLang="ko-KR" sz="4000" dirty="0">
-              <a:solidFill>
-                <a:schemeClr val="bg1"/>
-              </a:solidFill>
-              <a:latin typeface="나눔바른고딕" panose="020B0603020101020101" pitchFamily="50" charset="-127"/>
-              <a:ea typeface="나눔바른고딕" panose="020B0603020101020101" pitchFamily="50" charset="-127"/>
-            </a:endParaRPr>
-          </a:p>
-          <a:p>
-            <a:r>
-              <a:rPr lang="en-US" altLang="ko-KR" sz="4000" dirty="0">
-                <a:solidFill>
-                  <a:schemeClr val="bg1"/>
-                </a:solidFill>
-                <a:latin typeface="나눔바른고딕" panose="020B0603020101020101" pitchFamily="50" charset="-127"/>
-                <a:ea typeface="나눔바른고딕" panose="020B0603020101020101" pitchFamily="50" charset="-127"/>
-              </a:rPr>
-              <a:t>	…</a:t>
-            </a:r>
-          </a:p>
-        </p:txBody>
-      </p:sp>
-      <p:sp>
-        <p:nvSpPr>
-          <p:cNvPr id="3" name="TextBox 2">
-            <a:extLst>
-              <a:ext uri="{FF2B5EF4-FFF2-40B4-BE49-F238E27FC236}">
-                <a16:creationId xmlns:a16="http://schemas.microsoft.com/office/drawing/2014/main" id="{CF47B3B2-23C0-4733-8985-485E0775DF39}"/>
-              </a:ext>
-            </a:extLst>
-          </p:cNvPr>
-          <p:cNvSpPr txBox="1"/>
-          <p:nvPr/>
-        </p:nvSpPr>
-        <p:spPr>
-          <a:xfrm>
-            <a:off x="5169024" y="2367171"/>
-            <a:ext cx="4090863" cy="1323439"/>
-          </a:xfrm>
-          <a:prstGeom prst="rect">
-            <a:avLst/>
-          </a:prstGeom>
-          <a:noFill/>
-        </p:spPr>
-        <p:txBody>
-          <a:bodyPr wrap="none" rtlCol="0">
-            <a:spAutoFit/>
-          </a:bodyPr>
-          <a:lstStyle/>
-          <a:p>
-            <a:r>
-              <a:rPr lang="en-US" altLang="ko-KR" sz="4000" dirty="0">
-                <a:solidFill>
-                  <a:schemeClr val="accent6">
-                    <a:lumMod val="75000"/>
-                  </a:schemeClr>
-                </a:solidFill>
-                <a:latin typeface="나눔바른고딕" panose="020B0603020101020101" pitchFamily="50" charset="-127"/>
-                <a:ea typeface="나눔바른고딕" panose="020B0603020101020101" pitchFamily="50" charset="-127"/>
-              </a:rPr>
-              <a:t>def</a:t>
-            </a:r>
-            <a:r>
-              <a:rPr lang="ko-KR" altLang="en-US" sz="4000" dirty="0">
-                <a:solidFill>
-                  <a:schemeClr val="accent6">
-                    <a:lumMod val="75000"/>
-                  </a:schemeClr>
-                </a:solidFill>
-                <a:latin typeface="나눔바른고딕" panose="020B0603020101020101" pitchFamily="50" charset="-127"/>
-                <a:ea typeface="나눔바른고딕" panose="020B0603020101020101" pitchFamily="50" charset="-127"/>
-              </a:rPr>
-              <a:t> </a:t>
-            </a:r>
-            <a:r>
-              <a:rPr lang="en-US" altLang="ko-KR" sz="4000" dirty="0" err="1">
-                <a:solidFill>
-                  <a:schemeClr val="bg1"/>
-                </a:solidFill>
-                <a:latin typeface="나눔바른고딕" panose="020B0603020101020101" pitchFamily="50" charset="-127"/>
-                <a:ea typeface="나눔바른고딕" panose="020B0603020101020101" pitchFamily="50" charset="-127"/>
-              </a:rPr>
-              <a:t>sayHi</a:t>
-            </a:r>
-            <a:r>
-              <a:rPr lang="en-US" altLang="ko-KR" sz="4000" dirty="0">
-                <a:solidFill>
-                  <a:schemeClr val="accent6">
-                    <a:lumMod val="75000"/>
-                  </a:schemeClr>
-                </a:solidFill>
-                <a:latin typeface="나눔바른고딕" panose="020B0603020101020101" pitchFamily="50" charset="-127"/>
-                <a:ea typeface="나눔바른고딕" panose="020B0603020101020101" pitchFamily="50" charset="-127"/>
-              </a:rPr>
-              <a:t>():</a:t>
-            </a:r>
-          </a:p>
-          <a:p>
-            <a:r>
-              <a:rPr lang="en-US" altLang="ko-KR" sz="4000" dirty="0">
-                <a:solidFill>
-                  <a:schemeClr val="accent6">
-                    <a:lumMod val="75000"/>
-                  </a:schemeClr>
-                </a:solidFill>
-                <a:latin typeface="나눔바른고딕" panose="020B0603020101020101" pitchFamily="50" charset="-127"/>
-                <a:ea typeface="나눔바른고딕" panose="020B0603020101020101" pitchFamily="50" charset="-127"/>
-              </a:rPr>
-              <a:t>	</a:t>
-            </a:r>
-            <a:r>
-              <a:rPr lang="en-US" altLang="ko-KR" sz="4000" dirty="0">
-                <a:solidFill>
-                  <a:schemeClr val="bg1"/>
-                </a:solidFill>
-                <a:latin typeface="나눔바른고딕" panose="020B0603020101020101" pitchFamily="50" charset="-127"/>
-                <a:ea typeface="나눔바른고딕" panose="020B0603020101020101" pitchFamily="50" charset="-127"/>
-              </a:rPr>
-              <a:t>print(“</a:t>
-            </a:r>
-            <a:r>
-              <a:rPr lang="ko-KR" altLang="en-US" sz="4000" dirty="0">
-                <a:solidFill>
-                  <a:schemeClr val="bg1"/>
-                </a:solidFill>
-                <a:latin typeface="나눔바른고딕" panose="020B0603020101020101" pitchFamily="50" charset="-127"/>
-                <a:ea typeface="나눔바른고딕" panose="020B0603020101020101" pitchFamily="50" charset="-127"/>
-              </a:rPr>
-              <a:t>안녕</a:t>
-            </a:r>
-            <a:r>
-              <a:rPr lang="en-US" altLang="ko-KR" sz="4000" dirty="0">
-                <a:solidFill>
-                  <a:schemeClr val="bg1"/>
-                </a:solidFill>
-                <a:latin typeface="나눔바른고딕" panose="020B0603020101020101" pitchFamily="50" charset="-127"/>
-                <a:ea typeface="나눔바른고딕" panose="020B0603020101020101" pitchFamily="50" charset="-127"/>
-              </a:rPr>
-              <a:t>”)</a:t>
-            </a:r>
-          </a:p>
-        </p:txBody>
-      </p:sp>
-    </p:spTree>
-    <p:extLst>
-      <p:ext uri="{BB962C8B-B14F-4D97-AF65-F5344CB8AC3E}">
-        <p14:creationId xmlns:p14="http://schemas.microsoft.com/office/powerpoint/2010/main" val="3255693533"/>
-      </p:ext>
-    </p:extLst>
-  </p:cSld>
-  <p:clrMapOvr>
-    <a:masterClrMapping/>
-  </p:clrMapOvr>
-  <mc:AlternateContent xmlns:mc="http://schemas.openxmlformats.org/markup-compatibility/2006">
-    <mc:Choice xmlns:p159="http://schemas.microsoft.com/office/powerpoint/2015/09/main" Requires="p159">
-      <p:transition xmlns:p14="http://schemas.microsoft.com/office/powerpoint/2010/main" spd="slow" p14:dur="2000">
-        <p159:morph option="byObject"/>
-      </p:transition>
-    </mc:Choice>
-    <mc:Fallback>
-      <p:transition spd="slow">
-        <p:fade/>
-      </p:transition>
-    </mc:Fallback>
-  </mc:AlternateContent>
-</p:sld>
-</file>
-
-<file path=ppt/slides/slide18.xml><?xml version="1.0" encoding="utf-8"?>
-<p:sld xmlns:a="http://schemas.openxmlformats.org/drawingml/2006/main" xmlns:r="http://schemas.openxmlformats.org/officeDocument/2006/relationships" xmlns:p="http://schemas.openxmlformats.org/presentationml/2006/main">
-  <p:cSld>
-    <p:bg>
-      <p:bgPr>
-        <a:solidFill>
-          <a:schemeClr val="tx1">
-            <a:lumMod val="85000"/>
-            <a:lumOff val="15000"/>
-          </a:schemeClr>
-        </a:solidFill>
-        <a:effectLst/>
-      </p:bgPr>
-    </p:bg>
-    <p:spTree>
-      <p:nvGrpSpPr>
-        <p:cNvPr id="1" name=""/>
-        <p:cNvGrpSpPr/>
-        <p:nvPr/>
-      </p:nvGrpSpPr>
-      <p:grpSpPr>
-        <a:xfrm>
-          <a:off x="0" y="0"/>
-          <a:ext cx="0" cy="0"/>
-          <a:chOff x="0" y="0"/>
-          <a:chExt cx="0" cy="0"/>
-        </a:xfrm>
-      </p:grpSpPr>
-      <p:sp>
-        <p:nvSpPr>
-          <p:cNvPr id="2" name="TextBox 1">
-            <a:extLst>
-              <a:ext uri="{FF2B5EF4-FFF2-40B4-BE49-F238E27FC236}">
-                <a16:creationId xmlns:a16="http://schemas.microsoft.com/office/drawing/2014/main" id="{0B332A50-CC0E-4C7E-B47E-E7CFBA7B423B}"/>
-              </a:ext>
-            </a:extLst>
-          </p:cNvPr>
-          <p:cNvSpPr txBox="1"/>
-          <p:nvPr/>
-        </p:nvSpPr>
-        <p:spPr>
-          <a:xfrm>
-            <a:off x="3602310" y="3044280"/>
-            <a:ext cx="2701381" cy="769441"/>
-          </a:xfrm>
-          <a:prstGeom prst="rect">
-            <a:avLst/>
-          </a:prstGeom>
-          <a:noFill/>
-        </p:spPr>
-        <p:txBody>
-          <a:bodyPr wrap="none" rtlCol="0">
-            <a:spAutoFit/>
-          </a:bodyPr>
-          <a:lstStyle/>
-          <a:p>
-            <a:r>
-              <a:rPr lang="ko-KR" altLang="en-US" sz="4400">
-                <a:solidFill>
-                  <a:schemeClr val="bg1"/>
-                </a:solidFill>
-                <a:latin typeface="나눔바른고딕" panose="020B0603020101020101" pitchFamily="50" charset="-127"/>
-                <a:ea typeface="나눔바른고딕" panose="020B0603020101020101" pitchFamily="50" charset="-127"/>
-              </a:rPr>
-              <a:t>감사합니다</a:t>
-            </a:r>
-            <a:endParaRPr lang="en-US" altLang="ko-KR" sz="4400" dirty="0">
-              <a:solidFill>
-                <a:schemeClr val="bg1"/>
-              </a:solidFill>
-              <a:latin typeface="나눔바른고딕" panose="020B0603020101020101" pitchFamily="50" charset="-127"/>
-              <a:ea typeface="나눔바른고딕" panose="020B0603020101020101" pitchFamily="50" charset="-127"/>
-            </a:endParaRPr>
-          </a:p>
-        </p:txBody>
-      </p:sp>
-    </p:spTree>
-    <p:extLst>
-      <p:ext uri="{BB962C8B-B14F-4D97-AF65-F5344CB8AC3E}">
-        <p14:creationId xmlns:p14="http://schemas.microsoft.com/office/powerpoint/2010/main" val="668823084"/>
-      </p:ext>
-    </p:extLst>
-  </p:cSld>
-  <p:clrMapOvr>
-    <a:masterClrMapping/>
-  </p:clrMapOvr>
-</p:sld>
-</file>
-
-<file path=ppt/slides/slide2.xml><?xml version="1.0" encoding="utf-8"?>
-<p:sld xmlns:a="http://schemas.openxmlformats.org/drawingml/2006/main" xmlns:r="http://schemas.openxmlformats.org/officeDocument/2006/relationships" xmlns:p="http://schemas.openxmlformats.org/presentationml/2006/main">
-  <p:cSld>
-    <p:bg>
-      <p:bgPr>
-        <a:solidFill>
-          <a:schemeClr val="tx1">
-            <a:lumMod val="85000"/>
-            <a:lumOff val="15000"/>
-          </a:schemeClr>
-        </a:solidFill>
-        <a:effectLst/>
-      </p:bgPr>
-    </p:bg>
-    <p:spTree>
-      <p:nvGrpSpPr>
-        <p:cNvPr id="1" name=""/>
-        <p:cNvGrpSpPr/>
-        <p:nvPr/>
-      </p:nvGrpSpPr>
-      <p:grpSpPr>
-        <a:xfrm>
-          <a:off x="0" y="0"/>
-          <a:ext cx="0" cy="0"/>
-          <a:chOff x="0" y="0"/>
-          <a:chExt cx="0" cy="0"/>
-        </a:xfrm>
-      </p:grpSpPr>
-      <p:sp>
-        <p:nvSpPr>
-          <p:cNvPr id="2" name="TextBox 1">
-            <a:extLst>
-              <a:ext uri="{FF2B5EF4-FFF2-40B4-BE49-F238E27FC236}">
-                <a16:creationId xmlns:a16="http://schemas.microsoft.com/office/drawing/2014/main" id="{0B332A50-CC0E-4C7E-B47E-E7CFBA7B423B}"/>
-              </a:ext>
-            </a:extLst>
-          </p:cNvPr>
-          <p:cNvSpPr txBox="1"/>
-          <p:nvPr/>
-        </p:nvSpPr>
-        <p:spPr>
-          <a:xfrm>
-            <a:off x="2652530" y="2767281"/>
-            <a:ext cx="4600940" cy="1323439"/>
-          </a:xfrm>
-          <a:prstGeom prst="rect">
-            <a:avLst/>
-          </a:prstGeom>
-          <a:noFill/>
-        </p:spPr>
-        <p:txBody>
-          <a:bodyPr wrap="none" rtlCol="0">
-            <a:spAutoFit/>
-          </a:bodyPr>
-          <a:lstStyle/>
-          <a:p>
-            <a:pPr algn="ctr"/>
-            <a:r>
-              <a:rPr lang="ko-KR" altLang="en-US" sz="4800" dirty="0">
-                <a:solidFill>
-                  <a:schemeClr val="accent6">
-                    <a:lumMod val="75000"/>
-                  </a:schemeClr>
-                </a:solidFill>
-                <a:latin typeface="나눔바른고딕" panose="020B0603020101020101" pitchFamily="50" charset="-127"/>
-                <a:ea typeface="나눔바른고딕" panose="020B0603020101020101" pitchFamily="50" charset="-127"/>
-              </a:rPr>
-              <a:t>함수</a:t>
-            </a:r>
-            <a:r>
-              <a:rPr lang="en-US" altLang="ko-KR" sz="4800" dirty="0">
-                <a:solidFill>
-                  <a:schemeClr val="bg1">
-                    <a:lumMod val="95000"/>
-                  </a:schemeClr>
-                </a:solidFill>
-                <a:latin typeface="나눔바른고딕" panose="020B0603020101020101" pitchFamily="50" charset="-127"/>
-                <a:ea typeface="나눔바른고딕" panose="020B0603020101020101" pitchFamily="50" charset="-127"/>
-              </a:rPr>
-              <a:t>(function)</a:t>
-            </a:r>
-          </a:p>
-          <a:p>
-            <a:pPr algn="ctr"/>
-            <a:r>
-              <a:rPr lang="en-US" altLang="ko-KR" sz="3200" dirty="0">
-                <a:solidFill>
-                  <a:schemeClr val="bg1">
-                    <a:lumMod val="95000"/>
-                  </a:schemeClr>
-                </a:solidFill>
-                <a:latin typeface="나눔바른고딕" panose="020B0603020101020101" pitchFamily="50" charset="-127"/>
-                <a:ea typeface="나눔바른고딕" panose="020B0603020101020101" pitchFamily="50" charset="-127"/>
-              </a:rPr>
-              <a:t>: </a:t>
-            </a:r>
-            <a:r>
-              <a:rPr lang="ko-KR" altLang="en-US" sz="3200" dirty="0">
-                <a:solidFill>
-                  <a:schemeClr val="bg1">
-                    <a:lumMod val="95000"/>
-                  </a:schemeClr>
-                </a:solidFill>
-                <a:latin typeface="나눔바른고딕" panose="020B0603020101020101" pitchFamily="50" charset="-127"/>
-                <a:ea typeface="나눔바른고딕" panose="020B0603020101020101" pitchFamily="50" charset="-127"/>
-              </a:rPr>
-              <a:t>작업을 수행하는 명령블록</a:t>
-            </a:r>
-            <a:endParaRPr lang="en-US" altLang="ko-KR" sz="3200" dirty="0">
-              <a:solidFill>
-                <a:schemeClr val="bg1">
-                  <a:lumMod val="95000"/>
-                </a:schemeClr>
-              </a:solidFill>
-              <a:latin typeface="나눔바른고딕" panose="020B0603020101020101" pitchFamily="50" charset="-127"/>
-              <a:ea typeface="나눔바른고딕" panose="020B0603020101020101" pitchFamily="50" charset="-127"/>
-            </a:endParaRPr>
-          </a:p>
-        </p:txBody>
-      </p:sp>
-    </p:spTree>
-    <p:extLst>
-      <p:ext uri="{BB962C8B-B14F-4D97-AF65-F5344CB8AC3E}">
-        <p14:creationId xmlns:p14="http://schemas.microsoft.com/office/powerpoint/2010/main" val="2562490533"/>
-      </p:ext>
-    </p:extLst>
-  </p:cSld>
-  <p:clrMapOvr>
-    <a:masterClrMapping/>
-  </p:clrMapOvr>
-</p:sld>
-</file>
-
-<file path=ppt/slides/slide3.xml><?xml version="1.0" encoding="utf-8"?>
-<p:sld xmlns:a="http://schemas.openxmlformats.org/drawingml/2006/main" xmlns:r="http://schemas.openxmlformats.org/officeDocument/2006/relationships" xmlns:p="http://schemas.openxmlformats.org/presentationml/2006/main">
-  <p:cSld>
-    <p:bg>
-      <p:bgPr>
-        <a:solidFill>
-          <a:schemeClr val="tx1">
-            <a:lumMod val="85000"/>
-            <a:lumOff val="15000"/>
-          </a:schemeClr>
-        </a:solidFill>
-        <a:effectLst/>
-      </p:bgPr>
-    </p:bg>
-    <p:spTree>
-      <p:nvGrpSpPr>
-        <p:cNvPr id="1" name=""/>
-        <p:cNvGrpSpPr/>
-        <p:nvPr/>
-      </p:nvGrpSpPr>
-      <p:grpSpPr>
-        <a:xfrm>
-          <a:off x="0" y="0"/>
-          <a:ext cx="0" cy="0"/>
-          <a:chOff x="0" y="0"/>
-          <a:chExt cx="0" cy="0"/>
-        </a:xfrm>
-      </p:grpSpPr>
-      <p:sp>
-        <p:nvSpPr>
-          <p:cNvPr id="3" name="TextBox 2">
-            <a:extLst>
-              <a:ext uri="{FF2B5EF4-FFF2-40B4-BE49-F238E27FC236}">
-                <a16:creationId xmlns:a16="http://schemas.microsoft.com/office/drawing/2014/main" id="{08BB054E-84A4-4F77-A4B9-E0027E24282F}"/>
-              </a:ext>
-            </a:extLst>
-          </p:cNvPr>
-          <p:cNvSpPr txBox="1"/>
-          <p:nvPr/>
-        </p:nvSpPr>
-        <p:spPr>
-          <a:xfrm>
-            <a:off x="1629820" y="2644170"/>
-            <a:ext cx="6646370" cy="1569660"/>
-          </a:xfrm>
-          <a:prstGeom prst="rect">
-            <a:avLst/>
-          </a:prstGeom>
-          <a:noFill/>
-        </p:spPr>
-        <p:txBody>
-          <a:bodyPr wrap="none" rtlCol="0">
-            <a:spAutoFit/>
-          </a:bodyPr>
-          <a:lstStyle/>
-          <a:p>
-            <a:pPr algn="ctr"/>
-            <a:r>
-              <a:rPr lang="ko-KR" altLang="en-US" sz="4800" dirty="0">
-                <a:solidFill>
-                  <a:schemeClr val="accent6">
-                    <a:lumMod val="75000"/>
-                  </a:schemeClr>
-                </a:solidFill>
-                <a:latin typeface="나눔바른고딕" panose="020B0603020101020101" pitchFamily="50" charset="-127"/>
-                <a:ea typeface="나눔바른고딕" panose="020B0603020101020101" pitchFamily="50" charset="-127"/>
-              </a:rPr>
-              <a:t>반복적으로 </a:t>
-            </a:r>
-            <a:r>
-              <a:rPr lang="ko-KR" altLang="en-US" sz="4800" dirty="0">
-                <a:solidFill>
-                  <a:schemeClr val="bg1">
-                    <a:lumMod val="95000"/>
-                  </a:schemeClr>
-                </a:solidFill>
-                <a:latin typeface="나눔바른고딕" panose="020B0603020101020101" pitchFamily="50" charset="-127"/>
-                <a:ea typeface="나눔바른고딕" panose="020B0603020101020101" pitchFamily="50" charset="-127"/>
-              </a:rPr>
-              <a:t>계속 사용되는 </a:t>
-            </a:r>
-            <a:endParaRPr lang="en-US" altLang="ko-KR" sz="4800" dirty="0">
-              <a:solidFill>
-                <a:schemeClr val="bg1">
-                  <a:lumMod val="95000"/>
-                </a:schemeClr>
-              </a:solidFill>
-              <a:latin typeface="나눔바른고딕" panose="020B0603020101020101" pitchFamily="50" charset="-127"/>
-              <a:ea typeface="나눔바른고딕" panose="020B0603020101020101" pitchFamily="50" charset="-127"/>
-            </a:endParaRPr>
-          </a:p>
-          <a:p>
-            <a:pPr algn="ctr"/>
-            <a:r>
-              <a:rPr lang="ko-KR" altLang="en-US" sz="4800" dirty="0">
-                <a:solidFill>
-                  <a:schemeClr val="bg1">
-                    <a:lumMod val="95000"/>
-                  </a:schemeClr>
-                </a:solidFill>
-                <a:latin typeface="나눔바른고딕" panose="020B0603020101020101" pitchFamily="50" charset="-127"/>
-                <a:ea typeface="나눔바른고딕" panose="020B0603020101020101" pitchFamily="50" charset="-127"/>
-              </a:rPr>
-              <a:t>코드를 함수로 만든다 </a:t>
-            </a:r>
-            <a:endParaRPr lang="en-US" altLang="ko-KR" sz="4800" dirty="0">
-              <a:solidFill>
-                <a:schemeClr val="bg1">
-                  <a:lumMod val="95000"/>
-                </a:schemeClr>
-              </a:solidFill>
-              <a:latin typeface="나눔바른고딕" panose="020B0603020101020101" pitchFamily="50" charset="-127"/>
-              <a:ea typeface="나눔바른고딕" panose="020B0603020101020101" pitchFamily="50" charset="-127"/>
-            </a:endParaRPr>
-          </a:p>
-        </p:txBody>
-      </p:sp>
-    </p:spTree>
-    <p:extLst>
-      <p:ext uri="{BB962C8B-B14F-4D97-AF65-F5344CB8AC3E}">
-        <p14:creationId xmlns:p14="http://schemas.microsoft.com/office/powerpoint/2010/main" val="3449385328"/>
-      </p:ext>
-    </p:extLst>
-  </p:cSld>
-  <p:clrMapOvr>
-    <a:masterClrMapping/>
-  </p:clrMapOvr>
-  <mc:AlternateContent xmlns:mc="http://schemas.openxmlformats.org/markup-compatibility/2006">
-    <mc:Choice xmlns:p159="http://schemas.microsoft.com/office/powerpoint/2015/09/main" Requires="p159">
-      <p:transition xmlns:p14="http://schemas.microsoft.com/office/powerpoint/2010/main" spd="slow" p14:dur="2000">
-        <p159:morph option="byObject"/>
-      </p:transition>
-    </mc:Choice>
-    <mc:Fallback>
-      <p:transition spd="slow">
-        <p:fade/>
-      </p:transition>
-    </mc:Fallback>
-  </mc:AlternateContent>
-</p:sld>
-</file>
-
-<file path=ppt/slides/slide4.xml><?xml version="1.0" encoding="utf-8"?>
-<p:sld xmlns:a="http://schemas.openxmlformats.org/drawingml/2006/main" xmlns:r="http://schemas.openxmlformats.org/officeDocument/2006/relationships" xmlns:p="http://schemas.openxmlformats.org/presentationml/2006/main">
-  <p:cSld>
-    <p:bg>
-      <p:bgPr>
-        <a:solidFill>
-          <a:schemeClr val="tx1">
-            <a:lumMod val="85000"/>
-            <a:lumOff val="15000"/>
-          </a:schemeClr>
-        </a:solidFill>
-        <a:effectLst/>
-      </p:bgPr>
-    </p:bg>
-    <p:spTree>
-      <p:nvGrpSpPr>
-        <p:cNvPr id="1" name=""/>
-        <p:cNvGrpSpPr/>
-        <p:nvPr/>
-      </p:nvGrpSpPr>
-      <p:grpSpPr>
-        <a:xfrm>
-          <a:off x="0" y="0"/>
-          <a:ext cx="0" cy="0"/>
-          <a:chOff x="0" y="0"/>
-          <a:chExt cx="0" cy="0"/>
-        </a:xfrm>
-      </p:grpSpPr>
-      <p:sp>
-        <p:nvSpPr>
-          <p:cNvPr id="3" name="TextBox 2">
-            <a:extLst>
-              <a:ext uri="{FF2B5EF4-FFF2-40B4-BE49-F238E27FC236}">
-                <a16:creationId xmlns:a16="http://schemas.microsoft.com/office/drawing/2014/main" id="{08BB054E-84A4-4F77-A4B9-E0027E24282F}"/>
-              </a:ext>
-            </a:extLst>
-          </p:cNvPr>
-          <p:cNvSpPr txBox="1"/>
-          <p:nvPr/>
-        </p:nvSpPr>
-        <p:spPr>
-          <a:xfrm>
-            <a:off x="2183660" y="2644170"/>
-            <a:ext cx="5538697" cy="830997"/>
-          </a:xfrm>
-          <a:prstGeom prst="rect">
-            <a:avLst/>
-          </a:prstGeom>
-          <a:noFill/>
-        </p:spPr>
-        <p:txBody>
-          <a:bodyPr wrap="none" rtlCol="0">
-            <a:spAutoFit/>
-          </a:bodyPr>
-          <a:lstStyle/>
-          <a:p>
-            <a:pPr algn="ctr"/>
-            <a:r>
-              <a:rPr lang="en-US" altLang="ko-KR" sz="4800" dirty="0">
-                <a:solidFill>
-                  <a:schemeClr val="bg1">
-                    <a:lumMod val="95000"/>
-                  </a:schemeClr>
-                </a:solidFill>
-                <a:latin typeface="나눔바른고딕" panose="020B0603020101020101" pitchFamily="50" charset="-127"/>
-                <a:ea typeface="나눔바른고딕" panose="020B0603020101020101" pitchFamily="50" charset="-127"/>
-              </a:rPr>
-              <a:t>1. </a:t>
-            </a:r>
-            <a:r>
-              <a:rPr lang="ko-KR" altLang="en-US" sz="4800" dirty="0">
-                <a:solidFill>
-                  <a:schemeClr val="bg1">
-                    <a:lumMod val="95000"/>
-                  </a:schemeClr>
-                </a:solidFill>
-                <a:latin typeface="나눔바른고딕" panose="020B0603020101020101" pitchFamily="50" charset="-127"/>
-                <a:ea typeface="나눔바른고딕" panose="020B0603020101020101" pitchFamily="50" charset="-127"/>
-              </a:rPr>
-              <a:t>함수를 만드는 방법</a:t>
-            </a:r>
-            <a:endParaRPr lang="en-US" altLang="ko-KR" sz="4800" dirty="0">
-              <a:solidFill>
-                <a:schemeClr val="bg1">
-                  <a:lumMod val="95000"/>
-                </a:schemeClr>
-              </a:solidFill>
-              <a:latin typeface="나눔바른고딕" panose="020B0603020101020101" pitchFamily="50" charset="-127"/>
-              <a:ea typeface="나눔바른고딕" panose="020B0603020101020101" pitchFamily="50" charset="-127"/>
-            </a:endParaRPr>
-          </a:p>
-        </p:txBody>
-      </p:sp>
-    </p:spTree>
-    <p:extLst>
-      <p:ext uri="{BB962C8B-B14F-4D97-AF65-F5344CB8AC3E}">
-        <p14:creationId xmlns:p14="http://schemas.microsoft.com/office/powerpoint/2010/main" val="1606082509"/>
-      </p:ext>
-    </p:extLst>
-  </p:cSld>
-  <p:clrMapOvr>
-    <a:masterClrMapping/>
-  </p:clrMapOvr>
-  <mc:AlternateContent xmlns:mc="http://schemas.openxmlformats.org/markup-compatibility/2006">
-    <mc:Choice xmlns:p159="http://schemas.microsoft.com/office/powerpoint/2015/09/main" Requires="p159">
-      <p:transition xmlns:p14="http://schemas.microsoft.com/office/powerpoint/2010/main" spd="slow" p14:dur="2000">
-        <p159:morph option="byObject"/>
-      </p:transition>
-    </mc:Choice>
-    <mc:Fallback>
-      <p:transition spd="slow">
-        <p:fade/>
-      </p:transition>
-    </mc:Fallback>
-  </mc:AlternateContent>
-</p:sld>
-</file>
-
-<file path=ppt/slides/slide5.xml><?xml version="1.0" encoding="utf-8"?>
-<p:sld xmlns:a="http://schemas.openxmlformats.org/drawingml/2006/main" xmlns:r="http://schemas.openxmlformats.org/officeDocument/2006/relationships" xmlns:p="http://schemas.openxmlformats.org/presentationml/2006/main">
-  <p:cSld>
-    <p:bg>
-      <p:bgPr>
-        <a:solidFill>
-          <a:schemeClr val="tx1">
-            <a:lumMod val="85000"/>
-            <a:lumOff val="15000"/>
-          </a:schemeClr>
-        </a:solidFill>
-        <a:effectLst/>
-      </p:bgPr>
-    </p:bg>
-    <p:spTree>
-      <p:nvGrpSpPr>
-        <p:cNvPr id="1" name=""/>
-        <p:cNvGrpSpPr/>
-        <p:nvPr/>
-      </p:nvGrpSpPr>
-      <p:grpSpPr>
-        <a:xfrm>
-          <a:off x="0" y="0"/>
-          <a:ext cx="0" cy="0"/>
-          <a:chOff x="0" y="0"/>
-          <a:chExt cx="0" cy="0"/>
-        </a:xfrm>
-      </p:grpSpPr>
-      <p:sp>
-        <p:nvSpPr>
-          <p:cNvPr id="2" name="TextBox 1">
-            <a:extLst>
-              <a:ext uri="{FF2B5EF4-FFF2-40B4-BE49-F238E27FC236}">
-                <a16:creationId xmlns:a16="http://schemas.microsoft.com/office/drawing/2014/main" id="{0B332A50-CC0E-4C7E-B47E-E7CFBA7B423B}"/>
-              </a:ext>
-            </a:extLst>
-          </p:cNvPr>
-          <p:cNvSpPr txBox="1"/>
-          <p:nvPr/>
-        </p:nvSpPr>
-        <p:spPr>
-          <a:xfrm>
-            <a:off x="2028161" y="2028617"/>
-            <a:ext cx="5849678" cy="2800767"/>
-          </a:xfrm>
-          <a:prstGeom prst="rect">
-            <a:avLst/>
-          </a:prstGeom>
-          <a:noFill/>
-        </p:spPr>
-        <p:txBody>
-          <a:bodyPr wrap="none" rtlCol="0">
-            <a:spAutoFit/>
-          </a:bodyPr>
-          <a:lstStyle/>
-          <a:p>
-            <a:r>
-              <a:rPr lang="en-US" altLang="ko-KR" sz="4400" dirty="0">
-                <a:solidFill>
-                  <a:schemeClr val="accent6">
-                    <a:lumMod val="75000"/>
-                  </a:schemeClr>
-                </a:solidFill>
-                <a:latin typeface="나눔바른고딕" panose="020B0603020101020101" pitchFamily="50" charset="-127"/>
-                <a:ea typeface="나눔바른고딕" panose="020B0603020101020101" pitchFamily="50" charset="-127"/>
-              </a:rPr>
-              <a:t>def</a:t>
-            </a:r>
-            <a:r>
-              <a:rPr lang="ko-KR" altLang="en-US" sz="4400" dirty="0">
-                <a:solidFill>
-                  <a:schemeClr val="accent6">
-                    <a:lumMod val="75000"/>
-                  </a:schemeClr>
-                </a:solidFill>
-                <a:latin typeface="나눔바른고딕" panose="020B0603020101020101" pitchFamily="50" charset="-127"/>
-                <a:ea typeface="나눔바른고딕" panose="020B0603020101020101" pitchFamily="50" charset="-127"/>
-              </a:rPr>
-              <a:t> </a:t>
-            </a:r>
-            <a:r>
-              <a:rPr lang="ko-KR" altLang="en-US" sz="4400" dirty="0">
-                <a:solidFill>
-                  <a:schemeClr val="bg1"/>
-                </a:solidFill>
-                <a:latin typeface="나눔바른고딕" panose="020B0603020101020101" pitchFamily="50" charset="-127"/>
-                <a:ea typeface="나눔바른고딕" panose="020B0603020101020101" pitchFamily="50" charset="-127"/>
-              </a:rPr>
-              <a:t>함수이름</a:t>
-            </a:r>
-            <a:r>
-              <a:rPr lang="en-US" altLang="ko-KR" sz="4400" dirty="0">
-                <a:solidFill>
-                  <a:schemeClr val="accent6">
-                    <a:lumMod val="75000"/>
-                  </a:schemeClr>
-                </a:solidFill>
-                <a:latin typeface="나눔바른고딕" panose="020B0603020101020101" pitchFamily="50" charset="-127"/>
-                <a:ea typeface="나눔바른고딕" panose="020B0603020101020101" pitchFamily="50" charset="-127"/>
-              </a:rPr>
-              <a:t>(</a:t>
-            </a:r>
-            <a:r>
-              <a:rPr lang="ko-KR" altLang="en-US" sz="4400" dirty="0">
-                <a:solidFill>
-                  <a:schemeClr val="accent6">
-                    <a:lumMod val="75000"/>
-                  </a:schemeClr>
-                </a:solidFill>
-                <a:latin typeface="나눔바른고딕" panose="020B0603020101020101" pitchFamily="50" charset="-127"/>
-                <a:ea typeface="나눔바른고딕" panose="020B0603020101020101" pitchFamily="50" charset="-127"/>
-              </a:rPr>
-              <a:t>매개변수</a:t>
-            </a:r>
-            <a:r>
-              <a:rPr lang="en-US" altLang="ko-KR" sz="4400" dirty="0">
-                <a:solidFill>
-                  <a:schemeClr val="accent6">
-                    <a:lumMod val="75000"/>
-                  </a:schemeClr>
-                </a:solidFill>
-                <a:latin typeface="나눔바른고딕" panose="020B0603020101020101" pitchFamily="50" charset="-127"/>
-                <a:ea typeface="나눔바른고딕" panose="020B0603020101020101" pitchFamily="50" charset="-127"/>
-              </a:rPr>
-              <a:t>):</a:t>
-            </a:r>
-          </a:p>
-          <a:p>
-            <a:r>
-              <a:rPr lang="en-US" altLang="ko-KR" sz="4400" dirty="0">
-                <a:solidFill>
-                  <a:schemeClr val="accent6">
-                    <a:lumMod val="75000"/>
-                  </a:schemeClr>
-                </a:solidFill>
-                <a:latin typeface="나눔바른고딕" panose="020B0603020101020101" pitchFamily="50" charset="-127"/>
-                <a:ea typeface="나눔바른고딕" panose="020B0603020101020101" pitchFamily="50" charset="-127"/>
-              </a:rPr>
-              <a:t>	</a:t>
-            </a:r>
-            <a:r>
-              <a:rPr lang="ko-KR" altLang="en-US" sz="4400" dirty="0">
-                <a:solidFill>
-                  <a:schemeClr val="bg1"/>
-                </a:solidFill>
-                <a:latin typeface="나눔바른고딕" panose="020B0603020101020101" pitchFamily="50" charset="-127"/>
-                <a:ea typeface="나눔바른고딕" panose="020B0603020101020101" pitchFamily="50" charset="-127"/>
-              </a:rPr>
-              <a:t>명령블록</a:t>
-            </a:r>
-            <a:endParaRPr lang="en-US" altLang="ko-KR" sz="4400" dirty="0">
-              <a:solidFill>
-                <a:schemeClr val="bg1"/>
-              </a:solidFill>
-              <a:latin typeface="나눔바른고딕" panose="020B0603020101020101" pitchFamily="50" charset="-127"/>
-              <a:ea typeface="나눔바른고딕" panose="020B0603020101020101" pitchFamily="50" charset="-127"/>
-            </a:endParaRPr>
-          </a:p>
-          <a:p>
-            <a:r>
-              <a:rPr lang="en-US" altLang="ko-KR" sz="4400" dirty="0">
-                <a:solidFill>
-                  <a:schemeClr val="bg1"/>
-                </a:solidFill>
-                <a:latin typeface="나눔바른고딕" panose="020B0603020101020101" pitchFamily="50" charset="-127"/>
-                <a:ea typeface="나눔바른고딕" panose="020B0603020101020101" pitchFamily="50" charset="-127"/>
-              </a:rPr>
-              <a:t>	…</a:t>
-            </a:r>
-          </a:p>
-          <a:p>
-            <a:r>
-              <a:rPr lang="en-US" altLang="ko-KR" sz="4400" dirty="0">
-                <a:solidFill>
-                  <a:schemeClr val="bg1"/>
-                </a:solidFill>
-                <a:latin typeface="나눔바른고딕" panose="020B0603020101020101" pitchFamily="50" charset="-127"/>
-                <a:ea typeface="나눔바른고딕" panose="020B0603020101020101" pitchFamily="50" charset="-127"/>
-              </a:rPr>
-              <a:t>	return</a:t>
-            </a:r>
-            <a:r>
-              <a:rPr lang="ko-KR" altLang="en-US" sz="4400" dirty="0">
-                <a:solidFill>
-                  <a:schemeClr val="bg1"/>
-                </a:solidFill>
-                <a:latin typeface="나눔바른고딕" panose="020B0603020101020101" pitchFamily="50" charset="-127"/>
-                <a:ea typeface="나눔바른고딕" panose="020B0603020101020101" pitchFamily="50" charset="-127"/>
-              </a:rPr>
-              <a:t> </a:t>
-            </a:r>
-            <a:r>
-              <a:rPr lang="ko-KR" altLang="en-US" sz="4400" dirty="0" err="1">
-                <a:solidFill>
-                  <a:schemeClr val="bg1"/>
-                </a:solidFill>
-                <a:latin typeface="나눔바른고딕" panose="020B0603020101020101" pitchFamily="50" charset="-127"/>
-                <a:ea typeface="나눔바른고딕" panose="020B0603020101020101" pitchFamily="50" charset="-127"/>
-              </a:rPr>
-              <a:t>리턴값</a:t>
-            </a:r>
-            <a:endParaRPr lang="en-US" altLang="ko-KR" sz="4400" dirty="0">
-              <a:solidFill>
-                <a:schemeClr val="bg1"/>
-              </a:solidFill>
-              <a:latin typeface="나눔바른고딕" panose="020B0603020101020101" pitchFamily="50" charset="-127"/>
-              <a:ea typeface="나눔바른고딕" panose="020B0603020101020101" pitchFamily="50" charset="-127"/>
-            </a:endParaRPr>
-          </a:p>
-        </p:txBody>
-      </p:sp>
-    </p:spTree>
-    <p:extLst>
-      <p:ext uri="{BB962C8B-B14F-4D97-AF65-F5344CB8AC3E}">
-        <p14:creationId xmlns:p14="http://schemas.microsoft.com/office/powerpoint/2010/main" val="3422639784"/>
-      </p:ext>
-    </p:extLst>
-  </p:cSld>
-  <p:clrMapOvr>
-    <a:masterClrMapping/>
-  </p:clrMapOvr>
-</p:sld>
-</file>
-
-<file path=ppt/slides/slide6.xml><?xml version="1.0" encoding="utf-8"?>
-<p:sld xmlns:a="http://schemas.openxmlformats.org/drawingml/2006/main" xmlns:r="http://schemas.openxmlformats.org/officeDocument/2006/relationships" xmlns:p="http://schemas.openxmlformats.org/presentationml/2006/main">
-  <p:cSld>
-    <p:bg>
-      <p:bgPr>
-        <a:solidFill>
-          <a:schemeClr val="tx1">
-            <a:lumMod val="85000"/>
-            <a:lumOff val="15000"/>
-          </a:schemeClr>
-        </a:solidFill>
-        <a:effectLst/>
-      </p:bgPr>
-    </p:bg>
-    <p:spTree>
-      <p:nvGrpSpPr>
-        <p:cNvPr id="1" name=""/>
-        <p:cNvGrpSpPr/>
-        <p:nvPr/>
-      </p:nvGrpSpPr>
-      <p:grpSpPr>
-        <a:xfrm>
-          <a:off x="0" y="0"/>
-          <a:ext cx="0" cy="0"/>
-          <a:chOff x="0" y="0"/>
-          <a:chExt cx="0" cy="0"/>
-        </a:xfrm>
-      </p:grpSpPr>
-      <p:sp>
-        <p:nvSpPr>
-          <p:cNvPr id="2" name="TextBox 1">
-            <a:extLst>
-              <a:ext uri="{FF2B5EF4-FFF2-40B4-BE49-F238E27FC236}">
-                <a16:creationId xmlns:a16="http://schemas.microsoft.com/office/drawing/2014/main" id="{0B332A50-CC0E-4C7E-B47E-E7CFBA7B423B}"/>
-              </a:ext>
-            </a:extLst>
-          </p:cNvPr>
-          <p:cNvSpPr txBox="1"/>
-          <p:nvPr/>
-        </p:nvSpPr>
-        <p:spPr>
-          <a:xfrm>
-            <a:off x="5601072" y="2397948"/>
-            <a:ext cx="3523913" cy="1569660"/>
-          </a:xfrm>
-          <a:prstGeom prst="rect">
-            <a:avLst/>
-          </a:prstGeom>
-          <a:noFill/>
-        </p:spPr>
-        <p:txBody>
-          <a:bodyPr wrap="none" rtlCol="0">
-            <a:spAutoFit/>
-          </a:bodyPr>
-          <a:lstStyle/>
-          <a:p>
-            <a:r>
-              <a:rPr lang="en-US" altLang="ko-KR" sz="3200" dirty="0">
-                <a:solidFill>
-                  <a:schemeClr val="accent6">
-                    <a:lumMod val="75000"/>
-                  </a:schemeClr>
-                </a:solidFill>
-                <a:latin typeface="나눔바른고딕" panose="020B0603020101020101" pitchFamily="50" charset="-127"/>
-                <a:ea typeface="나눔바른고딕" panose="020B0603020101020101" pitchFamily="50" charset="-127"/>
-              </a:rPr>
-              <a:t>def</a:t>
-            </a:r>
-            <a:r>
-              <a:rPr lang="en-US" altLang="ko-KR" sz="3200" dirty="0">
-                <a:solidFill>
-                  <a:schemeClr val="bg1"/>
-                </a:solidFill>
-                <a:latin typeface="나눔바른고딕" panose="020B0603020101020101" pitchFamily="50" charset="-127"/>
-                <a:ea typeface="나눔바른고딕" panose="020B0603020101020101" pitchFamily="50" charset="-127"/>
-              </a:rPr>
-              <a:t> sum </a:t>
-            </a:r>
-            <a:r>
-              <a:rPr lang="en-US" altLang="ko-KR" sz="3200" dirty="0">
-                <a:solidFill>
-                  <a:schemeClr val="accent6">
-                    <a:lumMod val="75000"/>
-                  </a:schemeClr>
-                </a:solidFill>
-                <a:latin typeface="나눔바른고딕" panose="020B0603020101020101" pitchFamily="50" charset="-127"/>
-                <a:ea typeface="나눔바른고딕" panose="020B0603020101020101" pitchFamily="50" charset="-127"/>
-              </a:rPr>
-              <a:t>(a, b):</a:t>
-            </a:r>
-          </a:p>
-          <a:p>
-            <a:r>
-              <a:rPr lang="en-US" altLang="ko-KR" sz="3200" dirty="0">
-                <a:solidFill>
-                  <a:schemeClr val="bg1"/>
-                </a:solidFill>
-                <a:latin typeface="나눔바른고딕" panose="020B0603020101020101" pitchFamily="50" charset="-127"/>
-                <a:ea typeface="나눔바른고딕" panose="020B0603020101020101" pitchFamily="50" charset="-127"/>
-              </a:rPr>
-              <a:t>	result = a + b</a:t>
-            </a:r>
-          </a:p>
-          <a:p>
-            <a:r>
-              <a:rPr lang="en-US" altLang="ko-KR" sz="3200" dirty="0">
-                <a:solidFill>
-                  <a:schemeClr val="bg1"/>
-                </a:solidFill>
-                <a:latin typeface="나눔바른고딕" panose="020B0603020101020101" pitchFamily="50" charset="-127"/>
-                <a:ea typeface="나눔바른고딕" panose="020B0603020101020101" pitchFamily="50" charset="-127"/>
-              </a:rPr>
-              <a:t>	</a:t>
-            </a:r>
-            <a:r>
-              <a:rPr lang="en-US" altLang="ko-KR" sz="3200" dirty="0">
-                <a:solidFill>
-                  <a:schemeClr val="accent6">
-                    <a:lumMod val="75000"/>
-                  </a:schemeClr>
-                </a:solidFill>
-                <a:latin typeface="나눔바른고딕" panose="020B0603020101020101" pitchFamily="50" charset="-127"/>
-                <a:ea typeface="나눔바른고딕" panose="020B0603020101020101" pitchFamily="50" charset="-127"/>
-              </a:rPr>
-              <a:t>return</a:t>
-            </a:r>
-            <a:r>
-              <a:rPr lang="en-US" altLang="ko-KR" sz="3200" dirty="0">
-                <a:solidFill>
-                  <a:schemeClr val="bg1"/>
-                </a:solidFill>
-                <a:latin typeface="나눔바른고딕" panose="020B0603020101020101" pitchFamily="50" charset="-127"/>
-                <a:ea typeface="나눔바른고딕" panose="020B0603020101020101" pitchFamily="50" charset="-127"/>
-              </a:rPr>
-              <a:t> result</a:t>
-            </a:r>
-          </a:p>
-        </p:txBody>
-      </p:sp>
-      <p:sp>
-        <p:nvSpPr>
-          <p:cNvPr id="3" name="TextBox 2">
-            <a:extLst>
-              <a:ext uri="{FF2B5EF4-FFF2-40B4-BE49-F238E27FC236}">
-                <a16:creationId xmlns:a16="http://schemas.microsoft.com/office/drawing/2014/main" id="{253AD2C7-6575-4676-BAF9-2A34836F93AB}"/>
-              </a:ext>
-            </a:extLst>
-          </p:cNvPr>
-          <p:cNvSpPr txBox="1"/>
-          <p:nvPr/>
-        </p:nvSpPr>
-        <p:spPr>
-          <a:xfrm>
-            <a:off x="488504" y="2397948"/>
-            <a:ext cx="4364999" cy="2062103"/>
-          </a:xfrm>
-          <a:prstGeom prst="rect">
-            <a:avLst/>
-          </a:prstGeom>
-          <a:noFill/>
-        </p:spPr>
-        <p:txBody>
-          <a:bodyPr wrap="square" rtlCol="0">
-            <a:spAutoFit/>
-          </a:bodyPr>
-          <a:lstStyle/>
-          <a:p>
-            <a:r>
-              <a:rPr lang="en-US" altLang="ko-KR" sz="3200" dirty="0">
-                <a:solidFill>
-                  <a:schemeClr val="accent6">
-                    <a:lumMod val="75000"/>
-                  </a:schemeClr>
-                </a:solidFill>
-                <a:latin typeface="나눔바른고딕" panose="020B0603020101020101" pitchFamily="50" charset="-127"/>
-                <a:ea typeface="나눔바른고딕" panose="020B0603020101020101" pitchFamily="50" charset="-127"/>
-              </a:rPr>
-              <a:t>def</a:t>
-            </a:r>
-            <a:r>
-              <a:rPr lang="ko-KR" altLang="en-US" sz="3200" dirty="0">
-                <a:solidFill>
-                  <a:schemeClr val="accent6">
-                    <a:lumMod val="75000"/>
-                  </a:schemeClr>
-                </a:solidFill>
-                <a:latin typeface="나눔바른고딕" panose="020B0603020101020101" pitchFamily="50" charset="-127"/>
-                <a:ea typeface="나눔바른고딕" panose="020B0603020101020101" pitchFamily="50" charset="-127"/>
-              </a:rPr>
-              <a:t> </a:t>
-            </a:r>
-            <a:r>
-              <a:rPr lang="ko-KR" altLang="en-US" sz="3200" dirty="0">
-                <a:solidFill>
-                  <a:schemeClr val="bg1"/>
-                </a:solidFill>
-                <a:latin typeface="나눔바른고딕" panose="020B0603020101020101" pitchFamily="50" charset="-127"/>
-                <a:ea typeface="나눔바른고딕" panose="020B0603020101020101" pitchFamily="50" charset="-127"/>
-              </a:rPr>
-              <a:t>함수이름</a:t>
-            </a:r>
-            <a:r>
-              <a:rPr lang="en-US" altLang="ko-KR" sz="3200" dirty="0">
-                <a:solidFill>
-                  <a:schemeClr val="accent6">
-                    <a:lumMod val="75000"/>
-                  </a:schemeClr>
-                </a:solidFill>
-                <a:latin typeface="나눔바른고딕" panose="020B0603020101020101" pitchFamily="50" charset="-127"/>
-                <a:ea typeface="나눔바른고딕" panose="020B0603020101020101" pitchFamily="50" charset="-127"/>
-              </a:rPr>
-              <a:t>(</a:t>
-            </a:r>
-            <a:r>
-              <a:rPr lang="ko-KR" altLang="en-US" sz="3200" dirty="0">
-                <a:solidFill>
-                  <a:schemeClr val="accent6">
-                    <a:lumMod val="75000"/>
-                  </a:schemeClr>
-                </a:solidFill>
-                <a:latin typeface="나눔바른고딕" panose="020B0603020101020101" pitchFamily="50" charset="-127"/>
-                <a:ea typeface="나눔바른고딕" panose="020B0603020101020101" pitchFamily="50" charset="-127"/>
-              </a:rPr>
-              <a:t>매개변수</a:t>
-            </a:r>
-            <a:r>
-              <a:rPr lang="en-US" altLang="ko-KR" sz="3200" dirty="0">
-                <a:solidFill>
-                  <a:schemeClr val="accent6">
-                    <a:lumMod val="75000"/>
-                  </a:schemeClr>
-                </a:solidFill>
-                <a:latin typeface="나눔바른고딕" panose="020B0603020101020101" pitchFamily="50" charset="-127"/>
-                <a:ea typeface="나눔바른고딕" panose="020B0603020101020101" pitchFamily="50" charset="-127"/>
-              </a:rPr>
-              <a:t>):</a:t>
-            </a:r>
-          </a:p>
-          <a:p>
-            <a:r>
-              <a:rPr lang="en-US" altLang="ko-KR" sz="3200" dirty="0">
-                <a:solidFill>
-                  <a:schemeClr val="accent6">
-                    <a:lumMod val="75000"/>
-                  </a:schemeClr>
-                </a:solidFill>
-                <a:latin typeface="나눔바른고딕" panose="020B0603020101020101" pitchFamily="50" charset="-127"/>
-                <a:ea typeface="나눔바른고딕" panose="020B0603020101020101" pitchFamily="50" charset="-127"/>
-              </a:rPr>
-              <a:t>	</a:t>
-            </a:r>
-            <a:r>
-              <a:rPr lang="ko-KR" altLang="en-US" sz="3200" dirty="0">
-                <a:solidFill>
-                  <a:schemeClr val="bg1"/>
-                </a:solidFill>
-                <a:latin typeface="나눔바른고딕" panose="020B0603020101020101" pitchFamily="50" charset="-127"/>
-                <a:ea typeface="나눔바른고딕" panose="020B0603020101020101" pitchFamily="50" charset="-127"/>
-              </a:rPr>
-              <a:t>명령블록</a:t>
-            </a:r>
-            <a:endParaRPr lang="en-US" altLang="ko-KR" sz="3200" dirty="0">
-              <a:solidFill>
-                <a:schemeClr val="bg1"/>
-              </a:solidFill>
-              <a:latin typeface="나눔바른고딕" panose="020B0603020101020101" pitchFamily="50" charset="-127"/>
-              <a:ea typeface="나눔바른고딕" panose="020B0603020101020101" pitchFamily="50" charset="-127"/>
-            </a:endParaRPr>
-          </a:p>
-          <a:p>
-            <a:r>
-              <a:rPr lang="en-US" altLang="ko-KR" sz="3200" dirty="0">
-                <a:solidFill>
-                  <a:schemeClr val="bg1"/>
-                </a:solidFill>
-                <a:latin typeface="나눔바른고딕" panose="020B0603020101020101" pitchFamily="50" charset="-127"/>
-                <a:ea typeface="나눔바른고딕" panose="020B0603020101020101" pitchFamily="50" charset="-127"/>
-              </a:rPr>
-              <a:t>	…</a:t>
-            </a:r>
-          </a:p>
-          <a:p>
-            <a:r>
-              <a:rPr lang="en-US" altLang="ko-KR" sz="3200" dirty="0">
-                <a:solidFill>
-                  <a:schemeClr val="bg1"/>
-                </a:solidFill>
-                <a:latin typeface="나눔바른고딕" panose="020B0603020101020101" pitchFamily="50" charset="-127"/>
-                <a:ea typeface="나눔바른고딕" panose="020B0603020101020101" pitchFamily="50" charset="-127"/>
-              </a:rPr>
-              <a:t>	</a:t>
-            </a:r>
-            <a:r>
-              <a:rPr lang="en-US" altLang="ko-KR" sz="3200" dirty="0">
-                <a:solidFill>
-                  <a:schemeClr val="accent6">
-                    <a:lumMod val="75000"/>
-                  </a:schemeClr>
-                </a:solidFill>
-                <a:latin typeface="나눔바른고딕" panose="020B0603020101020101" pitchFamily="50" charset="-127"/>
-                <a:ea typeface="나눔바른고딕" panose="020B0603020101020101" pitchFamily="50" charset="-127"/>
-              </a:rPr>
-              <a:t>return</a:t>
-            </a:r>
-            <a:r>
-              <a:rPr lang="ko-KR" altLang="en-US" sz="3200" dirty="0">
-                <a:solidFill>
-                  <a:schemeClr val="bg1"/>
-                </a:solidFill>
-                <a:latin typeface="나눔바른고딕" panose="020B0603020101020101" pitchFamily="50" charset="-127"/>
-                <a:ea typeface="나눔바른고딕" panose="020B0603020101020101" pitchFamily="50" charset="-127"/>
-              </a:rPr>
-              <a:t> </a:t>
-            </a:r>
-            <a:r>
-              <a:rPr lang="ko-KR" altLang="en-US" sz="3200" dirty="0" err="1">
-                <a:solidFill>
-                  <a:schemeClr val="bg1"/>
-                </a:solidFill>
-                <a:latin typeface="나눔바른고딕" panose="020B0603020101020101" pitchFamily="50" charset="-127"/>
-                <a:ea typeface="나눔바른고딕" panose="020B0603020101020101" pitchFamily="50" charset="-127"/>
-              </a:rPr>
-              <a:t>리턴값</a:t>
-            </a:r>
-            <a:endParaRPr lang="en-US" altLang="ko-KR" sz="3200" dirty="0">
-              <a:solidFill>
-                <a:schemeClr val="bg1"/>
-              </a:solidFill>
-              <a:latin typeface="나눔바른고딕" panose="020B0603020101020101" pitchFamily="50" charset="-127"/>
-              <a:ea typeface="나눔바른고딕" panose="020B0603020101020101" pitchFamily="50" charset="-127"/>
-            </a:endParaRPr>
-          </a:p>
-        </p:txBody>
-      </p:sp>
-    </p:spTree>
-    <p:extLst>
-      <p:ext uri="{BB962C8B-B14F-4D97-AF65-F5344CB8AC3E}">
-        <p14:creationId xmlns:p14="http://schemas.microsoft.com/office/powerpoint/2010/main" val="4181150682"/>
-      </p:ext>
-    </p:extLst>
-  </p:cSld>
-  <p:clrMapOvr>
-    <a:masterClrMapping/>
-  </p:clrMapOvr>
-  <mc:AlternateContent xmlns:mc="http://schemas.openxmlformats.org/markup-compatibility/2006">
-    <mc:Choice xmlns:p159="http://schemas.microsoft.com/office/powerpoint/2015/09/main" Requires="p159">
-      <p:transition xmlns:p14="http://schemas.microsoft.com/office/powerpoint/2010/main" spd="slow" p14:dur="2000">
-        <p159:morph option="byObject"/>
-      </p:transition>
-    </mc:Choice>
-    <mc:Fallback>
-      <p:transition spd="slow">
-        <p:fade/>
-      </p:transition>
-    </mc:Fallback>
-  </mc:AlternateContent>
-</p:sld>
-</file>
-
-<file path=ppt/slides/slide7.xml><?xml version="1.0" encoding="utf-8"?>
-<p:sld xmlns:a="http://schemas.openxmlformats.org/drawingml/2006/main" xmlns:r="http://schemas.openxmlformats.org/officeDocument/2006/relationships" xmlns:p="http://schemas.openxmlformats.org/presentationml/2006/main">
-  <p:cSld>
-    <p:bg>
-      <p:bgPr>
-        <a:solidFill>
-          <a:schemeClr val="tx1">
-            <a:lumMod val="85000"/>
-            <a:lumOff val="15000"/>
-          </a:schemeClr>
-        </a:solidFill>
-        <a:effectLst/>
-      </p:bgPr>
-    </p:bg>
-    <p:spTree>
-      <p:nvGrpSpPr>
-        <p:cNvPr id="1" name=""/>
-        <p:cNvGrpSpPr/>
-        <p:nvPr/>
-      </p:nvGrpSpPr>
-      <p:grpSpPr>
-        <a:xfrm>
-          <a:off x="0" y="0"/>
-          <a:ext cx="0" cy="0"/>
-          <a:chOff x="0" y="0"/>
-          <a:chExt cx="0" cy="0"/>
-        </a:xfrm>
-      </p:grpSpPr>
-      <p:sp>
-        <p:nvSpPr>
-          <p:cNvPr id="3" name="TextBox 2">
-            <a:extLst>
-              <a:ext uri="{FF2B5EF4-FFF2-40B4-BE49-F238E27FC236}">
-                <a16:creationId xmlns:a16="http://schemas.microsoft.com/office/drawing/2014/main" id="{08BB054E-84A4-4F77-A4B9-E0027E24282F}"/>
-              </a:ext>
-            </a:extLst>
-          </p:cNvPr>
-          <p:cNvSpPr txBox="1"/>
-          <p:nvPr/>
-        </p:nvSpPr>
-        <p:spPr>
-          <a:xfrm>
-            <a:off x="1908745" y="2644170"/>
-            <a:ext cx="6088526" cy="830997"/>
-          </a:xfrm>
-          <a:prstGeom prst="rect">
-            <a:avLst/>
-          </a:prstGeom>
-          <a:noFill/>
-        </p:spPr>
-        <p:txBody>
-          <a:bodyPr wrap="none" rtlCol="0">
-            <a:spAutoFit/>
-          </a:bodyPr>
-          <a:lstStyle/>
-          <a:p>
-            <a:pPr algn="ctr"/>
-            <a:r>
-              <a:rPr lang="en-US" altLang="ko-KR" sz="4800" dirty="0">
-                <a:solidFill>
-                  <a:schemeClr val="bg1">
-                    <a:lumMod val="95000"/>
-                  </a:schemeClr>
-                </a:solidFill>
-                <a:latin typeface="나눔바른고딕" panose="020B0603020101020101" pitchFamily="50" charset="-127"/>
-                <a:ea typeface="나눔바른고딕" panose="020B0603020101020101" pitchFamily="50" charset="-127"/>
-              </a:rPr>
-              <a:t>2. </a:t>
-            </a:r>
-            <a:r>
-              <a:rPr lang="ko-KR" altLang="en-US" sz="4800" dirty="0">
-                <a:solidFill>
-                  <a:schemeClr val="bg1">
-                    <a:lumMod val="95000"/>
-                  </a:schemeClr>
-                </a:solidFill>
-                <a:latin typeface="나눔바른고딕" panose="020B0603020101020101" pitchFamily="50" charset="-127"/>
-                <a:ea typeface="나눔바른고딕" panose="020B0603020101020101" pitchFamily="50" charset="-127"/>
-              </a:rPr>
-              <a:t>함수를 사용하는 방법</a:t>
-            </a:r>
-            <a:endParaRPr lang="en-US" altLang="ko-KR" sz="4800" dirty="0">
-              <a:solidFill>
-                <a:schemeClr val="bg1">
-                  <a:lumMod val="95000"/>
-                </a:schemeClr>
-              </a:solidFill>
-              <a:latin typeface="나눔바른고딕" panose="020B0603020101020101" pitchFamily="50" charset="-127"/>
-              <a:ea typeface="나눔바른고딕" panose="020B0603020101020101" pitchFamily="50" charset="-127"/>
-            </a:endParaRPr>
-          </a:p>
-        </p:txBody>
-      </p:sp>
-    </p:spTree>
-    <p:extLst>
-      <p:ext uri="{BB962C8B-B14F-4D97-AF65-F5344CB8AC3E}">
-        <p14:creationId xmlns:p14="http://schemas.microsoft.com/office/powerpoint/2010/main" val="3285767561"/>
-      </p:ext>
-    </p:extLst>
-  </p:cSld>
-  <p:clrMapOvr>
-    <a:masterClrMapping/>
-  </p:clrMapOvr>
-  <mc:AlternateContent xmlns:mc="http://schemas.openxmlformats.org/markup-compatibility/2006">
-    <mc:Choice xmlns:p159="http://schemas.microsoft.com/office/powerpoint/2015/09/main" Requires="p159">
-      <p:transition xmlns:p14="http://schemas.microsoft.com/office/powerpoint/2010/main" spd="slow" p14:dur="2000">
-        <p159:morph option="byObject"/>
-      </p:transition>
-    </mc:Choice>
-    <mc:Fallback>
-      <p:transition spd="slow">
-        <p:fade/>
-      </p:transition>
-    </mc:Fallback>
-  </mc:AlternateContent>
-</p:sld>
-</file>
-
-<file path=ppt/slides/slide8.xml><?xml version="1.0" encoding="utf-8"?>
 <p:sld xmlns:a="http://schemas.openxmlformats.org/drawingml/2006/main" xmlns:r="http://schemas.openxmlformats.org/officeDocument/2006/relationships" xmlns:p="http://schemas.openxmlformats.org/presentationml/2006/main">
   <p:cSld>
     <p:bg>
@@ -6509,6 +3988,3641 @@
 </p:sld>
 </file>
 
+<file path=ppt/slides/slide11.xml><?xml version="1.0" encoding="utf-8"?>
+<p:sld xmlns:a="http://schemas.openxmlformats.org/drawingml/2006/main" xmlns:r="http://schemas.openxmlformats.org/officeDocument/2006/relationships" xmlns:p="http://schemas.openxmlformats.org/presentationml/2006/main">
+  <p:cSld>
+    <p:bg>
+      <p:bgPr>
+        <a:solidFill>
+          <a:schemeClr val="tx1">
+            <a:lumMod val="85000"/>
+            <a:lumOff val="15000"/>
+          </a:schemeClr>
+        </a:solidFill>
+        <a:effectLst/>
+      </p:bgPr>
+    </p:bg>
+    <p:spTree>
+      <p:nvGrpSpPr>
+        <p:cNvPr id="1" name=""/>
+        <p:cNvGrpSpPr/>
+        <p:nvPr/>
+      </p:nvGrpSpPr>
+      <p:grpSpPr>
+        <a:xfrm>
+          <a:off x="0" y="0"/>
+          <a:ext cx="0" cy="0"/>
+          <a:chOff x="0" y="0"/>
+          <a:chExt cx="0" cy="0"/>
+        </a:xfrm>
+      </p:grpSpPr>
+      <p:sp>
+        <p:nvSpPr>
+          <p:cNvPr id="3" name="TextBox 2">
+            <a:extLst>
+              <a:ext uri="{FF2B5EF4-FFF2-40B4-BE49-F238E27FC236}">
+                <a16:creationId xmlns:a16="http://schemas.microsoft.com/office/drawing/2014/main" id="{08BB054E-84A4-4F77-A4B9-E0027E24282F}"/>
+              </a:ext>
+            </a:extLst>
+          </p:cNvPr>
+          <p:cNvSpPr txBox="1"/>
+          <p:nvPr/>
+        </p:nvSpPr>
+        <p:spPr>
+          <a:xfrm>
+            <a:off x="1908747" y="2644170"/>
+            <a:ext cx="6088526" cy="830997"/>
+          </a:xfrm>
+          <a:prstGeom prst="rect">
+            <a:avLst/>
+          </a:prstGeom>
+          <a:noFill/>
+        </p:spPr>
+        <p:txBody>
+          <a:bodyPr wrap="none" rtlCol="0">
+            <a:spAutoFit/>
+          </a:bodyPr>
+          <a:lstStyle/>
+          <a:p>
+            <a:pPr algn="ctr"/>
+            <a:r>
+              <a:rPr lang="en-US" altLang="ko-KR" sz="4800" dirty="0">
+                <a:solidFill>
+                  <a:schemeClr val="bg1">
+                    <a:lumMod val="95000"/>
+                  </a:schemeClr>
+                </a:solidFill>
+                <a:latin typeface="나눔바른고딕" panose="020B0603020101020101" pitchFamily="50" charset="-127"/>
+                <a:ea typeface="나눔바른고딕" panose="020B0603020101020101" pitchFamily="50" charset="-127"/>
+              </a:rPr>
+              <a:t>3. </a:t>
+            </a:r>
+            <a:r>
+              <a:rPr lang="ko-KR" altLang="en-US" sz="4800" dirty="0">
+                <a:solidFill>
+                  <a:schemeClr val="bg1">
+                    <a:lumMod val="95000"/>
+                  </a:schemeClr>
+                </a:solidFill>
+                <a:latin typeface="나눔바른고딕" panose="020B0603020101020101" pitchFamily="50" charset="-127"/>
+                <a:ea typeface="나눔바른고딕" panose="020B0603020101020101" pitchFamily="50" charset="-127"/>
+              </a:rPr>
+              <a:t>매개변수가 없는 함수</a:t>
+            </a:r>
+            <a:endParaRPr lang="en-US" altLang="ko-KR" sz="4800" dirty="0">
+              <a:solidFill>
+                <a:schemeClr val="bg1">
+                  <a:lumMod val="95000"/>
+                </a:schemeClr>
+              </a:solidFill>
+              <a:latin typeface="나눔바른고딕" panose="020B0603020101020101" pitchFamily="50" charset="-127"/>
+              <a:ea typeface="나눔바른고딕" panose="020B0603020101020101" pitchFamily="50" charset="-127"/>
+            </a:endParaRPr>
+          </a:p>
+        </p:txBody>
+      </p:sp>
+    </p:spTree>
+    <p:extLst>
+      <p:ext uri="{BB962C8B-B14F-4D97-AF65-F5344CB8AC3E}">
+        <p14:creationId xmlns:p14="http://schemas.microsoft.com/office/powerpoint/2010/main" val="1253931382"/>
+      </p:ext>
+    </p:extLst>
+  </p:cSld>
+  <p:clrMapOvr>
+    <a:masterClrMapping/>
+  </p:clrMapOvr>
+  <mc:AlternateContent xmlns:mc="http://schemas.openxmlformats.org/markup-compatibility/2006" xmlns:p159="http://schemas.microsoft.com/office/powerpoint/2015/09/main">
+    <mc:Choice Requires="p159">
+      <p:transition xmlns:p14="http://schemas.microsoft.com/office/powerpoint/2010/main" spd="slow" p14:dur="2000">
+        <p159:morph option="byObject"/>
+      </p:transition>
+    </mc:Choice>
+    <mc:Fallback xmlns="">
+      <p:transition spd="slow">
+        <p:fade/>
+      </p:transition>
+    </mc:Fallback>
+  </mc:AlternateContent>
+</p:sld>
+</file>
+
+<file path=ppt/slides/slide12.xml><?xml version="1.0" encoding="utf-8"?>
+<p:sld xmlns:a="http://schemas.openxmlformats.org/drawingml/2006/main" xmlns:r="http://schemas.openxmlformats.org/officeDocument/2006/relationships" xmlns:p="http://schemas.openxmlformats.org/presentationml/2006/main">
+  <p:cSld>
+    <p:bg>
+      <p:bgPr>
+        <a:solidFill>
+          <a:schemeClr val="tx1">
+            <a:lumMod val="85000"/>
+            <a:lumOff val="15000"/>
+          </a:schemeClr>
+        </a:solidFill>
+        <a:effectLst/>
+      </p:bgPr>
+    </p:bg>
+    <p:spTree>
+      <p:nvGrpSpPr>
+        <p:cNvPr id="1" name=""/>
+        <p:cNvGrpSpPr/>
+        <p:nvPr/>
+      </p:nvGrpSpPr>
+      <p:grpSpPr>
+        <a:xfrm>
+          <a:off x="0" y="0"/>
+          <a:ext cx="0" cy="0"/>
+          <a:chOff x="0" y="0"/>
+          <a:chExt cx="0" cy="0"/>
+        </a:xfrm>
+      </p:grpSpPr>
+      <p:sp>
+        <p:nvSpPr>
+          <p:cNvPr id="2" name="TextBox 1">
+            <a:extLst>
+              <a:ext uri="{FF2B5EF4-FFF2-40B4-BE49-F238E27FC236}">
+                <a16:creationId xmlns:a16="http://schemas.microsoft.com/office/drawing/2014/main" id="{0B332A50-CC0E-4C7E-B47E-E7CFBA7B423B}"/>
+              </a:ext>
+            </a:extLst>
+          </p:cNvPr>
+          <p:cNvSpPr txBox="1"/>
+          <p:nvPr/>
+        </p:nvSpPr>
+        <p:spPr>
+          <a:xfrm>
+            <a:off x="2028161" y="2028617"/>
+            <a:ext cx="4388124" cy="2800767"/>
+          </a:xfrm>
+          <a:prstGeom prst="rect">
+            <a:avLst/>
+          </a:prstGeom>
+          <a:noFill/>
+        </p:spPr>
+        <p:txBody>
+          <a:bodyPr wrap="none" rtlCol="0">
+            <a:spAutoFit/>
+          </a:bodyPr>
+          <a:lstStyle/>
+          <a:p>
+            <a:r>
+              <a:rPr lang="en-US" altLang="ko-KR" sz="4400" dirty="0">
+                <a:solidFill>
+                  <a:schemeClr val="accent6">
+                    <a:lumMod val="75000"/>
+                  </a:schemeClr>
+                </a:solidFill>
+                <a:latin typeface="나눔바른고딕" panose="020B0603020101020101" pitchFamily="50" charset="-127"/>
+                <a:ea typeface="나눔바른고딕" panose="020B0603020101020101" pitchFamily="50" charset="-127"/>
+              </a:rPr>
+              <a:t>def</a:t>
+            </a:r>
+            <a:r>
+              <a:rPr lang="ko-KR" altLang="en-US" sz="4400" dirty="0">
+                <a:solidFill>
+                  <a:schemeClr val="accent6">
+                    <a:lumMod val="75000"/>
+                  </a:schemeClr>
+                </a:solidFill>
+                <a:latin typeface="나눔바른고딕" panose="020B0603020101020101" pitchFamily="50" charset="-127"/>
+                <a:ea typeface="나눔바른고딕" panose="020B0603020101020101" pitchFamily="50" charset="-127"/>
+              </a:rPr>
+              <a:t> </a:t>
+            </a:r>
+            <a:r>
+              <a:rPr lang="ko-KR" altLang="en-US" sz="4400" dirty="0">
+                <a:solidFill>
+                  <a:schemeClr val="bg1"/>
+                </a:solidFill>
+                <a:latin typeface="나눔바른고딕" panose="020B0603020101020101" pitchFamily="50" charset="-127"/>
+                <a:ea typeface="나눔바른고딕" panose="020B0603020101020101" pitchFamily="50" charset="-127"/>
+              </a:rPr>
+              <a:t>함수이름</a:t>
+            </a:r>
+            <a:r>
+              <a:rPr lang="en-US" altLang="ko-KR" sz="4400" dirty="0">
+                <a:solidFill>
+                  <a:schemeClr val="accent6">
+                    <a:lumMod val="75000"/>
+                  </a:schemeClr>
+                </a:solidFill>
+                <a:latin typeface="나눔바른고딕" panose="020B0603020101020101" pitchFamily="50" charset="-127"/>
+                <a:ea typeface="나눔바른고딕" panose="020B0603020101020101" pitchFamily="50" charset="-127"/>
+              </a:rPr>
+              <a:t>():</a:t>
+            </a:r>
+          </a:p>
+          <a:p>
+            <a:r>
+              <a:rPr lang="en-US" altLang="ko-KR" sz="4400" dirty="0">
+                <a:solidFill>
+                  <a:schemeClr val="accent6">
+                    <a:lumMod val="75000"/>
+                  </a:schemeClr>
+                </a:solidFill>
+                <a:latin typeface="나눔바른고딕" panose="020B0603020101020101" pitchFamily="50" charset="-127"/>
+                <a:ea typeface="나눔바른고딕" panose="020B0603020101020101" pitchFamily="50" charset="-127"/>
+              </a:rPr>
+              <a:t>	</a:t>
+            </a:r>
+            <a:r>
+              <a:rPr lang="ko-KR" altLang="en-US" sz="4400" dirty="0">
+                <a:solidFill>
+                  <a:schemeClr val="bg1"/>
+                </a:solidFill>
+                <a:latin typeface="나눔바른고딕" panose="020B0603020101020101" pitchFamily="50" charset="-127"/>
+                <a:ea typeface="나눔바른고딕" panose="020B0603020101020101" pitchFamily="50" charset="-127"/>
+              </a:rPr>
+              <a:t>명령블록</a:t>
+            </a:r>
+            <a:endParaRPr lang="en-US" altLang="ko-KR" sz="4400" dirty="0">
+              <a:solidFill>
+                <a:schemeClr val="bg1"/>
+              </a:solidFill>
+              <a:latin typeface="나눔바른고딕" panose="020B0603020101020101" pitchFamily="50" charset="-127"/>
+              <a:ea typeface="나눔바른고딕" panose="020B0603020101020101" pitchFamily="50" charset="-127"/>
+            </a:endParaRPr>
+          </a:p>
+          <a:p>
+            <a:r>
+              <a:rPr lang="en-US" altLang="ko-KR" sz="4400" dirty="0">
+                <a:solidFill>
+                  <a:schemeClr val="bg1"/>
+                </a:solidFill>
+                <a:latin typeface="나눔바른고딕" panose="020B0603020101020101" pitchFamily="50" charset="-127"/>
+                <a:ea typeface="나눔바른고딕" panose="020B0603020101020101" pitchFamily="50" charset="-127"/>
+              </a:rPr>
+              <a:t>	…</a:t>
+            </a:r>
+          </a:p>
+          <a:p>
+            <a:r>
+              <a:rPr lang="en-US" altLang="ko-KR" sz="4400" dirty="0">
+                <a:solidFill>
+                  <a:schemeClr val="bg1"/>
+                </a:solidFill>
+                <a:latin typeface="나눔바른고딕" panose="020B0603020101020101" pitchFamily="50" charset="-127"/>
+                <a:ea typeface="나눔바른고딕" panose="020B0603020101020101" pitchFamily="50" charset="-127"/>
+              </a:rPr>
+              <a:t>	return</a:t>
+            </a:r>
+            <a:r>
+              <a:rPr lang="ko-KR" altLang="en-US" sz="4400" dirty="0">
+                <a:solidFill>
+                  <a:schemeClr val="bg1"/>
+                </a:solidFill>
+                <a:latin typeface="나눔바른고딕" panose="020B0603020101020101" pitchFamily="50" charset="-127"/>
+                <a:ea typeface="나눔바른고딕" panose="020B0603020101020101" pitchFamily="50" charset="-127"/>
+              </a:rPr>
+              <a:t> </a:t>
+            </a:r>
+            <a:r>
+              <a:rPr lang="ko-KR" altLang="en-US" sz="4400" dirty="0" err="1">
+                <a:solidFill>
+                  <a:schemeClr val="bg1"/>
+                </a:solidFill>
+                <a:latin typeface="나눔바른고딕" panose="020B0603020101020101" pitchFamily="50" charset="-127"/>
+                <a:ea typeface="나눔바른고딕" panose="020B0603020101020101" pitchFamily="50" charset="-127"/>
+              </a:rPr>
+              <a:t>리턴값</a:t>
+            </a:r>
+            <a:endParaRPr lang="en-US" altLang="ko-KR" sz="4400" dirty="0">
+              <a:solidFill>
+                <a:schemeClr val="bg1"/>
+              </a:solidFill>
+              <a:latin typeface="나눔바른고딕" panose="020B0603020101020101" pitchFamily="50" charset="-127"/>
+              <a:ea typeface="나눔바른고딕" panose="020B0603020101020101" pitchFamily="50" charset="-127"/>
+            </a:endParaRPr>
+          </a:p>
+        </p:txBody>
+      </p:sp>
+    </p:spTree>
+    <p:extLst>
+      <p:ext uri="{BB962C8B-B14F-4D97-AF65-F5344CB8AC3E}">
+        <p14:creationId xmlns:p14="http://schemas.microsoft.com/office/powerpoint/2010/main" val="4187566478"/>
+      </p:ext>
+    </p:extLst>
+  </p:cSld>
+  <p:clrMapOvr>
+    <a:masterClrMapping/>
+  </p:clrMapOvr>
+</p:sld>
+</file>
+
+<file path=ppt/slides/slide13.xml><?xml version="1.0" encoding="utf-8"?>
+<p:sld xmlns:a="http://schemas.openxmlformats.org/drawingml/2006/main" xmlns:r="http://schemas.openxmlformats.org/officeDocument/2006/relationships" xmlns:p="http://schemas.openxmlformats.org/presentationml/2006/main">
+  <p:cSld>
+    <p:bg>
+      <p:bgPr>
+        <a:solidFill>
+          <a:schemeClr val="tx1">
+            <a:lumMod val="85000"/>
+            <a:lumOff val="15000"/>
+          </a:schemeClr>
+        </a:solidFill>
+        <a:effectLst/>
+      </p:bgPr>
+    </p:bg>
+    <p:spTree>
+      <p:nvGrpSpPr>
+        <p:cNvPr id="1" name=""/>
+        <p:cNvGrpSpPr/>
+        <p:nvPr/>
+      </p:nvGrpSpPr>
+      <p:grpSpPr>
+        <a:xfrm>
+          <a:off x="0" y="0"/>
+          <a:ext cx="0" cy="0"/>
+          <a:chOff x="0" y="0"/>
+          <a:chExt cx="0" cy="0"/>
+        </a:xfrm>
+      </p:grpSpPr>
+      <p:sp>
+        <p:nvSpPr>
+          <p:cNvPr id="3" name="TextBox 2">
+            <a:extLst>
+              <a:ext uri="{FF2B5EF4-FFF2-40B4-BE49-F238E27FC236}">
+                <a16:creationId xmlns:a16="http://schemas.microsoft.com/office/drawing/2014/main" id="{D5F399E4-670C-4443-8EB0-89BE61849494}"/>
+              </a:ext>
+            </a:extLst>
+          </p:cNvPr>
+          <p:cNvSpPr txBox="1"/>
+          <p:nvPr/>
+        </p:nvSpPr>
+        <p:spPr>
+          <a:xfrm>
+            <a:off x="1653840" y="3933056"/>
+            <a:ext cx="6551256" cy="1384995"/>
+          </a:xfrm>
+          <a:prstGeom prst="rect">
+            <a:avLst/>
+          </a:prstGeom>
+          <a:noFill/>
+        </p:spPr>
+        <p:txBody>
+          <a:bodyPr wrap="square" rtlCol="0">
+            <a:spAutoFit/>
+          </a:bodyPr>
+          <a:lstStyle/>
+          <a:p>
+            <a:r>
+              <a:rPr lang="en-US" altLang="ko-KR" sz="2800" dirty="0">
+                <a:solidFill>
+                  <a:schemeClr val="accent6">
+                    <a:lumMod val="75000"/>
+                  </a:schemeClr>
+                </a:solidFill>
+                <a:latin typeface="나눔바른고딕" panose="020B0603020101020101" pitchFamily="50" charset="-127"/>
+                <a:ea typeface="나눔바른고딕" panose="020B0603020101020101" pitchFamily="50" charset="-127"/>
+              </a:rPr>
+              <a:t>def</a:t>
+            </a:r>
+            <a:r>
+              <a:rPr lang="en-US" altLang="ko-KR" sz="2800" dirty="0">
+                <a:solidFill>
+                  <a:schemeClr val="bg1"/>
+                </a:solidFill>
+                <a:latin typeface="나눔바른고딕" panose="020B0603020101020101" pitchFamily="50" charset="-127"/>
+                <a:ea typeface="나눔바른고딕" panose="020B0603020101020101" pitchFamily="50" charset="-127"/>
+              </a:rPr>
+              <a:t> </a:t>
+            </a:r>
+            <a:r>
+              <a:rPr lang="en-US" altLang="ko-KR" sz="2800" dirty="0" err="1">
+                <a:solidFill>
+                  <a:schemeClr val="bg1"/>
+                </a:solidFill>
+                <a:latin typeface="나눔바른고딕" panose="020B0603020101020101" pitchFamily="50" charset="-127"/>
+                <a:ea typeface="나눔바른고딕" panose="020B0603020101020101" pitchFamily="50" charset="-127"/>
+              </a:rPr>
+              <a:t>getRandomNumber</a:t>
+            </a:r>
+            <a:r>
+              <a:rPr lang="en-US" altLang="ko-KR" sz="2800" dirty="0">
+                <a:solidFill>
+                  <a:schemeClr val="bg1"/>
+                </a:solidFill>
+                <a:latin typeface="나눔바른고딕" panose="020B0603020101020101" pitchFamily="50" charset="-127"/>
+                <a:ea typeface="나눔바른고딕" panose="020B0603020101020101" pitchFamily="50" charset="-127"/>
+              </a:rPr>
+              <a:t> </a:t>
+            </a:r>
+            <a:r>
+              <a:rPr lang="en-US" altLang="ko-KR" sz="2800" dirty="0">
+                <a:solidFill>
+                  <a:schemeClr val="accent6">
+                    <a:lumMod val="75000"/>
+                  </a:schemeClr>
+                </a:solidFill>
+                <a:latin typeface="나눔바른고딕" panose="020B0603020101020101" pitchFamily="50" charset="-127"/>
+                <a:ea typeface="나눔바른고딕" panose="020B0603020101020101" pitchFamily="50" charset="-127"/>
+              </a:rPr>
+              <a:t>():</a:t>
+            </a:r>
+          </a:p>
+          <a:p>
+            <a:r>
+              <a:rPr lang="en-US" altLang="ko-KR" sz="2800" dirty="0">
+                <a:solidFill>
+                  <a:schemeClr val="bg1"/>
+                </a:solidFill>
+                <a:latin typeface="나눔바른고딕" panose="020B0603020101020101" pitchFamily="50" charset="-127"/>
+                <a:ea typeface="나눔바른고딕" panose="020B0603020101020101" pitchFamily="50" charset="-127"/>
+              </a:rPr>
+              <a:t>	number = </a:t>
+            </a:r>
+            <a:r>
+              <a:rPr lang="en-US" altLang="ko-KR" sz="2800" dirty="0" err="1">
+                <a:solidFill>
+                  <a:schemeClr val="bg1"/>
+                </a:solidFill>
+                <a:latin typeface="나눔바른고딕" panose="020B0603020101020101" pitchFamily="50" charset="-127"/>
+                <a:ea typeface="나눔바른고딕" panose="020B0603020101020101" pitchFamily="50" charset="-127"/>
+              </a:rPr>
+              <a:t>random.randint</a:t>
+            </a:r>
+            <a:r>
+              <a:rPr lang="en-US" altLang="ko-KR" sz="2800" dirty="0">
+                <a:solidFill>
+                  <a:schemeClr val="bg1"/>
+                </a:solidFill>
+                <a:latin typeface="나눔바른고딕" panose="020B0603020101020101" pitchFamily="50" charset="-127"/>
+                <a:ea typeface="나눔바른고딕" panose="020B0603020101020101" pitchFamily="50" charset="-127"/>
+              </a:rPr>
+              <a:t>(1,10)</a:t>
+            </a:r>
+          </a:p>
+          <a:p>
+            <a:r>
+              <a:rPr lang="en-US" altLang="ko-KR" sz="2800" dirty="0">
+                <a:solidFill>
+                  <a:schemeClr val="bg1"/>
+                </a:solidFill>
+                <a:latin typeface="나눔바른고딕" panose="020B0603020101020101" pitchFamily="50" charset="-127"/>
+                <a:ea typeface="나눔바른고딕" panose="020B0603020101020101" pitchFamily="50" charset="-127"/>
+              </a:rPr>
+              <a:t>	</a:t>
+            </a:r>
+            <a:r>
+              <a:rPr lang="en-US" altLang="ko-KR" sz="2800" dirty="0">
+                <a:solidFill>
+                  <a:schemeClr val="accent6">
+                    <a:lumMod val="75000"/>
+                  </a:schemeClr>
+                </a:solidFill>
+                <a:latin typeface="나눔바른고딕" panose="020B0603020101020101" pitchFamily="50" charset="-127"/>
+                <a:ea typeface="나눔바른고딕" panose="020B0603020101020101" pitchFamily="50" charset="-127"/>
+              </a:rPr>
+              <a:t>return</a:t>
+            </a:r>
+            <a:r>
+              <a:rPr lang="en-US" altLang="ko-KR" sz="2800" dirty="0">
+                <a:solidFill>
+                  <a:schemeClr val="bg1"/>
+                </a:solidFill>
+                <a:latin typeface="나눔바른고딕" panose="020B0603020101020101" pitchFamily="50" charset="-127"/>
+                <a:ea typeface="나눔바른고딕" panose="020B0603020101020101" pitchFamily="50" charset="-127"/>
+              </a:rPr>
+              <a:t> number</a:t>
+            </a:r>
+          </a:p>
+        </p:txBody>
+      </p:sp>
+      <p:sp>
+        <p:nvSpPr>
+          <p:cNvPr id="4" name="TextBox 3">
+            <a:extLst>
+              <a:ext uri="{FF2B5EF4-FFF2-40B4-BE49-F238E27FC236}">
+                <a16:creationId xmlns:a16="http://schemas.microsoft.com/office/drawing/2014/main" id="{81F952B8-2F96-4293-B245-50DE89B72DAC}"/>
+              </a:ext>
+            </a:extLst>
+          </p:cNvPr>
+          <p:cNvSpPr txBox="1"/>
+          <p:nvPr/>
+        </p:nvSpPr>
+        <p:spPr>
+          <a:xfrm>
+            <a:off x="1653840" y="1114337"/>
+            <a:ext cx="3212867" cy="1815882"/>
+          </a:xfrm>
+          <a:prstGeom prst="rect">
+            <a:avLst/>
+          </a:prstGeom>
+          <a:noFill/>
+        </p:spPr>
+        <p:txBody>
+          <a:bodyPr wrap="none" rtlCol="0">
+            <a:spAutoFit/>
+          </a:bodyPr>
+          <a:lstStyle/>
+          <a:p>
+            <a:r>
+              <a:rPr lang="en-US" altLang="ko-KR" sz="2800" dirty="0">
+                <a:solidFill>
+                  <a:schemeClr val="accent6">
+                    <a:lumMod val="75000"/>
+                  </a:schemeClr>
+                </a:solidFill>
+                <a:latin typeface="나눔바른고딕" panose="020B0603020101020101" pitchFamily="50" charset="-127"/>
+                <a:ea typeface="나눔바른고딕" panose="020B0603020101020101" pitchFamily="50" charset="-127"/>
+              </a:rPr>
+              <a:t>def</a:t>
+            </a:r>
+            <a:r>
+              <a:rPr lang="ko-KR" altLang="en-US" sz="2800" dirty="0">
+                <a:solidFill>
+                  <a:schemeClr val="accent6">
+                    <a:lumMod val="75000"/>
+                  </a:schemeClr>
+                </a:solidFill>
+                <a:latin typeface="나눔바른고딕" panose="020B0603020101020101" pitchFamily="50" charset="-127"/>
+                <a:ea typeface="나눔바른고딕" panose="020B0603020101020101" pitchFamily="50" charset="-127"/>
+              </a:rPr>
+              <a:t> </a:t>
+            </a:r>
+            <a:r>
+              <a:rPr lang="ko-KR" altLang="en-US" sz="2800" dirty="0">
+                <a:solidFill>
+                  <a:schemeClr val="bg1"/>
+                </a:solidFill>
+                <a:latin typeface="나눔바른고딕" panose="020B0603020101020101" pitchFamily="50" charset="-127"/>
+                <a:ea typeface="나눔바른고딕" panose="020B0603020101020101" pitchFamily="50" charset="-127"/>
+              </a:rPr>
+              <a:t>함수이름</a:t>
+            </a:r>
+            <a:r>
+              <a:rPr lang="en-US" altLang="ko-KR" sz="2800" dirty="0">
+                <a:solidFill>
+                  <a:schemeClr val="accent6">
+                    <a:lumMod val="75000"/>
+                  </a:schemeClr>
+                </a:solidFill>
+                <a:latin typeface="나눔바른고딕" panose="020B0603020101020101" pitchFamily="50" charset="-127"/>
+                <a:ea typeface="나눔바른고딕" panose="020B0603020101020101" pitchFamily="50" charset="-127"/>
+              </a:rPr>
+              <a:t>():</a:t>
+            </a:r>
+          </a:p>
+          <a:p>
+            <a:r>
+              <a:rPr lang="en-US" altLang="ko-KR" sz="2800" dirty="0">
+                <a:solidFill>
+                  <a:schemeClr val="accent6">
+                    <a:lumMod val="75000"/>
+                  </a:schemeClr>
+                </a:solidFill>
+                <a:latin typeface="나눔바른고딕" panose="020B0603020101020101" pitchFamily="50" charset="-127"/>
+                <a:ea typeface="나눔바른고딕" panose="020B0603020101020101" pitchFamily="50" charset="-127"/>
+              </a:rPr>
+              <a:t>	</a:t>
+            </a:r>
+            <a:r>
+              <a:rPr lang="ko-KR" altLang="en-US" sz="2800" dirty="0">
+                <a:solidFill>
+                  <a:schemeClr val="bg1"/>
+                </a:solidFill>
+                <a:latin typeface="나눔바른고딕" panose="020B0603020101020101" pitchFamily="50" charset="-127"/>
+                <a:ea typeface="나눔바른고딕" panose="020B0603020101020101" pitchFamily="50" charset="-127"/>
+              </a:rPr>
+              <a:t>명령블록</a:t>
+            </a:r>
+            <a:endParaRPr lang="en-US" altLang="ko-KR" sz="2800" dirty="0">
+              <a:solidFill>
+                <a:schemeClr val="bg1"/>
+              </a:solidFill>
+              <a:latin typeface="나눔바른고딕" panose="020B0603020101020101" pitchFamily="50" charset="-127"/>
+              <a:ea typeface="나눔바른고딕" panose="020B0603020101020101" pitchFamily="50" charset="-127"/>
+            </a:endParaRPr>
+          </a:p>
+          <a:p>
+            <a:r>
+              <a:rPr lang="en-US" altLang="ko-KR" sz="2800" dirty="0">
+                <a:solidFill>
+                  <a:schemeClr val="bg1"/>
+                </a:solidFill>
+                <a:latin typeface="나눔바른고딕" panose="020B0603020101020101" pitchFamily="50" charset="-127"/>
+                <a:ea typeface="나눔바른고딕" panose="020B0603020101020101" pitchFamily="50" charset="-127"/>
+              </a:rPr>
+              <a:t>	…</a:t>
+            </a:r>
+          </a:p>
+          <a:p>
+            <a:r>
+              <a:rPr lang="en-US" altLang="ko-KR" sz="2800" dirty="0">
+                <a:solidFill>
+                  <a:schemeClr val="bg1"/>
+                </a:solidFill>
+                <a:latin typeface="나눔바른고딕" panose="020B0603020101020101" pitchFamily="50" charset="-127"/>
+                <a:ea typeface="나눔바른고딕" panose="020B0603020101020101" pitchFamily="50" charset="-127"/>
+              </a:rPr>
+              <a:t>	return</a:t>
+            </a:r>
+            <a:r>
+              <a:rPr lang="ko-KR" altLang="en-US" sz="2800" dirty="0">
+                <a:solidFill>
+                  <a:schemeClr val="bg1"/>
+                </a:solidFill>
+                <a:latin typeface="나눔바른고딕" panose="020B0603020101020101" pitchFamily="50" charset="-127"/>
+                <a:ea typeface="나눔바른고딕" panose="020B0603020101020101" pitchFamily="50" charset="-127"/>
+              </a:rPr>
+              <a:t> </a:t>
+            </a:r>
+            <a:r>
+              <a:rPr lang="ko-KR" altLang="en-US" sz="2800" dirty="0" err="1">
+                <a:solidFill>
+                  <a:schemeClr val="bg1"/>
+                </a:solidFill>
+                <a:latin typeface="나눔바른고딕" panose="020B0603020101020101" pitchFamily="50" charset="-127"/>
+                <a:ea typeface="나눔바른고딕" panose="020B0603020101020101" pitchFamily="50" charset="-127"/>
+              </a:rPr>
+              <a:t>리턴값</a:t>
+            </a:r>
+            <a:endParaRPr lang="en-US" altLang="ko-KR" sz="2800" dirty="0">
+              <a:solidFill>
+                <a:schemeClr val="bg1"/>
+              </a:solidFill>
+              <a:latin typeface="나눔바른고딕" panose="020B0603020101020101" pitchFamily="50" charset="-127"/>
+              <a:ea typeface="나눔바른고딕" panose="020B0603020101020101" pitchFamily="50" charset="-127"/>
+            </a:endParaRPr>
+          </a:p>
+        </p:txBody>
+      </p:sp>
+    </p:spTree>
+    <p:extLst>
+      <p:ext uri="{BB962C8B-B14F-4D97-AF65-F5344CB8AC3E}">
+        <p14:creationId xmlns:p14="http://schemas.microsoft.com/office/powerpoint/2010/main" val="806224239"/>
+      </p:ext>
+    </p:extLst>
+  </p:cSld>
+  <p:clrMapOvr>
+    <a:masterClrMapping/>
+  </p:clrMapOvr>
+  <mc:AlternateContent xmlns:mc="http://schemas.openxmlformats.org/markup-compatibility/2006" xmlns:p159="http://schemas.microsoft.com/office/powerpoint/2015/09/main">
+    <mc:Choice Requires="p159">
+      <p:transition xmlns:p14="http://schemas.microsoft.com/office/powerpoint/2010/main" spd="slow" p14:dur="2000">
+        <p159:morph option="byObject"/>
+      </p:transition>
+    </mc:Choice>
+    <mc:Fallback xmlns="">
+      <p:transition spd="slow">
+        <p:fade/>
+      </p:transition>
+    </mc:Fallback>
+  </mc:AlternateContent>
+</p:sld>
+</file>
+
+<file path=ppt/slides/slide14.xml><?xml version="1.0" encoding="utf-8"?>
+<p:sld xmlns:a="http://schemas.openxmlformats.org/drawingml/2006/main" xmlns:r="http://schemas.openxmlformats.org/officeDocument/2006/relationships" xmlns:p="http://schemas.openxmlformats.org/presentationml/2006/main">
+  <p:cSld>
+    <p:bg>
+      <p:bgPr>
+        <a:solidFill>
+          <a:schemeClr val="tx1">
+            <a:lumMod val="85000"/>
+            <a:lumOff val="15000"/>
+          </a:schemeClr>
+        </a:solidFill>
+        <a:effectLst/>
+      </p:bgPr>
+    </p:bg>
+    <p:spTree>
+      <p:nvGrpSpPr>
+        <p:cNvPr id="1" name=""/>
+        <p:cNvGrpSpPr/>
+        <p:nvPr/>
+      </p:nvGrpSpPr>
+      <p:grpSpPr>
+        <a:xfrm>
+          <a:off x="0" y="0"/>
+          <a:ext cx="0" cy="0"/>
+          <a:chOff x="0" y="0"/>
+          <a:chExt cx="0" cy="0"/>
+        </a:xfrm>
+      </p:grpSpPr>
+      <p:sp>
+        <p:nvSpPr>
+          <p:cNvPr id="3" name="TextBox 2">
+            <a:extLst>
+              <a:ext uri="{FF2B5EF4-FFF2-40B4-BE49-F238E27FC236}">
+                <a16:creationId xmlns:a16="http://schemas.microsoft.com/office/drawing/2014/main" id="{08BB054E-84A4-4F77-A4B9-E0027E24282F}"/>
+              </a:ext>
+            </a:extLst>
+          </p:cNvPr>
+          <p:cNvSpPr txBox="1"/>
+          <p:nvPr/>
+        </p:nvSpPr>
+        <p:spPr>
+          <a:xfrm>
+            <a:off x="2183662" y="2644170"/>
+            <a:ext cx="5538696" cy="830997"/>
+          </a:xfrm>
+          <a:prstGeom prst="rect">
+            <a:avLst/>
+          </a:prstGeom>
+          <a:noFill/>
+        </p:spPr>
+        <p:txBody>
+          <a:bodyPr wrap="none" rtlCol="0">
+            <a:spAutoFit/>
+          </a:bodyPr>
+          <a:lstStyle/>
+          <a:p>
+            <a:pPr algn="ctr"/>
+            <a:r>
+              <a:rPr lang="en-US" altLang="ko-KR" sz="4800" dirty="0">
+                <a:solidFill>
+                  <a:schemeClr val="bg1">
+                    <a:lumMod val="95000"/>
+                  </a:schemeClr>
+                </a:solidFill>
+                <a:latin typeface="나눔바른고딕" panose="020B0603020101020101" pitchFamily="50" charset="-127"/>
+                <a:ea typeface="나눔바른고딕" panose="020B0603020101020101" pitchFamily="50" charset="-127"/>
+              </a:rPr>
+              <a:t>4. </a:t>
+            </a:r>
+            <a:r>
+              <a:rPr lang="ko-KR" altLang="en-US" sz="4800" dirty="0" err="1">
+                <a:solidFill>
+                  <a:schemeClr val="bg1">
+                    <a:lumMod val="95000"/>
+                  </a:schemeClr>
+                </a:solidFill>
+                <a:latin typeface="나눔바른고딕" panose="020B0603020101020101" pitchFamily="50" charset="-127"/>
+                <a:ea typeface="나눔바른고딕" panose="020B0603020101020101" pitchFamily="50" charset="-127"/>
+              </a:rPr>
+              <a:t>리턴값이</a:t>
+            </a:r>
+            <a:r>
+              <a:rPr lang="ko-KR" altLang="en-US" sz="4800" dirty="0">
+                <a:solidFill>
+                  <a:schemeClr val="bg1">
+                    <a:lumMod val="95000"/>
+                  </a:schemeClr>
+                </a:solidFill>
+                <a:latin typeface="나눔바른고딕" panose="020B0603020101020101" pitchFamily="50" charset="-127"/>
+                <a:ea typeface="나눔바른고딕" panose="020B0603020101020101" pitchFamily="50" charset="-127"/>
+              </a:rPr>
+              <a:t> 없는 함수</a:t>
+            </a:r>
+            <a:endParaRPr lang="en-US" altLang="ko-KR" sz="4800" dirty="0">
+              <a:solidFill>
+                <a:schemeClr val="bg1">
+                  <a:lumMod val="95000"/>
+                </a:schemeClr>
+              </a:solidFill>
+              <a:latin typeface="나눔바른고딕" panose="020B0603020101020101" pitchFamily="50" charset="-127"/>
+              <a:ea typeface="나눔바른고딕" panose="020B0603020101020101" pitchFamily="50" charset="-127"/>
+            </a:endParaRPr>
+          </a:p>
+        </p:txBody>
+      </p:sp>
+    </p:spTree>
+    <p:extLst>
+      <p:ext uri="{BB962C8B-B14F-4D97-AF65-F5344CB8AC3E}">
+        <p14:creationId xmlns:p14="http://schemas.microsoft.com/office/powerpoint/2010/main" val="3094025725"/>
+      </p:ext>
+    </p:extLst>
+  </p:cSld>
+  <p:clrMapOvr>
+    <a:masterClrMapping/>
+  </p:clrMapOvr>
+  <mc:AlternateContent xmlns:mc="http://schemas.openxmlformats.org/markup-compatibility/2006" xmlns:p159="http://schemas.microsoft.com/office/powerpoint/2015/09/main">
+    <mc:Choice Requires="p159">
+      <p:transition xmlns:p14="http://schemas.microsoft.com/office/powerpoint/2010/main" spd="slow" p14:dur="2000">
+        <p159:morph option="byObject"/>
+      </p:transition>
+    </mc:Choice>
+    <mc:Fallback xmlns="">
+      <p:transition spd="slow">
+        <p:fade/>
+      </p:transition>
+    </mc:Fallback>
+  </mc:AlternateContent>
+</p:sld>
+</file>
+
+<file path=ppt/slides/slide15.xml><?xml version="1.0" encoding="utf-8"?>
+<p:sld xmlns:a="http://schemas.openxmlformats.org/drawingml/2006/main" xmlns:r="http://schemas.openxmlformats.org/officeDocument/2006/relationships" xmlns:p="http://schemas.openxmlformats.org/presentationml/2006/main">
+  <p:cSld>
+    <p:bg>
+      <p:bgPr>
+        <a:solidFill>
+          <a:schemeClr val="tx1">
+            <a:lumMod val="85000"/>
+            <a:lumOff val="15000"/>
+          </a:schemeClr>
+        </a:solidFill>
+        <a:effectLst/>
+      </p:bgPr>
+    </p:bg>
+    <p:spTree>
+      <p:nvGrpSpPr>
+        <p:cNvPr id="1" name=""/>
+        <p:cNvGrpSpPr/>
+        <p:nvPr/>
+      </p:nvGrpSpPr>
+      <p:grpSpPr>
+        <a:xfrm>
+          <a:off x="0" y="0"/>
+          <a:ext cx="0" cy="0"/>
+          <a:chOff x="0" y="0"/>
+          <a:chExt cx="0" cy="0"/>
+        </a:xfrm>
+      </p:grpSpPr>
+      <p:sp>
+        <p:nvSpPr>
+          <p:cNvPr id="2" name="TextBox 1">
+            <a:extLst>
+              <a:ext uri="{FF2B5EF4-FFF2-40B4-BE49-F238E27FC236}">
+                <a16:creationId xmlns:a16="http://schemas.microsoft.com/office/drawing/2014/main" id="{0B332A50-CC0E-4C7E-B47E-E7CFBA7B423B}"/>
+              </a:ext>
+            </a:extLst>
+          </p:cNvPr>
+          <p:cNvSpPr txBox="1"/>
+          <p:nvPr/>
+        </p:nvSpPr>
+        <p:spPr>
+          <a:xfrm>
+            <a:off x="2028161" y="2028617"/>
+            <a:ext cx="5849678" cy="2123658"/>
+          </a:xfrm>
+          <a:prstGeom prst="rect">
+            <a:avLst/>
+          </a:prstGeom>
+          <a:noFill/>
+        </p:spPr>
+        <p:txBody>
+          <a:bodyPr wrap="none" rtlCol="0">
+            <a:spAutoFit/>
+          </a:bodyPr>
+          <a:lstStyle/>
+          <a:p>
+            <a:r>
+              <a:rPr lang="en-US" altLang="ko-KR" sz="4400" dirty="0">
+                <a:solidFill>
+                  <a:schemeClr val="accent6">
+                    <a:lumMod val="75000"/>
+                  </a:schemeClr>
+                </a:solidFill>
+                <a:latin typeface="나눔바른고딕" panose="020B0603020101020101" pitchFamily="50" charset="-127"/>
+                <a:ea typeface="나눔바른고딕" panose="020B0603020101020101" pitchFamily="50" charset="-127"/>
+              </a:rPr>
+              <a:t>def</a:t>
+            </a:r>
+            <a:r>
+              <a:rPr lang="ko-KR" altLang="en-US" sz="4400" dirty="0">
+                <a:solidFill>
+                  <a:schemeClr val="accent6">
+                    <a:lumMod val="75000"/>
+                  </a:schemeClr>
+                </a:solidFill>
+                <a:latin typeface="나눔바른고딕" panose="020B0603020101020101" pitchFamily="50" charset="-127"/>
+                <a:ea typeface="나눔바른고딕" panose="020B0603020101020101" pitchFamily="50" charset="-127"/>
+              </a:rPr>
+              <a:t> </a:t>
+            </a:r>
+            <a:r>
+              <a:rPr lang="ko-KR" altLang="en-US" sz="4400" dirty="0">
+                <a:solidFill>
+                  <a:schemeClr val="bg1"/>
+                </a:solidFill>
+                <a:latin typeface="나눔바른고딕" panose="020B0603020101020101" pitchFamily="50" charset="-127"/>
+                <a:ea typeface="나눔바른고딕" panose="020B0603020101020101" pitchFamily="50" charset="-127"/>
+              </a:rPr>
+              <a:t>함수이름</a:t>
+            </a:r>
+            <a:r>
+              <a:rPr lang="en-US" altLang="ko-KR" sz="4400" dirty="0">
+                <a:solidFill>
+                  <a:schemeClr val="accent6">
+                    <a:lumMod val="75000"/>
+                  </a:schemeClr>
+                </a:solidFill>
+                <a:latin typeface="나눔바른고딕" panose="020B0603020101020101" pitchFamily="50" charset="-127"/>
+                <a:ea typeface="나눔바른고딕" panose="020B0603020101020101" pitchFamily="50" charset="-127"/>
+              </a:rPr>
+              <a:t>(</a:t>
+            </a:r>
+            <a:r>
+              <a:rPr lang="ko-KR" altLang="en-US" sz="4400" dirty="0">
+                <a:solidFill>
+                  <a:schemeClr val="accent6">
+                    <a:lumMod val="75000"/>
+                  </a:schemeClr>
+                </a:solidFill>
+                <a:latin typeface="나눔바른고딕" panose="020B0603020101020101" pitchFamily="50" charset="-127"/>
+                <a:ea typeface="나눔바른고딕" panose="020B0603020101020101" pitchFamily="50" charset="-127"/>
+              </a:rPr>
+              <a:t>매개변수</a:t>
+            </a:r>
+            <a:r>
+              <a:rPr lang="en-US" altLang="ko-KR" sz="4400" dirty="0">
+                <a:solidFill>
+                  <a:schemeClr val="accent6">
+                    <a:lumMod val="75000"/>
+                  </a:schemeClr>
+                </a:solidFill>
+                <a:latin typeface="나눔바른고딕" panose="020B0603020101020101" pitchFamily="50" charset="-127"/>
+                <a:ea typeface="나눔바른고딕" panose="020B0603020101020101" pitchFamily="50" charset="-127"/>
+              </a:rPr>
+              <a:t>):</a:t>
+            </a:r>
+          </a:p>
+          <a:p>
+            <a:r>
+              <a:rPr lang="en-US" altLang="ko-KR" sz="4400" dirty="0">
+                <a:solidFill>
+                  <a:schemeClr val="accent6">
+                    <a:lumMod val="75000"/>
+                  </a:schemeClr>
+                </a:solidFill>
+                <a:latin typeface="나눔바른고딕" panose="020B0603020101020101" pitchFamily="50" charset="-127"/>
+                <a:ea typeface="나눔바른고딕" panose="020B0603020101020101" pitchFamily="50" charset="-127"/>
+              </a:rPr>
+              <a:t>	</a:t>
+            </a:r>
+            <a:r>
+              <a:rPr lang="ko-KR" altLang="en-US" sz="4400" dirty="0">
+                <a:solidFill>
+                  <a:schemeClr val="bg1"/>
+                </a:solidFill>
+                <a:latin typeface="나눔바른고딕" panose="020B0603020101020101" pitchFamily="50" charset="-127"/>
+                <a:ea typeface="나눔바른고딕" panose="020B0603020101020101" pitchFamily="50" charset="-127"/>
+              </a:rPr>
+              <a:t>명령블록</a:t>
+            </a:r>
+            <a:endParaRPr lang="en-US" altLang="ko-KR" sz="4400" dirty="0">
+              <a:solidFill>
+                <a:schemeClr val="bg1"/>
+              </a:solidFill>
+              <a:latin typeface="나눔바른고딕" panose="020B0603020101020101" pitchFamily="50" charset="-127"/>
+              <a:ea typeface="나눔바른고딕" panose="020B0603020101020101" pitchFamily="50" charset="-127"/>
+            </a:endParaRPr>
+          </a:p>
+          <a:p>
+            <a:r>
+              <a:rPr lang="en-US" altLang="ko-KR" sz="4400" dirty="0">
+                <a:solidFill>
+                  <a:schemeClr val="bg1"/>
+                </a:solidFill>
+                <a:latin typeface="나눔바른고딕" panose="020B0603020101020101" pitchFamily="50" charset="-127"/>
+                <a:ea typeface="나눔바른고딕" panose="020B0603020101020101" pitchFamily="50" charset="-127"/>
+              </a:rPr>
+              <a:t>	…</a:t>
+            </a:r>
+          </a:p>
+        </p:txBody>
+      </p:sp>
+    </p:spTree>
+    <p:extLst>
+      <p:ext uri="{BB962C8B-B14F-4D97-AF65-F5344CB8AC3E}">
+        <p14:creationId xmlns:p14="http://schemas.microsoft.com/office/powerpoint/2010/main" val="3990447185"/>
+      </p:ext>
+    </p:extLst>
+  </p:cSld>
+  <p:clrMapOvr>
+    <a:masterClrMapping/>
+  </p:clrMapOvr>
+</p:sld>
+</file>
+
+<file path=ppt/slides/slide16.xml><?xml version="1.0" encoding="utf-8"?>
+<p:sld xmlns:a="http://schemas.openxmlformats.org/drawingml/2006/main" xmlns:r="http://schemas.openxmlformats.org/officeDocument/2006/relationships" xmlns:p="http://schemas.openxmlformats.org/presentationml/2006/main">
+  <p:cSld>
+    <p:bg>
+      <p:bgPr>
+        <a:solidFill>
+          <a:schemeClr val="tx1">
+            <a:lumMod val="85000"/>
+            <a:lumOff val="15000"/>
+          </a:schemeClr>
+        </a:solidFill>
+        <a:effectLst/>
+      </p:bgPr>
+    </p:bg>
+    <p:spTree>
+      <p:nvGrpSpPr>
+        <p:cNvPr id="1" name=""/>
+        <p:cNvGrpSpPr/>
+        <p:nvPr/>
+      </p:nvGrpSpPr>
+      <p:grpSpPr>
+        <a:xfrm>
+          <a:off x="0" y="0"/>
+          <a:ext cx="0" cy="0"/>
+          <a:chOff x="0" y="0"/>
+          <a:chExt cx="0" cy="0"/>
+        </a:xfrm>
+      </p:grpSpPr>
+      <p:sp>
+        <p:nvSpPr>
+          <p:cNvPr id="3" name="TextBox 2">
+            <a:extLst>
+              <a:ext uri="{FF2B5EF4-FFF2-40B4-BE49-F238E27FC236}">
+                <a16:creationId xmlns:a16="http://schemas.microsoft.com/office/drawing/2014/main" id="{D5F399E4-670C-4443-8EB0-89BE61849494}"/>
+              </a:ext>
+            </a:extLst>
+          </p:cNvPr>
+          <p:cNvSpPr txBox="1"/>
+          <p:nvPr/>
+        </p:nvSpPr>
+        <p:spPr>
+          <a:xfrm>
+            <a:off x="5007221" y="2351782"/>
+            <a:ext cx="4770316" cy="1077218"/>
+          </a:xfrm>
+          <a:prstGeom prst="rect">
+            <a:avLst/>
+          </a:prstGeom>
+          <a:noFill/>
+        </p:spPr>
+        <p:txBody>
+          <a:bodyPr wrap="square" rtlCol="0">
+            <a:spAutoFit/>
+          </a:bodyPr>
+          <a:lstStyle/>
+          <a:p>
+            <a:r>
+              <a:rPr lang="en-US" altLang="ko-KR" sz="3200" dirty="0">
+                <a:solidFill>
+                  <a:schemeClr val="accent6">
+                    <a:lumMod val="75000"/>
+                  </a:schemeClr>
+                </a:solidFill>
+                <a:latin typeface="나눔바른고딕" panose="020B0603020101020101" pitchFamily="50" charset="-127"/>
+                <a:ea typeface="나눔바른고딕" panose="020B0603020101020101" pitchFamily="50" charset="-127"/>
+              </a:rPr>
+              <a:t>def</a:t>
+            </a:r>
+            <a:r>
+              <a:rPr lang="en-US" altLang="ko-KR" sz="3200" dirty="0">
+                <a:solidFill>
+                  <a:schemeClr val="bg1"/>
+                </a:solidFill>
+                <a:latin typeface="나눔바른고딕" panose="020B0603020101020101" pitchFamily="50" charset="-127"/>
+                <a:ea typeface="나눔바른고딕" panose="020B0603020101020101" pitchFamily="50" charset="-127"/>
+              </a:rPr>
+              <a:t> </a:t>
+            </a:r>
+            <a:r>
+              <a:rPr lang="en-US" altLang="ko-KR" sz="3200" dirty="0" err="1">
+                <a:solidFill>
+                  <a:schemeClr val="bg1"/>
+                </a:solidFill>
+                <a:latin typeface="나눔바른고딕" panose="020B0603020101020101" pitchFamily="50" charset="-127"/>
+                <a:ea typeface="나눔바른고딕" panose="020B0603020101020101" pitchFamily="50" charset="-127"/>
+              </a:rPr>
+              <a:t>printName</a:t>
+            </a:r>
+            <a:r>
+              <a:rPr lang="en-US" altLang="ko-KR" sz="3200" dirty="0">
+                <a:solidFill>
+                  <a:schemeClr val="bg1"/>
+                </a:solidFill>
+                <a:latin typeface="나눔바른고딕" panose="020B0603020101020101" pitchFamily="50" charset="-127"/>
+                <a:ea typeface="나눔바른고딕" panose="020B0603020101020101" pitchFamily="50" charset="-127"/>
+              </a:rPr>
+              <a:t> </a:t>
+            </a:r>
+            <a:r>
+              <a:rPr lang="en-US" altLang="ko-KR" sz="3200" dirty="0">
+                <a:solidFill>
+                  <a:schemeClr val="accent6">
+                    <a:lumMod val="75000"/>
+                  </a:schemeClr>
+                </a:solidFill>
+                <a:latin typeface="나눔바른고딕" panose="020B0603020101020101" pitchFamily="50" charset="-127"/>
+                <a:ea typeface="나눔바른고딕" panose="020B0603020101020101" pitchFamily="50" charset="-127"/>
+              </a:rPr>
+              <a:t>(name):</a:t>
+            </a:r>
+          </a:p>
+          <a:p>
+            <a:r>
+              <a:rPr lang="en-US" altLang="ko-KR" sz="3200" dirty="0">
+                <a:solidFill>
+                  <a:schemeClr val="bg1"/>
+                </a:solidFill>
+                <a:latin typeface="나눔바른고딕" panose="020B0603020101020101" pitchFamily="50" charset="-127"/>
+                <a:ea typeface="나눔바른고딕" panose="020B0603020101020101" pitchFamily="50" charset="-127"/>
+              </a:rPr>
+              <a:t>	print(name)	</a:t>
+            </a:r>
+          </a:p>
+        </p:txBody>
+      </p:sp>
+      <p:sp>
+        <p:nvSpPr>
+          <p:cNvPr id="4" name="TextBox 3">
+            <a:extLst>
+              <a:ext uri="{FF2B5EF4-FFF2-40B4-BE49-F238E27FC236}">
+                <a16:creationId xmlns:a16="http://schemas.microsoft.com/office/drawing/2014/main" id="{C614D1EC-67A2-4D91-B8F9-EBED44F2C3BA}"/>
+              </a:ext>
+            </a:extLst>
+          </p:cNvPr>
+          <p:cNvSpPr txBox="1"/>
+          <p:nvPr/>
+        </p:nvSpPr>
+        <p:spPr>
+          <a:xfrm>
+            <a:off x="632520" y="2367171"/>
+            <a:ext cx="4297971" cy="1569660"/>
+          </a:xfrm>
+          <a:prstGeom prst="rect">
+            <a:avLst/>
+          </a:prstGeom>
+          <a:noFill/>
+        </p:spPr>
+        <p:txBody>
+          <a:bodyPr wrap="none" rtlCol="0">
+            <a:spAutoFit/>
+          </a:bodyPr>
+          <a:lstStyle/>
+          <a:p>
+            <a:r>
+              <a:rPr lang="en-US" altLang="ko-KR" sz="3200" dirty="0">
+                <a:solidFill>
+                  <a:schemeClr val="accent6">
+                    <a:lumMod val="75000"/>
+                  </a:schemeClr>
+                </a:solidFill>
+                <a:latin typeface="나눔바른고딕" panose="020B0603020101020101" pitchFamily="50" charset="-127"/>
+                <a:ea typeface="나눔바른고딕" panose="020B0603020101020101" pitchFamily="50" charset="-127"/>
+              </a:rPr>
+              <a:t>def</a:t>
+            </a:r>
+            <a:r>
+              <a:rPr lang="ko-KR" altLang="en-US" sz="3200" dirty="0">
+                <a:solidFill>
+                  <a:schemeClr val="accent6">
+                    <a:lumMod val="75000"/>
+                  </a:schemeClr>
+                </a:solidFill>
+                <a:latin typeface="나눔바른고딕" panose="020B0603020101020101" pitchFamily="50" charset="-127"/>
+                <a:ea typeface="나눔바른고딕" panose="020B0603020101020101" pitchFamily="50" charset="-127"/>
+              </a:rPr>
+              <a:t> </a:t>
+            </a:r>
+            <a:r>
+              <a:rPr lang="ko-KR" altLang="en-US" sz="3200" dirty="0">
+                <a:solidFill>
+                  <a:schemeClr val="bg1"/>
+                </a:solidFill>
+                <a:latin typeface="나눔바른고딕" panose="020B0603020101020101" pitchFamily="50" charset="-127"/>
+                <a:ea typeface="나눔바른고딕" panose="020B0603020101020101" pitchFamily="50" charset="-127"/>
+              </a:rPr>
+              <a:t>함수이름</a:t>
+            </a:r>
+            <a:r>
+              <a:rPr lang="en-US" altLang="ko-KR" sz="3200" dirty="0">
+                <a:solidFill>
+                  <a:schemeClr val="accent6">
+                    <a:lumMod val="75000"/>
+                  </a:schemeClr>
+                </a:solidFill>
+                <a:latin typeface="나눔바른고딕" panose="020B0603020101020101" pitchFamily="50" charset="-127"/>
+                <a:ea typeface="나눔바른고딕" panose="020B0603020101020101" pitchFamily="50" charset="-127"/>
+              </a:rPr>
+              <a:t>(</a:t>
+            </a:r>
+            <a:r>
+              <a:rPr lang="ko-KR" altLang="en-US" sz="3200" dirty="0">
+                <a:solidFill>
+                  <a:schemeClr val="accent6">
+                    <a:lumMod val="75000"/>
+                  </a:schemeClr>
+                </a:solidFill>
+                <a:latin typeface="나눔바른고딕" panose="020B0603020101020101" pitchFamily="50" charset="-127"/>
+                <a:ea typeface="나눔바른고딕" panose="020B0603020101020101" pitchFamily="50" charset="-127"/>
+              </a:rPr>
+              <a:t>매개변수</a:t>
+            </a:r>
+            <a:r>
+              <a:rPr lang="en-US" altLang="ko-KR" sz="3200" dirty="0">
+                <a:solidFill>
+                  <a:schemeClr val="accent6">
+                    <a:lumMod val="75000"/>
+                  </a:schemeClr>
+                </a:solidFill>
+                <a:latin typeface="나눔바른고딕" panose="020B0603020101020101" pitchFamily="50" charset="-127"/>
+                <a:ea typeface="나눔바른고딕" panose="020B0603020101020101" pitchFamily="50" charset="-127"/>
+              </a:rPr>
+              <a:t>):</a:t>
+            </a:r>
+          </a:p>
+          <a:p>
+            <a:r>
+              <a:rPr lang="en-US" altLang="ko-KR" sz="3200" dirty="0">
+                <a:solidFill>
+                  <a:schemeClr val="accent6">
+                    <a:lumMod val="75000"/>
+                  </a:schemeClr>
+                </a:solidFill>
+                <a:latin typeface="나눔바른고딕" panose="020B0603020101020101" pitchFamily="50" charset="-127"/>
+                <a:ea typeface="나눔바른고딕" panose="020B0603020101020101" pitchFamily="50" charset="-127"/>
+              </a:rPr>
+              <a:t>	</a:t>
+            </a:r>
+            <a:r>
+              <a:rPr lang="ko-KR" altLang="en-US" sz="3200" dirty="0">
+                <a:solidFill>
+                  <a:schemeClr val="bg1"/>
+                </a:solidFill>
+                <a:latin typeface="나눔바른고딕" panose="020B0603020101020101" pitchFamily="50" charset="-127"/>
+                <a:ea typeface="나눔바른고딕" panose="020B0603020101020101" pitchFamily="50" charset="-127"/>
+              </a:rPr>
+              <a:t>명령블록</a:t>
+            </a:r>
+            <a:endParaRPr lang="en-US" altLang="ko-KR" sz="3200" dirty="0">
+              <a:solidFill>
+                <a:schemeClr val="bg1"/>
+              </a:solidFill>
+              <a:latin typeface="나눔바른고딕" panose="020B0603020101020101" pitchFamily="50" charset="-127"/>
+              <a:ea typeface="나눔바른고딕" panose="020B0603020101020101" pitchFamily="50" charset="-127"/>
+            </a:endParaRPr>
+          </a:p>
+          <a:p>
+            <a:r>
+              <a:rPr lang="en-US" altLang="ko-KR" sz="3200" dirty="0">
+                <a:solidFill>
+                  <a:schemeClr val="bg1"/>
+                </a:solidFill>
+                <a:latin typeface="나눔바른고딕" panose="020B0603020101020101" pitchFamily="50" charset="-127"/>
+                <a:ea typeface="나눔바른고딕" panose="020B0603020101020101" pitchFamily="50" charset="-127"/>
+              </a:rPr>
+              <a:t>	…</a:t>
+            </a:r>
+          </a:p>
+        </p:txBody>
+      </p:sp>
+    </p:spTree>
+    <p:extLst>
+      <p:ext uri="{BB962C8B-B14F-4D97-AF65-F5344CB8AC3E}">
+        <p14:creationId xmlns:p14="http://schemas.microsoft.com/office/powerpoint/2010/main" val="1745082487"/>
+      </p:ext>
+    </p:extLst>
+  </p:cSld>
+  <p:clrMapOvr>
+    <a:masterClrMapping/>
+  </p:clrMapOvr>
+  <mc:AlternateContent xmlns:mc="http://schemas.openxmlformats.org/markup-compatibility/2006" xmlns:p159="http://schemas.microsoft.com/office/powerpoint/2015/09/main">
+    <mc:Choice Requires="p159">
+      <p:transition xmlns:p14="http://schemas.microsoft.com/office/powerpoint/2010/main" spd="slow" p14:dur="2000">
+        <p159:morph option="byObject"/>
+      </p:transition>
+    </mc:Choice>
+    <mc:Fallback xmlns="">
+      <p:transition spd="slow">
+        <p:fade/>
+      </p:transition>
+    </mc:Fallback>
+  </mc:AlternateContent>
+</p:sld>
+</file>
+
+<file path=ppt/slides/slide17.xml><?xml version="1.0" encoding="utf-8"?>
+<p:sld xmlns:a="http://schemas.openxmlformats.org/drawingml/2006/main" xmlns:r="http://schemas.openxmlformats.org/officeDocument/2006/relationships" xmlns:p="http://schemas.openxmlformats.org/presentationml/2006/main">
+  <p:cSld>
+    <p:bg>
+      <p:bgPr>
+        <a:solidFill>
+          <a:schemeClr val="tx1">
+            <a:lumMod val="85000"/>
+            <a:lumOff val="15000"/>
+          </a:schemeClr>
+        </a:solidFill>
+        <a:effectLst/>
+      </p:bgPr>
+    </p:bg>
+    <p:spTree>
+      <p:nvGrpSpPr>
+        <p:cNvPr id="1" name=""/>
+        <p:cNvGrpSpPr/>
+        <p:nvPr/>
+      </p:nvGrpSpPr>
+      <p:grpSpPr>
+        <a:xfrm>
+          <a:off x="0" y="0"/>
+          <a:ext cx="0" cy="0"/>
+          <a:chOff x="0" y="0"/>
+          <a:chExt cx="0" cy="0"/>
+        </a:xfrm>
+      </p:grpSpPr>
+      <p:sp>
+        <p:nvSpPr>
+          <p:cNvPr id="3" name="TextBox 2">
+            <a:extLst>
+              <a:ext uri="{FF2B5EF4-FFF2-40B4-BE49-F238E27FC236}">
+                <a16:creationId xmlns:a16="http://schemas.microsoft.com/office/drawing/2014/main" id="{08BB054E-84A4-4F77-A4B9-E0027E24282F}"/>
+              </a:ext>
+            </a:extLst>
+          </p:cNvPr>
+          <p:cNvSpPr txBox="1"/>
+          <p:nvPr/>
+        </p:nvSpPr>
+        <p:spPr>
+          <a:xfrm>
+            <a:off x="923703" y="2644170"/>
+            <a:ext cx="8058617" cy="830997"/>
+          </a:xfrm>
+          <a:prstGeom prst="rect">
+            <a:avLst/>
+          </a:prstGeom>
+          <a:noFill/>
+        </p:spPr>
+        <p:txBody>
+          <a:bodyPr wrap="none" rtlCol="0">
+            <a:spAutoFit/>
+          </a:bodyPr>
+          <a:lstStyle/>
+          <a:p>
+            <a:pPr algn="ctr"/>
+            <a:r>
+              <a:rPr lang="en-US" altLang="ko-KR" sz="4800" dirty="0">
+                <a:solidFill>
+                  <a:schemeClr val="bg1">
+                    <a:lumMod val="95000"/>
+                  </a:schemeClr>
+                </a:solidFill>
+                <a:latin typeface="나눔바른고딕" panose="020B0603020101020101" pitchFamily="50" charset="-127"/>
+                <a:ea typeface="나눔바른고딕" panose="020B0603020101020101" pitchFamily="50" charset="-127"/>
+              </a:rPr>
+              <a:t>5. </a:t>
+            </a:r>
+            <a:r>
+              <a:rPr lang="ko-KR" altLang="en-US" sz="4800" dirty="0">
+                <a:solidFill>
+                  <a:schemeClr val="bg1">
+                    <a:lumMod val="95000"/>
+                  </a:schemeClr>
+                </a:solidFill>
+                <a:latin typeface="나눔바른고딕" panose="020B0603020101020101" pitchFamily="50" charset="-127"/>
+                <a:ea typeface="나눔바른고딕" panose="020B0603020101020101" pitchFamily="50" charset="-127"/>
+              </a:rPr>
+              <a:t>매개변수</a:t>
+            </a:r>
+            <a:r>
+              <a:rPr lang="en-US" altLang="ko-KR" sz="4800" dirty="0">
+                <a:solidFill>
+                  <a:schemeClr val="bg1">
+                    <a:lumMod val="95000"/>
+                  </a:schemeClr>
+                </a:solidFill>
+                <a:latin typeface="나눔바른고딕" panose="020B0603020101020101" pitchFamily="50" charset="-127"/>
+                <a:ea typeface="나눔바른고딕" panose="020B0603020101020101" pitchFamily="50" charset="-127"/>
+              </a:rPr>
+              <a:t>, </a:t>
+            </a:r>
+            <a:r>
+              <a:rPr lang="ko-KR" altLang="en-US" sz="4800" dirty="0" err="1">
+                <a:solidFill>
+                  <a:schemeClr val="bg1">
+                    <a:lumMod val="95000"/>
+                  </a:schemeClr>
+                </a:solidFill>
+                <a:latin typeface="나눔바른고딕" panose="020B0603020101020101" pitchFamily="50" charset="-127"/>
+                <a:ea typeface="나눔바른고딕" panose="020B0603020101020101" pitchFamily="50" charset="-127"/>
+              </a:rPr>
+              <a:t>리턴값이</a:t>
+            </a:r>
+            <a:r>
+              <a:rPr lang="ko-KR" altLang="en-US" sz="4800" dirty="0">
+                <a:solidFill>
+                  <a:schemeClr val="bg1">
+                    <a:lumMod val="95000"/>
+                  </a:schemeClr>
+                </a:solidFill>
+                <a:latin typeface="나눔바른고딕" panose="020B0603020101020101" pitchFamily="50" charset="-127"/>
+                <a:ea typeface="나눔바른고딕" panose="020B0603020101020101" pitchFamily="50" charset="-127"/>
+              </a:rPr>
+              <a:t> 없는 함수</a:t>
+            </a:r>
+            <a:endParaRPr lang="en-US" altLang="ko-KR" sz="4800" dirty="0">
+              <a:solidFill>
+                <a:schemeClr val="bg1">
+                  <a:lumMod val="95000"/>
+                </a:schemeClr>
+              </a:solidFill>
+              <a:latin typeface="나눔바른고딕" panose="020B0603020101020101" pitchFamily="50" charset="-127"/>
+              <a:ea typeface="나눔바른고딕" panose="020B0603020101020101" pitchFamily="50" charset="-127"/>
+            </a:endParaRPr>
+          </a:p>
+        </p:txBody>
+      </p:sp>
+    </p:spTree>
+    <p:extLst>
+      <p:ext uri="{BB962C8B-B14F-4D97-AF65-F5344CB8AC3E}">
+        <p14:creationId xmlns:p14="http://schemas.microsoft.com/office/powerpoint/2010/main" val="3548830610"/>
+      </p:ext>
+    </p:extLst>
+  </p:cSld>
+  <p:clrMapOvr>
+    <a:masterClrMapping/>
+  </p:clrMapOvr>
+  <mc:AlternateContent xmlns:mc="http://schemas.openxmlformats.org/markup-compatibility/2006" xmlns:p159="http://schemas.microsoft.com/office/powerpoint/2015/09/main">
+    <mc:Choice Requires="p159">
+      <p:transition xmlns:p14="http://schemas.microsoft.com/office/powerpoint/2010/main" spd="slow" p14:dur="2000">
+        <p159:morph option="byObject"/>
+      </p:transition>
+    </mc:Choice>
+    <mc:Fallback xmlns="">
+      <p:transition spd="slow">
+        <p:fade/>
+      </p:transition>
+    </mc:Fallback>
+  </mc:AlternateContent>
+</p:sld>
+</file>
+
+<file path=ppt/slides/slide18.xml><?xml version="1.0" encoding="utf-8"?>
+<p:sld xmlns:a="http://schemas.openxmlformats.org/drawingml/2006/main" xmlns:r="http://schemas.openxmlformats.org/officeDocument/2006/relationships" xmlns:p="http://schemas.openxmlformats.org/presentationml/2006/main">
+  <p:cSld>
+    <p:bg>
+      <p:bgPr>
+        <a:solidFill>
+          <a:schemeClr val="tx1">
+            <a:lumMod val="85000"/>
+            <a:lumOff val="15000"/>
+          </a:schemeClr>
+        </a:solidFill>
+        <a:effectLst/>
+      </p:bgPr>
+    </p:bg>
+    <p:spTree>
+      <p:nvGrpSpPr>
+        <p:cNvPr id="1" name=""/>
+        <p:cNvGrpSpPr/>
+        <p:nvPr/>
+      </p:nvGrpSpPr>
+      <p:grpSpPr>
+        <a:xfrm>
+          <a:off x="0" y="0"/>
+          <a:ext cx="0" cy="0"/>
+          <a:chOff x="0" y="0"/>
+          <a:chExt cx="0" cy="0"/>
+        </a:xfrm>
+      </p:grpSpPr>
+      <p:sp>
+        <p:nvSpPr>
+          <p:cNvPr id="2" name="TextBox 1">
+            <a:extLst>
+              <a:ext uri="{FF2B5EF4-FFF2-40B4-BE49-F238E27FC236}">
+                <a16:creationId xmlns:a16="http://schemas.microsoft.com/office/drawing/2014/main" id="{0B332A50-CC0E-4C7E-B47E-E7CFBA7B423B}"/>
+              </a:ext>
+            </a:extLst>
+          </p:cNvPr>
+          <p:cNvSpPr txBox="1"/>
+          <p:nvPr/>
+        </p:nvSpPr>
+        <p:spPr>
+          <a:xfrm>
+            <a:off x="3034847" y="2367171"/>
+            <a:ext cx="3836307" cy="2123658"/>
+          </a:xfrm>
+          <a:prstGeom prst="rect">
+            <a:avLst/>
+          </a:prstGeom>
+          <a:noFill/>
+        </p:spPr>
+        <p:txBody>
+          <a:bodyPr wrap="none" rtlCol="0">
+            <a:spAutoFit/>
+          </a:bodyPr>
+          <a:lstStyle/>
+          <a:p>
+            <a:r>
+              <a:rPr lang="en-US" altLang="ko-KR" sz="4400" dirty="0">
+                <a:solidFill>
+                  <a:schemeClr val="accent6">
+                    <a:lumMod val="75000"/>
+                  </a:schemeClr>
+                </a:solidFill>
+                <a:latin typeface="나눔바른고딕" panose="020B0603020101020101" pitchFamily="50" charset="-127"/>
+                <a:ea typeface="나눔바른고딕" panose="020B0603020101020101" pitchFamily="50" charset="-127"/>
+              </a:rPr>
+              <a:t>def</a:t>
+            </a:r>
+            <a:r>
+              <a:rPr lang="ko-KR" altLang="en-US" sz="4400" dirty="0">
+                <a:solidFill>
+                  <a:schemeClr val="accent6">
+                    <a:lumMod val="75000"/>
+                  </a:schemeClr>
+                </a:solidFill>
+                <a:latin typeface="나눔바른고딕" panose="020B0603020101020101" pitchFamily="50" charset="-127"/>
+                <a:ea typeface="나눔바른고딕" panose="020B0603020101020101" pitchFamily="50" charset="-127"/>
+              </a:rPr>
+              <a:t> </a:t>
+            </a:r>
+            <a:r>
+              <a:rPr lang="ko-KR" altLang="en-US" sz="4400" dirty="0">
+                <a:solidFill>
+                  <a:schemeClr val="bg1"/>
+                </a:solidFill>
+                <a:latin typeface="나눔바른고딕" panose="020B0603020101020101" pitchFamily="50" charset="-127"/>
+                <a:ea typeface="나눔바른고딕" panose="020B0603020101020101" pitchFamily="50" charset="-127"/>
+              </a:rPr>
+              <a:t>함수이름</a:t>
+            </a:r>
+            <a:r>
+              <a:rPr lang="en-US" altLang="ko-KR" sz="4400" dirty="0">
+                <a:solidFill>
+                  <a:schemeClr val="accent6">
+                    <a:lumMod val="75000"/>
+                  </a:schemeClr>
+                </a:solidFill>
+                <a:latin typeface="나눔바른고딕" panose="020B0603020101020101" pitchFamily="50" charset="-127"/>
+                <a:ea typeface="나눔바른고딕" panose="020B0603020101020101" pitchFamily="50" charset="-127"/>
+              </a:rPr>
+              <a:t>():</a:t>
+            </a:r>
+          </a:p>
+          <a:p>
+            <a:r>
+              <a:rPr lang="en-US" altLang="ko-KR" sz="4400" dirty="0">
+                <a:solidFill>
+                  <a:schemeClr val="accent6">
+                    <a:lumMod val="75000"/>
+                  </a:schemeClr>
+                </a:solidFill>
+                <a:latin typeface="나눔바른고딕" panose="020B0603020101020101" pitchFamily="50" charset="-127"/>
+                <a:ea typeface="나눔바른고딕" panose="020B0603020101020101" pitchFamily="50" charset="-127"/>
+              </a:rPr>
+              <a:t>	</a:t>
+            </a:r>
+            <a:r>
+              <a:rPr lang="ko-KR" altLang="en-US" sz="4400" dirty="0">
+                <a:solidFill>
+                  <a:schemeClr val="bg1"/>
+                </a:solidFill>
+                <a:latin typeface="나눔바른고딕" panose="020B0603020101020101" pitchFamily="50" charset="-127"/>
+                <a:ea typeface="나눔바른고딕" panose="020B0603020101020101" pitchFamily="50" charset="-127"/>
+              </a:rPr>
+              <a:t>명령블록</a:t>
+            </a:r>
+            <a:endParaRPr lang="en-US" altLang="ko-KR" sz="4400" dirty="0">
+              <a:solidFill>
+                <a:schemeClr val="bg1"/>
+              </a:solidFill>
+              <a:latin typeface="나눔바른고딕" panose="020B0603020101020101" pitchFamily="50" charset="-127"/>
+              <a:ea typeface="나눔바른고딕" panose="020B0603020101020101" pitchFamily="50" charset="-127"/>
+            </a:endParaRPr>
+          </a:p>
+          <a:p>
+            <a:r>
+              <a:rPr lang="en-US" altLang="ko-KR" sz="4400" dirty="0">
+                <a:solidFill>
+                  <a:schemeClr val="bg1"/>
+                </a:solidFill>
+                <a:latin typeface="나눔바른고딕" panose="020B0603020101020101" pitchFamily="50" charset="-127"/>
+                <a:ea typeface="나눔바른고딕" panose="020B0603020101020101" pitchFamily="50" charset="-127"/>
+              </a:rPr>
+              <a:t>	…</a:t>
+            </a:r>
+          </a:p>
+        </p:txBody>
+      </p:sp>
+    </p:spTree>
+    <p:extLst>
+      <p:ext uri="{BB962C8B-B14F-4D97-AF65-F5344CB8AC3E}">
+        <p14:creationId xmlns:p14="http://schemas.microsoft.com/office/powerpoint/2010/main" val="421516446"/>
+      </p:ext>
+    </p:extLst>
+  </p:cSld>
+  <p:clrMapOvr>
+    <a:masterClrMapping/>
+  </p:clrMapOvr>
+</p:sld>
+</file>
+
+<file path=ppt/slides/slide19.xml><?xml version="1.0" encoding="utf-8"?>
+<p:sld xmlns:a="http://schemas.openxmlformats.org/drawingml/2006/main" xmlns:r="http://schemas.openxmlformats.org/officeDocument/2006/relationships" xmlns:p="http://schemas.openxmlformats.org/presentationml/2006/main">
+  <p:cSld>
+    <p:bg>
+      <p:bgPr>
+        <a:solidFill>
+          <a:schemeClr val="tx1">
+            <a:lumMod val="85000"/>
+            <a:lumOff val="15000"/>
+          </a:schemeClr>
+        </a:solidFill>
+        <a:effectLst/>
+      </p:bgPr>
+    </p:bg>
+    <p:spTree>
+      <p:nvGrpSpPr>
+        <p:cNvPr id="1" name=""/>
+        <p:cNvGrpSpPr/>
+        <p:nvPr/>
+      </p:nvGrpSpPr>
+      <p:grpSpPr>
+        <a:xfrm>
+          <a:off x="0" y="0"/>
+          <a:ext cx="0" cy="0"/>
+          <a:chOff x="0" y="0"/>
+          <a:chExt cx="0" cy="0"/>
+        </a:xfrm>
+      </p:grpSpPr>
+      <p:sp>
+        <p:nvSpPr>
+          <p:cNvPr id="2" name="TextBox 1">
+            <a:extLst>
+              <a:ext uri="{FF2B5EF4-FFF2-40B4-BE49-F238E27FC236}">
+                <a16:creationId xmlns:a16="http://schemas.microsoft.com/office/drawing/2014/main" id="{0B332A50-CC0E-4C7E-B47E-E7CFBA7B423B}"/>
+              </a:ext>
+            </a:extLst>
+          </p:cNvPr>
+          <p:cNvSpPr txBox="1"/>
+          <p:nvPr/>
+        </p:nvSpPr>
+        <p:spPr>
+          <a:xfrm>
+            <a:off x="718121" y="2367171"/>
+            <a:ext cx="3501280" cy="1938992"/>
+          </a:xfrm>
+          <a:prstGeom prst="rect">
+            <a:avLst/>
+          </a:prstGeom>
+          <a:noFill/>
+        </p:spPr>
+        <p:txBody>
+          <a:bodyPr wrap="none" rtlCol="0">
+            <a:spAutoFit/>
+          </a:bodyPr>
+          <a:lstStyle/>
+          <a:p>
+            <a:r>
+              <a:rPr lang="en-US" altLang="ko-KR" sz="4000" dirty="0">
+                <a:solidFill>
+                  <a:schemeClr val="accent6">
+                    <a:lumMod val="75000"/>
+                  </a:schemeClr>
+                </a:solidFill>
+                <a:latin typeface="나눔바른고딕" panose="020B0603020101020101" pitchFamily="50" charset="-127"/>
+                <a:ea typeface="나눔바른고딕" panose="020B0603020101020101" pitchFamily="50" charset="-127"/>
+              </a:rPr>
+              <a:t>def</a:t>
+            </a:r>
+            <a:r>
+              <a:rPr lang="ko-KR" altLang="en-US" sz="4000" dirty="0">
+                <a:solidFill>
+                  <a:schemeClr val="accent6">
+                    <a:lumMod val="75000"/>
+                  </a:schemeClr>
+                </a:solidFill>
+                <a:latin typeface="나눔바른고딕" panose="020B0603020101020101" pitchFamily="50" charset="-127"/>
+                <a:ea typeface="나눔바른고딕" panose="020B0603020101020101" pitchFamily="50" charset="-127"/>
+              </a:rPr>
+              <a:t> </a:t>
+            </a:r>
+            <a:r>
+              <a:rPr lang="ko-KR" altLang="en-US" sz="4000" dirty="0">
+                <a:solidFill>
+                  <a:schemeClr val="bg1"/>
+                </a:solidFill>
+                <a:latin typeface="나눔바른고딕" panose="020B0603020101020101" pitchFamily="50" charset="-127"/>
+                <a:ea typeface="나눔바른고딕" panose="020B0603020101020101" pitchFamily="50" charset="-127"/>
+              </a:rPr>
+              <a:t>함수이름</a:t>
+            </a:r>
+            <a:r>
+              <a:rPr lang="en-US" altLang="ko-KR" sz="4000" dirty="0">
+                <a:solidFill>
+                  <a:schemeClr val="accent6">
+                    <a:lumMod val="75000"/>
+                  </a:schemeClr>
+                </a:solidFill>
+                <a:latin typeface="나눔바른고딕" panose="020B0603020101020101" pitchFamily="50" charset="-127"/>
+                <a:ea typeface="나눔바른고딕" panose="020B0603020101020101" pitchFamily="50" charset="-127"/>
+              </a:rPr>
+              <a:t>():</a:t>
+            </a:r>
+          </a:p>
+          <a:p>
+            <a:r>
+              <a:rPr lang="en-US" altLang="ko-KR" sz="4000" dirty="0">
+                <a:solidFill>
+                  <a:schemeClr val="accent6">
+                    <a:lumMod val="75000"/>
+                  </a:schemeClr>
+                </a:solidFill>
+                <a:latin typeface="나눔바른고딕" panose="020B0603020101020101" pitchFamily="50" charset="-127"/>
+                <a:ea typeface="나눔바른고딕" panose="020B0603020101020101" pitchFamily="50" charset="-127"/>
+              </a:rPr>
+              <a:t>	</a:t>
+            </a:r>
+            <a:r>
+              <a:rPr lang="ko-KR" altLang="en-US" sz="4000" dirty="0">
+                <a:solidFill>
+                  <a:schemeClr val="bg1"/>
+                </a:solidFill>
+                <a:latin typeface="나눔바른고딕" panose="020B0603020101020101" pitchFamily="50" charset="-127"/>
+                <a:ea typeface="나눔바른고딕" panose="020B0603020101020101" pitchFamily="50" charset="-127"/>
+              </a:rPr>
+              <a:t>명령블록</a:t>
+            </a:r>
+            <a:endParaRPr lang="en-US" altLang="ko-KR" sz="4000" dirty="0">
+              <a:solidFill>
+                <a:schemeClr val="bg1"/>
+              </a:solidFill>
+              <a:latin typeface="나눔바른고딕" panose="020B0603020101020101" pitchFamily="50" charset="-127"/>
+              <a:ea typeface="나눔바른고딕" panose="020B0603020101020101" pitchFamily="50" charset="-127"/>
+            </a:endParaRPr>
+          </a:p>
+          <a:p>
+            <a:r>
+              <a:rPr lang="en-US" altLang="ko-KR" sz="4000" dirty="0">
+                <a:solidFill>
+                  <a:schemeClr val="bg1"/>
+                </a:solidFill>
+                <a:latin typeface="나눔바른고딕" panose="020B0603020101020101" pitchFamily="50" charset="-127"/>
+                <a:ea typeface="나눔바른고딕" panose="020B0603020101020101" pitchFamily="50" charset="-127"/>
+              </a:rPr>
+              <a:t>	…</a:t>
+            </a:r>
+          </a:p>
+        </p:txBody>
+      </p:sp>
+      <p:sp>
+        <p:nvSpPr>
+          <p:cNvPr id="3" name="TextBox 2">
+            <a:extLst>
+              <a:ext uri="{FF2B5EF4-FFF2-40B4-BE49-F238E27FC236}">
+                <a16:creationId xmlns:a16="http://schemas.microsoft.com/office/drawing/2014/main" id="{CF47B3B2-23C0-4733-8985-485E0775DF39}"/>
+              </a:ext>
+            </a:extLst>
+          </p:cNvPr>
+          <p:cNvSpPr txBox="1"/>
+          <p:nvPr/>
+        </p:nvSpPr>
+        <p:spPr>
+          <a:xfrm>
+            <a:off x="5169024" y="2367171"/>
+            <a:ext cx="4090863" cy="1323439"/>
+          </a:xfrm>
+          <a:prstGeom prst="rect">
+            <a:avLst/>
+          </a:prstGeom>
+          <a:noFill/>
+        </p:spPr>
+        <p:txBody>
+          <a:bodyPr wrap="none" rtlCol="0">
+            <a:spAutoFit/>
+          </a:bodyPr>
+          <a:lstStyle/>
+          <a:p>
+            <a:r>
+              <a:rPr lang="en-US" altLang="ko-KR" sz="4000" dirty="0">
+                <a:solidFill>
+                  <a:schemeClr val="accent6">
+                    <a:lumMod val="75000"/>
+                  </a:schemeClr>
+                </a:solidFill>
+                <a:latin typeface="나눔바른고딕" panose="020B0603020101020101" pitchFamily="50" charset="-127"/>
+                <a:ea typeface="나눔바른고딕" panose="020B0603020101020101" pitchFamily="50" charset="-127"/>
+              </a:rPr>
+              <a:t>def</a:t>
+            </a:r>
+            <a:r>
+              <a:rPr lang="ko-KR" altLang="en-US" sz="4000" dirty="0">
+                <a:solidFill>
+                  <a:schemeClr val="accent6">
+                    <a:lumMod val="75000"/>
+                  </a:schemeClr>
+                </a:solidFill>
+                <a:latin typeface="나눔바른고딕" panose="020B0603020101020101" pitchFamily="50" charset="-127"/>
+                <a:ea typeface="나눔바른고딕" panose="020B0603020101020101" pitchFamily="50" charset="-127"/>
+              </a:rPr>
+              <a:t> </a:t>
+            </a:r>
+            <a:r>
+              <a:rPr lang="en-US" altLang="ko-KR" sz="4000" dirty="0" err="1">
+                <a:solidFill>
+                  <a:schemeClr val="bg1"/>
+                </a:solidFill>
+                <a:latin typeface="나눔바른고딕" panose="020B0603020101020101" pitchFamily="50" charset="-127"/>
+                <a:ea typeface="나눔바른고딕" panose="020B0603020101020101" pitchFamily="50" charset="-127"/>
+              </a:rPr>
+              <a:t>sayHi</a:t>
+            </a:r>
+            <a:r>
+              <a:rPr lang="en-US" altLang="ko-KR" sz="4000" dirty="0">
+                <a:solidFill>
+                  <a:schemeClr val="accent6">
+                    <a:lumMod val="75000"/>
+                  </a:schemeClr>
+                </a:solidFill>
+                <a:latin typeface="나눔바른고딕" panose="020B0603020101020101" pitchFamily="50" charset="-127"/>
+                <a:ea typeface="나눔바른고딕" panose="020B0603020101020101" pitchFamily="50" charset="-127"/>
+              </a:rPr>
+              <a:t>():</a:t>
+            </a:r>
+          </a:p>
+          <a:p>
+            <a:r>
+              <a:rPr lang="en-US" altLang="ko-KR" sz="4000" dirty="0">
+                <a:solidFill>
+                  <a:schemeClr val="accent6">
+                    <a:lumMod val="75000"/>
+                  </a:schemeClr>
+                </a:solidFill>
+                <a:latin typeface="나눔바른고딕" panose="020B0603020101020101" pitchFamily="50" charset="-127"/>
+                <a:ea typeface="나눔바른고딕" panose="020B0603020101020101" pitchFamily="50" charset="-127"/>
+              </a:rPr>
+              <a:t>	</a:t>
+            </a:r>
+            <a:r>
+              <a:rPr lang="en-US" altLang="ko-KR" sz="4000" dirty="0">
+                <a:solidFill>
+                  <a:schemeClr val="bg1"/>
+                </a:solidFill>
+                <a:latin typeface="나눔바른고딕" panose="020B0603020101020101" pitchFamily="50" charset="-127"/>
+                <a:ea typeface="나눔바른고딕" panose="020B0603020101020101" pitchFamily="50" charset="-127"/>
+              </a:rPr>
+              <a:t>print(“</a:t>
+            </a:r>
+            <a:r>
+              <a:rPr lang="ko-KR" altLang="en-US" sz="4000" dirty="0">
+                <a:solidFill>
+                  <a:schemeClr val="bg1"/>
+                </a:solidFill>
+                <a:latin typeface="나눔바른고딕" panose="020B0603020101020101" pitchFamily="50" charset="-127"/>
+                <a:ea typeface="나눔바른고딕" panose="020B0603020101020101" pitchFamily="50" charset="-127"/>
+              </a:rPr>
+              <a:t>안녕</a:t>
+            </a:r>
+            <a:r>
+              <a:rPr lang="en-US" altLang="ko-KR" sz="4000" dirty="0">
+                <a:solidFill>
+                  <a:schemeClr val="bg1"/>
+                </a:solidFill>
+                <a:latin typeface="나눔바른고딕" panose="020B0603020101020101" pitchFamily="50" charset="-127"/>
+                <a:ea typeface="나눔바른고딕" panose="020B0603020101020101" pitchFamily="50" charset="-127"/>
+              </a:rPr>
+              <a:t>”)</a:t>
+            </a:r>
+          </a:p>
+        </p:txBody>
+      </p:sp>
+    </p:spTree>
+    <p:extLst>
+      <p:ext uri="{BB962C8B-B14F-4D97-AF65-F5344CB8AC3E}">
+        <p14:creationId xmlns:p14="http://schemas.microsoft.com/office/powerpoint/2010/main" val="3255693533"/>
+      </p:ext>
+    </p:extLst>
+  </p:cSld>
+  <p:clrMapOvr>
+    <a:masterClrMapping/>
+  </p:clrMapOvr>
+  <mc:AlternateContent xmlns:mc="http://schemas.openxmlformats.org/markup-compatibility/2006" xmlns:p159="http://schemas.microsoft.com/office/powerpoint/2015/09/main">
+    <mc:Choice Requires="p159">
+      <p:transition xmlns:p14="http://schemas.microsoft.com/office/powerpoint/2010/main" spd="slow" p14:dur="2000">
+        <p159:morph option="byObject"/>
+      </p:transition>
+    </mc:Choice>
+    <mc:Fallback xmlns="">
+      <p:transition spd="slow">
+        <p:fade/>
+      </p:transition>
+    </mc:Fallback>
+  </mc:AlternateContent>
+</p:sld>
+</file>
+
+<file path=ppt/slides/slide2.xml><?xml version="1.0" encoding="utf-8"?>
+<p:sld xmlns:a="http://schemas.openxmlformats.org/drawingml/2006/main" xmlns:r="http://schemas.openxmlformats.org/officeDocument/2006/relationships" xmlns:p="http://schemas.openxmlformats.org/presentationml/2006/main">
+  <p:cSld>
+    <p:bg>
+      <p:bgPr>
+        <a:solidFill>
+          <a:schemeClr val="accent1"/>
+        </a:solidFill>
+        <a:effectLst/>
+      </p:bgPr>
+    </p:bg>
+    <p:spTree>
+      <p:nvGrpSpPr>
+        <p:cNvPr id="1" name=""/>
+        <p:cNvGrpSpPr/>
+        <p:nvPr/>
+      </p:nvGrpSpPr>
+      <p:grpSpPr>
+        <a:xfrm>
+          <a:off x="0" y="0"/>
+          <a:ext cx="0" cy="0"/>
+          <a:chOff x="0" y="0"/>
+          <a:chExt cx="0" cy="0"/>
+        </a:xfrm>
+      </p:grpSpPr>
+      <p:sp>
+        <p:nvSpPr>
+          <p:cNvPr id="2" name="제목 1"/>
+          <p:cNvSpPr>
+            <a:spLocks noGrp="1"/>
+          </p:cNvSpPr>
+          <p:nvPr>
+            <p:ph type="ctrTitle"/>
+          </p:nvPr>
+        </p:nvSpPr>
+        <p:spPr>
+          <a:xfrm>
+            <a:off x="1066800" y="332656"/>
+            <a:ext cx="7772400" cy="6336704"/>
+          </a:xfrm>
+        </p:spPr>
+        <p:txBody>
+          <a:bodyPr>
+            <a:normAutofit/>
+          </a:bodyPr>
+          <a:lstStyle/>
+          <a:p>
+            <a:pPr algn="l">
+              <a:lnSpc>
+                <a:spcPct val="120000"/>
+              </a:lnSpc>
+            </a:pPr>
+            <a:r>
+              <a:rPr lang="ko-KR" altLang="en-US" sz="4900" b="1" spc="-150" dirty="0">
+                <a:ln>
+                  <a:solidFill>
+                    <a:schemeClr val="accent1">
+                      <a:alpha val="0"/>
+                    </a:schemeClr>
+                  </a:solidFill>
+                </a:ln>
+                <a:solidFill>
+                  <a:schemeClr val="bg1"/>
+                </a:solidFill>
+                <a:latin typeface="나눔바른고딕" panose="020B0603020101020101" pitchFamily="50" charset="-127"/>
+                <a:ea typeface="나눔바른고딕" panose="020B0603020101020101" pitchFamily="50" charset="-127"/>
+              </a:rPr>
+              <a:t>목차</a:t>
+            </a:r>
+            <a:br>
+              <a:rPr lang="en-US" altLang="ko-KR" spc="-150" dirty="0">
+                <a:ln>
+                  <a:solidFill>
+                    <a:schemeClr val="accent1">
+                      <a:alpha val="0"/>
+                    </a:schemeClr>
+                  </a:solidFill>
+                </a:ln>
+                <a:solidFill>
+                  <a:schemeClr val="bg1"/>
+                </a:solidFill>
+                <a:latin typeface="나눔바른고딕" panose="020B0603020101020101" pitchFamily="50" charset="-127"/>
+                <a:ea typeface="나눔바른고딕" panose="020B0603020101020101" pitchFamily="50" charset="-127"/>
+              </a:rPr>
+            </a:br>
+            <a:r>
+              <a:rPr lang="en-US" altLang="ko-KR" sz="2800" spc="-150" dirty="0">
+                <a:ln>
+                  <a:solidFill>
+                    <a:schemeClr val="accent1">
+                      <a:alpha val="0"/>
+                    </a:schemeClr>
+                  </a:solidFill>
+                </a:ln>
+                <a:solidFill>
+                  <a:schemeClr val="bg1"/>
+                </a:solidFill>
+                <a:latin typeface="나눔바른고딕" panose="020B0603020101020101" pitchFamily="50" charset="-127"/>
+                <a:ea typeface="나눔바른고딕" panose="020B0603020101020101" pitchFamily="50" charset="-127"/>
+              </a:rPr>
+              <a:t>1. </a:t>
+            </a:r>
+            <a:r>
+              <a:rPr lang="ko-KR" altLang="en-US" sz="2800" spc="-150" dirty="0">
+                <a:ln>
+                  <a:solidFill>
+                    <a:schemeClr val="accent1">
+                      <a:alpha val="0"/>
+                    </a:schemeClr>
+                  </a:solidFill>
+                </a:ln>
+                <a:solidFill>
+                  <a:schemeClr val="bg1"/>
+                </a:solidFill>
+                <a:latin typeface="나눔바른고딕" panose="020B0603020101020101" pitchFamily="50" charset="-127"/>
+                <a:ea typeface="나눔바른고딕" panose="020B0603020101020101" pitchFamily="50" charset="-127"/>
+              </a:rPr>
+              <a:t>함수란</a:t>
+            </a:r>
+            <a:r>
+              <a:rPr lang="en-US" altLang="ko-KR" sz="2800" spc="-150" dirty="0">
+                <a:ln>
+                  <a:solidFill>
+                    <a:schemeClr val="accent1">
+                      <a:alpha val="0"/>
+                    </a:schemeClr>
+                  </a:solidFill>
+                </a:ln>
+                <a:solidFill>
+                  <a:schemeClr val="bg1"/>
+                </a:solidFill>
+                <a:latin typeface="나눔바른고딕" panose="020B0603020101020101" pitchFamily="50" charset="-127"/>
+                <a:ea typeface="나눔바른고딕" panose="020B0603020101020101" pitchFamily="50" charset="-127"/>
+              </a:rPr>
+              <a:t>?</a:t>
+            </a:r>
+            <a:br>
+              <a:rPr lang="en-US" altLang="ko-KR" sz="2800" spc="-150" dirty="0">
+                <a:ln>
+                  <a:solidFill>
+                    <a:schemeClr val="accent1">
+                      <a:alpha val="0"/>
+                    </a:schemeClr>
+                  </a:solidFill>
+                </a:ln>
+                <a:solidFill>
+                  <a:schemeClr val="bg1"/>
+                </a:solidFill>
+                <a:latin typeface="나눔바른고딕" panose="020B0603020101020101" pitchFamily="50" charset="-127"/>
+                <a:ea typeface="나눔바른고딕" panose="020B0603020101020101" pitchFamily="50" charset="-127"/>
+              </a:rPr>
+            </a:br>
+            <a:r>
+              <a:rPr lang="en-US" altLang="ko-KR" sz="2800" spc="-150" dirty="0">
+                <a:ln>
+                  <a:solidFill>
+                    <a:schemeClr val="accent1">
+                      <a:alpha val="0"/>
+                    </a:schemeClr>
+                  </a:solidFill>
+                </a:ln>
+                <a:solidFill>
+                  <a:schemeClr val="bg1"/>
+                </a:solidFill>
+                <a:latin typeface="나눔바른고딕" panose="020B0603020101020101" pitchFamily="50" charset="-127"/>
+                <a:ea typeface="나눔바른고딕" panose="020B0603020101020101" pitchFamily="50" charset="-127"/>
+              </a:rPr>
+              <a:t>2. </a:t>
+            </a:r>
+            <a:r>
+              <a:rPr lang="ko-KR" altLang="en-US" sz="2800" spc="-150" dirty="0">
+                <a:ln>
+                  <a:solidFill>
+                    <a:schemeClr val="accent1">
+                      <a:alpha val="0"/>
+                    </a:schemeClr>
+                  </a:solidFill>
+                </a:ln>
+                <a:solidFill>
+                  <a:schemeClr val="bg1"/>
+                </a:solidFill>
+                <a:latin typeface="나눔바른고딕" panose="020B0603020101020101" pitchFamily="50" charset="-127"/>
+                <a:ea typeface="나눔바른고딕" panose="020B0603020101020101" pitchFamily="50" charset="-127"/>
+              </a:rPr>
+              <a:t>함수를 만드는 방법</a:t>
+            </a:r>
+            <a:br>
+              <a:rPr lang="en-US" altLang="ko-KR" sz="2800" spc="-150" dirty="0">
+                <a:ln>
+                  <a:solidFill>
+                    <a:schemeClr val="accent1">
+                      <a:alpha val="0"/>
+                    </a:schemeClr>
+                  </a:solidFill>
+                </a:ln>
+                <a:solidFill>
+                  <a:schemeClr val="bg1"/>
+                </a:solidFill>
+                <a:latin typeface="나눔바른고딕" panose="020B0603020101020101" pitchFamily="50" charset="-127"/>
+                <a:ea typeface="나눔바른고딕" panose="020B0603020101020101" pitchFamily="50" charset="-127"/>
+              </a:rPr>
+            </a:br>
+            <a:r>
+              <a:rPr lang="en-US" altLang="ko-KR" sz="2800" spc="-150" dirty="0">
+                <a:ln>
+                  <a:solidFill>
+                    <a:schemeClr val="accent1">
+                      <a:alpha val="0"/>
+                    </a:schemeClr>
+                  </a:solidFill>
+                </a:ln>
+                <a:solidFill>
+                  <a:schemeClr val="bg1"/>
+                </a:solidFill>
+                <a:latin typeface="나눔바른고딕" panose="020B0603020101020101" pitchFamily="50" charset="-127"/>
+                <a:ea typeface="나눔바른고딕" panose="020B0603020101020101" pitchFamily="50" charset="-127"/>
+              </a:rPr>
+              <a:t>3. </a:t>
+            </a:r>
+            <a:r>
+              <a:rPr lang="ko-KR" altLang="en-US" sz="2800" spc="-150" dirty="0">
+                <a:ln>
+                  <a:solidFill>
+                    <a:schemeClr val="accent1">
+                      <a:alpha val="0"/>
+                    </a:schemeClr>
+                  </a:solidFill>
+                </a:ln>
+                <a:solidFill>
+                  <a:schemeClr val="bg1"/>
+                </a:solidFill>
+                <a:latin typeface="나눔바른고딕" panose="020B0603020101020101" pitchFamily="50" charset="-127"/>
+                <a:ea typeface="나눔바른고딕" panose="020B0603020101020101" pitchFamily="50" charset="-127"/>
+              </a:rPr>
+              <a:t>함수를 사용하는 방법</a:t>
+            </a:r>
+            <a:br>
+              <a:rPr lang="en-US" altLang="ko-KR" sz="2800" spc="-150" dirty="0">
+                <a:ln>
+                  <a:solidFill>
+                    <a:schemeClr val="accent1">
+                      <a:alpha val="0"/>
+                    </a:schemeClr>
+                  </a:solidFill>
+                </a:ln>
+                <a:solidFill>
+                  <a:schemeClr val="bg1"/>
+                </a:solidFill>
+                <a:latin typeface="나눔바른고딕" panose="020B0603020101020101" pitchFamily="50" charset="-127"/>
+                <a:ea typeface="나눔바른고딕" panose="020B0603020101020101" pitchFamily="50" charset="-127"/>
+              </a:rPr>
+            </a:br>
+            <a:r>
+              <a:rPr lang="en-US" altLang="ko-KR" sz="2800" spc="-150" dirty="0">
+                <a:ln>
+                  <a:solidFill>
+                    <a:schemeClr val="accent1">
+                      <a:alpha val="0"/>
+                    </a:schemeClr>
+                  </a:solidFill>
+                </a:ln>
+                <a:solidFill>
+                  <a:schemeClr val="bg1"/>
+                </a:solidFill>
+                <a:latin typeface="나눔바른고딕" panose="020B0603020101020101" pitchFamily="50" charset="-127"/>
+                <a:ea typeface="나눔바른고딕" panose="020B0603020101020101" pitchFamily="50" charset="-127"/>
+              </a:rPr>
+              <a:t>4. </a:t>
+            </a:r>
+            <a:r>
+              <a:rPr lang="ko-KR" altLang="en-US" sz="2800" spc="-150" dirty="0">
+                <a:ln>
+                  <a:solidFill>
+                    <a:schemeClr val="accent1">
+                      <a:alpha val="0"/>
+                    </a:schemeClr>
+                  </a:solidFill>
+                </a:ln>
+                <a:solidFill>
+                  <a:schemeClr val="bg1"/>
+                </a:solidFill>
+                <a:latin typeface="나눔바른고딕" panose="020B0603020101020101" pitchFamily="50" charset="-127"/>
+                <a:ea typeface="나눔바른고딕" panose="020B0603020101020101" pitchFamily="50" charset="-127"/>
+              </a:rPr>
+              <a:t>매개변수가 없는 함수</a:t>
+            </a:r>
+            <a:br>
+              <a:rPr lang="en-US" altLang="ko-KR" sz="2800" spc="-150" dirty="0">
+                <a:ln>
+                  <a:solidFill>
+                    <a:schemeClr val="accent1">
+                      <a:alpha val="0"/>
+                    </a:schemeClr>
+                  </a:solidFill>
+                </a:ln>
+                <a:solidFill>
+                  <a:schemeClr val="bg1"/>
+                </a:solidFill>
+                <a:latin typeface="나눔바른고딕" panose="020B0603020101020101" pitchFamily="50" charset="-127"/>
+                <a:ea typeface="나눔바른고딕" panose="020B0603020101020101" pitchFamily="50" charset="-127"/>
+              </a:rPr>
+            </a:br>
+            <a:r>
+              <a:rPr lang="en-US" altLang="ko-KR" sz="2800" spc="-150" dirty="0">
+                <a:ln>
+                  <a:solidFill>
+                    <a:schemeClr val="accent1">
+                      <a:alpha val="0"/>
+                    </a:schemeClr>
+                  </a:solidFill>
+                </a:ln>
+                <a:solidFill>
+                  <a:schemeClr val="bg1"/>
+                </a:solidFill>
+                <a:latin typeface="나눔바른고딕" panose="020B0603020101020101" pitchFamily="50" charset="-127"/>
+                <a:ea typeface="나눔바른고딕" panose="020B0603020101020101" pitchFamily="50" charset="-127"/>
+              </a:rPr>
+              <a:t>5. </a:t>
+            </a:r>
+            <a:r>
+              <a:rPr lang="ko-KR" altLang="en-US" sz="2800" spc="-150" dirty="0" err="1">
+                <a:ln>
+                  <a:solidFill>
+                    <a:schemeClr val="accent1">
+                      <a:alpha val="0"/>
+                    </a:schemeClr>
+                  </a:solidFill>
+                </a:ln>
+                <a:solidFill>
+                  <a:schemeClr val="bg1"/>
+                </a:solidFill>
+                <a:latin typeface="나눔바른고딕" panose="020B0603020101020101" pitchFamily="50" charset="-127"/>
+                <a:ea typeface="나눔바른고딕" panose="020B0603020101020101" pitchFamily="50" charset="-127"/>
+              </a:rPr>
+              <a:t>리턴값이</a:t>
+            </a:r>
+            <a:r>
+              <a:rPr lang="ko-KR" altLang="en-US" sz="2800" spc="-150" dirty="0">
+                <a:ln>
+                  <a:solidFill>
+                    <a:schemeClr val="accent1">
+                      <a:alpha val="0"/>
+                    </a:schemeClr>
+                  </a:solidFill>
+                </a:ln>
+                <a:solidFill>
+                  <a:schemeClr val="bg1"/>
+                </a:solidFill>
+                <a:latin typeface="나눔바른고딕" panose="020B0603020101020101" pitchFamily="50" charset="-127"/>
+                <a:ea typeface="나눔바른고딕" panose="020B0603020101020101" pitchFamily="50" charset="-127"/>
+              </a:rPr>
+              <a:t> 없는 함수</a:t>
+            </a:r>
+            <a:br>
+              <a:rPr lang="en-US" altLang="ko-KR" sz="2800" spc="-150" dirty="0">
+                <a:ln>
+                  <a:solidFill>
+                    <a:schemeClr val="accent1">
+                      <a:alpha val="0"/>
+                    </a:schemeClr>
+                  </a:solidFill>
+                </a:ln>
+                <a:solidFill>
+                  <a:schemeClr val="bg1"/>
+                </a:solidFill>
+                <a:latin typeface="나눔바른고딕" panose="020B0603020101020101" pitchFamily="50" charset="-127"/>
+                <a:ea typeface="나눔바른고딕" panose="020B0603020101020101" pitchFamily="50" charset="-127"/>
+              </a:rPr>
+            </a:br>
+            <a:r>
+              <a:rPr lang="en-US" altLang="ko-KR" sz="2800" spc="-150" dirty="0">
+                <a:ln>
+                  <a:solidFill>
+                    <a:schemeClr val="accent1">
+                      <a:alpha val="0"/>
+                    </a:schemeClr>
+                  </a:solidFill>
+                </a:ln>
+                <a:solidFill>
+                  <a:schemeClr val="bg1"/>
+                </a:solidFill>
+                <a:latin typeface="나눔바른고딕" panose="020B0603020101020101" pitchFamily="50" charset="-127"/>
+                <a:ea typeface="나눔바른고딕" panose="020B0603020101020101" pitchFamily="50" charset="-127"/>
+              </a:rPr>
+              <a:t>6. </a:t>
+            </a:r>
+            <a:r>
+              <a:rPr lang="ko-KR" altLang="en-US" sz="2800" spc="-150" dirty="0">
+                <a:ln>
+                  <a:solidFill>
+                    <a:schemeClr val="accent1">
+                      <a:alpha val="0"/>
+                    </a:schemeClr>
+                  </a:solidFill>
+                </a:ln>
+                <a:solidFill>
+                  <a:schemeClr val="bg1"/>
+                </a:solidFill>
+                <a:latin typeface="나눔바른고딕" panose="020B0603020101020101" pitchFamily="50" charset="-127"/>
+                <a:ea typeface="나눔바른고딕" panose="020B0603020101020101" pitchFamily="50" charset="-127"/>
+              </a:rPr>
+              <a:t>매개변수</a:t>
+            </a:r>
+            <a:r>
+              <a:rPr lang="en-US" altLang="ko-KR" sz="2800" spc="-150" dirty="0">
+                <a:ln>
+                  <a:solidFill>
+                    <a:schemeClr val="accent1">
+                      <a:alpha val="0"/>
+                    </a:schemeClr>
+                  </a:solidFill>
+                </a:ln>
+                <a:solidFill>
+                  <a:schemeClr val="bg1"/>
+                </a:solidFill>
+                <a:latin typeface="나눔바른고딕" panose="020B0603020101020101" pitchFamily="50" charset="-127"/>
+                <a:ea typeface="나눔바른고딕" panose="020B0603020101020101" pitchFamily="50" charset="-127"/>
+              </a:rPr>
+              <a:t>, </a:t>
+            </a:r>
+            <a:r>
+              <a:rPr lang="ko-KR" altLang="en-US" sz="2800" spc="-150" dirty="0" err="1">
+                <a:ln>
+                  <a:solidFill>
+                    <a:schemeClr val="accent1">
+                      <a:alpha val="0"/>
+                    </a:schemeClr>
+                  </a:solidFill>
+                </a:ln>
+                <a:solidFill>
+                  <a:schemeClr val="bg1"/>
+                </a:solidFill>
+                <a:latin typeface="나눔바른고딕" panose="020B0603020101020101" pitchFamily="50" charset="-127"/>
+                <a:ea typeface="나눔바른고딕" panose="020B0603020101020101" pitchFamily="50" charset="-127"/>
+              </a:rPr>
+              <a:t>리턴값이</a:t>
+            </a:r>
+            <a:r>
+              <a:rPr lang="ko-KR" altLang="en-US" sz="2800" spc="-150" dirty="0">
+                <a:ln>
+                  <a:solidFill>
+                    <a:schemeClr val="accent1">
+                      <a:alpha val="0"/>
+                    </a:schemeClr>
+                  </a:solidFill>
+                </a:ln>
+                <a:solidFill>
+                  <a:schemeClr val="bg1"/>
+                </a:solidFill>
+                <a:latin typeface="나눔바른고딕" panose="020B0603020101020101" pitchFamily="50" charset="-127"/>
+                <a:ea typeface="나눔바른고딕" panose="020B0603020101020101" pitchFamily="50" charset="-127"/>
+              </a:rPr>
+              <a:t> 모두 없는 함수</a:t>
+            </a:r>
+            <a:br>
+              <a:rPr lang="en-US" altLang="ko-KR" sz="2800" spc="-150" dirty="0">
+                <a:ln>
+                  <a:solidFill>
+                    <a:schemeClr val="accent1">
+                      <a:alpha val="0"/>
+                    </a:schemeClr>
+                  </a:solidFill>
+                </a:ln>
+                <a:solidFill>
+                  <a:schemeClr val="bg1"/>
+                </a:solidFill>
+                <a:latin typeface="나눔바른고딕" panose="020B0603020101020101" pitchFamily="50" charset="-127"/>
+                <a:ea typeface="나눔바른고딕" panose="020B0603020101020101" pitchFamily="50" charset="-127"/>
+              </a:rPr>
+            </a:br>
+            <a:endParaRPr lang="ko-KR" altLang="en-US" sz="3600" spc="-150" dirty="0">
+              <a:ln>
+                <a:solidFill>
+                  <a:schemeClr val="accent1">
+                    <a:alpha val="0"/>
+                  </a:schemeClr>
+                </a:solidFill>
+              </a:ln>
+              <a:solidFill>
+                <a:schemeClr val="bg1"/>
+              </a:solidFill>
+              <a:latin typeface="나눔바른고딕" panose="020B0603020101020101" pitchFamily="50" charset="-127"/>
+              <a:ea typeface="나눔바른고딕" panose="020B0603020101020101" pitchFamily="50" charset="-127"/>
+            </a:endParaRPr>
+          </a:p>
+        </p:txBody>
+      </p:sp>
+      <p:sp>
+        <p:nvSpPr>
+          <p:cNvPr id="4" name="직사각형 3">
+            <a:extLst>
+              <a:ext uri="{FF2B5EF4-FFF2-40B4-BE49-F238E27FC236}">
+                <a16:creationId xmlns:a16="http://schemas.microsoft.com/office/drawing/2014/main" id="{12A01813-1224-4057-A734-0167D1762A29}"/>
+              </a:ext>
+            </a:extLst>
+          </p:cNvPr>
+          <p:cNvSpPr/>
+          <p:nvPr/>
+        </p:nvSpPr>
+        <p:spPr>
+          <a:xfrm>
+            <a:off x="6161584" y="-198784"/>
+            <a:ext cx="3744416" cy="7056784"/>
+          </a:xfrm>
+          <a:prstGeom prst="rect">
+            <a:avLst/>
+          </a:prstGeom>
+          <a:solidFill>
+            <a:schemeClr val="bg1">
+              <a:lumMod val="95000"/>
+            </a:schemeClr>
+          </a:solidFill>
+          <a:ln>
+            <a:noFill/>
+          </a:ln>
+        </p:spPr>
+        <p:style>
+          <a:lnRef idx="2">
+            <a:schemeClr val="accent1">
+              <a:shade val="50000"/>
+            </a:schemeClr>
+          </a:lnRef>
+          <a:fillRef idx="1">
+            <a:schemeClr val="accent1"/>
+          </a:fillRef>
+          <a:effectRef idx="0">
+            <a:schemeClr val="accent1"/>
+          </a:effectRef>
+          <a:fontRef idx="minor">
+            <a:schemeClr val="lt1"/>
+          </a:fontRef>
+        </p:style>
+        <p:txBody>
+          <a:bodyPr rtlCol="0" anchor="ctr"/>
+          <a:lstStyle/>
+          <a:p>
+            <a:pPr algn="ctr"/>
+            <a:endParaRPr lang="ko-KR" altLang="en-US"/>
+          </a:p>
+        </p:txBody>
+      </p:sp>
+    </p:spTree>
+    <p:extLst>
+      <p:ext uri="{BB962C8B-B14F-4D97-AF65-F5344CB8AC3E}">
+        <p14:creationId xmlns:p14="http://schemas.microsoft.com/office/powerpoint/2010/main" val="4252018222"/>
+      </p:ext>
+    </p:extLst>
+  </p:cSld>
+  <p:clrMapOvr>
+    <a:masterClrMapping/>
+  </p:clrMapOvr>
+  <mc:AlternateContent xmlns:mc="http://schemas.openxmlformats.org/markup-compatibility/2006" xmlns:p159="http://schemas.microsoft.com/office/powerpoint/2015/09/main">
+    <mc:Choice Requires="p159">
+      <p:transition xmlns:p14="http://schemas.microsoft.com/office/powerpoint/2010/main" spd="slow" p14:dur="2000">
+        <p159:morph option="byObject"/>
+      </p:transition>
+    </mc:Choice>
+    <mc:Fallback xmlns="">
+      <p:transition spd="slow">
+        <p:fade/>
+      </p:transition>
+    </mc:Fallback>
+  </mc:AlternateContent>
+</p:sld>
+</file>
+
+<file path=ppt/slides/slide20.xml><?xml version="1.0" encoding="utf-8"?>
+<p:sld xmlns:a="http://schemas.openxmlformats.org/drawingml/2006/main" xmlns:r="http://schemas.openxmlformats.org/officeDocument/2006/relationships" xmlns:p="http://schemas.openxmlformats.org/presentationml/2006/main">
+  <p:cSld>
+    <p:bg>
+      <p:bgPr>
+        <a:solidFill>
+          <a:schemeClr val="tx1">
+            <a:lumMod val="85000"/>
+            <a:lumOff val="15000"/>
+          </a:schemeClr>
+        </a:solidFill>
+        <a:effectLst/>
+      </p:bgPr>
+    </p:bg>
+    <p:spTree>
+      <p:nvGrpSpPr>
+        <p:cNvPr id="1" name=""/>
+        <p:cNvGrpSpPr/>
+        <p:nvPr/>
+      </p:nvGrpSpPr>
+      <p:grpSpPr>
+        <a:xfrm>
+          <a:off x="0" y="0"/>
+          <a:ext cx="0" cy="0"/>
+          <a:chOff x="0" y="0"/>
+          <a:chExt cx="0" cy="0"/>
+        </a:xfrm>
+      </p:grpSpPr>
+      <p:sp>
+        <p:nvSpPr>
+          <p:cNvPr id="2" name="TextBox 1">
+            <a:extLst>
+              <a:ext uri="{FF2B5EF4-FFF2-40B4-BE49-F238E27FC236}">
+                <a16:creationId xmlns:a16="http://schemas.microsoft.com/office/drawing/2014/main" id="{0B332A50-CC0E-4C7E-B47E-E7CFBA7B423B}"/>
+              </a:ext>
+            </a:extLst>
+          </p:cNvPr>
+          <p:cNvSpPr txBox="1"/>
+          <p:nvPr/>
+        </p:nvSpPr>
+        <p:spPr>
+          <a:xfrm>
+            <a:off x="3602310" y="3044280"/>
+            <a:ext cx="2701381" cy="769441"/>
+          </a:xfrm>
+          <a:prstGeom prst="rect">
+            <a:avLst/>
+          </a:prstGeom>
+          <a:noFill/>
+        </p:spPr>
+        <p:txBody>
+          <a:bodyPr wrap="none" rtlCol="0">
+            <a:spAutoFit/>
+          </a:bodyPr>
+          <a:lstStyle/>
+          <a:p>
+            <a:r>
+              <a:rPr lang="ko-KR" altLang="en-US" sz="4400">
+                <a:solidFill>
+                  <a:schemeClr val="bg1"/>
+                </a:solidFill>
+                <a:latin typeface="나눔바른고딕" panose="020B0603020101020101" pitchFamily="50" charset="-127"/>
+                <a:ea typeface="나눔바른고딕" panose="020B0603020101020101" pitchFamily="50" charset="-127"/>
+              </a:rPr>
+              <a:t>감사합니다</a:t>
+            </a:r>
+            <a:endParaRPr lang="en-US" altLang="ko-KR" sz="4400" dirty="0">
+              <a:solidFill>
+                <a:schemeClr val="bg1"/>
+              </a:solidFill>
+              <a:latin typeface="나눔바른고딕" panose="020B0603020101020101" pitchFamily="50" charset="-127"/>
+              <a:ea typeface="나눔바른고딕" panose="020B0603020101020101" pitchFamily="50" charset="-127"/>
+            </a:endParaRPr>
+          </a:p>
+        </p:txBody>
+      </p:sp>
+    </p:spTree>
+    <p:extLst>
+      <p:ext uri="{BB962C8B-B14F-4D97-AF65-F5344CB8AC3E}">
+        <p14:creationId xmlns:p14="http://schemas.microsoft.com/office/powerpoint/2010/main" val="668823084"/>
+      </p:ext>
+    </p:extLst>
+  </p:cSld>
+  <p:clrMapOvr>
+    <a:masterClrMapping/>
+  </p:clrMapOvr>
+</p:sld>
+</file>
+
+<file path=ppt/slides/slide3.xml><?xml version="1.0" encoding="utf-8"?>
+<p:sld xmlns:a="http://schemas.openxmlformats.org/drawingml/2006/main" xmlns:r="http://schemas.openxmlformats.org/officeDocument/2006/relationships" xmlns:p="http://schemas.openxmlformats.org/presentationml/2006/main">
+  <p:cSld>
+    <p:bg>
+      <p:bgPr>
+        <a:solidFill>
+          <a:schemeClr val="tx1">
+            <a:lumMod val="85000"/>
+            <a:lumOff val="15000"/>
+          </a:schemeClr>
+        </a:solidFill>
+        <a:effectLst/>
+      </p:bgPr>
+    </p:bg>
+    <p:spTree>
+      <p:nvGrpSpPr>
+        <p:cNvPr id="1" name=""/>
+        <p:cNvGrpSpPr/>
+        <p:nvPr/>
+      </p:nvGrpSpPr>
+      <p:grpSpPr>
+        <a:xfrm>
+          <a:off x="0" y="0"/>
+          <a:ext cx="0" cy="0"/>
+          <a:chOff x="0" y="0"/>
+          <a:chExt cx="0" cy="0"/>
+        </a:xfrm>
+      </p:grpSpPr>
+      <p:sp>
+        <p:nvSpPr>
+          <p:cNvPr id="2" name="TextBox 1">
+            <a:extLst>
+              <a:ext uri="{FF2B5EF4-FFF2-40B4-BE49-F238E27FC236}">
+                <a16:creationId xmlns:a16="http://schemas.microsoft.com/office/drawing/2014/main" id="{0B332A50-CC0E-4C7E-B47E-E7CFBA7B423B}"/>
+              </a:ext>
+            </a:extLst>
+          </p:cNvPr>
+          <p:cNvSpPr txBox="1"/>
+          <p:nvPr/>
+        </p:nvSpPr>
+        <p:spPr>
+          <a:xfrm>
+            <a:off x="3765015" y="3013502"/>
+            <a:ext cx="2375971" cy="830997"/>
+          </a:xfrm>
+          <a:prstGeom prst="rect">
+            <a:avLst/>
+          </a:prstGeom>
+          <a:noFill/>
+        </p:spPr>
+        <p:txBody>
+          <a:bodyPr wrap="none" rtlCol="0">
+            <a:spAutoFit/>
+          </a:bodyPr>
+          <a:lstStyle/>
+          <a:p>
+            <a:pPr algn="ctr"/>
+            <a:r>
+              <a:rPr lang="en-US" altLang="ko-KR" sz="4800" dirty="0">
+                <a:solidFill>
+                  <a:schemeClr val="bg1"/>
+                </a:solidFill>
+                <a:latin typeface="나눔바른고딕" panose="020B0603020101020101" pitchFamily="50" charset="-127"/>
+                <a:ea typeface="나눔바른고딕" panose="020B0603020101020101" pitchFamily="50" charset="-127"/>
+              </a:rPr>
+              <a:t>1. </a:t>
+            </a:r>
+            <a:r>
+              <a:rPr lang="ko-KR" altLang="en-US" sz="4800" dirty="0">
+                <a:solidFill>
+                  <a:schemeClr val="bg1"/>
+                </a:solidFill>
+                <a:latin typeface="나눔바른고딕" panose="020B0603020101020101" pitchFamily="50" charset="-127"/>
+                <a:ea typeface="나눔바른고딕" panose="020B0603020101020101" pitchFamily="50" charset="-127"/>
+              </a:rPr>
+              <a:t>함수</a:t>
+            </a:r>
+            <a:r>
+              <a:rPr lang="en-US" altLang="ko-KR" sz="4800" dirty="0">
+                <a:solidFill>
+                  <a:schemeClr val="bg1">
+                    <a:lumMod val="95000"/>
+                  </a:schemeClr>
+                </a:solidFill>
+                <a:latin typeface="나눔바른고딕" panose="020B0603020101020101" pitchFamily="50" charset="-127"/>
+                <a:ea typeface="나눔바른고딕" panose="020B0603020101020101" pitchFamily="50" charset="-127"/>
+              </a:rPr>
+              <a:t>?</a:t>
+            </a:r>
+          </a:p>
+        </p:txBody>
+      </p:sp>
+    </p:spTree>
+    <p:extLst>
+      <p:ext uri="{BB962C8B-B14F-4D97-AF65-F5344CB8AC3E}">
+        <p14:creationId xmlns:p14="http://schemas.microsoft.com/office/powerpoint/2010/main" val="3505165737"/>
+      </p:ext>
+    </p:extLst>
+  </p:cSld>
+  <p:clrMapOvr>
+    <a:masterClrMapping/>
+  </p:clrMapOvr>
+</p:sld>
+</file>
+
+<file path=ppt/slides/slide4.xml><?xml version="1.0" encoding="utf-8"?>
+<p:sld xmlns:a="http://schemas.openxmlformats.org/drawingml/2006/main" xmlns:r="http://schemas.openxmlformats.org/officeDocument/2006/relationships" xmlns:p="http://schemas.openxmlformats.org/presentationml/2006/main">
+  <p:cSld>
+    <p:bg>
+      <p:bgPr>
+        <a:solidFill>
+          <a:schemeClr val="tx1">
+            <a:lumMod val="85000"/>
+            <a:lumOff val="15000"/>
+          </a:schemeClr>
+        </a:solidFill>
+        <a:effectLst/>
+      </p:bgPr>
+    </p:bg>
+    <p:spTree>
+      <p:nvGrpSpPr>
+        <p:cNvPr id="1" name=""/>
+        <p:cNvGrpSpPr/>
+        <p:nvPr/>
+      </p:nvGrpSpPr>
+      <p:grpSpPr>
+        <a:xfrm>
+          <a:off x="0" y="0"/>
+          <a:ext cx="0" cy="0"/>
+          <a:chOff x="0" y="0"/>
+          <a:chExt cx="0" cy="0"/>
+        </a:xfrm>
+      </p:grpSpPr>
+      <p:sp>
+        <p:nvSpPr>
+          <p:cNvPr id="2" name="TextBox 1">
+            <a:extLst>
+              <a:ext uri="{FF2B5EF4-FFF2-40B4-BE49-F238E27FC236}">
+                <a16:creationId xmlns:a16="http://schemas.microsoft.com/office/drawing/2014/main" id="{0B332A50-CC0E-4C7E-B47E-E7CFBA7B423B}"/>
+              </a:ext>
+            </a:extLst>
+          </p:cNvPr>
+          <p:cNvSpPr txBox="1"/>
+          <p:nvPr/>
+        </p:nvSpPr>
+        <p:spPr>
+          <a:xfrm>
+            <a:off x="2652530" y="2767281"/>
+            <a:ext cx="4600940" cy="1323439"/>
+          </a:xfrm>
+          <a:prstGeom prst="rect">
+            <a:avLst/>
+          </a:prstGeom>
+          <a:noFill/>
+        </p:spPr>
+        <p:txBody>
+          <a:bodyPr wrap="none" rtlCol="0">
+            <a:spAutoFit/>
+          </a:bodyPr>
+          <a:lstStyle/>
+          <a:p>
+            <a:pPr algn="ctr"/>
+            <a:r>
+              <a:rPr lang="ko-KR" altLang="en-US" sz="4800" dirty="0">
+                <a:solidFill>
+                  <a:schemeClr val="accent6">
+                    <a:lumMod val="75000"/>
+                  </a:schemeClr>
+                </a:solidFill>
+                <a:latin typeface="나눔바른고딕" panose="020B0603020101020101" pitchFamily="50" charset="-127"/>
+                <a:ea typeface="나눔바른고딕" panose="020B0603020101020101" pitchFamily="50" charset="-127"/>
+              </a:rPr>
+              <a:t>함수</a:t>
+            </a:r>
+            <a:r>
+              <a:rPr lang="en-US" altLang="ko-KR" sz="4800" dirty="0">
+                <a:solidFill>
+                  <a:schemeClr val="bg1">
+                    <a:lumMod val="95000"/>
+                  </a:schemeClr>
+                </a:solidFill>
+                <a:latin typeface="나눔바른고딕" panose="020B0603020101020101" pitchFamily="50" charset="-127"/>
+                <a:ea typeface="나눔바른고딕" panose="020B0603020101020101" pitchFamily="50" charset="-127"/>
+              </a:rPr>
+              <a:t>(function)</a:t>
+            </a:r>
+          </a:p>
+          <a:p>
+            <a:pPr algn="ctr"/>
+            <a:r>
+              <a:rPr lang="en-US" altLang="ko-KR" sz="3200" dirty="0">
+                <a:solidFill>
+                  <a:schemeClr val="bg1">
+                    <a:lumMod val="95000"/>
+                  </a:schemeClr>
+                </a:solidFill>
+                <a:latin typeface="나눔바른고딕" panose="020B0603020101020101" pitchFamily="50" charset="-127"/>
+                <a:ea typeface="나눔바른고딕" panose="020B0603020101020101" pitchFamily="50" charset="-127"/>
+              </a:rPr>
+              <a:t>: </a:t>
+            </a:r>
+            <a:r>
+              <a:rPr lang="ko-KR" altLang="en-US" sz="3200" dirty="0">
+                <a:solidFill>
+                  <a:schemeClr val="bg1">
+                    <a:lumMod val="95000"/>
+                  </a:schemeClr>
+                </a:solidFill>
+                <a:latin typeface="나눔바른고딕" panose="020B0603020101020101" pitchFamily="50" charset="-127"/>
+                <a:ea typeface="나눔바른고딕" panose="020B0603020101020101" pitchFamily="50" charset="-127"/>
+              </a:rPr>
+              <a:t>작업을 수행하는 명령블록</a:t>
+            </a:r>
+            <a:endParaRPr lang="en-US" altLang="ko-KR" sz="3200" dirty="0">
+              <a:solidFill>
+                <a:schemeClr val="bg1">
+                  <a:lumMod val="95000"/>
+                </a:schemeClr>
+              </a:solidFill>
+              <a:latin typeface="나눔바른고딕" panose="020B0603020101020101" pitchFamily="50" charset="-127"/>
+              <a:ea typeface="나눔바른고딕" panose="020B0603020101020101" pitchFamily="50" charset="-127"/>
+            </a:endParaRPr>
+          </a:p>
+        </p:txBody>
+      </p:sp>
+    </p:spTree>
+    <p:extLst>
+      <p:ext uri="{BB962C8B-B14F-4D97-AF65-F5344CB8AC3E}">
+        <p14:creationId xmlns:p14="http://schemas.microsoft.com/office/powerpoint/2010/main" val="2562490533"/>
+      </p:ext>
+    </p:extLst>
+  </p:cSld>
+  <p:clrMapOvr>
+    <a:masterClrMapping/>
+  </p:clrMapOvr>
+</p:sld>
+</file>
+
+<file path=ppt/slides/slide5.xml><?xml version="1.0" encoding="utf-8"?>
+<p:sld xmlns:a="http://schemas.openxmlformats.org/drawingml/2006/main" xmlns:r="http://schemas.openxmlformats.org/officeDocument/2006/relationships" xmlns:p="http://schemas.openxmlformats.org/presentationml/2006/main">
+  <p:cSld>
+    <p:bg>
+      <p:bgPr>
+        <a:solidFill>
+          <a:schemeClr val="tx1">
+            <a:lumMod val="85000"/>
+            <a:lumOff val="15000"/>
+          </a:schemeClr>
+        </a:solidFill>
+        <a:effectLst/>
+      </p:bgPr>
+    </p:bg>
+    <p:spTree>
+      <p:nvGrpSpPr>
+        <p:cNvPr id="1" name=""/>
+        <p:cNvGrpSpPr/>
+        <p:nvPr/>
+      </p:nvGrpSpPr>
+      <p:grpSpPr>
+        <a:xfrm>
+          <a:off x="0" y="0"/>
+          <a:ext cx="0" cy="0"/>
+          <a:chOff x="0" y="0"/>
+          <a:chExt cx="0" cy="0"/>
+        </a:xfrm>
+      </p:grpSpPr>
+      <p:sp>
+        <p:nvSpPr>
+          <p:cNvPr id="3" name="TextBox 2">
+            <a:extLst>
+              <a:ext uri="{FF2B5EF4-FFF2-40B4-BE49-F238E27FC236}">
+                <a16:creationId xmlns:a16="http://schemas.microsoft.com/office/drawing/2014/main" id="{08BB054E-84A4-4F77-A4B9-E0027E24282F}"/>
+              </a:ext>
+            </a:extLst>
+          </p:cNvPr>
+          <p:cNvSpPr txBox="1"/>
+          <p:nvPr/>
+        </p:nvSpPr>
+        <p:spPr>
+          <a:xfrm>
+            <a:off x="1629820" y="2644170"/>
+            <a:ext cx="6646370" cy="1569660"/>
+          </a:xfrm>
+          <a:prstGeom prst="rect">
+            <a:avLst/>
+          </a:prstGeom>
+          <a:noFill/>
+        </p:spPr>
+        <p:txBody>
+          <a:bodyPr wrap="none" rtlCol="0">
+            <a:spAutoFit/>
+          </a:bodyPr>
+          <a:lstStyle/>
+          <a:p>
+            <a:pPr algn="ctr"/>
+            <a:r>
+              <a:rPr lang="ko-KR" altLang="en-US" sz="4800" dirty="0">
+                <a:solidFill>
+                  <a:schemeClr val="accent6">
+                    <a:lumMod val="75000"/>
+                  </a:schemeClr>
+                </a:solidFill>
+                <a:latin typeface="나눔바른고딕" panose="020B0603020101020101" pitchFamily="50" charset="-127"/>
+                <a:ea typeface="나눔바른고딕" panose="020B0603020101020101" pitchFamily="50" charset="-127"/>
+              </a:rPr>
+              <a:t>반복적으로 </a:t>
+            </a:r>
+            <a:r>
+              <a:rPr lang="ko-KR" altLang="en-US" sz="4800" dirty="0">
+                <a:solidFill>
+                  <a:schemeClr val="bg1">
+                    <a:lumMod val="95000"/>
+                  </a:schemeClr>
+                </a:solidFill>
+                <a:latin typeface="나눔바른고딕" panose="020B0603020101020101" pitchFamily="50" charset="-127"/>
+                <a:ea typeface="나눔바른고딕" panose="020B0603020101020101" pitchFamily="50" charset="-127"/>
+              </a:rPr>
+              <a:t>계속 사용되는 </a:t>
+            </a:r>
+            <a:endParaRPr lang="en-US" altLang="ko-KR" sz="4800" dirty="0">
+              <a:solidFill>
+                <a:schemeClr val="bg1">
+                  <a:lumMod val="95000"/>
+                </a:schemeClr>
+              </a:solidFill>
+              <a:latin typeface="나눔바른고딕" panose="020B0603020101020101" pitchFamily="50" charset="-127"/>
+              <a:ea typeface="나눔바른고딕" panose="020B0603020101020101" pitchFamily="50" charset="-127"/>
+            </a:endParaRPr>
+          </a:p>
+          <a:p>
+            <a:pPr algn="ctr"/>
+            <a:r>
+              <a:rPr lang="ko-KR" altLang="en-US" sz="4800" dirty="0">
+                <a:solidFill>
+                  <a:schemeClr val="bg1">
+                    <a:lumMod val="95000"/>
+                  </a:schemeClr>
+                </a:solidFill>
+                <a:latin typeface="나눔바른고딕" panose="020B0603020101020101" pitchFamily="50" charset="-127"/>
+                <a:ea typeface="나눔바른고딕" panose="020B0603020101020101" pitchFamily="50" charset="-127"/>
+              </a:rPr>
+              <a:t>코드를 함수로 만든다 </a:t>
+            </a:r>
+            <a:endParaRPr lang="en-US" altLang="ko-KR" sz="4800" dirty="0">
+              <a:solidFill>
+                <a:schemeClr val="bg1">
+                  <a:lumMod val="95000"/>
+                </a:schemeClr>
+              </a:solidFill>
+              <a:latin typeface="나눔바른고딕" panose="020B0603020101020101" pitchFamily="50" charset="-127"/>
+              <a:ea typeface="나눔바른고딕" panose="020B0603020101020101" pitchFamily="50" charset="-127"/>
+            </a:endParaRPr>
+          </a:p>
+        </p:txBody>
+      </p:sp>
+    </p:spTree>
+    <p:extLst>
+      <p:ext uri="{BB962C8B-B14F-4D97-AF65-F5344CB8AC3E}">
+        <p14:creationId xmlns:p14="http://schemas.microsoft.com/office/powerpoint/2010/main" val="3449385328"/>
+      </p:ext>
+    </p:extLst>
+  </p:cSld>
+  <p:clrMapOvr>
+    <a:masterClrMapping/>
+  </p:clrMapOvr>
+  <mc:AlternateContent xmlns:mc="http://schemas.openxmlformats.org/markup-compatibility/2006" xmlns:p159="http://schemas.microsoft.com/office/powerpoint/2015/09/main">
+    <mc:Choice Requires="p159">
+      <p:transition xmlns:p14="http://schemas.microsoft.com/office/powerpoint/2010/main" spd="slow" p14:dur="2000">
+        <p159:morph option="byObject"/>
+      </p:transition>
+    </mc:Choice>
+    <mc:Fallback xmlns="">
+      <p:transition spd="slow">
+        <p:fade/>
+      </p:transition>
+    </mc:Fallback>
+  </mc:AlternateContent>
+</p:sld>
+</file>
+
+<file path=ppt/slides/slide6.xml><?xml version="1.0" encoding="utf-8"?>
+<p:sld xmlns:a="http://schemas.openxmlformats.org/drawingml/2006/main" xmlns:r="http://schemas.openxmlformats.org/officeDocument/2006/relationships" xmlns:p="http://schemas.openxmlformats.org/presentationml/2006/main">
+  <p:cSld>
+    <p:bg>
+      <p:bgPr>
+        <a:solidFill>
+          <a:schemeClr val="tx1">
+            <a:lumMod val="85000"/>
+            <a:lumOff val="15000"/>
+          </a:schemeClr>
+        </a:solidFill>
+        <a:effectLst/>
+      </p:bgPr>
+    </p:bg>
+    <p:spTree>
+      <p:nvGrpSpPr>
+        <p:cNvPr id="1" name=""/>
+        <p:cNvGrpSpPr/>
+        <p:nvPr/>
+      </p:nvGrpSpPr>
+      <p:grpSpPr>
+        <a:xfrm>
+          <a:off x="0" y="0"/>
+          <a:ext cx="0" cy="0"/>
+          <a:chOff x="0" y="0"/>
+          <a:chExt cx="0" cy="0"/>
+        </a:xfrm>
+      </p:grpSpPr>
+      <p:sp>
+        <p:nvSpPr>
+          <p:cNvPr id="3" name="TextBox 2">
+            <a:extLst>
+              <a:ext uri="{FF2B5EF4-FFF2-40B4-BE49-F238E27FC236}">
+                <a16:creationId xmlns:a16="http://schemas.microsoft.com/office/drawing/2014/main" id="{08BB054E-84A4-4F77-A4B9-E0027E24282F}"/>
+              </a:ext>
+            </a:extLst>
+          </p:cNvPr>
+          <p:cNvSpPr txBox="1"/>
+          <p:nvPr/>
+        </p:nvSpPr>
+        <p:spPr>
+          <a:xfrm>
+            <a:off x="2183660" y="2644170"/>
+            <a:ext cx="5538697" cy="830997"/>
+          </a:xfrm>
+          <a:prstGeom prst="rect">
+            <a:avLst/>
+          </a:prstGeom>
+          <a:noFill/>
+        </p:spPr>
+        <p:txBody>
+          <a:bodyPr wrap="none" rtlCol="0">
+            <a:spAutoFit/>
+          </a:bodyPr>
+          <a:lstStyle/>
+          <a:p>
+            <a:pPr algn="ctr"/>
+            <a:r>
+              <a:rPr lang="en-US" altLang="ko-KR" sz="4800" dirty="0">
+                <a:solidFill>
+                  <a:schemeClr val="bg1">
+                    <a:lumMod val="95000"/>
+                  </a:schemeClr>
+                </a:solidFill>
+                <a:latin typeface="나눔바른고딕" panose="020B0603020101020101" pitchFamily="50" charset="-127"/>
+                <a:ea typeface="나눔바른고딕" panose="020B0603020101020101" pitchFamily="50" charset="-127"/>
+              </a:rPr>
+              <a:t>1. </a:t>
+            </a:r>
+            <a:r>
+              <a:rPr lang="ko-KR" altLang="en-US" sz="4800" dirty="0">
+                <a:solidFill>
+                  <a:schemeClr val="bg1">
+                    <a:lumMod val="95000"/>
+                  </a:schemeClr>
+                </a:solidFill>
+                <a:latin typeface="나눔바른고딕" panose="020B0603020101020101" pitchFamily="50" charset="-127"/>
+                <a:ea typeface="나눔바른고딕" panose="020B0603020101020101" pitchFamily="50" charset="-127"/>
+              </a:rPr>
+              <a:t>함수를 만드는 방법</a:t>
+            </a:r>
+            <a:endParaRPr lang="en-US" altLang="ko-KR" sz="4800" dirty="0">
+              <a:solidFill>
+                <a:schemeClr val="bg1">
+                  <a:lumMod val="95000"/>
+                </a:schemeClr>
+              </a:solidFill>
+              <a:latin typeface="나눔바른고딕" panose="020B0603020101020101" pitchFamily="50" charset="-127"/>
+              <a:ea typeface="나눔바른고딕" panose="020B0603020101020101" pitchFamily="50" charset="-127"/>
+            </a:endParaRPr>
+          </a:p>
+        </p:txBody>
+      </p:sp>
+    </p:spTree>
+    <p:extLst>
+      <p:ext uri="{BB962C8B-B14F-4D97-AF65-F5344CB8AC3E}">
+        <p14:creationId xmlns:p14="http://schemas.microsoft.com/office/powerpoint/2010/main" val="1606082509"/>
+      </p:ext>
+    </p:extLst>
+  </p:cSld>
+  <p:clrMapOvr>
+    <a:masterClrMapping/>
+  </p:clrMapOvr>
+  <mc:AlternateContent xmlns:mc="http://schemas.openxmlformats.org/markup-compatibility/2006" xmlns:p159="http://schemas.microsoft.com/office/powerpoint/2015/09/main">
+    <mc:Choice Requires="p159">
+      <p:transition xmlns:p14="http://schemas.microsoft.com/office/powerpoint/2010/main" spd="slow" p14:dur="2000">
+        <p159:morph option="byObject"/>
+      </p:transition>
+    </mc:Choice>
+    <mc:Fallback xmlns="">
+      <p:transition spd="slow">
+        <p:fade/>
+      </p:transition>
+    </mc:Fallback>
+  </mc:AlternateContent>
+</p:sld>
+</file>
+
+<file path=ppt/slides/slide7.xml><?xml version="1.0" encoding="utf-8"?>
+<p:sld xmlns:a="http://schemas.openxmlformats.org/drawingml/2006/main" xmlns:r="http://schemas.openxmlformats.org/officeDocument/2006/relationships" xmlns:p="http://schemas.openxmlformats.org/presentationml/2006/main">
+  <p:cSld>
+    <p:bg>
+      <p:bgPr>
+        <a:solidFill>
+          <a:schemeClr val="tx1">
+            <a:lumMod val="85000"/>
+            <a:lumOff val="15000"/>
+          </a:schemeClr>
+        </a:solidFill>
+        <a:effectLst/>
+      </p:bgPr>
+    </p:bg>
+    <p:spTree>
+      <p:nvGrpSpPr>
+        <p:cNvPr id="1" name=""/>
+        <p:cNvGrpSpPr/>
+        <p:nvPr/>
+      </p:nvGrpSpPr>
+      <p:grpSpPr>
+        <a:xfrm>
+          <a:off x="0" y="0"/>
+          <a:ext cx="0" cy="0"/>
+          <a:chOff x="0" y="0"/>
+          <a:chExt cx="0" cy="0"/>
+        </a:xfrm>
+      </p:grpSpPr>
+      <p:sp>
+        <p:nvSpPr>
+          <p:cNvPr id="2" name="TextBox 1">
+            <a:extLst>
+              <a:ext uri="{FF2B5EF4-FFF2-40B4-BE49-F238E27FC236}">
+                <a16:creationId xmlns:a16="http://schemas.microsoft.com/office/drawing/2014/main" id="{0B332A50-CC0E-4C7E-B47E-E7CFBA7B423B}"/>
+              </a:ext>
+            </a:extLst>
+          </p:cNvPr>
+          <p:cNvSpPr txBox="1"/>
+          <p:nvPr/>
+        </p:nvSpPr>
+        <p:spPr>
+          <a:xfrm>
+            <a:off x="2028161" y="2028617"/>
+            <a:ext cx="5849678" cy="2800767"/>
+          </a:xfrm>
+          <a:prstGeom prst="rect">
+            <a:avLst/>
+          </a:prstGeom>
+          <a:noFill/>
+        </p:spPr>
+        <p:txBody>
+          <a:bodyPr wrap="none" rtlCol="0">
+            <a:spAutoFit/>
+          </a:bodyPr>
+          <a:lstStyle/>
+          <a:p>
+            <a:r>
+              <a:rPr lang="en-US" altLang="ko-KR" sz="4400" dirty="0">
+                <a:solidFill>
+                  <a:schemeClr val="accent6">
+                    <a:lumMod val="75000"/>
+                  </a:schemeClr>
+                </a:solidFill>
+                <a:latin typeface="나눔바른고딕" panose="020B0603020101020101" pitchFamily="50" charset="-127"/>
+                <a:ea typeface="나눔바른고딕" panose="020B0603020101020101" pitchFamily="50" charset="-127"/>
+              </a:rPr>
+              <a:t>def</a:t>
+            </a:r>
+            <a:r>
+              <a:rPr lang="ko-KR" altLang="en-US" sz="4400" dirty="0">
+                <a:solidFill>
+                  <a:schemeClr val="accent6">
+                    <a:lumMod val="75000"/>
+                  </a:schemeClr>
+                </a:solidFill>
+                <a:latin typeface="나눔바른고딕" panose="020B0603020101020101" pitchFamily="50" charset="-127"/>
+                <a:ea typeface="나눔바른고딕" panose="020B0603020101020101" pitchFamily="50" charset="-127"/>
+              </a:rPr>
+              <a:t> </a:t>
+            </a:r>
+            <a:r>
+              <a:rPr lang="ko-KR" altLang="en-US" sz="4400" dirty="0">
+                <a:solidFill>
+                  <a:schemeClr val="bg1"/>
+                </a:solidFill>
+                <a:latin typeface="나눔바른고딕" panose="020B0603020101020101" pitchFamily="50" charset="-127"/>
+                <a:ea typeface="나눔바른고딕" panose="020B0603020101020101" pitchFamily="50" charset="-127"/>
+              </a:rPr>
+              <a:t>함수이름</a:t>
+            </a:r>
+            <a:r>
+              <a:rPr lang="en-US" altLang="ko-KR" sz="4400" dirty="0">
+                <a:solidFill>
+                  <a:schemeClr val="accent6">
+                    <a:lumMod val="75000"/>
+                  </a:schemeClr>
+                </a:solidFill>
+                <a:latin typeface="나눔바른고딕" panose="020B0603020101020101" pitchFamily="50" charset="-127"/>
+                <a:ea typeface="나눔바른고딕" panose="020B0603020101020101" pitchFamily="50" charset="-127"/>
+              </a:rPr>
+              <a:t>(</a:t>
+            </a:r>
+            <a:r>
+              <a:rPr lang="ko-KR" altLang="en-US" sz="4400" dirty="0">
+                <a:solidFill>
+                  <a:schemeClr val="accent6">
+                    <a:lumMod val="75000"/>
+                  </a:schemeClr>
+                </a:solidFill>
+                <a:latin typeface="나눔바른고딕" panose="020B0603020101020101" pitchFamily="50" charset="-127"/>
+                <a:ea typeface="나눔바른고딕" panose="020B0603020101020101" pitchFamily="50" charset="-127"/>
+              </a:rPr>
+              <a:t>매개변수</a:t>
+            </a:r>
+            <a:r>
+              <a:rPr lang="en-US" altLang="ko-KR" sz="4400" dirty="0">
+                <a:solidFill>
+                  <a:schemeClr val="accent6">
+                    <a:lumMod val="75000"/>
+                  </a:schemeClr>
+                </a:solidFill>
+                <a:latin typeface="나눔바른고딕" panose="020B0603020101020101" pitchFamily="50" charset="-127"/>
+                <a:ea typeface="나눔바른고딕" panose="020B0603020101020101" pitchFamily="50" charset="-127"/>
+              </a:rPr>
+              <a:t>):</a:t>
+            </a:r>
+          </a:p>
+          <a:p>
+            <a:r>
+              <a:rPr lang="en-US" altLang="ko-KR" sz="4400" dirty="0">
+                <a:solidFill>
+                  <a:schemeClr val="accent6">
+                    <a:lumMod val="75000"/>
+                  </a:schemeClr>
+                </a:solidFill>
+                <a:latin typeface="나눔바른고딕" panose="020B0603020101020101" pitchFamily="50" charset="-127"/>
+                <a:ea typeface="나눔바른고딕" panose="020B0603020101020101" pitchFamily="50" charset="-127"/>
+              </a:rPr>
+              <a:t>	</a:t>
+            </a:r>
+            <a:r>
+              <a:rPr lang="ko-KR" altLang="en-US" sz="4400" dirty="0">
+                <a:solidFill>
+                  <a:schemeClr val="bg1"/>
+                </a:solidFill>
+                <a:latin typeface="나눔바른고딕" panose="020B0603020101020101" pitchFamily="50" charset="-127"/>
+                <a:ea typeface="나눔바른고딕" panose="020B0603020101020101" pitchFamily="50" charset="-127"/>
+              </a:rPr>
+              <a:t>명령블록</a:t>
+            </a:r>
+            <a:endParaRPr lang="en-US" altLang="ko-KR" sz="4400" dirty="0">
+              <a:solidFill>
+                <a:schemeClr val="bg1"/>
+              </a:solidFill>
+              <a:latin typeface="나눔바른고딕" panose="020B0603020101020101" pitchFamily="50" charset="-127"/>
+              <a:ea typeface="나눔바른고딕" panose="020B0603020101020101" pitchFamily="50" charset="-127"/>
+            </a:endParaRPr>
+          </a:p>
+          <a:p>
+            <a:r>
+              <a:rPr lang="en-US" altLang="ko-KR" sz="4400" dirty="0">
+                <a:solidFill>
+                  <a:schemeClr val="bg1"/>
+                </a:solidFill>
+                <a:latin typeface="나눔바른고딕" panose="020B0603020101020101" pitchFamily="50" charset="-127"/>
+                <a:ea typeface="나눔바른고딕" panose="020B0603020101020101" pitchFamily="50" charset="-127"/>
+              </a:rPr>
+              <a:t>	…</a:t>
+            </a:r>
+          </a:p>
+          <a:p>
+            <a:r>
+              <a:rPr lang="en-US" altLang="ko-KR" sz="4400" dirty="0">
+                <a:solidFill>
+                  <a:schemeClr val="bg1"/>
+                </a:solidFill>
+                <a:latin typeface="나눔바른고딕" panose="020B0603020101020101" pitchFamily="50" charset="-127"/>
+                <a:ea typeface="나눔바른고딕" panose="020B0603020101020101" pitchFamily="50" charset="-127"/>
+              </a:rPr>
+              <a:t>	return</a:t>
+            </a:r>
+            <a:r>
+              <a:rPr lang="ko-KR" altLang="en-US" sz="4400" dirty="0">
+                <a:solidFill>
+                  <a:schemeClr val="bg1"/>
+                </a:solidFill>
+                <a:latin typeface="나눔바른고딕" panose="020B0603020101020101" pitchFamily="50" charset="-127"/>
+                <a:ea typeface="나눔바른고딕" panose="020B0603020101020101" pitchFamily="50" charset="-127"/>
+              </a:rPr>
+              <a:t> </a:t>
+            </a:r>
+            <a:r>
+              <a:rPr lang="ko-KR" altLang="en-US" sz="4400" dirty="0" err="1">
+                <a:solidFill>
+                  <a:schemeClr val="bg1"/>
+                </a:solidFill>
+                <a:latin typeface="나눔바른고딕" panose="020B0603020101020101" pitchFamily="50" charset="-127"/>
+                <a:ea typeface="나눔바른고딕" panose="020B0603020101020101" pitchFamily="50" charset="-127"/>
+              </a:rPr>
+              <a:t>리턴값</a:t>
+            </a:r>
+            <a:endParaRPr lang="en-US" altLang="ko-KR" sz="4400" dirty="0">
+              <a:solidFill>
+                <a:schemeClr val="bg1"/>
+              </a:solidFill>
+              <a:latin typeface="나눔바른고딕" panose="020B0603020101020101" pitchFamily="50" charset="-127"/>
+              <a:ea typeface="나눔바른고딕" panose="020B0603020101020101" pitchFamily="50" charset="-127"/>
+            </a:endParaRPr>
+          </a:p>
+        </p:txBody>
+      </p:sp>
+    </p:spTree>
+    <p:extLst>
+      <p:ext uri="{BB962C8B-B14F-4D97-AF65-F5344CB8AC3E}">
+        <p14:creationId xmlns:p14="http://schemas.microsoft.com/office/powerpoint/2010/main" val="3422639784"/>
+      </p:ext>
+    </p:extLst>
+  </p:cSld>
+  <p:clrMapOvr>
+    <a:masterClrMapping/>
+  </p:clrMapOvr>
+</p:sld>
+</file>
+
+<file path=ppt/slides/slide8.xml><?xml version="1.0" encoding="utf-8"?>
+<p:sld xmlns:a="http://schemas.openxmlformats.org/drawingml/2006/main" xmlns:r="http://schemas.openxmlformats.org/officeDocument/2006/relationships" xmlns:p="http://schemas.openxmlformats.org/presentationml/2006/main">
+  <p:cSld>
+    <p:bg>
+      <p:bgPr>
+        <a:solidFill>
+          <a:schemeClr val="tx1">
+            <a:lumMod val="85000"/>
+            <a:lumOff val="15000"/>
+          </a:schemeClr>
+        </a:solidFill>
+        <a:effectLst/>
+      </p:bgPr>
+    </p:bg>
+    <p:spTree>
+      <p:nvGrpSpPr>
+        <p:cNvPr id="1" name=""/>
+        <p:cNvGrpSpPr/>
+        <p:nvPr/>
+      </p:nvGrpSpPr>
+      <p:grpSpPr>
+        <a:xfrm>
+          <a:off x="0" y="0"/>
+          <a:ext cx="0" cy="0"/>
+          <a:chOff x="0" y="0"/>
+          <a:chExt cx="0" cy="0"/>
+        </a:xfrm>
+      </p:grpSpPr>
+      <p:sp>
+        <p:nvSpPr>
+          <p:cNvPr id="2" name="TextBox 1">
+            <a:extLst>
+              <a:ext uri="{FF2B5EF4-FFF2-40B4-BE49-F238E27FC236}">
+                <a16:creationId xmlns:a16="http://schemas.microsoft.com/office/drawing/2014/main" id="{0B332A50-CC0E-4C7E-B47E-E7CFBA7B423B}"/>
+              </a:ext>
+            </a:extLst>
+          </p:cNvPr>
+          <p:cNvSpPr txBox="1"/>
+          <p:nvPr/>
+        </p:nvSpPr>
+        <p:spPr>
+          <a:xfrm>
+            <a:off x="5601072" y="2397948"/>
+            <a:ext cx="3523913" cy="1569660"/>
+          </a:xfrm>
+          <a:prstGeom prst="rect">
+            <a:avLst/>
+          </a:prstGeom>
+          <a:noFill/>
+        </p:spPr>
+        <p:txBody>
+          <a:bodyPr wrap="none" rtlCol="0">
+            <a:spAutoFit/>
+          </a:bodyPr>
+          <a:lstStyle/>
+          <a:p>
+            <a:r>
+              <a:rPr lang="en-US" altLang="ko-KR" sz="3200" dirty="0">
+                <a:solidFill>
+                  <a:schemeClr val="accent6">
+                    <a:lumMod val="75000"/>
+                  </a:schemeClr>
+                </a:solidFill>
+                <a:latin typeface="나눔바른고딕" panose="020B0603020101020101" pitchFamily="50" charset="-127"/>
+                <a:ea typeface="나눔바른고딕" panose="020B0603020101020101" pitchFamily="50" charset="-127"/>
+              </a:rPr>
+              <a:t>def</a:t>
+            </a:r>
+            <a:r>
+              <a:rPr lang="en-US" altLang="ko-KR" sz="3200" dirty="0">
+                <a:solidFill>
+                  <a:schemeClr val="bg1"/>
+                </a:solidFill>
+                <a:latin typeface="나눔바른고딕" panose="020B0603020101020101" pitchFamily="50" charset="-127"/>
+                <a:ea typeface="나눔바른고딕" panose="020B0603020101020101" pitchFamily="50" charset="-127"/>
+              </a:rPr>
+              <a:t> sum </a:t>
+            </a:r>
+            <a:r>
+              <a:rPr lang="en-US" altLang="ko-KR" sz="3200" dirty="0">
+                <a:solidFill>
+                  <a:schemeClr val="accent6">
+                    <a:lumMod val="75000"/>
+                  </a:schemeClr>
+                </a:solidFill>
+                <a:latin typeface="나눔바른고딕" panose="020B0603020101020101" pitchFamily="50" charset="-127"/>
+                <a:ea typeface="나눔바른고딕" panose="020B0603020101020101" pitchFamily="50" charset="-127"/>
+              </a:rPr>
+              <a:t>(a, b):</a:t>
+            </a:r>
+          </a:p>
+          <a:p>
+            <a:r>
+              <a:rPr lang="en-US" altLang="ko-KR" sz="3200" dirty="0">
+                <a:solidFill>
+                  <a:schemeClr val="bg1"/>
+                </a:solidFill>
+                <a:latin typeface="나눔바른고딕" panose="020B0603020101020101" pitchFamily="50" charset="-127"/>
+                <a:ea typeface="나눔바른고딕" panose="020B0603020101020101" pitchFamily="50" charset="-127"/>
+              </a:rPr>
+              <a:t>	result = a + b</a:t>
+            </a:r>
+          </a:p>
+          <a:p>
+            <a:r>
+              <a:rPr lang="en-US" altLang="ko-KR" sz="3200" dirty="0">
+                <a:solidFill>
+                  <a:schemeClr val="bg1"/>
+                </a:solidFill>
+                <a:latin typeface="나눔바른고딕" panose="020B0603020101020101" pitchFamily="50" charset="-127"/>
+                <a:ea typeface="나눔바른고딕" panose="020B0603020101020101" pitchFamily="50" charset="-127"/>
+              </a:rPr>
+              <a:t>	</a:t>
+            </a:r>
+            <a:r>
+              <a:rPr lang="en-US" altLang="ko-KR" sz="3200" dirty="0">
+                <a:solidFill>
+                  <a:schemeClr val="accent6">
+                    <a:lumMod val="75000"/>
+                  </a:schemeClr>
+                </a:solidFill>
+                <a:latin typeface="나눔바른고딕" panose="020B0603020101020101" pitchFamily="50" charset="-127"/>
+                <a:ea typeface="나눔바른고딕" panose="020B0603020101020101" pitchFamily="50" charset="-127"/>
+              </a:rPr>
+              <a:t>return</a:t>
+            </a:r>
+            <a:r>
+              <a:rPr lang="en-US" altLang="ko-KR" sz="3200" dirty="0">
+                <a:solidFill>
+                  <a:schemeClr val="bg1"/>
+                </a:solidFill>
+                <a:latin typeface="나눔바른고딕" panose="020B0603020101020101" pitchFamily="50" charset="-127"/>
+                <a:ea typeface="나눔바른고딕" panose="020B0603020101020101" pitchFamily="50" charset="-127"/>
+              </a:rPr>
+              <a:t> result</a:t>
+            </a:r>
+          </a:p>
+        </p:txBody>
+      </p:sp>
+      <p:sp>
+        <p:nvSpPr>
+          <p:cNvPr id="3" name="TextBox 2">
+            <a:extLst>
+              <a:ext uri="{FF2B5EF4-FFF2-40B4-BE49-F238E27FC236}">
+                <a16:creationId xmlns:a16="http://schemas.microsoft.com/office/drawing/2014/main" id="{253AD2C7-6575-4676-BAF9-2A34836F93AB}"/>
+              </a:ext>
+            </a:extLst>
+          </p:cNvPr>
+          <p:cNvSpPr txBox="1"/>
+          <p:nvPr/>
+        </p:nvSpPr>
+        <p:spPr>
+          <a:xfrm>
+            <a:off x="488504" y="2397948"/>
+            <a:ext cx="4364999" cy="2062103"/>
+          </a:xfrm>
+          <a:prstGeom prst="rect">
+            <a:avLst/>
+          </a:prstGeom>
+          <a:noFill/>
+        </p:spPr>
+        <p:txBody>
+          <a:bodyPr wrap="square" rtlCol="0">
+            <a:spAutoFit/>
+          </a:bodyPr>
+          <a:lstStyle/>
+          <a:p>
+            <a:r>
+              <a:rPr lang="en-US" altLang="ko-KR" sz="3200" dirty="0">
+                <a:solidFill>
+                  <a:schemeClr val="accent6">
+                    <a:lumMod val="75000"/>
+                  </a:schemeClr>
+                </a:solidFill>
+                <a:latin typeface="나눔바른고딕" panose="020B0603020101020101" pitchFamily="50" charset="-127"/>
+                <a:ea typeface="나눔바른고딕" panose="020B0603020101020101" pitchFamily="50" charset="-127"/>
+              </a:rPr>
+              <a:t>def</a:t>
+            </a:r>
+            <a:r>
+              <a:rPr lang="ko-KR" altLang="en-US" sz="3200" dirty="0">
+                <a:solidFill>
+                  <a:schemeClr val="accent6">
+                    <a:lumMod val="75000"/>
+                  </a:schemeClr>
+                </a:solidFill>
+                <a:latin typeface="나눔바른고딕" panose="020B0603020101020101" pitchFamily="50" charset="-127"/>
+                <a:ea typeface="나눔바른고딕" panose="020B0603020101020101" pitchFamily="50" charset="-127"/>
+              </a:rPr>
+              <a:t> </a:t>
+            </a:r>
+            <a:r>
+              <a:rPr lang="ko-KR" altLang="en-US" sz="3200" dirty="0">
+                <a:solidFill>
+                  <a:schemeClr val="bg1"/>
+                </a:solidFill>
+                <a:latin typeface="나눔바른고딕" panose="020B0603020101020101" pitchFamily="50" charset="-127"/>
+                <a:ea typeface="나눔바른고딕" panose="020B0603020101020101" pitchFamily="50" charset="-127"/>
+              </a:rPr>
+              <a:t>함수이름</a:t>
+            </a:r>
+            <a:r>
+              <a:rPr lang="en-US" altLang="ko-KR" sz="3200" dirty="0">
+                <a:solidFill>
+                  <a:schemeClr val="accent6">
+                    <a:lumMod val="75000"/>
+                  </a:schemeClr>
+                </a:solidFill>
+                <a:latin typeface="나눔바른고딕" panose="020B0603020101020101" pitchFamily="50" charset="-127"/>
+                <a:ea typeface="나눔바른고딕" panose="020B0603020101020101" pitchFamily="50" charset="-127"/>
+              </a:rPr>
+              <a:t>(</a:t>
+            </a:r>
+            <a:r>
+              <a:rPr lang="ko-KR" altLang="en-US" sz="3200" dirty="0">
+                <a:solidFill>
+                  <a:schemeClr val="accent6">
+                    <a:lumMod val="75000"/>
+                  </a:schemeClr>
+                </a:solidFill>
+                <a:latin typeface="나눔바른고딕" panose="020B0603020101020101" pitchFamily="50" charset="-127"/>
+                <a:ea typeface="나눔바른고딕" panose="020B0603020101020101" pitchFamily="50" charset="-127"/>
+              </a:rPr>
+              <a:t>매개변수</a:t>
+            </a:r>
+            <a:r>
+              <a:rPr lang="en-US" altLang="ko-KR" sz="3200" dirty="0">
+                <a:solidFill>
+                  <a:schemeClr val="accent6">
+                    <a:lumMod val="75000"/>
+                  </a:schemeClr>
+                </a:solidFill>
+                <a:latin typeface="나눔바른고딕" panose="020B0603020101020101" pitchFamily="50" charset="-127"/>
+                <a:ea typeface="나눔바른고딕" panose="020B0603020101020101" pitchFamily="50" charset="-127"/>
+              </a:rPr>
+              <a:t>):</a:t>
+            </a:r>
+          </a:p>
+          <a:p>
+            <a:r>
+              <a:rPr lang="en-US" altLang="ko-KR" sz="3200" dirty="0">
+                <a:solidFill>
+                  <a:schemeClr val="accent6">
+                    <a:lumMod val="75000"/>
+                  </a:schemeClr>
+                </a:solidFill>
+                <a:latin typeface="나눔바른고딕" panose="020B0603020101020101" pitchFamily="50" charset="-127"/>
+                <a:ea typeface="나눔바른고딕" panose="020B0603020101020101" pitchFamily="50" charset="-127"/>
+              </a:rPr>
+              <a:t>	</a:t>
+            </a:r>
+            <a:r>
+              <a:rPr lang="ko-KR" altLang="en-US" sz="3200" dirty="0">
+                <a:solidFill>
+                  <a:schemeClr val="bg1"/>
+                </a:solidFill>
+                <a:latin typeface="나눔바른고딕" panose="020B0603020101020101" pitchFamily="50" charset="-127"/>
+                <a:ea typeface="나눔바른고딕" panose="020B0603020101020101" pitchFamily="50" charset="-127"/>
+              </a:rPr>
+              <a:t>명령블록</a:t>
+            </a:r>
+            <a:endParaRPr lang="en-US" altLang="ko-KR" sz="3200" dirty="0">
+              <a:solidFill>
+                <a:schemeClr val="bg1"/>
+              </a:solidFill>
+              <a:latin typeface="나눔바른고딕" panose="020B0603020101020101" pitchFamily="50" charset="-127"/>
+              <a:ea typeface="나눔바른고딕" panose="020B0603020101020101" pitchFamily="50" charset="-127"/>
+            </a:endParaRPr>
+          </a:p>
+          <a:p>
+            <a:r>
+              <a:rPr lang="en-US" altLang="ko-KR" sz="3200" dirty="0">
+                <a:solidFill>
+                  <a:schemeClr val="bg1"/>
+                </a:solidFill>
+                <a:latin typeface="나눔바른고딕" panose="020B0603020101020101" pitchFamily="50" charset="-127"/>
+                <a:ea typeface="나눔바른고딕" panose="020B0603020101020101" pitchFamily="50" charset="-127"/>
+              </a:rPr>
+              <a:t>	…</a:t>
+            </a:r>
+          </a:p>
+          <a:p>
+            <a:r>
+              <a:rPr lang="en-US" altLang="ko-KR" sz="3200" dirty="0">
+                <a:solidFill>
+                  <a:schemeClr val="bg1"/>
+                </a:solidFill>
+                <a:latin typeface="나눔바른고딕" panose="020B0603020101020101" pitchFamily="50" charset="-127"/>
+                <a:ea typeface="나눔바른고딕" panose="020B0603020101020101" pitchFamily="50" charset="-127"/>
+              </a:rPr>
+              <a:t>	</a:t>
+            </a:r>
+            <a:r>
+              <a:rPr lang="en-US" altLang="ko-KR" sz="3200" dirty="0">
+                <a:solidFill>
+                  <a:schemeClr val="accent6">
+                    <a:lumMod val="75000"/>
+                  </a:schemeClr>
+                </a:solidFill>
+                <a:latin typeface="나눔바른고딕" panose="020B0603020101020101" pitchFamily="50" charset="-127"/>
+                <a:ea typeface="나눔바른고딕" panose="020B0603020101020101" pitchFamily="50" charset="-127"/>
+              </a:rPr>
+              <a:t>return</a:t>
+            </a:r>
+            <a:r>
+              <a:rPr lang="ko-KR" altLang="en-US" sz="3200" dirty="0">
+                <a:solidFill>
+                  <a:schemeClr val="bg1"/>
+                </a:solidFill>
+                <a:latin typeface="나눔바른고딕" panose="020B0603020101020101" pitchFamily="50" charset="-127"/>
+                <a:ea typeface="나눔바른고딕" panose="020B0603020101020101" pitchFamily="50" charset="-127"/>
+              </a:rPr>
+              <a:t> </a:t>
+            </a:r>
+            <a:r>
+              <a:rPr lang="ko-KR" altLang="en-US" sz="3200" dirty="0" err="1">
+                <a:solidFill>
+                  <a:schemeClr val="bg1"/>
+                </a:solidFill>
+                <a:latin typeface="나눔바른고딕" panose="020B0603020101020101" pitchFamily="50" charset="-127"/>
+                <a:ea typeface="나눔바른고딕" panose="020B0603020101020101" pitchFamily="50" charset="-127"/>
+              </a:rPr>
+              <a:t>리턴값</a:t>
+            </a:r>
+            <a:endParaRPr lang="en-US" altLang="ko-KR" sz="3200" dirty="0">
+              <a:solidFill>
+                <a:schemeClr val="bg1"/>
+              </a:solidFill>
+              <a:latin typeface="나눔바른고딕" panose="020B0603020101020101" pitchFamily="50" charset="-127"/>
+              <a:ea typeface="나눔바른고딕" panose="020B0603020101020101" pitchFamily="50" charset="-127"/>
+            </a:endParaRPr>
+          </a:p>
+        </p:txBody>
+      </p:sp>
+    </p:spTree>
+    <p:extLst>
+      <p:ext uri="{BB962C8B-B14F-4D97-AF65-F5344CB8AC3E}">
+        <p14:creationId xmlns:p14="http://schemas.microsoft.com/office/powerpoint/2010/main" val="4181150682"/>
+      </p:ext>
+    </p:extLst>
+  </p:cSld>
+  <p:clrMapOvr>
+    <a:masterClrMapping/>
+  </p:clrMapOvr>
+  <mc:AlternateContent xmlns:mc="http://schemas.openxmlformats.org/markup-compatibility/2006" xmlns:p159="http://schemas.microsoft.com/office/powerpoint/2015/09/main">
+    <mc:Choice Requires="p159">
+      <p:transition xmlns:p14="http://schemas.microsoft.com/office/powerpoint/2010/main" spd="slow" p14:dur="2000">
+        <p159:morph option="byObject"/>
+      </p:transition>
+    </mc:Choice>
+    <mc:Fallback xmlns="">
+      <p:transition spd="slow">
+        <p:fade/>
+      </p:transition>
+    </mc:Fallback>
+  </mc:AlternateContent>
+</p:sld>
+</file>
+
 <file path=ppt/slides/slide9.xml><?xml version="1.0" encoding="utf-8"?>
 <p:sld xmlns:a="http://schemas.openxmlformats.org/drawingml/2006/main" xmlns:r="http://schemas.openxmlformats.org/officeDocument/2006/relationships" xmlns:p="http://schemas.openxmlformats.org/presentationml/2006/main">
   <p:cSld>
@@ -6551,7 +7665,7 @@
         </p:nvSpPr>
         <p:spPr>
           <a:xfrm>
-            <a:off x="1908747" y="2644170"/>
+            <a:off x="1908745" y="2644170"/>
             <a:ext cx="6088526" cy="830997"/>
           </a:xfrm>
           <a:prstGeom prst="rect">
@@ -6576,7 +7690,7 @@
                 <a:latin typeface="나눔바른고딕" panose="020B0603020101020101" pitchFamily="50" charset="-127"/>
                 <a:ea typeface="나눔바른고딕" panose="020B0603020101020101" pitchFamily="50" charset="-127"/>
               </a:rPr>
-              <a:t>3. </a:t>
+              <a:t>2. </a:t>
             </a:r>
             <a:r>
               <a:rPr lang="ko-KR" altLang="en-US" sz="4800" dirty="0">
@@ -6588,7 +7702,7 @@
                 <a:latin typeface="나눔바른고딕" panose="020B0603020101020101" pitchFamily="50" charset="-127"/>
                 <a:ea typeface="나눔바른고딕" panose="020B0603020101020101" pitchFamily="50" charset="-127"/>
               </a:rPr>
-              <a:t>매개변수가 없는 함수</a:t>
+              <a:t>함수를 사용하는 방법</a:t>
             </a:r>
             <a:endParaRPr lang="en-US" altLang="ko-KR" sz="4800" dirty="0">
               <a:solidFill>
@@ -6605,20 +7719,20 @@
     </p:spTree>
     <p:extLst>
       <p:ext uri="{BB962C8B-B14F-4D97-AF65-F5344CB8AC3E}">
-        <p14:creationId xmlns:p14="http://schemas.microsoft.com/office/powerpoint/2010/main" val="1253931382"/>
+        <p14:creationId xmlns:p14="http://schemas.microsoft.com/office/powerpoint/2010/main" val="3285767561"/>
       </p:ext>
     </p:extLst>
   </p:cSld>
   <p:clrMapOvr>
     <a:masterClrMapping/>
   </p:clrMapOvr>
-  <mc:AlternateContent xmlns:mc="http://schemas.openxmlformats.org/markup-compatibility/2006">
-    <mc:Choice xmlns:p159="http://schemas.microsoft.com/office/powerpoint/2015/09/main" Requires="p159">
+  <mc:AlternateContent xmlns:mc="http://schemas.openxmlformats.org/markup-compatibility/2006" xmlns:p159="http://schemas.microsoft.com/office/powerpoint/2015/09/main">
+    <mc:Choice Requires="p159">
       <p:transition xmlns:p14="http://schemas.microsoft.com/office/powerpoint/2010/main" spd="slow" p14:dur="2000">
         <p159:morph option="byObject"/>
       </p:transition>
     </mc:Choice>
-    <mc:Fallback>
+    <mc:Fallback xmlns="">
       <p:transition spd="slow">
         <p:fade/>
       </p:transition>

--- a/파이썬기초(PPT)/파이썬 기초 9강_함수.pptx
+++ b/파이썬기초(PPT)/파이썬 기초 9강_함수.pptx
@@ -29,7 +29,7 @@
     <p:sldId id="288" r:id="rId20"/>
     <p:sldId id="289" r:id="rId21"/>
   </p:sldIdLst>
-  <p:sldSz cx="9906000" cy="6858000" type="A4"/>
+  <p:sldSz cx="9144000" cy="6858000" type="screen4x3"/>
   <p:notesSz cx="10020300" cy="6888163"/>
   <p:defaultTextStyle>
     <a:defPPr>
@@ -134,7 +134,7 @@
             <a:srgbClr val="A4A3A4"/>
           </p15:clr>
         </p15:guide>
-        <p15:guide id="2" pos="3120" userDrawn="1">
+        <p15:guide id="2" pos="2880" userDrawn="1">
           <p15:clr>
             <a:srgbClr val="A4A3A4"/>
           </p15:clr>
@@ -325,8 +325,8 @@
         </p:nvSpPr>
         <p:spPr>
           <a:xfrm>
-            <a:off x="742951" y="2130451"/>
-            <a:ext cx="8420100" cy="1470025"/>
+            <a:off x="685801" y="2130452"/>
+            <a:ext cx="7772400" cy="1470025"/>
           </a:xfrm>
         </p:spPr>
         <p:txBody>
@@ -352,8 +352,8 @@
         </p:nvSpPr>
         <p:spPr>
           <a:xfrm>
-            <a:off x="1485900" y="3886201"/>
-            <a:ext cx="6934200" cy="1752600"/>
+            <a:off x="1371600" y="3886201"/>
+            <a:ext cx="6400800" cy="1752600"/>
           </a:xfrm>
         </p:spPr>
         <p:txBody>
@@ -369,7 +369,7 @@
                 </a:solidFill>
               </a:defRPr>
             </a:lvl1pPr>
-            <a:lvl2pPr marL="640247" indent="0" algn="ctr">
+            <a:lvl2pPr marL="591012" indent="0" algn="ctr">
               <a:buNone/>
               <a:defRPr>
                 <a:solidFill>
@@ -379,7 +379,7 @@
                 </a:solidFill>
               </a:defRPr>
             </a:lvl2pPr>
-            <a:lvl3pPr marL="1280496" indent="0" algn="ctr">
+            <a:lvl3pPr marL="1182026" indent="0" algn="ctr">
               <a:buNone/>
               <a:defRPr>
                 <a:solidFill>
@@ -389,7 +389,7 @@
                 </a:solidFill>
               </a:defRPr>
             </a:lvl3pPr>
-            <a:lvl4pPr marL="1920743" indent="0" algn="ctr">
+            <a:lvl4pPr marL="1773038" indent="0" algn="ctr">
               <a:buNone/>
               <a:defRPr>
                 <a:solidFill>
@@ -399,7 +399,7 @@
                 </a:solidFill>
               </a:defRPr>
             </a:lvl4pPr>
-            <a:lvl5pPr marL="2560989" indent="0" algn="ctr">
+            <a:lvl5pPr marL="2364049" indent="0" algn="ctr">
               <a:buNone/>
               <a:defRPr>
                 <a:solidFill>
@@ -409,7 +409,7 @@
                 </a:solidFill>
               </a:defRPr>
             </a:lvl5pPr>
-            <a:lvl6pPr marL="3201237" indent="0" algn="ctr">
+            <a:lvl6pPr marL="2955062" indent="0" algn="ctr">
               <a:buNone/>
               <a:defRPr>
                 <a:solidFill>
@@ -419,7 +419,7 @@
                 </a:solidFill>
               </a:defRPr>
             </a:lvl6pPr>
-            <a:lvl7pPr marL="3841482" indent="0" algn="ctr">
+            <a:lvl7pPr marL="3546072" indent="0" algn="ctr">
               <a:buNone/>
               <a:defRPr>
                 <a:solidFill>
@@ -429,7 +429,7 @@
                 </a:solidFill>
               </a:defRPr>
             </a:lvl7pPr>
-            <a:lvl8pPr marL="4481725" indent="0" algn="ctr">
+            <a:lvl8pPr marL="4137080" indent="0" algn="ctr">
               <a:buNone/>
               <a:defRPr>
                 <a:solidFill>
@@ -439,7 +439,7 @@
                 </a:solidFill>
               </a:defRPr>
             </a:lvl8pPr>
-            <a:lvl9pPr marL="5121977" indent="0" algn="ctr">
+            <a:lvl9pPr marL="4728097" indent="0" algn="ctr">
               <a:buNone/>
               <a:defRPr>
                 <a:solidFill>
@@ -475,7 +475,7 @@
           <a:p>
             <a:fld id="{FB30EDBD-1C2D-4C1E-B459-B60219FAB484}" type="datetimeFigureOut">
               <a:rPr lang="ko-KR" altLang="en-US" smtClean="0"/>
-              <a:t>2021-02-05</a:t>
+              <a:t>2021-02-08</a:t>
             </a:fld>
             <a:endParaRPr lang="ko-KR" altLang="en-US"/>
           </a:p>
@@ -638,7 +638,7 @@
           <a:p>
             <a:fld id="{FB30EDBD-1C2D-4C1E-B459-B60219FAB484}" type="datetimeFigureOut">
               <a:rPr lang="ko-KR" altLang="en-US" smtClean="0"/>
-              <a:t>2021-02-05</a:t>
+              <a:t>2021-02-08</a:t>
             </a:fld>
             <a:endParaRPr lang="ko-KR" altLang="en-US"/>
           </a:p>
@@ -723,8 +723,8 @@
         </p:nvSpPr>
         <p:spPr>
           <a:xfrm>
-            <a:off x="7181850" y="274653"/>
-            <a:ext cx="2228850" cy="5851525"/>
+            <a:off x="6629400" y="274654"/>
+            <a:ext cx="2057400" cy="5851525"/>
           </a:xfrm>
         </p:spPr>
         <p:txBody>
@@ -750,8 +750,8 @@
         </p:nvSpPr>
         <p:spPr>
           <a:xfrm>
-            <a:off x="495301" y="274653"/>
-            <a:ext cx="6521450" cy="5851525"/>
+            <a:off x="457201" y="274654"/>
+            <a:ext cx="6019800" cy="5851525"/>
           </a:xfrm>
         </p:spPr>
         <p:txBody>
@@ -811,7 +811,7 @@
           <a:p>
             <a:fld id="{FB30EDBD-1C2D-4C1E-B459-B60219FAB484}" type="datetimeFigureOut">
               <a:rPr lang="ko-KR" altLang="en-US" smtClean="0"/>
-              <a:t>2021-02-05</a:t>
+              <a:t>2021-02-08</a:t>
             </a:fld>
             <a:endParaRPr lang="ko-KR" altLang="en-US"/>
           </a:p>
@@ -974,7 +974,7 @@
           <a:p>
             <a:fld id="{FB30EDBD-1C2D-4C1E-B459-B60219FAB484}" type="datetimeFigureOut">
               <a:rPr lang="ko-KR" altLang="en-US" smtClean="0"/>
-              <a:t>2021-02-05</a:t>
+              <a:t>2021-02-08</a:t>
             </a:fld>
             <a:endParaRPr lang="ko-KR" altLang="en-US"/>
           </a:p>
@@ -1059,15 +1059,15 @@
         </p:nvSpPr>
         <p:spPr>
           <a:xfrm>
-            <a:off x="782508" y="4406915"/>
-            <a:ext cx="8420100" cy="1362076"/>
+            <a:off x="722315" y="4406915"/>
+            <a:ext cx="7772400" cy="1362076"/>
           </a:xfrm>
         </p:spPr>
         <p:txBody>
           <a:bodyPr anchor="t"/>
           <a:lstStyle>
             <a:lvl1pPr algn="l">
-              <a:defRPr sz="5601" b="1" cap="all"/>
+              <a:defRPr sz="5170" b="1" cap="all"/>
             </a:lvl1pPr>
           </a:lstStyle>
           <a:p>
@@ -1090,8 +1090,8 @@
         </p:nvSpPr>
         <p:spPr>
           <a:xfrm>
-            <a:off x="782508" y="2906714"/>
-            <a:ext cx="8420100" cy="1500187"/>
+            <a:off x="722315" y="2906715"/>
+            <a:ext cx="7772400" cy="1500187"/>
           </a:xfrm>
         </p:spPr>
         <p:txBody>
@@ -1099,7 +1099,7 @@
           <a:lstStyle>
             <a:lvl1pPr marL="0" indent="0">
               <a:buNone/>
-              <a:defRPr sz="2803">
+              <a:defRPr sz="2587">
                 <a:solidFill>
                   <a:schemeClr val="tx1">
                     <a:tint val="75000"/>
@@ -1107,9 +1107,9 @@
                 </a:solidFill>
               </a:defRPr>
             </a:lvl1pPr>
-            <a:lvl2pPr marL="640247" indent="0">
+            <a:lvl2pPr marL="591012" indent="0">
               <a:buNone/>
-              <a:defRPr sz="2520">
+              <a:defRPr sz="2326">
                 <a:solidFill>
                   <a:schemeClr val="tx1">
                     <a:tint val="75000"/>
@@ -1117,9 +1117,9 @@
                 </a:solidFill>
               </a:defRPr>
             </a:lvl2pPr>
-            <a:lvl3pPr marL="1280496" indent="0">
+            <a:lvl3pPr marL="1182026" indent="0">
               <a:buNone/>
-              <a:defRPr sz="2240">
+              <a:defRPr sz="2068">
                 <a:solidFill>
                   <a:schemeClr val="tx1">
                     <a:tint val="75000"/>
@@ -1127,9 +1127,9 @@
                 </a:solidFill>
               </a:defRPr>
             </a:lvl3pPr>
-            <a:lvl4pPr marL="1920743" indent="0">
+            <a:lvl4pPr marL="1773038" indent="0">
               <a:buNone/>
-              <a:defRPr sz="1960">
+              <a:defRPr sz="1809">
                 <a:solidFill>
                   <a:schemeClr val="tx1">
                     <a:tint val="75000"/>
@@ -1137,9 +1137,9 @@
                 </a:solidFill>
               </a:defRPr>
             </a:lvl4pPr>
-            <a:lvl5pPr marL="2560989" indent="0">
+            <a:lvl5pPr marL="2364049" indent="0">
               <a:buNone/>
-              <a:defRPr sz="1960">
+              <a:defRPr sz="1809">
                 <a:solidFill>
                   <a:schemeClr val="tx1">
                     <a:tint val="75000"/>
@@ -1147,9 +1147,9 @@
                 </a:solidFill>
               </a:defRPr>
             </a:lvl5pPr>
-            <a:lvl6pPr marL="3201237" indent="0">
+            <a:lvl6pPr marL="2955062" indent="0">
               <a:buNone/>
-              <a:defRPr sz="1960">
+              <a:defRPr sz="1809">
                 <a:solidFill>
                   <a:schemeClr val="tx1">
                     <a:tint val="75000"/>
@@ -1157,9 +1157,9 @@
                 </a:solidFill>
               </a:defRPr>
             </a:lvl6pPr>
-            <a:lvl7pPr marL="3841482" indent="0">
+            <a:lvl7pPr marL="3546072" indent="0">
               <a:buNone/>
-              <a:defRPr sz="1960">
+              <a:defRPr sz="1809">
                 <a:solidFill>
                   <a:schemeClr val="tx1">
                     <a:tint val="75000"/>
@@ -1167,9 +1167,9 @@
                 </a:solidFill>
               </a:defRPr>
             </a:lvl7pPr>
-            <a:lvl8pPr marL="4481725" indent="0">
+            <a:lvl8pPr marL="4137080" indent="0">
               <a:buNone/>
-              <a:defRPr sz="1960">
+              <a:defRPr sz="1809">
                 <a:solidFill>
                   <a:schemeClr val="tx1">
                     <a:tint val="75000"/>
@@ -1177,9 +1177,9 @@
                 </a:solidFill>
               </a:defRPr>
             </a:lvl8pPr>
-            <a:lvl9pPr marL="5121977" indent="0">
+            <a:lvl9pPr marL="4728097" indent="0">
               <a:buNone/>
-              <a:defRPr sz="1960">
+              <a:defRPr sz="1809">
                 <a:solidFill>
                   <a:schemeClr val="tx1">
                     <a:tint val="75000"/>
@@ -1214,7 +1214,7 @@
           <a:p>
             <a:fld id="{FB30EDBD-1C2D-4C1E-B459-B60219FAB484}" type="datetimeFigureOut">
               <a:rPr lang="ko-KR" altLang="en-US" smtClean="0"/>
-              <a:t>2021-02-05</a:t>
+              <a:t>2021-02-08</a:t>
             </a:fld>
             <a:endParaRPr lang="ko-KR" altLang="en-US"/>
           </a:p>
@@ -1321,39 +1321,39 @@
         </p:nvSpPr>
         <p:spPr>
           <a:xfrm>
-            <a:off x="495300" y="1600206"/>
-            <a:ext cx="4375150" cy="4525963"/>
+            <a:off x="457200" y="1600206"/>
+            <a:ext cx="4038600" cy="4525963"/>
           </a:xfrm>
         </p:spPr>
         <p:txBody>
           <a:bodyPr/>
           <a:lstStyle>
             <a:lvl1pPr>
-              <a:defRPr sz="3924"/>
+              <a:defRPr sz="3622"/>
             </a:lvl1pPr>
             <a:lvl2pPr>
-              <a:defRPr sz="3361"/>
+              <a:defRPr sz="3103"/>
             </a:lvl2pPr>
             <a:lvl3pPr>
-              <a:defRPr sz="2803"/>
+              <a:defRPr sz="2587"/>
             </a:lvl3pPr>
             <a:lvl4pPr>
-              <a:defRPr sz="2520"/>
+              <a:defRPr sz="2326"/>
             </a:lvl4pPr>
             <a:lvl5pPr>
-              <a:defRPr sz="2520"/>
+              <a:defRPr sz="2326"/>
             </a:lvl5pPr>
             <a:lvl6pPr>
-              <a:defRPr sz="2520"/>
+              <a:defRPr sz="2326"/>
             </a:lvl6pPr>
             <a:lvl7pPr>
-              <a:defRPr sz="2520"/>
+              <a:defRPr sz="2326"/>
             </a:lvl7pPr>
             <a:lvl8pPr>
-              <a:defRPr sz="2520"/>
+              <a:defRPr sz="2326"/>
             </a:lvl8pPr>
             <a:lvl9pPr>
-              <a:defRPr sz="2520"/>
+              <a:defRPr sz="2326"/>
             </a:lvl9pPr>
           </a:lstStyle>
           <a:p>
@@ -1405,39 +1405,39 @@
         </p:nvSpPr>
         <p:spPr>
           <a:xfrm>
-            <a:off x="5035550" y="1600206"/>
-            <a:ext cx="4375150" cy="4525963"/>
+            <a:off x="4648200" y="1600206"/>
+            <a:ext cx="4038600" cy="4525963"/>
           </a:xfrm>
         </p:spPr>
         <p:txBody>
           <a:bodyPr/>
           <a:lstStyle>
             <a:lvl1pPr>
-              <a:defRPr sz="3924"/>
+              <a:defRPr sz="3622"/>
             </a:lvl1pPr>
             <a:lvl2pPr>
-              <a:defRPr sz="3361"/>
+              <a:defRPr sz="3103"/>
             </a:lvl2pPr>
             <a:lvl3pPr>
-              <a:defRPr sz="2803"/>
+              <a:defRPr sz="2587"/>
             </a:lvl3pPr>
             <a:lvl4pPr>
-              <a:defRPr sz="2520"/>
+              <a:defRPr sz="2326"/>
             </a:lvl4pPr>
             <a:lvl5pPr>
-              <a:defRPr sz="2520"/>
+              <a:defRPr sz="2326"/>
             </a:lvl5pPr>
             <a:lvl6pPr>
-              <a:defRPr sz="2520"/>
+              <a:defRPr sz="2326"/>
             </a:lvl6pPr>
             <a:lvl7pPr>
-              <a:defRPr sz="2520"/>
+              <a:defRPr sz="2326"/>
             </a:lvl7pPr>
             <a:lvl8pPr>
-              <a:defRPr sz="2520"/>
+              <a:defRPr sz="2326"/>
             </a:lvl8pPr>
             <a:lvl9pPr>
-              <a:defRPr sz="2520"/>
+              <a:defRPr sz="2326"/>
             </a:lvl9pPr>
           </a:lstStyle>
           <a:p>
@@ -1494,7 +1494,7 @@
           <a:p>
             <a:fld id="{FB30EDBD-1C2D-4C1E-B459-B60219FAB484}" type="datetimeFigureOut">
               <a:rPr lang="ko-KR" altLang="en-US" smtClean="0"/>
-              <a:t>2021-02-05</a:t>
+              <a:t>2021-02-08</a:t>
             </a:fld>
             <a:endParaRPr lang="ko-KR" altLang="en-US"/>
           </a:p>
@@ -1605,8 +1605,8 @@
         </p:nvSpPr>
         <p:spPr>
           <a:xfrm>
-            <a:off x="495304" y="1535118"/>
-            <a:ext cx="4376870" cy="639763"/>
+            <a:off x="457204" y="1535119"/>
+            <a:ext cx="4040188" cy="639763"/>
           </a:xfrm>
         </p:spPr>
         <p:txBody>
@@ -1614,39 +1614,39 @@
           <a:lstStyle>
             <a:lvl1pPr marL="0" indent="0">
               <a:buNone/>
-              <a:defRPr sz="3361" b="1"/>
+              <a:defRPr sz="3103" b="1"/>
             </a:lvl1pPr>
-            <a:lvl2pPr marL="640247" indent="0">
+            <a:lvl2pPr marL="591012" indent="0">
               <a:buNone/>
-              <a:defRPr sz="2803" b="1"/>
+              <a:defRPr sz="2587" b="1"/>
             </a:lvl2pPr>
-            <a:lvl3pPr marL="1280496" indent="0">
+            <a:lvl3pPr marL="1182026" indent="0">
               <a:buNone/>
-              <a:defRPr sz="2520" b="1"/>
+              <a:defRPr sz="2326" b="1"/>
             </a:lvl3pPr>
-            <a:lvl4pPr marL="1920743" indent="0">
+            <a:lvl4pPr marL="1773038" indent="0">
               <a:buNone/>
-              <a:defRPr sz="2240" b="1"/>
+              <a:defRPr sz="2068" b="1"/>
             </a:lvl4pPr>
-            <a:lvl5pPr marL="2560989" indent="0">
+            <a:lvl5pPr marL="2364049" indent="0">
               <a:buNone/>
-              <a:defRPr sz="2240" b="1"/>
+              <a:defRPr sz="2068" b="1"/>
             </a:lvl5pPr>
-            <a:lvl6pPr marL="3201237" indent="0">
+            <a:lvl6pPr marL="2955062" indent="0">
               <a:buNone/>
-              <a:defRPr sz="2240" b="1"/>
+              <a:defRPr sz="2068" b="1"/>
             </a:lvl6pPr>
-            <a:lvl7pPr marL="3841482" indent="0">
+            <a:lvl7pPr marL="3546072" indent="0">
               <a:buNone/>
-              <a:defRPr sz="2240" b="1"/>
+              <a:defRPr sz="2068" b="1"/>
             </a:lvl7pPr>
-            <a:lvl8pPr marL="4481725" indent="0">
+            <a:lvl8pPr marL="4137080" indent="0">
               <a:buNone/>
-              <a:defRPr sz="2240" b="1"/>
+              <a:defRPr sz="2068" b="1"/>
             </a:lvl8pPr>
-            <a:lvl9pPr marL="5121977" indent="0">
+            <a:lvl9pPr marL="4728097" indent="0">
               <a:buNone/>
-              <a:defRPr sz="2240" b="1"/>
+              <a:defRPr sz="2068" b="1"/>
             </a:lvl9pPr>
           </a:lstStyle>
           <a:p>
@@ -1670,39 +1670,39 @@
         </p:nvSpPr>
         <p:spPr>
           <a:xfrm>
-            <a:off x="495304" y="2174875"/>
-            <a:ext cx="4376870" cy="3951288"/>
+            <a:off x="457204" y="2174875"/>
+            <a:ext cx="4040188" cy="3951288"/>
           </a:xfrm>
         </p:spPr>
         <p:txBody>
           <a:bodyPr/>
           <a:lstStyle>
             <a:lvl1pPr>
-              <a:defRPr sz="3361"/>
+              <a:defRPr sz="3103"/>
             </a:lvl1pPr>
             <a:lvl2pPr>
-              <a:defRPr sz="2803"/>
+              <a:defRPr sz="2587"/>
             </a:lvl2pPr>
             <a:lvl3pPr>
-              <a:defRPr sz="2520"/>
+              <a:defRPr sz="2326"/>
             </a:lvl3pPr>
             <a:lvl4pPr>
-              <a:defRPr sz="2240"/>
+              <a:defRPr sz="2068"/>
             </a:lvl4pPr>
             <a:lvl5pPr>
-              <a:defRPr sz="2240"/>
+              <a:defRPr sz="2068"/>
             </a:lvl5pPr>
             <a:lvl6pPr>
-              <a:defRPr sz="2240"/>
+              <a:defRPr sz="2068"/>
             </a:lvl6pPr>
             <a:lvl7pPr>
-              <a:defRPr sz="2240"/>
+              <a:defRPr sz="2068"/>
             </a:lvl7pPr>
             <a:lvl8pPr>
-              <a:defRPr sz="2240"/>
+              <a:defRPr sz="2068"/>
             </a:lvl8pPr>
             <a:lvl9pPr>
-              <a:defRPr sz="2240"/>
+              <a:defRPr sz="2068"/>
             </a:lvl9pPr>
           </a:lstStyle>
           <a:p>
@@ -1754,8 +1754,8 @@
         </p:nvSpPr>
         <p:spPr>
           <a:xfrm>
-            <a:off x="5032126" y="1535118"/>
-            <a:ext cx="4378590" cy="639763"/>
+            <a:off x="4645040" y="1535119"/>
+            <a:ext cx="4041775" cy="639763"/>
           </a:xfrm>
         </p:spPr>
         <p:txBody>
@@ -1763,39 +1763,39 @@
           <a:lstStyle>
             <a:lvl1pPr marL="0" indent="0">
               <a:buNone/>
-              <a:defRPr sz="3361" b="1"/>
+              <a:defRPr sz="3103" b="1"/>
             </a:lvl1pPr>
-            <a:lvl2pPr marL="640247" indent="0">
+            <a:lvl2pPr marL="591012" indent="0">
               <a:buNone/>
-              <a:defRPr sz="2803" b="1"/>
+              <a:defRPr sz="2587" b="1"/>
             </a:lvl2pPr>
-            <a:lvl3pPr marL="1280496" indent="0">
+            <a:lvl3pPr marL="1182026" indent="0">
               <a:buNone/>
-              <a:defRPr sz="2520" b="1"/>
+              <a:defRPr sz="2326" b="1"/>
             </a:lvl3pPr>
-            <a:lvl4pPr marL="1920743" indent="0">
+            <a:lvl4pPr marL="1773038" indent="0">
               <a:buNone/>
-              <a:defRPr sz="2240" b="1"/>
+              <a:defRPr sz="2068" b="1"/>
             </a:lvl4pPr>
-            <a:lvl5pPr marL="2560989" indent="0">
+            <a:lvl5pPr marL="2364049" indent="0">
               <a:buNone/>
-              <a:defRPr sz="2240" b="1"/>
+              <a:defRPr sz="2068" b="1"/>
             </a:lvl5pPr>
-            <a:lvl6pPr marL="3201237" indent="0">
+            <a:lvl6pPr marL="2955062" indent="0">
               <a:buNone/>
-              <a:defRPr sz="2240" b="1"/>
+              <a:defRPr sz="2068" b="1"/>
             </a:lvl6pPr>
-            <a:lvl7pPr marL="3841482" indent="0">
+            <a:lvl7pPr marL="3546072" indent="0">
               <a:buNone/>
-              <a:defRPr sz="2240" b="1"/>
+              <a:defRPr sz="2068" b="1"/>
             </a:lvl7pPr>
-            <a:lvl8pPr marL="4481725" indent="0">
+            <a:lvl8pPr marL="4137080" indent="0">
               <a:buNone/>
-              <a:defRPr sz="2240" b="1"/>
+              <a:defRPr sz="2068" b="1"/>
             </a:lvl8pPr>
-            <a:lvl9pPr marL="5121977" indent="0">
+            <a:lvl9pPr marL="4728097" indent="0">
               <a:buNone/>
-              <a:defRPr sz="2240" b="1"/>
+              <a:defRPr sz="2068" b="1"/>
             </a:lvl9pPr>
           </a:lstStyle>
           <a:p>
@@ -1819,39 +1819,39 @@
         </p:nvSpPr>
         <p:spPr>
           <a:xfrm>
-            <a:off x="5032126" y="2174875"/>
-            <a:ext cx="4378590" cy="3951288"/>
+            <a:off x="4645040" y="2174875"/>
+            <a:ext cx="4041775" cy="3951288"/>
           </a:xfrm>
         </p:spPr>
         <p:txBody>
           <a:bodyPr/>
           <a:lstStyle>
             <a:lvl1pPr>
-              <a:defRPr sz="3361"/>
+              <a:defRPr sz="3103"/>
             </a:lvl1pPr>
             <a:lvl2pPr>
-              <a:defRPr sz="2803"/>
+              <a:defRPr sz="2587"/>
             </a:lvl2pPr>
             <a:lvl3pPr>
-              <a:defRPr sz="2520"/>
+              <a:defRPr sz="2326"/>
             </a:lvl3pPr>
             <a:lvl4pPr>
-              <a:defRPr sz="2240"/>
+              <a:defRPr sz="2068"/>
             </a:lvl4pPr>
             <a:lvl5pPr>
-              <a:defRPr sz="2240"/>
+              <a:defRPr sz="2068"/>
             </a:lvl5pPr>
             <a:lvl6pPr>
-              <a:defRPr sz="2240"/>
+              <a:defRPr sz="2068"/>
             </a:lvl6pPr>
             <a:lvl7pPr>
-              <a:defRPr sz="2240"/>
+              <a:defRPr sz="2068"/>
             </a:lvl7pPr>
             <a:lvl8pPr>
-              <a:defRPr sz="2240"/>
+              <a:defRPr sz="2068"/>
             </a:lvl8pPr>
             <a:lvl9pPr>
-              <a:defRPr sz="2240"/>
+              <a:defRPr sz="2068"/>
             </a:lvl9pPr>
           </a:lstStyle>
           <a:p>
@@ -1908,7 +1908,7 @@
           <a:p>
             <a:fld id="{FB30EDBD-1C2D-4C1E-B459-B60219FAB484}" type="datetimeFigureOut">
               <a:rPr lang="ko-KR" altLang="en-US" smtClean="0"/>
-              <a:t>2021-02-05</a:t>
+              <a:t>2021-02-08</a:t>
             </a:fld>
             <a:endParaRPr lang="ko-KR" altLang="en-US"/>
           </a:p>
@@ -2020,7 +2020,7 @@
           <a:p>
             <a:fld id="{FB30EDBD-1C2D-4C1E-B459-B60219FAB484}" type="datetimeFigureOut">
               <a:rPr lang="ko-KR" altLang="en-US" smtClean="0"/>
-              <a:t>2021-02-05</a:t>
+              <a:t>2021-02-08</a:t>
             </a:fld>
             <a:endParaRPr lang="ko-KR" altLang="en-US"/>
           </a:p>
@@ -2110,7 +2110,7 @@
           <a:p>
             <a:fld id="{FB30EDBD-1C2D-4C1E-B459-B60219FAB484}" type="datetimeFigureOut">
               <a:rPr lang="ko-KR" altLang="en-US" smtClean="0"/>
-              <a:t>2021-02-05</a:t>
+              <a:t>2021-02-08</a:t>
             </a:fld>
             <a:endParaRPr lang="ko-KR" altLang="en-US"/>
           </a:p>
@@ -2195,15 +2195,15 @@
         </p:nvSpPr>
         <p:spPr>
           <a:xfrm>
-            <a:off x="495312" y="273060"/>
-            <a:ext cx="3259006" cy="1162051"/>
+            <a:off x="457211" y="273061"/>
+            <a:ext cx="3008313" cy="1162051"/>
           </a:xfrm>
         </p:spPr>
         <p:txBody>
           <a:bodyPr anchor="b"/>
           <a:lstStyle>
             <a:lvl1pPr algn="l">
-              <a:defRPr sz="2803" b="1"/>
+              <a:defRPr sz="2587" b="1"/>
             </a:lvl1pPr>
           </a:lstStyle>
           <a:p>
@@ -2226,39 +2226,39 @@
         </p:nvSpPr>
         <p:spPr>
           <a:xfrm>
-            <a:off x="3872983" y="273071"/>
-            <a:ext cx="5537730" cy="5853113"/>
+            <a:off x="3575061" y="273072"/>
+            <a:ext cx="5111751" cy="5853113"/>
           </a:xfrm>
         </p:spPr>
         <p:txBody>
           <a:bodyPr/>
           <a:lstStyle>
             <a:lvl1pPr>
-              <a:defRPr sz="4481"/>
+              <a:defRPr sz="4136"/>
             </a:lvl1pPr>
             <a:lvl2pPr>
-              <a:defRPr sz="3924"/>
+              <a:defRPr sz="3622"/>
             </a:lvl2pPr>
             <a:lvl3pPr>
-              <a:defRPr sz="3361"/>
+              <a:defRPr sz="3103"/>
             </a:lvl3pPr>
             <a:lvl4pPr>
-              <a:defRPr sz="2803"/>
+              <a:defRPr sz="2587"/>
             </a:lvl4pPr>
             <a:lvl5pPr>
-              <a:defRPr sz="2803"/>
+              <a:defRPr sz="2587"/>
             </a:lvl5pPr>
             <a:lvl6pPr>
-              <a:defRPr sz="2803"/>
+              <a:defRPr sz="2587"/>
             </a:lvl6pPr>
             <a:lvl7pPr>
-              <a:defRPr sz="2803"/>
+              <a:defRPr sz="2587"/>
             </a:lvl7pPr>
             <a:lvl8pPr>
-              <a:defRPr sz="2803"/>
+              <a:defRPr sz="2587"/>
             </a:lvl8pPr>
             <a:lvl9pPr>
-              <a:defRPr sz="2803"/>
+              <a:defRPr sz="2587"/>
             </a:lvl9pPr>
           </a:lstStyle>
           <a:p>
@@ -2310,8 +2310,8 @@
         </p:nvSpPr>
         <p:spPr>
           <a:xfrm>
-            <a:off x="495312" y="1435121"/>
-            <a:ext cx="3259006" cy="4691063"/>
+            <a:off x="457211" y="1435122"/>
+            <a:ext cx="3008313" cy="4691063"/>
           </a:xfrm>
         </p:spPr>
         <p:txBody>
@@ -2319,39 +2319,39 @@
           <a:lstStyle>
             <a:lvl1pPr marL="0" indent="0">
               <a:buNone/>
-              <a:defRPr sz="1960"/>
+              <a:defRPr sz="1809"/>
             </a:lvl1pPr>
-            <a:lvl2pPr marL="640247" indent="0">
+            <a:lvl2pPr marL="591012" indent="0">
               <a:buNone/>
-              <a:defRPr sz="1681"/>
+              <a:defRPr sz="1552"/>
             </a:lvl2pPr>
-            <a:lvl3pPr marL="1280496" indent="0">
+            <a:lvl3pPr marL="1182026" indent="0">
               <a:buNone/>
-              <a:defRPr sz="1400"/>
+              <a:defRPr sz="1292"/>
             </a:lvl3pPr>
-            <a:lvl4pPr marL="1920743" indent="0">
+            <a:lvl4pPr marL="1773038" indent="0">
               <a:buNone/>
-              <a:defRPr sz="1263"/>
+              <a:defRPr sz="1166"/>
             </a:lvl4pPr>
-            <a:lvl5pPr marL="2560989" indent="0">
+            <a:lvl5pPr marL="2364049" indent="0">
               <a:buNone/>
-              <a:defRPr sz="1263"/>
+              <a:defRPr sz="1166"/>
             </a:lvl5pPr>
-            <a:lvl6pPr marL="3201237" indent="0">
+            <a:lvl6pPr marL="2955062" indent="0">
               <a:buNone/>
-              <a:defRPr sz="1263"/>
+              <a:defRPr sz="1166"/>
             </a:lvl6pPr>
-            <a:lvl7pPr marL="3841482" indent="0">
+            <a:lvl7pPr marL="3546072" indent="0">
               <a:buNone/>
-              <a:defRPr sz="1263"/>
+              <a:defRPr sz="1166"/>
             </a:lvl7pPr>
-            <a:lvl8pPr marL="4481725" indent="0">
+            <a:lvl8pPr marL="4137080" indent="0">
               <a:buNone/>
-              <a:defRPr sz="1263"/>
+              <a:defRPr sz="1166"/>
             </a:lvl8pPr>
-            <a:lvl9pPr marL="5121977" indent="0">
+            <a:lvl9pPr marL="4728097" indent="0">
               <a:buNone/>
-              <a:defRPr sz="1263"/>
+              <a:defRPr sz="1166"/>
             </a:lvl9pPr>
           </a:lstStyle>
           <a:p>
@@ -2380,7 +2380,7 @@
           <a:p>
             <a:fld id="{FB30EDBD-1C2D-4C1E-B459-B60219FAB484}" type="datetimeFigureOut">
               <a:rPr lang="ko-KR" altLang="en-US" smtClean="0"/>
-              <a:t>2021-02-05</a:t>
+              <a:t>2021-02-08</a:t>
             </a:fld>
             <a:endParaRPr lang="ko-KR" altLang="en-US"/>
           </a:p>
@@ -2465,15 +2465,15 @@
         </p:nvSpPr>
         <p:spPr>
           <a:xfrm>
-            <a:off x="1941647" y="4800602"/>
-            <a:ext cx="5943600" cy="566738"/>
+            <a:off x="1792290" y="4800602"/>
+            <a:ext cx="5486400" cy="566738"/>
           </a:xfrm>
         </p:spPr>
         <p:txBody>
           <a:bodyPr anchor="b"/>
           <a:lstStyle>
             <a:lvl1pPr algn="l">
-              <a:defRPr sz="2803" b="1"/>
+              <a:defRPr sz="2587" b="1"/>
             </a:lvl1pPr>
           </a:lstStyle>
           <a:p>
@@ -2496,8 +2496,8 @@
         </p:nvSpPr>
         <p:spPr>
           <a:xfrm>
-            <a:off x="1941647" y="612775"/>
-            <a:ext cx="5943600" cy="4114800"/>
+            <a:off x="1792290" y="612775"/>
+            <a:ext cx="5486400" cy="4114800"/>
           </a:xfrm>
         </p:spPr>
         <p:txBody>
@@ -2505,39 +2505,39 @@
           <a:lstStyle>
             <a:lvl1pPr marL="0" indent="0">
               <a:buNone/>
-              <a:defRPr sz="4481"/>
+              <a:defRPr sz="4136"/>
             </a:lvl1pPr>
-            <a:lvl2pPr marL="640247" indent="0">
+            <a:lvl2pPr marL="591012" indent="0">
               <a:buNone/>
-              <a:defRPr sz="3924"/>
+              <a:defRPr sz="3622"/>
             </a:lvl2pPr>
-            <a:lvl3pPr marL="1280496" indent="0">
+            <a:lvl3pPr marL="1182026" indent="0">
               <a:buNone/>
-              <a:defRPr sz="3361"/>
+              <a:defRPr sz="3103"/>
             </a:lvl3pPr>
-            <a:lvl4pPr marL="1920743" indent="0">
+            <a:lvl4pPr marL="1773038" indent="0">
               <a:buNone/>
-              <a:defRPr sz="2803"/>
+              <a:defRPr sz="2587"/>
             </a:lvl4pPr>
-            <a:lvl5pPr marL="2560989" indent="0">
+            <a:lvl5pPr marL="2364049" indent="0">
               <a:buNone/>
-              <a:defRPr sz="2803"/>
+              <a:defRPr sz="2587"/>
             </a:lvl5pPr>
-            <a:lvl6pPr marL="3201237" indent="0">
+            <a:lvl6pPr marL="2955062" indent="0">
               <a:buNone/>
-              <a:defRPr sz="2803"/>
+              <a:defRPr sz="2587"/>
             </a:lvl6pPr>
-            <a:lvl7pPr marL="3841482" indent="0">
+            <a:lvl7pPr marL="3546072" indent="0">
               <a:buNone/>
-              <a:defRPr sz="2803"/>
+              <a:defRPr sz="2587"/>
             </a:lvl7pPr>
-            <a:lvl8pPr marL="4481725" indent="0">
+            <a:lvl8pPr marL="4137080" indent="0">
               <a:buNone/>
-              <a:defRPr sz="2803"/>
+              <a:defRPr sz="2587"/>
             </a:lvl8pPr>
-            <a:lvl9pPr marL="5121977" indent="0">
+            <a:lvl9pPr marL="4728097" indent="0">
               <a:buNone/>
-              <a:defRPr sz="2803"/>
+              <a:defRPr sz="2587"/>
             </a:lvl9pPr>
           </a:lstStyle>
           <a:p>
@@ -2557,8 +2557,8 @@
         </p:nvSpPr>
         <p:spPr>
           <a:xfrm>
-            <a:off x="1941647" y="5367338"/>
-            <a:ext cx="5943600" cy="804862"/>
+            <a:off x="1792290" y="5367338"/>
+            <a:ext cx="5486400" cy="804862"/>
           </a:xfrm>
         </p:spPr>
         <p:txBody>
@@ -2566,39 +2566,39 @@
           <a:lstStyle>
             <a:lvl1pPr marL="0" indent="0">
               <a:buNone/>
-              <a:defRPr sz="1960"/>
+              <a:defRPr sz="1809"/>
             </a:lvl1pPr>
-            <a:lvl2pPr marL="640247" indent="0">
+            <a:lvl2pPr marL="591012" indent="0">
               <a:buNone/>
-              <a:defRPr sz="1681"/>
+              <a:defRPr sz="1552"/>
             </a:lvl2pPr>
-            <a:lvl3pPr marL="1280496" indent="0">
+            <a:lvl3pPr marL="1182026" indent="0">
               <a:buNone/>
-              <a:defRPr sz="1400"/>
+              <a:defRPr sz="1292"/>
             </a:lvl3pPr>
-            <a:lvl4pPr marL="1920743" indent="0">
+            <a:lvl4pPr marL="1773038" indent="0">
               <a:buNone/>
-              <a:defRPr sz="1263"/>
+              <a:defRPr sz="1166"/>
             </a:lvl4pPr>
-            <a:lvl5pPr marL="2560989" indent="0">
+            <a:lvl5pPr marL="2364049" indent="0">
               <a:buNone/>
-              <a:defRPr sz="1263"/>
+              <a:defRPr sz="1166"/>
             </a:lvl5pPr>
-            <a:lvl6pPr marL="3201237" indent="0">
+            <a:lvl6pPr marL="2955062" indent="0">
               <a:buNone/>
-              <a:defRPr sz="1263"/>
+              <a:defRPr sz="1166"/>
             </a:lvl6pPr>
-            <a:lvl7pPr marL="3841482" indent="0">
+            <a:lvl7pPr marL="3546072" indent="0">
               <a:buNone/>
-              <a:defRPr sz="1263"/>
+              <a:defRPr sz="1166"/>
             </a:lvl7pPr>
-            <a:lvl8pPr marL="4481725" indent="0">
+            <a:lvl8pPr marL="4137080" indent="0">
               <a:buNone/>
-              <a:defRPr sz="1263"/>
+              <a:defRPr sz="1166"/>
             </a:lvl8pPr>
-            <a:lvl9pPr marL="5121977" indent="0">
+            <a:lvl9pPr marL="4728097" indent="0">
               <a:buNone/>
-              <a:defRPr sz="1263"/>
+              <a:defRPr sz="1166"/>
             </a:lvl9pPr>
           </a:lstStyle>
           <a:p>
@@ -2627,7 +2627,7 @@
           <a:p>
             <a:fld id="{FB30EDBD-1C2D-4C1E-B459-B60219FAB484}" type="datetimeFigureOut">
               <a:rPr lang="ko-KR" altLang="en-US" smtClean="0"/>
-              <a:t>2021-02-05</a:t>
+              <a:t>2021-02-08</a:t>
             </a:fld>
             <a:endParaRPr lang="ko-KR" altLang="en-US"/>
           </a:p>
@@ -2717,8 +2717,8 @@
         </p:nvSpPr>
         <p:spPr>
           <a:xfrm>
-            <a:off x="495301" y="274639"/>
-            <a:ext cx="8915400" cy="1143000"/>
+            <a:off x="457201" y="274639"/>
+            <a:ext cx="8229600" cy="1143000"/>
           </a:xfrm>
           <a:prstGeom prst="rect">
             <a:avLst/>
@@ -2749,8 +2749,8 @@
         </p:nvSpPr>
         <p:spPr>
           <a:xfrm>
-            <a:off x="495301" y="1600206"/>
-            <a:ext cx="8915400" cy="4525963"/>
+            <a:off x="457201" y="1600206"/>
+            <a:ext cx="8229600" cy="4525963"/>
           </a:xfrm>
           <a:prstGeom prst="rect">
             <a:avLst/>
@@ -2810,8 +2810,8 @@
         </p:nvSpPr>
         <p:spPr>
           <a:xfrm>
-            <a:off x="495300" y="6356366"/>
-            <a:ext cx="2311400" cy="365125"/>
+            <a:off x="457200" y="6356367"/>
+            <a:ext cx="2133600" cy="365125"/>
           </a:xfrm>
           <a:prstGeom prst="rect">
             <a:avLst/>
@@ -2821,7 +2821,7 @@
           <a:bodyPr vert="horz" lIns="91440" tIns="45720" rIns="91440" bIns="45720" rtlCol="0" anchor="ctr"/>
           <a:lstStyle>
             <a:lvl1pPr algn="l">
-              <a:defRPr sz="1681">
+              <a:defRPr sz="1552">
                 <a:solidFill>
                   <a:schemeClr val="tx1">
                     <a:tint val="75000"/>
@@ -2833,7 +2833,7 @@
           <a:p>
             <a:fld id="{FB30EDBD-1C2D-4C1E-B459-B60219FAB484}" type="datetimeFigureOut">
               <a:rPr lang="ko-KR" altLang="en-US" smtClean="0"/>
-              <a:t>2021-02-05</a:t>
+              <a:t>2021-02-08</a:t>
             </a:fld>
             <a:endParaRPr lang="ko-KR" altLang="en-US"/>
           </a:p>
@@ -2851,8 +2851,8 @@
         </p:nvSpPr>
         <p:spPr>
           <a:xfrm>
-            <a:off x="3384551" y="6356366"/>
-            <a:ext cx="3136900" cy="365125"/>
+            <a:off x="3124201" y="6356367"/>
+            <a:ext cx="2895600" cy="365125"/>
           </a:xfrm>
           <a:prstGeom prst="rect">
             <a:avLst/>
@@ -2862,7 +2862,7 @@
           <a:bodyPr vert="horz" lIns="91440" tIns="45720" rIns="91440" bIns="45720" rtlCol="0" anchor="ctr"/>
           <a:lstStyle>
             <a:lvl1pPr algn="ctr">
-              <a:defRPr sz="1681">
+              <a:defRPr sz="1552">
                 <a:solidFill>
                   <a:schemeClr val="tx1">
                     <a:tint val="75000"/>
@@ -2888,8 +2888,8 @@
         </p:nvSpPr>
         <p:spPr>
           <a:xfrm>
-            <a:off x="7099300" y="6356366"/>
-            <a:ext cx="2311400" cy="365125"/>
+            <a:off x="6553200" y="6356367"/>
+            <a:ext cx="2133600" cy="365125"/>
           </a:xfrm>
           <a:prstGeom prst="rect">
             <a:avLst/>
@@ -2899,7 +2899,7 @@
           <a:bodyPr vert="horz" lIns="91440" tIns="45720" rIns="91440" bIns="45720" rtlCol="0" anchor="ctr"/>
           <a:lstStyle>
             <a:lvl1pPr algn="r">
-              <a:defRPr sz="1681">
+              <a:defRPr sz="1552">
                 <a:solidFill>
                   <a:schemeClr val="tx1">
                     <a:tint val="75000"/>
@@ -2935,12 +2935,12 @@
   </p:sldLayoutIdLst>
   <p:txStyles>
     <p:titleStyle>
-      <a:lvl1pPr algn="ctr" defTabSz="1280496" rtl="0" eaLnBrk="1" latinLnBrk="1" hangingPunct="1">
+      <a:lvl1pPr algn="ctr" defTabSz="1182026" rtl="0" eaLnBrk="1" latinLnBrk="1" hangingPunct="1">
         <a:spcBef>
           <a:spcPct val="0"/>
         </a:spcBef>
         <a:buNone/>
-        <a:defRPr sz="6161" kern="1200">
+        <a:defRPr sz="5687" kern="1200">
           <a:solidFill>
             <a:schemeClr val="tx1"/>
           </a:solidFill>
@@ -2951,13 +2951,13 @@
       </a:lvl1pPr>
     </p:titleStyle>
     <p:bodyStyle>
-      <a:lvl1pPr marL="480190" indent="-480190" algn="l" defTabSz="1280496" rtl="0" eaLnBrk="1" latinLnBrk="1" hangingPunct="1">
+      <a:lvl1pPr marL="443263" indent="-443263" algn="l" defTabSz="1182026" rtl="0" eaLnBrk="1" latinLnBrk="1" hangingPunct="1">
         <a:spcBef>
           <a:spcPct val="20000"/>
         </a:spcBef>
         <a:buFont typeface="Arial" pitchFamily="34" charset="0"/>
         <a:buChar char="•"/>
-        <a:defRPr sz="4481" kern="1200">
+        <a:defRPr sz="4136" kern="1200">
           <a:solidFill>
             <a:schemeClr val="tx1"/>
           </a:solidFill>
@@ -2966,13 +2966,13 @@
           <a:cs typeface="+mn-cs"/>
         </a:defRPr>
       </a:lvl1pPr>
-      <a:lvl2pPr marL="1040402" indent="-400156" algn="l" defTabSz="1280496" rtl="0" eaLnBrk="1" latinLnBrk="1" hangingPunct="1">
+      <a:lvl2pPr marL="960395" indent="-369384" algn="l" defTabSz="1182026" rtl="0" eaLnBrk="1" latinLnBrk="1" hangingPunct="1">
         <a:spcBef>
           <a:spcPct val="20000"/>
         </a:spcBef>
         <a:buFont typeface="Arial" pitchFamily="34" charset="0"/>
         <a:buChar char="–"/>
-        <a:defRPr sz="3924" kern="1200">
+        <a:defRPr sz="3622" kern="1200">
           <a:solidFill>
             <a:schemeClr val="tx1"/>
           </a:solidFill>
@@ -2981,13 +2981,13 @@
           <a:cs typeface="+mn-cs"/>
         </a:defRPr>
       </a:lvl2pPr>
-      <a:lvl3pPr marL="1600614" indent="-320124" algn="l" defTabSz="1280496" rtl="0" eaLnBrk="1" latinLnBrk="1" hangingPunct="1">
+      <a:lvl3pPr marL="1477527" indent="-295506" algn="l" defTabSz="1182026" rtl="0" eaLnBrk="1" latinLnBrk="1" hangingPunct="1">
         <a:spcBef>
           <a:spcPct val="20000"/>
         </a:spcBef>
         <a:buFont typeface="Arial" pitchFamily="34" charset="0"/>
         <a:buChar char="•"/>
-        <a:defRPr sz="3361" kern="1200">
+        <a:defRPr sz="3103" kern="1200">
           <a:solidFill>
             <a:schemeClr val="tx1"/>
           </a:solidFill>
@@ -2996,13 +2996,13 @@
           <a:cs typeface="+mn-cs"/>
         </a:defRPr>
       </a:lvl3pPr>
-      <a:lvl4pPr marL="2240864" indent="-320124" algn="l" defTabSz="1280496" rtl="0" eaLnBrk="1" latinLnBrk="1" hangingPunct="1">
+      <a:lvl4pPr marL="2068542" indent="-295506" algn="l" defTabSz="1182026" rtl="0" eaLnBrk="1" latinLnBrk="1" hangingPunct="1">
         <a:spcBef>
           <a:spcPct val="20000"/>
         </a:spcBef>
         <a:buFont typeface="Arial" pitchFamily="34" charset="0"/>
         <a:buChar char="–"/>
-        <a:defRPr sz="2803" kern="1200">
+        <a:defRPr sz="2587" kern="1200">
           <a:solidFill>
             <a:schemeClr val="tx1"/>
           </a:solidFill>
@@ -3011,13 +3011,13 @@
           <a:cs typeface="+mn-cs"/>
         </a:defRPr>
       </a:lvl4pPr>
-      <a:lvl5pPr marL="2881109" indent="-320124" algn="l" defTabSz="1280496" rtl="0" eaLnBrk="1" latinLnBrk="1" hangingPunct="1">
+      <a:lvl5pPr marL="2659552" indent="-295506" algn="l" defTabSz="1182026" rtl="0" eaLnBrk="1" latinLnBrk="1" hangingPunct="1">
         <a:spcBef>
           <a:spcPct val="20000"/>
         </a:spcBef>
         <a:buFont typeface="Arial" pitchFamily="34" charset="0"/>
         <a:buChar char="»"/>
-        <a:defRPr sz="2803" kern="1200">
+        <a:defRPr sz="2587" kern="1200">
           <a:solidFill>
             <a:schemeClr val="tx1"/>
           </a:solidFill>
@@ -3026,13 +3026,13 @@
           <a:cs typeface="+mn-cs"/>
         </a:defRPr>
       </a:lvl5pPr>
-      <a:lvl6pPr marL="3521357" indent="-320124" algn="l" defTabSz="1280496" rtl="0" eaLnBrk="1" latinLnBrk="1" hangingPunct="1">
+      <a:lvl6pPr marL="3250565" indent="-295506" algn="l" defTabSz="1182026" rtl="0" eaLnBrk="1" latinLnBrk="1" hangingPunct="1">
         <a:spcBef>
           <a:spcPct val="20000"/>
         </a:spcBef>
         <a:buFont typeface="Arial" pitchFamily="34" charset="0"/>
         <a:buChar char="•"/>
-        <a:defRPr sz="2803" kern="1200">
+        <a:defRPr sz="2587" kern="1200">
           <a:solidFill>
             <a:schemeClr val="tx1"/>
           </a:solidFill>
@@ -3041,13 +3041,13 @@
           <a:cs typeface="+mn-cs"/>
         </a:defRPr>
       </a:lvl6pPr>
-      <a:lvl7pPr marL="4161605" indent="-320124" algn="l" defTabSz="1280496" rtl="0" eaLnBrk="1" latinLnBrk="1" hangingPunct="1">
+      <a:lvl7pPr marL="3841578" indent="-295506" algn="l" defTabSz="1182026" rtl="0" eaLnBrk="1" latinLnBrk="1" hangingPunct="1">
         <a:spcBef>
           <a:spcPct val="20000"/>
         </a:spcBef>
         <a:buFont typeface="Arial" pitchFamily="34" charset="0"/>
         <a:buChar char="•"/>
-        <a:defRPr sz="2803" kern="1200">
+        <a:defRPr sz="2587" kern="1200">
           <a:solidFill>
             <a:schemeClr val="tx1"/>
           </a:solidFill>
@@ -3056,13 +3056,13 @@
           <a:cs typeface="+mn-cs"/>
         </a:defRPr>
       </a:lvl7pPr>
-      <a:lvl8pPr marL="4801850" indent="-320124" algn="l" defTabSz="1280496" rtl="0" eaLnBrk="1" latinLnBrk="1" hangingPunct="1">
+      <a:lvl8pPr marL="4432588" indent="-295506" algn="l" defTabSz="1182026" rtl="0" eaLnBrk="1" latinLnBrk="1" hangingPunct="1">
         <a:spcBef>
           <a:spcPct val="20000"/>
         </a:spcBef>
         <a:buFont typeface="Arial" pitchFamily="34" charset="0"/>
         <a:buChar char="•"/>
-        <a:defRPr sz="2803" kern="1200">
+        <a:defRPr sz="2587" kern="1200">
           <a:solidFill>
             <a:schemeClr val="tx1"/>
           </a:solidFill>
@@ -3071,13 +3071,13 @@
           <a:cs typeface="+mn-cs"/>
         </a:defRPr>
       </a:lvl8pPr>
-      <a:lvl9pPr marL="5442097" indent="-320124" algn="l" defTabSz="1280496" rtl="0" eaLnBrk="1" latinLnBrk="1" hangingPunct="1">
+      <a:lvl9pPr marL="5023600" indent="-295506" algn="l" defTabSz="1182026" rtl="0" eaLnBrk="1" latinLnBrk="1" hangingPunct="1">
         <a:spcBef>
           <a:spcPct val="20000"/>
         </a:spcBef>
         <a:buFont typeface="Arial" pitchFamily="34" charset="0"/>
         <a:buChar char="•"/>
-        <a:defRPr sz="2803" kern="1200">
+        <a:defRPr sz="2587" kern="1200">
           <a:solidFill>
             <a:schemeClr val="tx1"/>
           </a:solidFill>
@@ -3091,8 +3091,8 @@
       <a:defPPr>
         <a:defRPr lang="ko-KR"/>
       </a:defPPr>
-      <a:lvl1pPr marL="0" algn="l" defTabSz="1280496" rtl="0" eaLnBrk="1" latinLnBrk="1" hangingPunct="1">
-        <a:defRPr sz="2520" kern="1200">
+      <a:lvl1pPr marL="0" algn="l" defTabSz="1182026" rtl="0" eaLnBrk="1" latinLnBrk="1" hangingPunct="1">
+        <a:defRPr sz="2326" kern="1200">
           <a:solidFill>
             <a:schemeClr val="tx1"/>
           </a:solidFill>
@@ -3101,8 +3101,8 @@
           <a:cs typeface="+mn-cs"/>
         </a:defRPr>
       </a:lvl1pPr>
-      <a:lvl2pPr marL="640247" algn="l" defTabSz="1280496" rtl="0" eaLnBrk="1" latinLnBrk="1" hangingPunct="1">
-        <a:defRPr sz="2520" kern="1200">
+      <a:lvl2pPr marL="591012" algn="l" defTabSz="1182026" rtl="0" eaLnBrk="1" latinLnBrk="1" hangingPunct="1">
+        <a:defRPr sz="2326" kern="1200">
           <a:solidFill>
             <a:schemeClr val="tx1"/>
           </a:solidFill>
@@ -3111,8 +3111,8 @@
           <a:cs typeface="+mn-cs"/>
         </a:defRPr>
       </a:lvl2pPr>
-      <a:lvl3pPr marL="1280496" algn="l" defTabSz="1280496" rtl="0" eaLnBrk="1" latinLnBrk="1" hangingPunct="1">
-        <a:defRPr sz="2520" kern="1200">
+      <a:lvl3pPr marL="1182026" algn="l" defTabSz="1182026" rtl="0" eaLnBrk="1" latinLnBrk="1" hangingPunct="1">
+        <a:defRPr sz="2326" kern="1200">
           <a:solidFill>
             <a:schemeClr val="tx1"/>
           </a:solidFill>
@@ -3121,8 +3121,8 @@
           <a:cs typeface="+mn-cs"/>
         </a:defRPr>
       </a:lvl3pPr>
-      <a:lvl4pPr marL="1920743" algn="l" defTabSz="1280496" rtl="0" eaLnBrk="1" latinLnBrk="1" hangingPunct="1">
-        <a:defRPr sz="2520" kern="1200">
+      <a:lvl4pPr marL="1773038" algn="l" defTabSz="1182026" rtl="0" eaLnBrk="1" latinLnBrk="1" hangingPunct="1">
+        <a:defRPr sz="2326" kern="1200">
           <a:solidFill>
             <a:schemeClr val="tx1"/>
           </a:solidFill>
@@ -3131,8 +3131,8 @@
           <a:cs typeface="+mn-cs"/>
         </a:defRPr>
       </a:lvl4pPr>
-      <a:lvl5pPr marL="2560989" algn="l" defTabSz="1280496" rtl="0" eaLnBrk="1" latinLnBrk="1" hangingPunct="1">
-        <a:defRPr sz="2520" kern="1200">
+      <a:lvl5pPr marL="2364049" algn="l" defTabSz="1182026" rtl="0" eaLnBrk="1" latinLnBrk="1" hangingPunct="1">
+        <a:defRPr sz="2326" kern="1200">
           <a:solidFill>
             <a:schemeClr val="tx1"/>
           </a:solidFill>
@@ -3141,8 +3141,8 @@
           <a:cs typeface="+mn-cs"/>
         </a:defRPr>
       </a:lvl5pPr>
-      <a:lvl6pPr marL="3201237" algn="l" defTabSz="1280496" rtl="0" eaLnBrk="1" latinLnBrk="1" hangingPunct="1">
-        <a:defRPr sz="2520" kern="1200">
+      <a:lvl6pPr marL="2955062" algn="l" defTabSz="1182026" rtl="0" eaLnBrk="1" latinLnBrk="1" hangingPunct="1">
+        <a:defRPr sz="2326" kern="1200">
           <a:solidFill>
             <a:schemeClr val="tx1"/>
           </a:solidFill>
@@ -3151,8 +3151,8 @@
           <a:cs typeface="+mn-cs"/>
         </a:defRPr>
       </a:lvl6pPr>
-      <a:lvl7pPr marL="3841482" algn="l" defTabSz="1280496" rtl="0" eaLnBrk="1" latinLnBrk="1" hangingPunct="1">
-        <a:defRPr sz="2520" kern="1200">
+      <a:lvl7pPr marL="3546072" algn="l" defTabSz="1182026" rtl="0" eaLnBrk="1" latinLnBrk="1" hangingPunct="1">
+        <a:defRPr sz="2326" kern="1200">
           <a:solidFill>
             <a:schemeClr val="tx1"/>
           </a:solidFill>
@@ -3161,8 +3161,8 @@
           <a:cs typeface="+mn-cs"/>
         </a:defRPr>
       </a:lvl7pPr>
-      <a:lvl8pPr marL="4481725" algn="l" defTabSz="1280496" rtl="0" eaLnBrk="1" latinLnBrk="1" hangingPunct="1">
-        <a:defRPr sz="2520" kern="1200">
+      <a:lvl8pPr marL="4137080" algn="l" defTabSz="1182026" rtl="0" eaLnBrk="1" latinLnBrk="1" hangingPunct="1">
+        <a:defRPr sz="2326" kern="1200">
           <a:solidFill>
             <a:schemeClr val="tx1"/>
           </a:solidFill>
@@ -3171,8 +3171,8 @@
           <a:cs typeface="+mn-cs"/>
         </a:defRPr>
       </a:lvl8pPr>
-      <a:lvl9pPr marL="5121977" algn="l" defTabSz="1280496" rtl="0" eaLnBrk="1" latinLnBrk="1" hangingPunct="1">
-        <a:defRPr sz="2520" kern="1200">
+      <a:lvl9pPr marL="4728097" algn="l" defTabSz="1182026" rtl="0" eaLnBrk="1" latinLnBrk="1" hangingPunct="1">
+        <a:defRPr sz="2326" kern="1200">
           <a:solidFill>
             <a:schemeClr val="tx1"/>
           </a:solidFill>
@@ -3225,8 +3225,8 @@
         </p:nvSpPr>
         <p:spPr>
           <a:xfrm>
-            <a:off x="2396715" y="1795615"/>
-            <a:ext cx="5112568" cy="2695581"/>
+            <a:off x="2212353" y="1920828"/>
+            <a:ext cx="4719294" cy="2488229"/>
           </a:xfrm>
           <a:prstGeom prst="rect">
             <a:avLst/>
@@ -3258,7 +3258,7 @@
           <a:lstStyle/>
           <a:p>
             <a:pPr algn="ctr"/>
-            <a:endParaRPr lang="ko-KR" altLang="en-US" dirty="0"/>
+            <a:endParaRPr lang="ko-KR" altLang="en-US" sz="1738" dirty="0"/>
           </a:p>
         </p:txBody>
       </p:sp>
@@ -3276,8 +3276,8 @@
         </p:nvSpPr>
         <p:spPr>
           <a:xfrm>
-            <a:off x="3584848" y="2341414"/>
-            <a:ext cx="2808312" cy="727546"/>
+            <a:off x="3309090" y="2425074"/>
+            <a:ext cx="2592288" cy="671581"/>
           </a:xfrm>
           <a:prstGeom prst="rect">
             <a:avLst/>
@@ -3307,7 +3307,7 @@
           <a:lstStyle/>
           <a:p>
             <a:pPr algn="ctr"/>
-            <a:endParaRPr lang="ko-KR" altLang="en-US"/>
+            <a:endParaRPr lang="ko-KR" altLang="en-US" sz="1738"/>
           </a:p>
         </p:txBody>
       </p:sp>
@@ -3325,8 +3325,8 @@
         </p:nvSpPr>
         <p:spPr>
           <a:xfrm>
-            <a:off x="2509607" y="6165304"/>
-            <a:ext cx="4886787" cy="338554"/>
+            <a:off x="2316561" y="5954820"/>
+            <a:ext cx="4514121" cy="319639"/>
           </a:xfrm>
           <a:prstGeom prst="rect">
             <a:avLst/>
@@ -3340,17 +3340,17 @@
           <a:lstStyle/>
           <a:p>
             <a:r>
-              <a:rPr lang="en-US" altLang="ko-KR" sz="1600" dirty="0">
-                <a:solidFill>
-                  <a:schemeClr val="bg1"/>
-                </a:solidFill>
-                <a:latin typeface="나눔바른고딕" panose="020B0603020101020101" pitchFamily="50" charset="-127"/>
-                <a:ea typeface="나눔바른고딕" panose="020B0603020101020101" pitchFamily="50" charset="-127"/>
-              </a:rPr>
-              <a:t>Copyright 2020. </a:t>
-            </a:r>
-            <a:r>
-              <a:rPr lang="en-US" altLang="ko-KR" sz="1600" dirty="0">
+              <a:rPr lang="en-US" altLang="ko-KR" sz="1477" dirty="0">
+                <a:solidFill>
+                  <a:schemeClr val="bg1"/>
+                </a:solidFill>
+                <a:latin typeface="나눔바른고딕" panose="020B0603020101020101" pitchFamily="50" charset="-127"/>
+                <a:ea typeface="나눔바른고딕" panose="020B0603020101020101" pitchFamily="50" charset="-127"/>
+              </a:rPr>
+              <a:t>Copyright 2021. </a:t>
+            </a:r>
+            <a:r>
+              <a:rPr lang="en-US" altLang="ko-KR" sz="1477" dirty="0">
                 <a:solidFill>
                   <a:srgbClr val="FDE035"/>
                 </a:solidFill>
@@ -3360,7 +3360,7 @@
               <a:t>S</a:t>
             </a:r>
             <a:r>
-              <a:rPr lang="en-US" altLang="ko-KR" sz="1600" dirty="0">
+              <a:rPr lang="en-US" altLang="ko-KR" sz="1477" dirty="0">
                 <a:solidFill>
                   <a:schemeClr val="bg1"/>
                 </a:solidFill>
@@ -3370,7 +3370,7 @@
               <a:t>TART</a:t>
             </a:r>
             <a:r>
-              <a:rPr lang="en-US" altLang="ko-KR" sz="1600" dirty="0">
+              <a:rPr lang="en-US" altLang="ko-KR" sz="1477" dirty="0">
                 <a:solidFill>
                   <a:srgbClr val="FDE035"/>
                 </a:solidFill>
@@ -3380,7 +3380,7 @@
               <a:t>C</a:t>
             </a:r>
             <a:r>
-              <a:rPr lang="en-US" altLang="ko-KR" sz="1600" dirty="0">
+              <a:rPr lang="en-US" altLang="ko-KR" sz="1477" dirty="0">
                 <a:solidFill>
                   <a:schemeClr val="bg1"/>
                 </a:solidFill>
@@ -3389,7 +3389,7 @@
               </a:rPr>
               <a:t>ODING All rights Reserved</a:t>
             </a:r>
-            <a:endParaRPr lang="ko-KR" altLang="en-US" sz="1600" dirty="0">
+            <a:endParaRPr lang="ko-KR" altLang="en-US" sz="1477" dirty="0">
               <a:solidFill>
                 <a:schemeClr val="bg1"/>
               </a:solidFill>
@@ -3415,15 +3415,15 @@
         </p:nvSpPr>
         <p:spPr>
           <a:xfrm>
-            <a:off x="1066799" y="510147"/>
-            <a:ext cx="7772400" cy="1086382"/>
+            <a:off x="984738" y="734674"/>
+            <a:ext cx="7174523" cy="1002814"/>
           </a:xfrm>
           <a:prstGeom prst="rect">
             <a:avLst/>
           </a:prstGeom>
         </p:spPr>
         <p:txBody>
-          <a:bodyPr vert="horz" lIns="91440" tIns="45720" rIns="91440" bIns="45720" rtlCol="0" anchor="ctr">
+          <a:bodyPr vert="horz" lIns="84406" tIns="42203" rIns="84406" bIns="42203" rtlCol="0" anchor="ctr">
             <a:normAutofit fontScale="97500"/>
           </a:bodyPr>
           <a:lstStyle>
@@ -3444,7 +3444,7 @@
           </a:lstStyle>
           <a:p>
             <a:r>
-              <a:rPr lang="en-US" altLang="ko-KR" sz="2800" spc="-150" dirty="0">
+              <a:rPr lang="en-US" altLang="ko-KR" sz="2585" spc="-138" dirty="0">
                 <a:ln>
                   <a:solidFill>
                     <a:schemeClr val="accent1">
@@ -3460,7 +3460,7 @@
               </a:rPr>
               <a:t>	</a:t>
             </a:r>
-            <a:endParaRPr lang="ko-KR" altLang="en-US" spc="-150" dirty="0">
+            <a:endParaRPr lang="ko-KR" altLang="en-US" sz="4062" spc="-138" dirty="0">
               <a:ln>
                 <a:solidFill>
                   <a:schemeClr val="accent1">
@@ -3491,8 +3491,8 @@
         </p:nvSpPr>
         <p:spPr>
           <a:xfrm>
-            <a:off x="3531135" y="1719202"/>
-            <a:ext cx="2880320" cy="773695"/>
+            <a:off x="3259509" y="1850725"/>
+            <a:ext cx="2658757" cy="714180"/>
           </a:xfrm>
           <a:prstGeom prst="rect">
             <a:avLst/>
@@ -3525,7 +3525,7 @@
           <a:lstStyle/>
           <a:p>
             <a:pPr algn="ctr"/>
-            <a:endParaRPr lang="ko-KR" altLang="en-US"/>
+            <a:endParaRPr lang="ko-KR" altLang="en-US" sz="1738"/>
           </a:p>
         </p:txBody>
       </p:sp>
@@ -3541,8 +3541,8 @@
         </p:nvSpPr>
         <p:spPr>
           <a:xfrm>
-            <a:off x="992560" y="1340769"/>
-            <a:ext cx="7772400" cy="2861927"/>
+            <a:off x="984739" y="1501403"/>
+            <a:ext cx="7174523" cy="2641779"/>
           </a:xfrm>
         </p:spPr>
         <p:txBody>
@@ -3552,7 +3552,7 @@
           <a:lstStyle/>
           <a:p>
             <a:r>
-              <a:rPr lang="ko-KR" altLang="en-US" sz="4000" b="1" spc="-150" dirty="0">
+              <a:rPr lang="ko-KR" altLang="en-US" sz="3692" b="1" spc="-138" dirty="0">
                 <a:ln>
                   <a:solidFill>
                     <a:schemeClr val="accent1">
@@ -3566,10 +3566,10 @@
                 <a:latin typeface="나눔바른고딕" panose="020B0603020101020101" pitchFamily="50" charset="-127"/>
                 <a:ea typeface="나눔바른고딕" panose="020B0603020101020101" pitchFamily="50" charset="-127"/>
               </a:rPr>
-              <a:t>핵심만 </a:t>
-            </a:r>
-            <a:r>
-              <a:rPr lang="ko-KR" altLang="en-US" sz="4000" b="1" spc="-150" dirty="0">
+              <a:t>스타트 </a:t>
+            </a:r>
+            <a:r>
+              <a:rPr lang="ko-KR" altLang="en-US" sz="3692" b="1" spc="-138" dirty="0">
                 <a:ln>
                   <a:solidFill>
                     <a:schemeClr val="accent1">
@@ -3586,10 +3586,10 @@
                 <a:latin typeface="나눔바른고딕" panose="020B0603020101020101" pitchFamily="50" charset="-127"/>
                 <a:ea typeface="나눔바른고딕" panose="020B0603020101020101" pitchFamily="50" charset="-127"/>
               </a:rPr>
-              <a:t>쏘</a:t>
-            </a:r>
-            <a:r>
-              <a:rPr lang="en-US" altLang="ko-KR" sz="4000" b="1" spc="-150" dirty="0">
+              <a:t>코딩</a:t>
+            </a:r>
+            <a:br>
+              <a:rPr lang="en-US" altLang="ko-KR" sz="3692" b="1" spc="-138" dirty="0">
                 <a:ln>
                   <a:solidFill>
                     <a:schemeClr val="accent1">
@@ -3598,18 +3598,14 @@
                   </a:solidFill>
                 </a:ln>
                 <a:solidFill>
-                  <a:schemeClr val="accent1">
-                    <a:lumMod val="40000"/>
-                    <a:lumOff val="60000"/>
-                  </a:schemeClr>
-                </a:solidFill>
-                <a:latin typeface="나눔바른고딕" panose="020B0603020101020101" pitchFamily="50" charset="-127"/>
-                <a:ea typeface="나눔바른고딕" panose="020B0603020101020101" pitchFamily="50" charset="-127"/>
-              </a:rPr>
-              <a:t>~</a:t>
-            </a:r>
-            <a:r>
-              <a:rPr lang="ko-KR" altLang="en-US" sz="4000" b="1" spc="-150" dirty="0">
+                  <a:schemeClr val="bg1"/>
+                </a:solidFill>
+                <a:latin typeface="나눔바른고딕" panose="020B0603020101020101" pitchFamily="50" charset="-127"/>
+                <a:ea typeface="나눔바른고딕" panose="020B0603020101020101" pitchFamily="50" charset="-127"/>
+              </a:rPr>
+            </a:br>
+            <a:br>
+              <a:rPr lang="en-US" altLang="ko-KR" sz="3692" b="1" spc="-138" dirty="0">
                 <a:ln>
                   <a:solidFill>
                     <a:schemeClr val="accent1">
@@ -3618,18 +3614,14 @@
                   </a:solidFill>
                 </a:ln>
                 <a:solidFill>
-                  <a:schemeClr val="accent1">
-                    <a:lumMod val="40000"/>
-                    <a:lumOff val="60000"/>
-                  </a:schemeClr>
-                </a:solidFill>
-                <a:latin typeface="나눔바른고딕" panose="020B0603020101020101" pitchFamily="50" charset="-127"/>
-                <a:ea typeface="나눔바른고딕" panose="020B0603020101020101" pitchFamily="50" charset="-127"/>
-              </a:rPr>
-              <a:t>옥</a:t>
-            </a:r>
-            <a:br>
-              <a:rPr lang="en-US" altLang="ko-KR" sz="4000" b="1" spc="-150" dirty="0">
+                  <a:schemeClr val="bg1"/>
+                </a:solidFill>
+                <a:latin typeface="나눔바른고딕" panose="020B0603020101020101" pitchFamily="50" charset="-127"/>
+                <a:ea typeface="나눔바른고딕" panose="020B0603020101020101" pitchFamily="50" charset="-127"/>
+              </a:rPr>
+            </a:br>
+            <a:r>
+              <a:rPr lang="ko-KR" altLang="en-US" sz="3692" b="1" spc="-138" dirty="0">
                 <a:ln>
                   <a:solidFill>
                     <a:schemeClr val="accent1">
@@ -3643,9 +3635,10 @@
                 <a:latin typeface="나눔바른고딕" panose="020B0603020101020101" pitchFamily="50" charset="-127"/>
                 <a:ea typeface="나눔바른고딕" panose="020B0603020101020101" pitchFamily="50" charset="-127"/>
               </a:rPr>
-            </a:br>
-            <a:br>
-              <a:rPr lang="en-US" altLang="ko-KR" sz="4000" b="1" spc="-150" dirty="0">
+              <a:t>파이썬 기초 </a:t>
+            </a:r>
+            <a:r>
+              <a:rPr lang="en-US" altLang="ko-KR" sz="3692" b="1" spc="-138" dirty="0">
                 <a:ln>
                   <a:solidFill>
                     <a:schemeClr val="accent1">
@@ -3659,9 +3652,10 @@
                 <a:latin typeface="나눔바른고딕" panose="020B0603020101020101" pitchFamily="50" charset="-127"/>
                 <a:ea typeface="나눔바른고딕" panose="020B0603020101020101" pitchFamily="50" charset="-127"/>
               </a:rPr>
-            </a:br>
-            <a:r>
-              <a:rPr lang="ko-KR" altLang="en-US" sz="4000" b="1" spc="-150" dirty="0">
+              <a:t>9</a:t>
+            </a:r>
+            <a:r>
+              <a:rPr lang="ko-KR" altLang="en-US" sz="3692" b="1" spc="-138" dirty="0">
                 <a:ln>
                   <a:solidFill>
                     <a:schemeClr val="accent1">
@@ -3675,10 +3669,10 @@
                 <a:latin typeface="나눔바른고딕" panose="020B0603020101020101" pitchFamily="50" charset="-127"/>
                 <a:ea typeface="나눔바른고딕" panose="020B0603020101020101" pitchFamily="50" charset="-127"/>
               </a:rPr>
-              <a:t>파이썬 입문 </a:t>
-            </a:r>
-            <a:r>
-              <a:rPr lang="en-US" altLang="ko-KR" sz="4000" b="1" spc="-150" dirty="0">
+              <a:t>강</a:t>
+            </a:r>
+            <a:br>
+              <a:rPr lang="en-US" altLang="ko-KR" sz="3692" b="1" spc="-138" dirty="0">
                 <a:ln>
                   <a:solidFill>
                     <a:schemeClr val="accent1">
@@ -3692,43 +3686,9 @@
                 <a:latin typeface="나눔바른고딕" panose="020B0603020101020101" pitchFamily="50" charset="-127"/>
                 <a:ea typeface="나눔바른고딕" panose="020B0603020101020101" pitchFamily="50" charset="-127"/>
               </a:rPr>
-              <a:t>9</a:t>
-            </a:r>
-            <a:r>
-              <a:rPr lang="ko-KR" altLang="en-US" sz="4000" b="1" spc="-150">
-                <a:ln>
-                  <a:solidFill>
-                    <a:schemeClr val="accent1">
-                      <a:alpha val="0"/>
-                    </a:schemeClr>
-                  </a:solidFill>
-                </a:ln>
-                <a:solidFill>
-                  <a:schemeClr val="bg1"/>
-                </a:solidFill>
-                <a:latin typeface="나눔바른고딕" panose="020B0603020101020101" pitchFamily="50" charset="-127"/>
-                <a:ea typeface="나눔바른고딕" panose="020B0603020101020101" pitchFamily="50" charset="-127"/>
-              </a:rPr>
-              <a:t>강</a:t>
-            </a:r>
-            <a:br>
-              <a:rPr lang="en-US" altLang="ko-KR" sz="4000" b="1" spc="-150" dirty="0">
-                <a:ln>
-                  <a:solidFill>
-                    <a:schemeClr val="accent1">
-                      <a:alpha val="0"/>
-                    </a:schemeClr>
-                  </a:solidFill>
-                </a:ln>
-                <a:solidFill>
-                  <a:schemeClr val="bg1"/>
-                </a:solidFill>
-                <a:latin typeface="나눔바른고딕" panose="020B0603020101020101" pitchFamily="50" charset="-127"/>
-                <a:ea typeface="나눔바른고딕" panose="020B0603020101020101" pitchFamily="50" charset="-127"/>
-              </a:rPr>
             </a:br>
             <a:r>
-              <a:rPr lang="ko-KR" altLang="en-US" sz="4000" b="1" spc="-150" dirty="0">
+              <a:rPr lang="ko-KR" altLang="en-US" sz="3692" b="1" spc="-138" dirty="0">
                 <a:ln>
                   <a:solidFill>
                     <a:schemeClr val="accent1">
@@ -3802,10 +3762,10 @@
         </p:nvGrpSpPr>
         <p:grpSpPr>
           <a:xfrm>
-            <a:off x="3191044" y="1461845"/>
-            <a:ext cx="3523913" cy="3934311"/>
+            <a:off x="2945580" y="1613165"/>
+            <a:ext cx="3345339" cy="3638971"/>
             <a:chOff x="2936776" y="620688"/>
-            <a:chExt cx="3523913" cy="3934311"/>
+            <a:chExt cx="3624118" cy="3942219"/>
           </a:xfrm>
         </p:grpSpPr>
         <p:sp>
@@ -3823,7 +3783,7 @@
           <p:spPr>
             <a:xfrm>
               <a:off x="2936776" y="620688"/>
-              <a:ext cx="3523913" cy="1569660"/>
+              <a:ext cx="3624118" cy="1577515"/>
             </a:xfrm>
             <a:prstGeom prst="rect">
               <a:avLst/>
@@ -3837,7 +3797,7 @@
             <a:lstStyle/>
             <a:p>
               <a:r>
-                <a:rPr lang="en-US" altLang="ko-KR" sz="3200" dirty="0">
+                <a:rPr lang="en-US" altLang="ko-KR" sz="2954" dirty="0">
                   <a:solidFill>
                     <a:schemeClr val="bg1"/>
                   </a:solidFill>
@@ -3849,7 +3809,7 @@
             </a:p>
             <a:p>
               <a:r>
-                <a:rPr lang="en-US" altLang="ko-KR" sz="3200" dirty="0">
+                <a:rPr lang="en-US" altLang="ko-KR" sz="2954" dirty="0">
                   <a:solidFill>
                     <a:schemeClr val="bg1"/>
                   </a:solidFill>
@@ -3861,7 +3821,7 @@
             </a:p>
             <a:p>
               <a:r>
-                <a:rPr lang="en-US" altLang="ko-KR" sz="3200" dirty="0">
+                <a:rPr lang="en-US" altLang="ko-KR" sz="2954" dirty="0">
                   <a:solidFill>
                     <a:schemeClr val="bg1"/>
                   </a:solidFill>
@@ -3888,7 +3848,7 @@
           <p:spPr>
             <a:xfrm>
               <a:off x="2936776" y="2492896"/>
-              <a:ext cx="2593980" cy="2062103"/>
+              <a:ext cx="2610437" cy="2070011"/>
             </a:xfrm>
             <a:prstGeom prst="rect">
               <a:avLst/>
@@ -3902,7 +3862,7 @@
             <a:lstStyle/>
             <a:p>
               <a:r>
-                <a:rPr lang="en-US" altLang="ko-KR" sz="3200" dirty="0">
+                <a:rPr lang="en-US" altLang="ko-KR" sz="2954" dirty="0">
                   <a:solidFill>
                     <a:schemeClr val="bg1"/>
                   </a:solidFill>
@@ -3912,7 +3872,7 @@
                 <a:t>x = </a:t>
               </a:r>
               <a:r>
-                <a:rPr lang="en-US" altLang="ko-KR" sz="3200" dirty="0">
+                <a:rPr lang="en-US" altLang="ko-KR" sz="2954" dirty="0">
                   <a:solidFill>
                     <a:schemeClr val="accent6">
                       <a:lumMod val="75000"/>
@@ -3926,7 +3886,7 @@
             </a:p>
             <a:p>
               <a:r>
-                <a:rPr lang="en-US" altLang="ko-KR" sz="3200" dirty="0">
+                <a:rPr lang="en-US" altLang="ko-KR" sz="2954" dirty="0">
                   <a:solidFill>
                     <a:schemeClr val="bg1"/>
                   </a:solidFill>
@@ -3936,7 +3896,7 @@
                 <a:t>y = </a:t>
               </a:r>
               <a:r>
-                <a:rPr lang="en-US" altLang="ko-KR" sz="3200" dirty="0">
+                <a:rPr lang="en-US" altLang="ko-KR" sz="2954" dirty="0">
                   <a:solidFill>
                     <a:schemeClr val="accent6">
                       <a:lumMod val="75000"/>
@@ -3950,7 +3910,7 @@
             </a:p>
             <a:p>
               <a:r>
-                <a:rPr lang="en-US" altLang="ko-KR" sz="3200" dirty="0">
+                <a:rPr lang="en-US" altLang="ko-KR" sz="2954" dirty="0">
                   <a:solidFill>
                     <a:schemeClr val="bg1"/>
                   </a:solidFill>
@@ -3962,7 +3922,7 @@
             </a:p>
             <a:p>
               <a:r>
-                <a:rPr lang="en-US" altLang="ko-KR" sz="3200" dirty="0">
+                <a:rPr lang="en-US" altLang="ko-KR" sz="2954" dirty="0">
                   <a:solidFill>
                     <a:schemeClr val="bg1"/>
                   </a:solidFill>
@@ -4030,8 +3990,8 @@
         </p:nvSpPr>
         <p:spPr>
           <a:xfrm>
-            <a:off x="1908747" y="2644170"/>
-            <a:ext cx="6088526" cy="830997"/>
+            <a:off x="1760182" y="2704542"/>
+            <a:ext cx="5623655" cy="774186"/>
           </a:xfrm>
           <a:prstGeom prst="rect">
             <a:avLst/>
@@ -4046,7 +4006,7 @@
           <a:p>
             <a:pPr algn="ctr"/>
             <a:r>
-              <a:rPr lang="en-US" altLang="ko-KR" sz="4800" dirty="0">
+              <a:rPr lang="en-US" altLang="ko-KR" sz="4431" dirty="0">
                 <a:solidFill>
                   <a:schemeClr val="bg1">
                     <a:lumMod val="95000"/>
@@ -4058,7 +4018,7 @@
               <a:t>3. </a:t>
             </a:r>
             <a:r>
-              <a:rPr lang="ko-KR" altLang="en-US" sz="4800" dirty="0">
+              <a:rPr lang="ko-KR" altLang="en-US" sz="4431" dirty="0">
                 <a:solidFill>
                   <a:schemeClr val="bg1">
                     <a:lumMod val="95000"/>
@@ -4069,7 +4029,7 @@
               </a:rPr>
               <a:t>매개변수가 없는 함수</a:t>
             </a:r>
-            <a:endParaRPr lang="en-US" altLang="ko-KR" sz="4800" dirty="0">
+            <a:endParaRPr lang="en-US" altLang="ko-KR" sz="4431" dirty="0">
               <a:solidFill>
                 <a:schemeClr val="bg1">
                   <a:lumMod val="95000"/>
@@ -4148,8 +4108,8 @@
         </p:nvSpPr>
         <p:spPr>
           <a:xfrm>
-            <a:off x="2028161" y="2028617"/>
-            <a:ext cx="4388124" cy="2800767"/>
+            <a:off x="1872148" y="2136339"/>
+            <a:ext cx="4137736" cy="2592761"/>
           </a:xfrm>
           <a:prstGeom prst="rect">
             <a:avLst/>
@@ -4163,7 +4123,7 @@
           <a:lstStyle/>
           <a:p>
             <a:r>
-              <a:rPr lang="en-US" altLang="ko-KR" sz="4400" dirty="0">
+              <a:rPr lang="en-US" altLang="ko-KR" sz="4062" dirty="0">
                 <a:solidFill>
                   <a:schemeClr val="accent6">
                     <a:lumMod val="75000"/>
@@ -4175,7 +4135,7 @@
               <a:t>def</a:t>
             </a:r>
             <a:r>
-              <a:rPr lang="ko-KR" altLang="en-US" sz="4400" dirty="0">
+              <a:rPr lang="ko-KR" altLang="en-US" sz="4062" dirty="0">
                 <a:solidFill>
                   <a:schemeClr val="accent6">
                     <a:lumMod val="75000"/>
@@ -4187,7 +4147,7 @@
               <a:t> </a:t>
             </a:r>
             <a:r>
-              <a:rPr lang="ko-KR" altLang="en-US" sz="4400" dirty="0">
+              <a:rPr lang="ko-KR" altLang="en-US" sz="4062" dirty="0">
                 <a:solidFill>
                   <a:schemeClr val="bg1"/>
                 </a:solidFill>
@@ -4197,7 +4157,7 @@
               <a:t>함수이름</a:t>
             </a:r>
             <a:r>
-              <a:rPr lang="en-US" altLang="ko-KR" sz="4400" dirty="0">
+              <a:rPr lang="en-US" altLang="ko-KR" sz="4062" dirty="0">
                 <a:solidFill>
                   <a:schemeClr val="accent6">
                     <a:lumMod val="75000"/>
@@ -4211,7 +4171,7 @@
           </a:p>
           <a:p>
             <a:r>
-              <a:rPr lang="en-US" altLang="ko-KR" sz="4400" dirty="0">
+              <a:rPr lang="en-US" altLang="ko-KR" sz="4062" dirty="0">
                 <a:solidFill>
                   <a:schemeClr val="accent6">
                     <a:lumMod val="75000"/>
@@ -4223,7 +4183,7 @@
               <a:t>	</a:t>
             </a:r>
             <a:r>
-              <a:rPr lang="ko-KR" altLang="en-US" sz="4400" dirty="0">
+              <a:rPr lang="ko-KR" altLang="en-US" sz="4062" dirty="0">
                 <a:solidFill>
                   <a:schemeClr val="bg1"/>
                 </a:solidFill>
@@ -4232,7 +4192,7 @@
               </a:rPr>
               <a:t>명령블록</a:t>
             </a:r>
-            <a:endParaRPr lang="en-US" altLang="ko-KR" sz="4400" dirty="0">
+            <a:endParaRPr lang="en-US" altLang="ko-KR" sz="4062" dirty="0">
               <a:solidFill>
                 <a:schemeClr val="bg1"/>
               </a:solidFill>
@@ -4242,7 +4202,7 @@
           </a:p>
           <a:p>
             <a:r>
-              <a:rPr lang="en-US" altLang="ko-KR" sz="4400" dirty="0">
+              <a:rPr lang="en-US" altLang="ko-KR" sz="4062" dirty="0">
                 <a:solidFill>
                   <a:schemeClr val="bg1"/>
                 </a:solidFill>
@@ -4254,7 +4214,7 @@
           </a:p>
           <a:p>
             <a:r>
-              <a:rPr lang="en-US" altLang="ko-KR" sz="4400" dirty="0">
+              <a:rPr lang="en-US" altLang="ko-KR" sz="4062" dirty="0">
                 <a:solidFill>
                   <a:schemeClr val="bg1"/>
                 </a:solidFill>
@@ -4264,7 +4224,7 @@
               <a:t>	return</a:t>
             </a:r>
             <a:r>
-              <a:rPr lang="ko-KR" altLang="en-US" sz="4400" dirty="0">
+              <a:rPr lang="ko-KR" altLang="en-US" sz="4062" dirty="0">
                 <a:solidFill>
                   <a:schemeClr val="bg1"/>
                 </a:solidFill>
@@ -4274,7 +4234,7 @@
               <a:t> </a:t>
             </a:r>
             <a:r>
-              <a:rPr lang="ko-KR" altLang="en-US" sz="4400" dirty="0" err="1">
+              <a:rPr lang="ko-KR" altLang="en-US" sz="4062" dirty="0" err="1">
                 <a:solidFill>
                   <a:schemeClr val="bg1"/>
                 </a:solidFill>
@@ -4283,7 +4243,7 @@
               </a:rPr>
               <a:t>리턴값</a:t>
             </a:r>
-            <a:endParaRPr lang="en-US" altLang="ko-KR" sz="4400" dirty="0">
+            <a:endParaRPr lang="en-US" altLang="ko-KR" sz="4062" dirty="0">
               <a:solidFill>
                 <a:schemeClr val="bg1"/>
               </a:solidFill>
@@ -4348,8 +4308,8 @@
         </p:nvSpPr>
         <p:spPr>
           <a:xfrm>
-            <a:off x="1653840" y="3933056"/>
-            <a:ext cx="6551256" cy="1384995"/>
+            <a:off x="1526622" y="3894283"/>
+            <a:ext cx="6047313" cy="1285737"/>
           </a:xfrm>
           <a:prstGeom prst="rect">
             <a:avLst/>
@@ -4363,7 +4323,7 @@
           <a:lstStyle/>
           <a:p>
             <a:r>
-              <a:rPr lang="en-US" altLang="ko-KR" sz="2800" dirty="0">
+              <a:rPr lang="en-US" altLang="ko-KR" sz="2585" dirty="0">
                 <a:solidFill>
                   <a:schemeClr val="accent6">
                     <a:lumMod val="75000"/>
@@ -4375,7 +4335,7 @@
               <a:t>def</a:t>
             </a:r>
             <a:r>
-              <a:rPr lang="en-US" altLang="ko-KR" sz="2800" dirty="0">
+              <a:rPr lang="en-US" altLang="ko-KR" sz="2585" dirty="0">
                 <a:solidFill>
                   <a:schemeClr val="bg1"/>
                 </a:solidFill>
@@ -4385,7 +4345,7 @@
               <a:t> </a:t>
             </a:r>
             <a:r>
-              <a:rPr lang="en-US" altLang="ko-KR" sz="2800" dirty="0" err="1">
+              <a:rPr lang="en-US" altLang="ko-KR" sz="2585" dirty="0" err="1">
                 <a:solidFill>
                   <a:schemeClr val="bg1"/>
                 </a:solidFill>
@@ -4395,7 +4355,7 @@
               <a:t>getRandomNumber</a:t>
             </a:r>
             <a:r>
-              <a:rPr lang="en-US" altLang="ko-KR" sz="2800" dirty="0">
+              <a:rPr lang="en-US" altLang="ko-KR" sz="2585" dirty="0">
                 <a:solidFill>
                   <a:schemeClr val="bg1"/>
                 </a:solidFill>
@@ -4405,7 +4365,7 @@
               <a:t> </a:t>
             </a:r>
             <a:r>
-              <a:rPr lang="en-US" altLang="ko-KR" sz="2800" dirty="0">
+              <a:rPr lang="en-US" altLang="ko-KR" sz="2585" dirty="0">
                 <a:solidFill>
                   <a:schemeClr val="accent6">
                     <a:lumMod val="75000"/>
@@ -4419,7 +4379,7 @@
           </a:p>
           <a:p>
             <a:r>
-              <a:rPr lang="en-US" altLang="ko-KR" sz="2800" dirty="0">
+              <a:rPr lang="en-US" altLang="ko-KR" sz="2585" dirty="0">
                 <a:solidFill>
                   <a:schemeClr val="bg1"/>
                 </a:solidFill>
@@ -4429,7 +4389,7 @@
               <a:t>	number = </a:t>
             </a:r>
             <a:r>
-              <a:rPr lang="en-US" altLang="ko-KR" sz="2800" dirty="0" err="1">
+              <a:rPr lang="en-US" altLang="ko-KR" sz="2585" dirty="0" err="1">
                 <a:solidFill>
                   <a:schemeClr val="bg1"/>
                 </a:solidFill>
@@ -4439,7 +4399,7 @@
               <a:t>random.randint</a:t>
             </a:r>
             <a:r>
-              <a:rPr lang="en-US" altLang="ko-KR" sz="2800" dirty="0">
+              <a:rPr lang="en-US" altLang="ko-KR" sz="2585" dirty="0">
                 <a:solidFill>
                   <a:schemeClr val="bg1"/>
                 </a:solidFill>
@@ -4451,7 +4411,7 @@
           </a:p>
           <a:p>
             <a:r>
-              <a:rPr lang="en-US" altLang="ko-KR" sz="2800" dirty="0">
+              <a:rPr lang="en-US" altLang="ko-KR" sz="2585" dirty="0">
                 <a:solidFill>
                   <a:schemeClr val="bg1"/>
                 </a:solidFill>
@@ -4461,7 +4421,7 @@
               <a:t>	</a:t>
             </a:r>
             <a:r>
-              <a:rPr lang="en-US" altLang="ko-KR" sz="2800" dirty="0">
+              <a:rPr lang="en-US" altLang="ko-KR" sz="2585" dirty="0">
                 <a:solidFill>
                   <a:schemeClr val="accent6">
                     <a:lumMod val="75000"/>
@@ -4473,7 +4433,7 @@
               <a:t>return</a:t>
             </a:r>
             <a:r>
-              <a:rPr lang="en-US" altLang="ko-KR" sz="2800" dirty="0">
+              <a:rPr lang="en-US" altLang="ko-KR" sz="2585" dirty="0">
                 <a:solidFill>
                   <a:schemeClr val="bg1"/>
                 </a:solidFill>
@@ -4499,8 +4459,8 @@
         </p:nvSpPr>
         <p:spPr>
           <a:xfrm>
-            <a:off x="1653840" y="1114337"/>
-            <a:ext cx="3212867" cy="1815882"/>
+            <a:off x="1526622" y="1292388"/>
+            <a:ext cx="3048591" cy="1683538"/>
           </a:xfrm>
           <a:prstGeom prst="rect">
             <a:avLst/>
@@ -4514,7 +4474,7 @@
           <a:lstStyle/>
           <a:p>
             <a:r>
-              <a:rPr lang="en-US" altLang="ko-KR" sz="2800" dirty="0">
+              <a:rPr lang="en-US" altLang="ko-KR" sz="2585" dirty="0">
                 <a:solidFill>
                   <a:schemeClr val="accent6">
                     <a:lumMod val="75000"/>
@@ -4526,7 +4486,7 @@
               <a:t>def</a:t>
             </a:r>
             <a:r>
-              <a:rPr lang="ko-KR" altLang="en-US" sz="2800" dirty="0">
+              <a:rPr lang="ko-KR" altLang="en-US" sz="2585" dirty="0">
                 <a:solidFill>
                   <a:schemeClr val="accent6">
                     <a:lumMod val="75000"/>
@@ -4538,7 +4498,7 @@
               <a:t> </a:t>
             </a:r>
             <a:r>
-              <a:rPr lang="ko-KR" altLang="en-US" sz="2800" dirty="0">
+              <a:rPr lang="ko-KR" altLang="en-US" sz="2585" dirty="0">
                 <a:solidFill>
                   <a:schemeClr val="bg1"/>
                 </a:solidFill>
@@ -4548,7 +4508,7 @@
               <a:t>함수이름</a:t>
             </a:r>
             <a:r>
-              <a:rPr lang="en-US" altLang="ko-KR" sz="2800" dirty="0">
+              <a:rPr lang="en-US" altLang="ko-KR" sz="2585" dirty="0">
                 <a:solidFill>
                   <a:schemeClr val="accent6">
                     <a:lumMod val="75000"/>
@@ -4562,7 +4522,7 @@
           </a:p>
           <a:p>
             <a:r>
-              <a:rPr lang="en-US" altLang="ko-KR" sz="2800" dirty="0">
+              <a:rPr lang="en-US" altLang="ko-KR" sz="2585" dirty="0">
                 <a:solidFill>
                   <a:schemeClr val="accent6">
                     <a:lumMod val="75000"/>
@@ -4574,7 +4534,7 @@
               <a:t>	</a:t>
             </a:r>
             <a:r>
-              <a:rPr lang="ko-KR" altLang="en-US" sz="2800" dirty="0">
+              <a:rPr lang="ko-KR" altLang="en-US" sz="2585" dirty="0">
                 <a:solidFill>
                   <a:schemeClr val="bg1"/>
                 </a:solidFill>
@@ -4583,7 +4543,7 @@
               </a:rPr>
               <a:t>명령블록</a:t>
             </a:r>
-            <a:endParaRPr lang="en-US" altLang="ko-KR" sz="2800" dirty="0">
+            <a:endParaRPr lang="en-US" altLang="ko-KR" sz="2585" dirty="0">
               <a:solidFill>
                 <a:schemeClr val="bg1"/>
               </a:solidFill>
@@ -4593,7 +4553,7 @@
           </a:p>
           <a:p>
             <a:r>
-              <a:rPr lang="en-US" altLang="ko-KR" sz="2800" dirty="0">
+              <a:rPr lang="en-US" altLang="ko-KR" sz="2585" dirty="0">
                 <a:solidFill>
                   <a:schemeClr val="bg1"/>
                 </a:solidFill>
@@ -4605,7 +4565,7 @@
           </a:p>
           <a:p>
             <a:r>
-              <a:rPr lang="en-US" altLang="ko-KR" sz="2800" dirty="0">
+              <a:rPr lang="en-US" altLang="ko-KR" sz="2585" dirty="0">
                 <a:solidFill>
                   <a:schemeClr val="bg1"/>
                 </a:solidFill>
@@ -4615,7 +4575,7 @@
               <a:t>	return</a:t>
             </a:r>
             <a:r>
-              <a:rPr lang="ko-KR" altLang="en-US" sz="2800" dirty="0">
+              <a:rPr lang="ko-KR" altLang="en-US" sz="2585" dirty="0">
                 <a:solidFill>
                   <a:schemeClr val="bg1"/>
                 </a:solidFill>
@@ -4625,7 +4585,7 @@
               <a:t> </a:t>
             </a:r>
             <a:r>
-              <a:rPr lang="ko-KR" altLang="en-US" sz="2800" dirty="0" err="1">
+              <a:rPr lang="ko-KR" altLang="en-US" sz="2585" dirty="0" err="1">
                 <a:solidFill>
                   <a:schemeClr val="bg1"/>
                 </a:solidFill>
@@ -4634,7 +4594,7 @@
               </a:rPr>
               <a:t>리턴값</a:t>
             </a:r>
-            <a:endParaRPr lang="en-US" altLang="ko-KR" sz="2800" dirty="0">
+            <a:endParaRPr lang="en-US" altLang="ko-KR" sz="2585" dirty="0">
               <a:solidFill>
                 <a:schemeClr val="bg1"/>
               </a:solidFill>
@@ -4711,8 +4671,8 @@
         </p:nvSpPr>
         <p:spPr>
           <a:xfrm>
-            <a:off x="2183662" y="2644170"/>
-            <a:ext cx="5538696" cy="830997"/>
+            <a:off x="2013456" y="2704542"/>
+            <a:ext cx="5117106" cy="774186"/>
           </a:xfrm>
           <a:prstGeom prst="rect">
             <a:avLst/>
@@ -4727,7 +4687,7 @@
           <a:p>
             <a:pPr algn="ctr"/>
             <a:r>
-              <a:rPr lang="en-US" altLang="ko-KR" sz="4800" dirty="0">
+              <a:rPr lang="en-US" altLang="ko-KR" sz="4431" dirty="0">
                 <a:solidFill>
                   <a:schemeClr val="bg1">
                     <a:lumMod val="95000"/>
@@ -4739,7 +4699,7 @@
               <a:t>4. </a:t>
             </a:r>
             <a:r>
-              <a:rPr lang="ko-KR" altLang="en-US" sz="4800" dirty="0" err="1">
+              <a:rPr lang="ko-KR" altLang="en-US" sz="4431" dirty="0" err="1">
                 <a:solidFill>
                   <a:schemeClr val="bg1">
                     <a:lumMod val="95000"/>
@@ -4751,7 +4711,7 @@
               <a:t>리턴값이</a:t>
             </a:r>
             <a:r>
-              <a:rPr lang="ko-KR" altLang="en-US" sz="4800" dirty="0">
+              <a:rPr lang="ko-KR" altLang="en-US" sz="4431" dirty="0">
                 <a:solidFill>
                   <a:schemeClr val="bg1">
                     <a:lumMod val="95000"/>
@@ -4762,7 +4722,7 @@
               </a:rPr>
               <a:t> 없는 함수</a:t>
             </a:r>
-            <a:endParaRPr lang="en-US" altLang="ko-KR" sz="4800" dirty="0">
+            <a:endParaRPr lang="en-US" altLang="ko-KR" sz="4431" dirty="0">
               <a:solidFill>
                 <a:schemeClr val="bg1">
                   <a:lumMod val="95000"/>
@@ -4841,8 +4801,8 @@
         </p:nvSpPr>
         <p:spPr>
           <a:xfrm>
-            <a:off x="2028161" y="2028617"/>
-            <a:ext cx="5849678" cy="2123658"/>
+            <a:off x="1872149" y="2136339"/>
+            <a:ext cx="5415265" cy="1967655"/>
           </a:xfrm>
           <a:prstGeom prst="rect">
             <a:avLst/>
@@ -4856,7 +4816,7 @@
           <a:lstStyle/>
           <a:p>
             <a:r>
-              <a:rPr lang="en-US" altLang="ko-KR" sz="4400" dirty="0">
+              <a:rPr lang="en-US" altLang="ko-KR" sz="4062" dirty="0">
                 <a:solidFill>
                   <a:schemeClr val="accent6">
                     <a:lumMod val="75000"/>
@@ -4868,7 +4828,7 @@
               <a:t>def</a:t>
             </a:r>
             <a:r>
-              <a:rPr lang="ko-KR" altLang="en-US" sz="4400" dirty="0">
+              <a:rPr lang="ko-KR" altLang="en-US" sz="4062" dirty="0">
                 <a:solidFill>
                   <a:schemeClr val="accent6">
                     <a:lumMod val="75000"/>
@@ -4880,7 +4840,7 @@
               <a:t> </a:t>
             </a:r>
             <a:r>
-              <a:rPr lang="ko-KR" altLang="en-US" sz="4400" dirty="0">
+              <a:rPr lang="ko-KR" altLang="en-US" sz="4062" dirty="0">
                 <a:solidFill>
                   <a:schemeClr val="bg1"/>
                 </a:solidFill>
@@ -4890,7 +4850,7 @@
               <a:t>함수이름</a:t>
             </a:r>
             <a:r>
-              <a:rPr lang="en-US" altLang="ko-KR" sz="4400" dirty="0">
+              <a:rPr lang="en-US" altLang="ko-KR" sz="4062" dirty="0">
                 <a:solidFill>
                   <a:schemeClr val="accent6">
                     <a:lumMod val="75000"/>
@@ -4902,7 +4862,7 @@
               <a:t>(</a:t>
             </a:r>
             <a:r>
-              <a:rPr lang="ko-KR" altLang="en-US" sz="4400" dirty="0">
+              <a:rPr lang="ko-KR" altLang="en-US" sz="4062" dirty="0">
                 <a:solidFill>
                   <a:schemeClr val="accent6">
                     <a:lumMod val="75000"/>
@@ -4914,7 +4874,7 @@
               <a:t>매개변수</a:t>
             </a:r>
             <a:r>
-              <a:rPr lang="en-US" altLang="ko-KR" sz="4400" dirty="0">
+              <a:rPr lang="en-US" altLang="ko-KR" sz="4062" dirty="0">
                 <a:solidFill>
                   <a:schemeClr val="accent6">
                     <a:lumMod val="75000"/>
@@ -4928,7 +4888,7 @@
           </a:p>
           <a:p>
             <a:r>
-              <a:rPr lang="en-US" altLang="ko-KR" sz="4400" dirty="0">
+              <a:rPr lang="en-US" altLang="ko-KR" sz="4062" dirty="0">
                 <a:solidFill>
                   <a:schemeClr val="accent6">
                     <a:lumMod val="75000"/>
@@ -4940,7 +4900,7 @@
               <a:t>	</a:t>
             </a:r>
             <a:r>
-              <a:rPr lang="ko-KR" altLang="en-US" sz="4400" dirty="0">
+              <a:rPr lang="ko-KR" altLang="en-US" sz="4062" dirty="0">
                 <a:solidFill>
                   <a:schemeClr val="bg1"/>
                 </a:solidFill>
@@ -4949,7 +4909,7 @@
               </a:rPr>
               <a:t>명령블록</a:t>
             </a:r>
-            <a:endParaRPr lang="en-US" altLang="ko-KR" sz="4400" dirty="0">
+            <a:endParaRPr lang="en-US" altLang="ko-KR" sz="4062" dirty="0">
               <a:solidFill>
                 <a:schemeClr val="bg1"/>
               </a:solidFill>
@@ -4959,7 +4919,7 @@
           </a:p>
           <a:p>
             <a:r>
-              <a:rPr lang="en-US" altLang="ko-KR" sz="4400" dirty="0">
+              <a:rPr lang="en-US" altLang="ko-KR" sz="4062" dirty="0">
                 <a:solidFill>
                   <a:schemeClr val="bg1"/>
                 </a:solidFill>
@@ -5026,8 +4986,8 @@
         </p:nvSpPr>
         <p:spPr>
           <a:xfrm>
-            <a:off x="5007221" y="2351782"/>
-            <a:ext cx="4770316" cy="1077218"/>
+            <a:off x="4622050" y="2434645"/>
+            <a:ext cx="4403369" cy="1001556"/>
           </a:xfrm>
           <a:prstGeom prst="rect">
             <a:avLst/>
@@ -5041,7 +5001,7 @@
           <a:lstStyle/>
           <a:p>
             <a:r>
-              <a:rPr lang="en-US" altLang="ko-KR" sz="3200" dirty="0">
+              <a:rPr lang="en-US" altLang="ko-KR" sz="2954" dirty="0">
                 <a:solidFill>
                   <a:schemeClr val="accent6">
                     <a:lumMod val="75000"/>
@@ -5053,7 +5013,7 @@
               <a:t>def</a:t>
             </a:r>
             <a:r>
-              <a:rPr lang="en-US" altLang="ko-KR" sz="3200" dirty="0">
+              <a:rPr lang="en-US" altLang="ko-KR" sz="2954" dirty="0">
                 <a:solidFill>
                   <a:schemeClr val="bg1"/>
                 </a:solidFill>
@@ -5063,7 +5023,7 @@
               <a:t> </a:t>
             </a:r>
             <a:r>
-              <a:rPr lang="en-US" altLang="ko-KR" sz="3200" dirty="0" err="1">
+              <a:rPr lang="en-US" altLang="ko-KR" sz="2954" dirty="0" err="1">
                 <a:solidFill>
                   <a:schemeClr val="bg1"/>
                 </a:solidFill>
@@ -5073,7 +5033,7 @@
               <a:t>printName</a:t>
             </a:r>
             <a:r>
-              <a:rPr lang="en-US" altLang="ko-KR" sz="3200" dirty="0">
+              <a:rPr lang="en-US" altLang="ko-KR" sz="2954" dirty="0">
                 <a:solidFill>
                   <a:schemeClr val="bg1"/>
                 </a:solidFill>
@@ -5083,7 +5043,7 @@
               <a:t> </a:t>
             </a:r>
             <a:r>
-              <a:rPr lang="en-US" altLang="ko-KR" sz="3200" dirty="0">
+              <a:rPr lang="en-US" altLang="ko-KR" sz="2954" dirty="0">
                 <a:solidFill>
                   <a:schemeClr val="accent6">
                     <a:lumMod val="75000"/>
@@ -5097,7 +5057,7 @@
           </a:p>
           <a:p>
             <a:r>
-              <a:rPr lang="en-US" altLang="ko-KR" sz="3200" dirty="0">
+              <a:rPr lang="en-US" altLang="ko-KR" sz="2954" dirty="0">
                 <a:solidFill>
                   <a:schemeClr val="bg1"/>
                 </a:solidFill>
@@ -5123,8 +5083,8 @@
         </p:nvSpPr>
         <p:spPr>
           <a:xfrm>
-            <a:off x="632520" y="2367171"/>
-            <a:ext cx="4297971" cy="1569660"/>
+            <a:off x="583865" y="2448850"/>
+            <a:ext cx="3986989" cy="1456168"/>
           </a:xfrm>
           <a:prstGeom prst="rect">
             <a:avLst/>
@@ -5138,7 +5098,7 @@
           <a:lstStyle/>
           <a:p>
             <a:r>
-              <a:rPr lang="en-US" altLang="ko-KR" sz="3200" dirty="0">
+              <a:rPr lang="en-US" altLang="ko-KR" sz="2954" dirty="0">
                 <a:solidFill>
                   <a:schemeClr val="accent6">
                     <a:lumMod val="75000"/>
@@ -5150,7 +5110,7 @@
               <a:t>def</a:t>
             </a:r>
             <a:r>
-              <a:rPr lang="ko-KR" altLang="en-US" sz="3200" dirty="0">
+              <a:rPr lang="ko-KR" altLang="en-US" sz="2954" dirty="0">
                 <a:solidFill>
                   <a:schemeClr val="accent6">
                     <a:lumMod val="75000"/>
@@ -5162,7 +5122,7 @@
               <a:t> </a:t>
             </a:r>
             <a:r>
-              <a:rPr lang="ko-KR" altLang="en-US" sz="3200" dirty="0">
+              <a:rPr lang="ko-KR" altLang="en-US" sz="2954" dirty="0">
                 <a:solidFill>
                   <a:schemeClr val="bg1"/>
                 </a:solidFill>
@@ -5172,7 +5132,7 @@
               <a:t>함수이름</a:t>
             </a:r>
             <a:r>
-              <a:rPr lang="en-US" altLang="ko-KR" sz="3200" dirty="0">
+              <a:rPr lang="en-US" altLang="ko-KR" sz="2954" dirty="0">
                 <a:solidFill>
                   <a:schemeClr val="accent6">
                     <a:lumMod val="75000"/>
@@ -5184,7 +5144,7 @@
               <a:t>(</a:t>
             </a:r>
             <a:r>
-              <a:rPr lang="ko-KR" altLang="en-US" sz="3200" dirty="0">
+              <a:rPr lang="ko-KR" altLang="en-US" sz="2954" dirty="0">
                 <a:solidFill>
                   <a:schemeClr val="accent6">
                     <a:lumMod val="75000"/>
@@ -5196,7 +5156,7 @@
               <a:t>매개변수</a:t>
             </a:r>
             <a:r>
-              <a:rPr lang="en-US" altLang="ko-KR" sz="3200" dirty="0">
+              <a:rPr lang="en-US" altLang="ko-KR" sz="2954" dirty="0">
                 <a:solidFill>
                   <a:schemeClr val="accent6">
                     <a:lumMod val="75000"/>
@@ -5210,7 +5170,7 @@
           </a:p>
           <a:p>
             <a:r>
-              <a:rPr lang="en-US" altLang="ko-KR" sz="3200" dirty="0">
+              <a:rPr lang="en-US" altLang="ko-KR" sz="2954" dirty="0">
                 <a:solidFill>
                   <a:schemeClr val="accent6">
                     <a:lumMod val="75000"/>
@@ -5222,7 +5182,7 @@
               <a:t>	</a:t>
             </a:r>
             <a:r>
-              <a:rPr lang="ko-KR" altLang="en-US" sz="3200" dirty="0">
+              <a:rPr lang="ko-KR" altLang="en-US" sz="2954" dirty="0">
                 <a:solidFill>
                   <a:schemeClr val="bg1"/>
                 </a:solidFill>
@@ -5231,7 +5191,7 @@
               </a:rPr>
               <a:t>명령블록</a:t>
             </a:r>
-            <a:endParaRPr lang="en-US" altLang="ko-KR" sz="3200" dirty="0">
+            <a:endParaRPr lang="en-US" altLang="ko-KR" sz="2954" dirty="0">
               <a:solidFill>
                 <a:schemeClr val="bg1"/>
               </a:solidFill>
@@ -5241,7 +5201,7 @@
           </a:p>
           <a:p>
             <a:r>
-              <a:rPr lang="en-US" altLang="ko-KR" sz="3200" dirty="0">
+              <a:rPr lang="en-US" altLang="ko-KR" sz="2954" dirty="0">
                 <a:solidFill>
                   <a:schemeClr val="bg1"/>
                 </a:solidFill>
@@ -5320,8 +5280,8 @@
         </p:nvSpPr>
         <p:spPr>
           <a:xfrm>
-            <a:off x="923703" y="2644170"/>
-            <a:ext cx="8058617" cy="830997"/>
+            <a:off x="852884" y="2704542"/>
+            <a:ext cx="7438255" cy="774186"/>
           </a:xfrm>
           <a:prstGeom prst="rect">
             <a:avLst/>
@@ -5336,7 +5296,7 @@
           <a:p>
             <a:pPr algn="ctr"/>
             <a:r>
-              <a:rPr lang="en-US" altLang="ko-KR" sz="4800" dirty="0">
+              <a:rPr lang="en-US" altLang="ko-KR" sz="4431" dirty="0">
                 <a:solidFill>
                   <a:schemeClr val="bg1">
                     <a:lumMod val="95000"/>
@@ -5348,7 +5308,7 @@
               <a:t>5. </a:t>
             </a:r>
             <a:r>
-              <a:rPr lang="ko-KR" altLang="en-US" sz="4800" dirty="0">
+              <a:rPr lang="ko-KR" altLang="en-US" sz="4431" dirty="0">
                 <a:solidFill>
                   <a:schemeClr val="bg1">
                     <a:lumMod val="95000"/>
@@ -5360,7 +5320,7 @@
               <a:t>매개변수</a:t>
             </a:r>
             <a:r>
-              <a:rPr lang="en-US" altLang="ko-KR" sz="4800" dirty="0">
+              <a:rPr lang="en-US" altLang="ko-KR" sz="4431" dirty="0">
                 <a:solidFill>
                   <a:schemeClr val="bg1">
                     <a:lumMod val="95000"/>
@@ -5372,7 +5332,7 @@
               <a:t>, </a:t>
             </a:r>
             <a:r>
-              <a:rPr lang="ko-KR" altLang="en-US" sz="4800" dirty="0" err="1">
+              <a:rPr lang="ko-KR" altLang="en-US" sz="4431" dirty="0" err="1">
                 <a:solidFill>
                   <a:schemeClr val="bg1">
                     <a:lumMod val="95000"/>
@@ -5384,7 +5344,7 @@
               <a:t>리턴값이</a:t>
             </a:r>
             <a:r>
-              <a:rPr lang="ko-KR" altLang="en-US" sz="4800" dirty="0">
+              <a:rPr lang="ko-KR" altLang="en-US" sz="4431" dirty="0">
                 <a:solidFill>
                   <a:schemeClr val="bg1">
                     <a:lumMod val="95000"/>
@@ -5395,7 +5355,7 @@
               </a:rPr>
               <a:t> 없는 함수</a:t>
             </a:r>
-            <a:endParaRPr lang="en-US" altLang="ko-KR" sz="4800" dirty="0">
+            <a:endParaRPr lang="en-US" altLang="ko-KR" sz="4431" dirty="0">
               <a:solidFill>
                 <a:schemeClr val="bg1">
                   <a:lumMod val="95000"/>
@@ -5474,8 +5434,8 @@
         </p:nvSpPr>
         <p:spPr>
           <a:xfrm>
-            <a:off x="3034847" y="2367171"/>
-            <a:ext cx="3836307" cy="2123658"/>
+            <a:off x="2801397" y="2448851"/>
+            <a:ext cx="3555782" cy="1967655"/>
           </a:xfrm>
           <a:prstGeom prst="rect">
             <a:avLst/>
@@ -5489,7 +5449,7 @@
           <a:lstStyle/>
           <a:p>
             <a:r>
-              <a:rPr lang="en-US" altLang="ko-KR" sz="4400" dirty="0">
+              <a:rPr lang="en-US" altLang="ko-KR" sz="4062" dirty="0">
                 <a:solidFill>
                   <a:schemeClr val="accent6">
                     <a:lumMod val="75000"/>
@@ -5501,7 +5461,7 @@
               <a:t>def</a:t>
             </a:r>
             <a:r>
-              <a:rPr lang="ko-KR" altLang="en-US" sz="4400" dirty="0">
+              <a:rPr lang="ko-KR" altLang="en-US" sz="4062" dirty="0">
                 <a:solidFill>
                   <a:schemeClr val="accent6">
                     <a:lumMod val="75000"/>
@@ -5513,7 +5473,7 @@
               <a:t> </a:t>
             </a:r>
             <a:r>
-              <a:rPr lang="ko-KR" altLang="en-US" sz="4400" dirty="0">
+              <a:rPr lang="ko-KR" altLang="en-US" sz="4062" dirty="0">
                 <a:solidFill>
                   <a:schemeClr val="bg1"/>
                 </a:solidFill>
@@ -5523,7 +5483,7 @@
               <a:t>함수이름</a:t>
             </a:r>
             <a:r>
-              <a:rPr lang="en-US" altLang="ko-KR" sz="4400" dirty="0">
+              <a:rPr lang="en-US" altLang="ko-KR" sz="4062" dirty="0">
                 <a:solidFill>
                   <a:schemeClr val="accent6">
                     <a:lumMod val="75000"/>
@@ -5537,7 +5497,7 @@
           </a:p>
           <a:p>
             <a:r>
-              <a:rPr lang="en-US" altLang="ko-KR" sz="4400" dirty="0">
+              <a:rPr lang="en-US" altLang="ko-KR" sz="4062" dirty="0">
                 <a:solidFill>
                   <a:schemeClr val="accent6">
                     <a:lumMod val="75000"/>
@@ -5549,7 +5509,7 @@
               <a:t>	</a:t>
             </a:r>
             <a:r>
-              <a:rPr lang="ko-KR" altLang="en-US" sz="4400" dirty="0">
+              <a:rPr lang="ko-KR" altLang="en-US" sz="4062" dirty="0">
                 <a:solidFill>
                   <a:schemeClr val="bg1"/>
                 </a:solidFill>
@@ -5558,7 +5518,7 @@
               </a:rPr>
               <a:t>명령블록</a:t>
             </a:r>
-            <a:endParaRPr lang="en-US" altLang="ko-KR" sz="4400" dirty="0">
+            <a:endParaRPr lang="en-US" altLang="ko-KR" sz="4062" dirty="0">
               <a:solidFill>
                 <a:schemeClr val="bg1"/>
               </a:solidFill>
@@ -5568,7 +5528,7 @@
           </a:p>
           <a:p>
             <a:r>
-              <a:rPr lang="en-US" altLang="ko-KR" sz="4400" dirty="0">
+              <a:rPr lang="en-US" altLang="ko-KR" sz="4062" dirty="0">
                 <a:solidFill>
                   <a:schemeClr val="bg1"/>
                 </a:solidFill>
@@ -5635,8 +5595,8 @@
         </p:nvSpPr>
         <p:spPr>
           <a:xfrm>
-            <a:off x="718121" y="2367171"/>
-            <a:ext cx="3501280" cy="1938992"/>
+            <a:off x="662881" y="2448850"/>
+            <a:ext cx="3244799" cy="1796839"/>
           </a:xfrm>
           <a:prstGeom prst="rect">
             <a:avLst/>
@@ -5650,7 +5610,7 @@
           <a:lstStyle/>
           <a:p>
             <a:r>
-              <a:rPr lang="en-US" altLang="ko-KR" sz="4000" dirty="0">
+              <a:rPr lang="en-US" altLang="ko-KR" sz="3692" dirty="0">
                 <a:solidFill>
                   <a:schemeClr val="accent6">
                     <a:lumMod val="75000"/>
@@ -5662,7 +5622,7 @@
               <a:t>def</a:t>
             </a:r>
             <a:r>
-              <a:rPr lang="ko-KR" altLang="en-US" sz="4000" dirty="0">
+              <a:rPr lang="ko-KR" altLang="en-US" sz="3692" dirty="0">
                 <a:solidFill>
                   <a:schemeClr val="accent6">
                     <a:lumMod val="75000"/>
@@ -5674,7 +5634,7 @@
               <a:t> </a:t>
             </a:r>
             <a:r>
-              <a:rPr lang="ko-KR" altLang="en-US" sz="4000" dirty="0">
+              <a:rPr lang="ko-KR" altLang="en-US" sz="3692" dirty="0">
                 <a:solidFill>
                   <a:schemeClr val="bg1"/>
                 </a:solidFill>
@@ -5684,7 +5644,7 @@
               <a:t>함수이름</a:t>
             </a:r>
             <a:r>
-              <a:rPr lang="en-US" altLang="ko-KR" sz="4000" dirty="0">
+              <a:rPr lang="en-US" altLang="ko-KR" sz="3692" dirty="0">
                 <a:solidFill>
                   <a:schemeClr val="accent6">
                     <a:lumMod val="75000"/>
@@ -5698,7 +5658,7 @@
           </a:p>
           <a:p>
             <a:r>
-              <a:rPr lang="en-US" altLang="ko-KR" sz="4000" dirty="0">
+              <a:rPr lang="en-US" altLang="ko-KR" sz="3692" dirty="0">
                 <a:solidFill>
                   <a:schemeClr val="accent6">
                     <a:lumMod val="75000"/>
@@ -5710,7 +5670,7 @@
               <a:t>	</a:t>
             </a:r>
             <a:r>
-              <a:rPr lang="ko-KR" altLang="en-US" sz="4000" dirty="0">
+              <a:rPr lang="ko-KR" altLang="en-US" sz="3692" dirty="0">
                 <a:solidFill>
                   <a:schemeClr val="bg1"/>
                 </a:solidFill>
@@ -5719,7 +5679,7 @@
               </a:rPr>
               <a:t>명령블록</a:t>
             </a:r>
-            <a:endParaRPr lang="en-US" altLang="ko-KR" sz="4000" dirty="0">
+            <a:endParaRPr lang="en-US" altLang="ko-KR" sz="3692" dirty="0">
               <a:solidFill>
                 <a:schemeClr val="bg1"/>
               </a:solidFill>
@@ -5729,7 +5689,7 @@
           </a:p>
           <a:p>
             <a:r>
-              <a:rPr lang="en-US" altLang="ko-KR" sz="4000" dirty="0">
+              <a:rPr lang="en-US" altLang="ko-KR" sz="3692" dirty="0">
                 <a:solidFill>
                   <a:schemeClr val="bg1"/>
                 </a:solidFill>
@@ -5755,8 +5715,8 @@
         </p:nvSpPr>
         <p:spPr>
           <a:xfrm>
-            <a:off x="5169024" y="2367171"/>
-            <a:ext cx="4090863" cy="1323439"/>
+            <a:off x="4771407" y="2448850"/>
+            <a:ext cx="3864841" cy="1228670"/>
           </a:xfrm>
           <a:prstGeom prst="rect">
             <a:avLst/>
@@ -5770,7 +5730,7 @@
           <a:lstStyle/>
           <a:p>
             <a:r>
-              <a:rPr lang="en-US" altLang="ko-KR" sz="4000" dirty="0">
+              <a:rPr lang="en-US" altLang="ko-KR" sz="3692" dirty="0">
                 <a:solidFill>
                   <a:schemeClr val="accent6">
                     <a:lumMod val="75000"/>
@@ -5782,7 +5742,7 @@
               <a:t>def</a:t>
             </a:r>
             <a:r>
-              <a:rPr lang="ko-KR" altLang="en-US" sz="4000" dirty="0">
+              <a:rPr lang="ko-KR" altLang="en-US" sz="3692" dirty="0">
                 <a:solidFill>
                   <a:schemeClr val="accent6">
                     <a:lumMod val="75000"/>
@@ -5794,7 +5754,7 @@
               <a:t> </a:t>
             </a:r>
             <a:r>
-              <a:rPr lang="en-US" altLang="ko-KR" sz="4000" dirty="0" err="1">
+              <a:rPr lang="en-US" altLang="ko-KR" sz="3692" dirty="0" err="1">
                 <a:solidFill>
                   <a:schemeClr val="bg1"/>
                 </a:solidFill>
@@ -5804,7 +5764,7 @@
               <a:t>sayHi</a:t>
             </a:r>
             <a:r>
-              <a:rPr lang="en-US" altLang="ko-KR" sz="4000" dirty="0">
+              <a:rPr lang="en-US" altLang="ko-KR" sz="3692" dirty="0">
                 <a:solidFill>
                   <a:schemeClr val="accent6">
                     <a:lumMod val="75000"/>
@@ -5818,7 +5778,7 @@
           </a:p>
           <a:p>
             <a:r>
-              <a:rPr lang="en-US" altLang="ko-KR" sz="4000" dirty="0">
+              <a:rPr lang="en-US" altLang="ko-KR" sz="3692" dirty="0">
                 <a:solidFill>
                   <a:schemeClr val="accent6">
                     <a:lumMod val="75000"/>
@@ -5830,7 +5790,7 @@
               <a:t>	</a:t>
             </a:r>
             <a:r>
-              <a:rPr lang="en-US" altLang="ko-KR" sz="4000" dirty="0">
+              <a:rPr lang="en-US" altLang="ko-KR" sz="3692" dirty="0">
                 <a:solidFill>
                   <a:schemeClr val="bg1"/>
                 </a:solidFill>
@@ -5840,7 +5800,7 @@
               <a:t>print(“</a:t>
             </a:r>
             <a:r>
-              <a:rPr lang="ko-KR" altLang="en-US" sz="4000" dirty="0">
+              <a:rPr lang="ko-KR" altLang="en-US" sz="3692" dirty="0">
                 <a:solidFill>
                   <a:schemeClr val="bg1"/>
                 </a:solidFill>
@@ -5850,7 +5810,7 @@
               <a:t>안녕</a:t>
             </a:r>
             <a:r>
-              <a:rPr lang="en-US" altLang="ko-KR" sz="4000" dirty="0">
+              <a:rPr lang="en-US" altLang="ko-KR" sz="3692" dirty="0">
                 <a:solidFill>
                   <a:schemeClr val="bg1"/>
                 </a:solidFill>
@@ -5924,8 +5884,8 @@
         </p:nvSpPr>
         <p:spPr>
           <a:xfrm>
-            <a:off x="1066800" y="332656"/>
-            <a:ext cx="7772400" cy="6336704"/>
+            <a:off x="683568" y="570836"/>
+            <a:ext cx="7174523" cy="5849265"/>
           </a:xfrm>
         </p:spPr>
         <p:txBody>
@@ -5940,7 +5900,7 @@
               </a:lnSpc>
             </a:pPr>
             <a:r>
-              <a:rPr lang="ko-KR" altLang="en-US" sz="4900" b="1" spc="-150" dirty="0">
+              <a:rPr lang="ko-KR" altLang="en-US" sz="4523" b="1" spc="-138" dirty="0">
                 <a:ln>
                   <a:solidFill>
                     <a:schemeClr val="accent1">
@@ -5957,7 +5917,7 @@
               <a:t>목차</a:t>
             </a:r>
             <a:br>
-              <a:rPr lang="en-US" altLang="ko-KR" spc="-150" dirty="0">
+              <a:rPr lang="en-US" altLang="ko-KR" spc="-138" dirty="0">
                 <a:ln>
                   <a:solidFill>
                     <a:schemeClr val="accent1">
@@ -5973,7 +5933,7 @@
               </a:rPr>
             </a:br>
             <a:r>
-              <a:rPr lang="en-US" altLang="ko-KR" sz="2800" spc="-150" dirty="0">
+              <a:rPr lang="en-US" altLang="ko-KR" sz="2585" spc="-138" dirty="0">
                 <a:ln>
                   <a:solidFill>
                     <a:schemeClr val="accent1">
@@ -5990,7 +5950,7 @@
               <a:t>1. </a:t>
             </a:r>
             <a:r>
-              <a:rPr lang="ko-KR" altLang="en-US" sz="2800" spc="-150" dirty="0">
+              <a:rPr lang="ko-KR" altLang="en-US" sz="2585" spc="-138" dirty="0">
                 <a:ln>
                   <a:solidFill>
                     <a:schemeClr val="accent1">
@@ -6007,7 +5967,7 @@
               <a:t>함수란</a:t>
             </a:r>
             <a:r>
-              <a:rPr lang="en-US" altLang="ko-KR" sz="2800" spc="-150" dirty="0">
+              <a:rPr lang="en-US" altLang="ko-KR" sz="2585" spc="-138" dirty="0">
                 <a:ln>
                   <a:solidFill>
                     <a:schemeClr val="accent1">
@@ -6024,7 +5984,7 @@
               <a:t>?</a:t>
             </a:r>
             <a:br>
-              <a:rPr lang="en-US" altLang="ko-KR" sz="2800" spc="-150" dirty="0">
+              <a:rPr lang="en-US" altLang="ko-KR" sz="2585" spc="-138" dirty="0">
                 <a:ln>
                   <a:solidFill>
                     <a:schemeClr val="accent1">
@@ -6040,7 +6000,7 @@
               </a:rPr>
             </a:br>
             <a:r>
-              <a:rPr lang="en-US" altLang="ko-KR" sz="2800" spc="-150" dirty="0">
+              <a:rPr lang="en-US" altLang="ko-KR" sz="2585" spc="-138" dirty="0">
                 <a:ln>
                   <a:solidFill>
                     <a:schemeClr val="accent1">
@@ -6057,7 +6017,7 @@
               <a:t>2. </a:t>
             </a:r>
             <a:r>
-              <a:rPr lang="ko-KR" altLang="en-US" sz="2800" spc="-150" dirty="0">
+              <a:rPr lang="ko-KR" altLang="en-US" sz="2585" spc="-138" dirty="0">
                 <a:ln>
                   <a:solidFill>
                     <a:schemeClr val="accent1">
@@ -6074,7 +6034,7 @@
               <a:t>함수를 만드는 방법</a:t>
             </a:r>
             <a:br>
-              <a:rPr lang="en-US" altLang="ko-KR" sz="2800" spc="-150" dirty="0">
+              <a:rPr lang="en-US" altLang="ko-KR" sz="2585" spc="-138" dirty="0">
                 <a:ln>
                   <a:solidFill>
                     <a:schemeClr val="accent1">
@@ -6090,7 +6050,7 @@
               </a:rPr>
             </a:br>
             <a:r>
-              <a:rPr lang="en-US" altLang="ko-KR" sz="2800" spc="-150" dirty="0">
+              <a:rPr lang="en-US" altLang="ko-KR" sz="2585" spc="-138" dirty="0">
                 <a:ln>
                   <a:solidFill>
                     <a:schemeClr val="accent1">
@@ -6107,7 +6067,7 @@
               <a:t>3. </a:t>
             </a:r>
             <a:r>
-              <a:rPr lang="ko-KR" altLang="en-US" sz="2800" spc="-150" dirty="0">
+              <a:rPr lang="ko-KR" altLang="en-US" sz="2585" spc="-138" dirty="0">
                 <a:ln>
                   <a:solidFill>
                     <a:schemeClr val="accent1">
@@ -6124,7 +6084,7 @@
               <a:t>함수를 사용하는 방법</a:t>
             </a:r>
             <a:br>
-              <a:rPr lang="en-US" altLang="ko-KR" sz="2800" spc="-150" dirty="0">
+              <a:rPr lang="en-US" altLang="ko-KR" sz="2585" spc="-138" dirty="0">
                 <a:ln>
                   <a:solidFill>
                     <a:schemeClr val="accent1">
@@ -6140,7 +6100,7 @@
               </a:rPr>
             </a:br>
             <a:r>
-              <a:rPr lang="en-US" altLang="ko-KR" sz="2800" spc="-150" dirty="0">
+              <a:rPr lang="en-US" altLang="ko-KR" sz="2585" spc="-138" dirty="0">
                 <a:ln>
                   <a:solidFill>
                     <a:schemeClr val="accent1">
@@ -6157,7 +6117,7 @@
               <a:t>4. </a:t>
             </a:r>
             <a:r>
-              <a:rPr lang="ko-KR" altLang="en-US" sz="2800" spc="-150" dirty="0">
+              <a:rPr lang="ko-KR" altLang="en-US" sz="2585" spc="-138" dirty="0">
                 <a:ln>
                   <a:solidFill>
                     <a:schemeClr val="accent1">
@@ -6174,7 +6134,7 @@
               <a:t>매개변수가 없는 함수</a:t>
             </a:r>
             <a:br>
-              <a:rPr lang="en-US" altLang="ko-KR" sz="2800" spc="-150" dirty="0">
+              <a:rPr lang="en-US" altLang="ko-KR" sz="2585" spc="-138" dirty="0">
                 <a:ln>
                   <a:solidFill>
                     <a:schemeClr val="accent1">
@@ -6190,7 +6150,7 @@
               </a:rPr>
             </a:br>
             <a:r>
-              <a:rPr lang="en-US" altLang="ko-KR" sz="2800" spc="-150" dirty="0">
+              <a:rPr lang="en-US" altLang="ko-KR" sz="2585" spc="-138" dirty="0">
                 <a:ln>
                   <a:solidFill>
                     <a:schemeClr val="accent1">
@@ -6207,7 +6167,7 @@
               <a:t>5. </a:t>
             </a:r>
             <a:r>
-              <a:rPr lang="ko-KR" altLang="en-US" sz="2800" spc="-150" dirty="0" err="1">
+              <a:rPr lang="ko-KR" altLang="en-US" sz="2585" spc="-138" dirty="0" err="1">
                 <a:ln>
                   <a:solidFill>
                     <a:schemeClr val="accent1">
@@ -6224,7 +6184,7 @@
               <a:t>리턴값이</a:t>
             </a:r>
             <a:r>
-              <a:rPr lang="ko-KR" altLang="en-US" sz="2800" spc="-150" dirty="0">
+              <a:rPr lang="ko-KR" altLang="en-US" sz="2585" spc="-138" dirty="0">
                 <a:ln>
                   <a:solidFill>
                     <a:schemeClr val="accent1">
@@ -6241,7 +6201,7 @@
               <a:t> 없는 함수</a:t>
             </a:r>
             <a:br>
-              <a:rPr lang="en-US" altLang="ko-KR" sz="2800" spc="-150" dirty="0">
+              <a:rPr lang="en-US" altLang="ko-KR" sz="2585" spc="-138" dirty="0">
                 <a:ln>
                   <a:solidFill>
                     <a:schemeClr val="accent1">
@@ -6257,7 +6217,7 @@
               </a:rPr>
             </a:br>
             <a:r>
-              <a:rPr lang="en-US" altLang="ko-KR" sz="2800" spc="-150" dirty="0">
+              <a:rPr lang="en-US" altLang="ko-KR" sz="2585" spc="-138" dirty="0">
                 <a:ln>
                   <a:solidFill>
                     <a:schemeClr val="accent1">
@@ -6274,7 +6234,7 @@
               <a:t>6. </a:t>
             </a:r>
             <a:r>
-              <a:rPr lang="ko-KR" altLang="en-US" sz="2800" spc="-150" dirty="0">
+              <a:rPr lang="ko-KR" altLang="en-US" sz="2585" spc="-138" dirty="0">
                 <a:ln>
                   <a:solidFill>
                     <a:schemeClr val="accent1">
@@ -6291,7 +6251,7 @@
               <a:t>매개변수</a:t>
             </a:r>
             <a:r>
-              <a:rPr lang="en-US" altLang="ko-KR" sz="2800" spc="-150" dirty="0">
+              <a:rPr lang="en-US" altLang="ko-KR" sz="2585" spc="-138" dirty="0">
                 <a:ln>
                   <a:solidFill>
                     <a:schemeClr val="accent1">
@@ -6308,7 +6268,7 @@
               <a:t>, </a:t>
             </a:r>
             <a:r>
-              <a:rPr lang="ko-KR" altLang="en-US" sz="2800" spc="-150" dirty="0" err="1">
+              <a:rPr lang="ko-KR" altLang="en-US" sz="2585" spc="-138" dirty="0" err="1">
                 <a:ln>
                   <a:solidFill>
                     <a:schemeClr val="accent1">
@@ -6325,7 +6285,7 @@
               <a:t>리턴값이</a:t>
             </a:r>
             <a:r>
-              <a:rPr lang="ko-KR" altLang="en-US" sz="2800" spc="-150" dirty="0">
+              <a:rPr lang="ko-KR" altLang="en-US" sz="2585" spc="-138" dirty="0">
                 <a:ln>
                   <a:solidFill>
                     <a:schemeClr val="accent1">
@@ -6342,7 +6302,7 @@
               <a:t> 모두 없는 함수</a:t>
             </a:r>
             <a:br>
-              <a:rPr lang="en-US" altLang="ko-KR" sz="2800" spc="-150" dirty="0">
+              <a:rPr lang="en-US" altLang="ko-KR" sz="2585" spc="-138" dirty="0">
                 <a:ln>
                   <a:solidFill>
                     <a:schemeClr val="accent1">
@@ -6357,7 +6317,7 @@
                 <a:ea typeface="나눔바른고딕" panose="020B0603020101020101" pitchFamily="50" charset="-127"/>
               </a:rPr>
             </a:br>
-            <a:endParaRPr lang="ko-KR" altLang="en-US" sz="3600" spc="-150" dirty="0">
+            <a:endParaRPr lang="ko-KR" altLang="en-US" sz="3323" spc="-138" dirty="0">
               <a:ln>
                 <a:solidFill>
                   <a:schemeClr val="accent1">
@@ -6388,8 +6348,8 @@
         </p:nvSpPr>
         <p:spPr>
           <a:xfrm>
-            <a:off x="6161584" y="-198784"/>
-            <a:ext cx="3744416" cy="7056784"/>
+            <a:off x="5652120" y="0"/>
+            <a:ext cx="3491880" cy="6858000"/>
           </a:xfrm>
           <a:prstGeom prst="rect">
             <a:avLst/>
@@ -6424,7 +6384,7 @@
           <a:lstStyle/>
           <a:p>
             <a:pPr algn="ctr"/>
-            <a:endParaRPr lang="ko-KR" altLang="en-US"/>
+            <a:endParaRPr lang="ko-KR" altLang="en-US" sz="1738"/>
           </a:p>
         </p:txBody>
       </p:sp>
@@ -6495,8 +6455,8 @@
         </p:nvSpPr>
         <p:spPr>
           <a:xfrm>
-            <a:off x="3602310" y="3044280"/>
-            <a:ext cx="2701381" cy="769441"/>
+            <a:off x="3325209" y="3073874"/>
+            <a:ext cx="2509020" cy="717440"/>
           </a:xfrm>
           <a:prstGeom prst="rect">
             <a:avLst/>
@@ -6510,7 +6470,7 @@
           <a:lstStyle/>
           <a:p>
             <a:r>
-              <a:rPr lang="ko-KR" altLang="en-US" sz="4400">
+              <a:rPr lang="ko-KR" altLang="en-US" sz="4062">
                 <a:solidFill>
                   <a:schemeClr val="bg1"/>
                 </a:solidFill>
@@ -6519,7 +6479,7 @@
               </a:rPr>
               <a:t>감사합니다</a:t>
             </a:r>
-            <a:endParaRPr lang="en-US" altLang="ko-KR" sz="4400" dirty="0">
+            <a:endParaRPr lang="en-US" altLang="ko-KR" sz="4062" dirty="0">
               <a:solidFill>
                 <a:schemeClr val="bg1"/>
               </a:solidFill>
@@ -6584,8 +6544,8 @@
         </p:nvSpPr>
         <p:spPr>
           <a:xfrm>
-            <a:off x="3765015" y="3013502"/>
-            <a:ext cx="2375971" cy="830997"/>
+            <a:off x="3469775" y="3045464"/>
+            <a:ext cx="2204451" cy="774186"/>
           </a:xfrm>
           <a:prstGeom prst="rect">
             <a:avLst/>
@@ -6600,7 +6560,7 @@
           <a:p>
             <a:pPr algn="ctr"/>
             <a:r>
-              <a:rPr lang="en-US" altLang="ko-KR" sz="4800" dirty="0">
+              <a:rPr lang="en-US" altLang="ko-KR" sz="4431" dirty="0">
                 <a:solidFill>
                   <a:schemeClr val="bg1"/>
                 </a:solidFill>
@@ -6610,7 +6570,7 @@
               <a:t>1. </a:t>
             </a:r>
             <a:r>
-              <a:rPr lang="ko-KR" altLang="en-US" sz="4800" dirty="0">
+              <a:rPr lang="ko-KR" altLang="en-US" sz="4431" dirty="0">
                 <a:solidFill>
                   <a:schemeClr val="bg1"/>
                 </a:solidFill>
@@ -6620,7 +6580,7 @@
               <a:t>함수</a:t>
             </a:r>
             <a:r>
-              <a:rPr lang="en-US" altLang="ko-KR" sz="4800" dirty="0">
+              <a:rPr lang="en-US" altLang="ko-KR" sz="4431" dirty="0">
                 <a:solidFill>
                   <a:schemeClr val="bg1">
                     <a:lumMod val="95000"/>
@@ -6689,8 +6649,8 @@
         </p:nvSpPr>
         <p:spPr>
           <a:xfrm>
-            <a:off x="2652530" y="2767281"/>
-            <a:ext cx="4600940" cy="1323439"/>
+            <a:off x="2435839" y="2818183"/>
+            <a:ext cx="4272323" cy="1228798"/>
           </a:xfrm>
           <a:prstGeom prst="rect">
             <a:avLst/>
@@ -6705,7 +6665,7 @@
           <a:p>
             <a:pPr algn="ctr"/>
             <a:r>
-              <a:rPr lang="ko-KR" altLang="en-US" sz="4800" dirty="0">
+              <a:rPr lang="ko-KR" altLang="en-US" sz="4431" dirty="0">
                 <a:solidFill>
                   <a:schemeClr val="accent6">
                     <a:lumMod val="75000"/>
@@ -6717,7 +6677,7 @@
               <a:t>함수</a:t>
             </a:r>
             <a:r>
-              <a:rPr lang="en-US" altLang="ko-KR" sz="4800" dirty="0">
+              <a:rPr lang="en-US" altLang="ko-KR" sz="4431" dirty="0">
                 <a:solidFill>
                   <a:schemeClr val="bg1">
                     <a:lumMod val="95000"/>
@@ -6732,7 +6692,7 @@
           <a:p>
             <a:pPr algn="ctr"/>
             <a:r>
-              <a:rPr lang="en-US" altLang="ko-KR" sz="3200" dirty="0">
+              <a:rPr lang="en-US" altLang="ko-KR" sz="2954" dirty="0">
                 <a:solidFill>
                   <a:schemeClr val="bg1">
                     <a:lumMod val="95000"/>
@@ -6744,7 +6704,7 @@
               <a:t>: </a:t>
             </a:r>
             <a:r>
-              <a:rPr lang="ko-KR" altLang="en-US" sz="3200" dirty="0">
+              <a:rPr lang="ko-KR" altLang="en-US" sz="2954" dirty="0">
                 <a:solidFill>
                   <a:schemeClr val="bg1">
                     <a:lumMod val="95000"/>
@@ -6755,7 +6715,7 @@
               </a:rPr>
               <a:t>작업을 수행하는 명령블록</a:t>
             </a:r>
-            <a:endParaRPr lang="en-US" altLang="ko-KR" sz="3200" dirty="0">
+            <a:endParaRPr lang="en-US" altLang="ko-KR" sz="2954" dirty="0">
               <a:solidFill>
                 <a:schemeClr val="bg1">
                   <a:lumMod val="95000"/>
@@ -6822,8 +6782,8 @@
         </p:nvSpPr>
         <p:spPr>
           <a:xfrm>
-            <a:off x="1629820" y="2644170"/>
-            <a:ext cx="6646370" cy="1569660"/>
+            <a:off x="1503697" y="2704542"/>
+            <a:ext cx="6136616" cy="1456040"/>
           </a:xfrm>
           <a:prstGeom prst="rect">
             <a:avLst/>
@@ -6838,7 +6798,7 @@
           <a:p>
             <a:pPr algn="ctr"/>
             <a:r>
-              <a:rPr lang="ko-KR" altLang="en-US" sz="4800" dirty="0">
+              <a:rPr lang="ko-KR" altLang="en-US" sz="4431" dirty="0">
                 <a:solidFill>
                   <a:schemeClr val="accent6">
                     <a:lumMod val="75000"/>
@@ -6850,7 +6810,7 @@
               <a:t>반복적으로 </a:t>
             </a:r>
             <a:r>
-              <a:rPr lang="ko-KR" altLang="en-US" sz="4800" dirty="0">
+              <a:rPr lang="ko-KR" altLang="en-US" sz="4431" dirty="0">
                 <a:solidFill>
                   <a:schemeClr val="bg1">
                     <a:lumMod val="95000"/>
@@ -6861,7 +6821,7 @@
               </a:rPr>
               <a:t>계속 사용되는 </a:t>
             </a:r>
-            <a:endParaRPr lang="en-US" altLang="ko-KR" sz="4800" dirty="0">
+            <a:endParaRPr lang="en-US" altLang="ko-KR" sz="4431" dirty="0">
               <a:solidFill>
                 <a:schemeClr val="bg1">
                   <a:lumMod val="95000"/>
@@ -6874,7 +6834,7 @@
           <a:p>
             <a:pPr algn="ctr"/>
             <a:r>
-              <a:rPr lang="ko-KR" altLang="en-US" sz="4800" dirty="0">
+              <a:rPr lang="ko-KR" altLang="en-US" sz="4431" dirty="0">
                 <a:solidFill>
                   <a:schemeClr val="bg1">
                     <a:lumMod val="95000"/>
@@ -6885,7 +6845,7 @@
               </a:rPr>
               <a:t>코드를 함수로 만든다 </a:t>
             </a:r>
-            <a:endParaRPr lang="en-US" altLang="ko-KR" sz="4800" dirty="0">
+            <a:endParaRPr lang="en-US" altLang="ko-KR" sz="4431" dirty="0">
               <a:solidFill>
                 <a:schemeClr val="bg1">
                   <a:lumMod val="95000"/>
@@ -6964,8 +6924,8 @@
         </p:nvSpPr>
         <p:spPr>
           <a:xfrm>
-            <a:off x="2183660" y="2644170"/>
-            <a:ext cx="5538697" cy="830997"/>
+            <a:off x="2013454" y="2704542"/>
+            <a:ext cx="5117106" cy="774186"/>
           </a:xfrm>
           <a:prstGeom prst="rect">
             <a:avLst/>
@@ -6980,7 +6940,7 @@
           <a:p>
             <a:pPr algn="ctr"/>
             <a:r>
-              <a:rPr lang="en-US" altLang="ko-KR" sz="4800" dirty="0">
+              <a:rPr lang="en-US" altLang="ko-KR" sz="4431" dirty="0">
                 <a:solidFill>
                   <a:schemeClr val="bg1">
                     <a:lumMod val="95000"/>
@@ -6992,7 +6952,7 @@
               <a:t>1. </a:t>
             </a:r>
             <a:r>
-              <a:rPr lang="ko-KR" altLang="en-US" sz="4800" dirty="0">
+              <a:rPr lang="ko-KR" altLang="en-US" sz="4431" dirty="0">
                 <a:solidFill>
                   <a:schemeClr val="bg1">
                     <a:lumMod val="95000"/>
@@ -7003,7 +6963,7 @@
               </a:rPr>
               <a:t>함수를 만드는 방법</a:t>
             </a:r>
-            <a:endParaRPr lang="en-US" altLang="ko-KR" sz="4800" dirty="0">
+            <a:endParaRPr lang="en-US" altLang="ko-KR" sz="4431" dirty="0">
               <a:solidFill>
                 <a:schemeClr val="bg1">
                   <a:lumMod val="95000"/>
@@ -7082,8 +7042,8 @@
         </p:nvSpPr>
         <p:spPr>
           <a:xfrm>
-            <a:off x="2028161" y="2028617"/>
-            <a:ext cx="5849678" cy="2800767"/>
+            <a:off x="1872149" y="2136339"/>
+            <a:ext cx="5415265" cy="2592761"/>
           </a:xfrm>
           <a:prstGeom prst="rect">
             <a:avLst/>
@@ -7097,7 +7057,7 @@
           <a:lstStyle/>
           <a:p>
             <a:r>
-              <a:rPr lang="en-US" altLang="ko-KR" sz="4400" dirty="0">
+              <a:rPr lang="en-US" altLang="ko-KR" sz="4062" dirty="0">
                 <a:solidFill>
                   <a:schemeClr val="accent6">
                     <a:lumMod val="75000"/>
@@ -7109,7 +7069,7 @@
               <a:t>def</a:t>
             </a:r>
             <a:r>
-              <a:rPr lang="ko-KR" altLang="en-US" sz="4400" dirty="0">
+              <a:rPr lang="ko-KR" altLang="en-US" sz="4062" dirty="0">
                 <a:solidFill>
                   <a:schemeClr val="accent6">
                     <a:lumMod val="75000"/>
@@ -7121,7 +7081,7 @@
               <a:t> </a:t>
             </a:r>
             <a:r>
-              <a:rPr lang="ko-KR" altLang="en-US" sz="4400" dirty="0">
+              <a:rPr lang="ko-KR" altLang="en-US" sz="4062" dirty="0">
                 <a:solidFill>
                   <a:schemeClr val="bg1"/>
                 </a:solidFill>
@@ -7131,7 +7091,7 @@
               <a:t>함수이름</a:t>
             </a:r>
             <a:r>
-              <a:rPr lang="en-US" altLang="ko-KR" sz="4400" dirty="0">
+              <a:rPr lang="en-US" altLang="ko-KR" sz="4062" dirty="0">
                 <a:solidFill>
                   <a:schemeClr val="accent6">
                     <a:lumMod val="75000"/>
@@ -7143,7 +7103,7 @@
               <a:t>(</a:t>
             </a:r>
             <a:r>
-              <a:rPr lang="ko-KR" altLang="en-US" sz="4400" dirty="0">
+              <a:rPr lang="ko-KR" altLang="en-US" sz="4062" dirty="0">
                 <a:solidFill>
                   <a:schemeClr val="accent6">
                     <a:lumMod val="75000"/>
@@ -7155,7 +7115,7 @@
               <a:t>매개변수</a:t>
             </a:r>
             <a:r>
-              <a:rPr lang="en-US" altLang="ko-KR" sz="4400" dirty="0">
+              <a:rPr lang="en-US" altLang="ko-KR" sz="4062" dirty="0">
                 <a:solidFill>
                   <a:schemeClr val="accent6">
                     <a:lumMod val="75000"/>
@@ -7169,7 +7129,7 @@
           </a:p>
           <a:p>
             <a:r>
-              <a:rPr lang="en-US" altLang="ko-KR" sz="4400" dirty="0">
+              <a:rPr lang="en-US" altLang="ko-KR" sz="4062" dirty="0">
                 <a:solidFill>
                   <a:schemeClr val="accent6">
                     <a:lumMod val="75000"/>
@@ -7181,7 +7141,7 @@
               <a:t>	</a:t>
             </a:r>
             <a:r>
-              <a:rPr lang="ko-KR" altLang="en-US" sz="4400" dirty="0">
+              <a:rPr lang="ko-KR" altLang="en-US" sz="4062" dirty="0">
                 <a:solidFill>
                   <a:schemeClr val="bg1"/>
                 </a:solidFill>
@@ -7190,7 +7150,7 @@
               </a:rPr>
               <a:t>명령블록</a:t>
             </a:r>
-            <a:endParaRPr lang="en-US" altLang="ko-KR" sz="4400" dirty="0">
+            <a:endParaRPr lang="en-US" altLang="ko-KR" sz="4062" dirty="0">
               <a:solidFill>
                 <a:schemeClr val="bg1"/>
               </a:solidFill>
@@ -7200,7 +7160,7 @@
           </a:p>
           <a:p>
             <a:r>
-              <a:rPr lang="en-US" altLang="ko-KR" sz="4400" dirty="0">
+              <a:rPr lang="en-US" altLang="ko-KR" sz="4062" dirty="0">
                 <a:solidFill>
                   <a:schemeClr val="bg1"/>
                 </a:solidFill>
@@ -7212,7 +7172,7 @@
           </a:p>
           <a:p>
             <a:r>
-              <a:rPr lang="en-US" altLang="ko-KR" sz="4400" dirty="0">
+              <a:rPr lang="en-US" altLang="ko-KR" sz="4062" dirty="0">
                 <a:solidFill>
                   <a:schemeClr val="bg1"/>
                 </a:solidFill>
@@ -7222,7 +7182,7 @@
               <a:t>	return</a:t>
             </a:r>
             <a:r>
-              <a:rPr lang="ko-KR" altLang="en-US" sz="4400" dirty="0">
+              <a:rPr lang="ko-KR" altLang="en-US" sz="4062" dirty="0">
                 <a:solidFill>
                   <a:schemeClr val="bg1"/>
                 </a:solidFill>
@@ -7232,7 +7192,7 @@
               <a:t> </a:t>
             </a:r>
             <a:r>
-              <a:rPr lang="ko-KR" altLang="en-US" sz="4400" dirty="0" err="1">
+              <a:rPr lang="ko-KR" altLang="en-US" sz="4062" dirty="0" err="1">
                 <a:solidFill>
                   <a:schemeClr val="bg1"/>
                 </a:solidFill>
@@ -7241,7 +7201,7 @@
               </a:rPr>
               <a:t>리턴값</a:t>
             </a:r>
-            <a:endParaRPr lang="en-US" altLang="ko-KR" sz="4400" dirty="0">
+            <a:endParaRPr lang="en-US" altLang="ko-KR" sz="4062" dirty="0">
               <a:solidFill>
                 <a:schemeClr val="bg1"/>
               </a:solidFill>
@@ -7306,8 +7266,8 @@
         </p:nvSpPr>
         <p:spPr>
           <a:xfrm>
-            <a:off x="5601072" y="2397948"/>
-            <a:ext cx="3523913" cy="1569660"/>
+            <a:off x="5170221" y="2477260"/>
+            <a:ext cx="3345339" cy="1456168"/>
           </a:xfrm>
           <a:prstGeom prst="rect">
             <a:avLst/>
@@ -7321,7 +7281,7 @@
           <a:lstStyle/>
           <a:p>
             <a:r>
-              <a:rPr lang="en-US" altLang="ko-KR" sz="3200" dirty="0">
+              <a:rPr lang="en-US" altLang="ko-KR" sz="2954" dirty="0">
                 <a:solidFill>
                   <a:schemeClr val="accent6">
                     <a:lumMod val="75000"/>
@@ -7333,7 +7293,7 @@
               <a:t>def</a:t>
             </a:r>
             <a:r>
-              <a:rPr lang="en-US" altLang="ko-KR" sz="3200" dirty="0">
+              <a:rPr lang="en-US" altLang="ko-KR" sz="2954" dirty="0">
                 <a:solidFill>
                   <a:schemeClr val="bg1"/>
                 </a:solidFill>
@@ -7343,7 +7303,7 @@
               <a:t> sum </a:t>
             </a:r>
             <a:r>
-              <a:rPr lang="en-US" altLang="ko-KR" sz="3200" dirty="0">
+              <a:rPr lang="en-US" altLang="ko-KR" sz="2954" dirty="0">
                 <a:solidFill>
                   <a:schemeClr val="accent6">
                     <a:lumMod val="75000"/>
@@ -7357,7 +7317,7 @@
           </a:p>
           <a:p>
             <a:r>
-              <a:rPr lang="en-US" altLang="ko-KR" sz="3200" dirty="0">
+              <a:rPr lang="en-US" altLang="ko-KR" sz="2954" dirty="0">
                 <a:solidFill>
                   <a:schemeClr val="bg1"/>
                 </a:solidFill>
@@ -7369,7 +7329,7 @@
           </a:p>
           <a:p>
             <a:r>
-              <a:rPr lang="en-US" altLang="ko-KR" sz="3200" dirty="0">
+              <a:rPr lang="en-US" altLang="ko-KR" sz="2954" dirty="0">
                 <a:solidFill>
                   <a:schemeClr val="bg1"/>
                 </a:solidFill>
@@ -7379,7 +7339,7 @@
               <a:t>	</a:t>
             </a:r>
             <a:r>
-              <a:rPr lang="en-US" altLang="ko-KR" sz="3200" dirty="0">
+              <a:rPr lang="en-US" altLang="ko-KR" sz="2954" dirty="0">
                 <a:solidFill>
                   <a:schemeClr val="accent6">
                     <a:lumMod val="75000"/>
@@ -7391,7 +7351,7 @@
               <a:t>return</a:t>
             </a:r>
             <a:r>
-              <a:rPr lang="en-US" altLang="ko-KR" sz="3200" dirty="0">
+              <a:rPr lang="en-US" altLang="ko-KR" sz="2954" dirty="0">
                 <a:solidFill>
                   <a:schemeClr val="bg1"/>
                 </a:solidFill>
@@ -7417,8 +7377,8 @@
         </p:nvSpPr>
         <p:spPr>
           <a:xfrm>
-            <a:off x="488504" y="2397948"/>
-            <a:ext cx="4364999" cy="2062103"/>
+            <a:off x="450927" y="2477260"/>
+            <a:ext cx="4029230" cy="1910779"/>
           </a:xfrm>
           <a:prstGeom prst="rect">
             <a:avLst/>
@@ -7432,7 +7392,7 @@
           <a:lstStyle/>
           <a:p>
             <a:r>
-              <a:rPr lang="en-US" altLang="ko-KR" sz="3200" dirty="0">
+              <a:rPr lang="en-US" altLang="ko-KR" sz="2954" dirty="0">
                 <a:solidFill>
                   <a:schemeClr val="accent6">
                     <a:lumMod val="75000"/>
@@ -7444,7 +7404,7 @@
               <a:t>def</a:t>
             </a:r>
             <a:r>
-              <a:rPr lang="ko-KR" altLang="en-US" sz="3200" dirty="0">
+              <a:rPr lang="ko-KR" altLang="en-US" sz="2954" dirty="0">
                 <a:solidFill>
                   <a:schemeClr val="accent6">
                     <a:lumMod val="75000"/>
@@ -7456,7 +7416,7 @@
               <a:t> </a:t>
             </a:r>
             <a:r>
-              <a:rPr lang="ko-KR" altLang="en-US" sz="3200" dirty="0">
+              <a:rPr lang="ko-KR" altLang="en-US" sz="2954" dirty="0">
                 <a:solidFill>
                   <a:schemeClr val="bg1"/>
                 </a:solidFill>
@@ -7466,7 +7426,7 @@
               <a:t>함수이름</a:t>
             </a:r>
             <a:r>
-              <a:rPr lang="en-US" altLang="ko-KR" sz="3200" dirty="0">
+              <a:rPr lang="en-US" altLang="ko-KR" sz="2954" dirty="0">
                 <a:solidFill>
                   <a:schemeClr val="accent6">
                     <a:lumMod val="75000"/>
@@ -7478,7 +7438,7 @@
               <a:t>(</a:t>
             </a:r>
             <a:r>
-              <a:rPr lang="ko-KR" altLang="en-US" sz="3200" dirty="0">
+              <a:rPr lang="ko-KR" altLang="en-US" sz="2954" dirty="0">
                 <a:solidFill>
                   <a:schemeClr val="accent6">
                     <a:lumMod val="75000"/>
@@ -7490,7 +7450,7 @@
               <a:t>매개변수</a:t>
             </a:r>
             <a:r>
-              <a:rPr lang="en-US" altLang="ko-KR" sz="3200" dirty="0">
+              <a:rPr lang="en-US" altLang="ko-KR" sz="2954" dirty="0">
                 <a:solidFill>
                   <a:schemeClr val="accent6">
                     <a:lumMod val="75000"/>
@@ -7504,7 +7464,7 @@
           </a:p>
           <a:p>
             <a:r>
-              <a:rPr lang="en-US" altLang="ko-KR" sz="3200" dirty="0">
+              <a:rPr lang="en-US" altLang="ko-KR" sz="2954" dirty="0">
                 <a:solidFill>
                   <a:schemeClr val="accent6">
                     <a:lumMod val="75000"/>
@@ -7516,7 +7476,7 @@
               <a:t>	</a:t>
             </a:r>
             <a:r>
-              <a:rPr lang="ko-KR" altLang="en-US" sz="3200" dirty="0">
+              <a:rPr lang="ko-KR" altLang="en-US" sz="2954" dirty="0">
                 <a:solidFill>
                   <a:schemeClr val="bg1"/>
                 </a:solidFill>
@@ -7525,7 +7485,7 @@
               </a:rPr>
               <a:t>명령블록</a:t>
             </a:r>
-            <a:endParaRPr lang="en-US" altLang="ko-KR" sz="3200" dirty="0">
+            <a:endParaRPr lang="en-US" altLang="ko-KR" sz="2954" dirty="0">
               <a:solidFill>
                 <a:schemeClr val="bg1"/>
               </a:solidFill>
@@ -7535,7 +7495,7 @@
           </a:p>
           <a:p>
             <a:r>
-              <a:rPr lang="en-US" altLang="ko-KR" sz="3200" dirty="0">
+              <a:rPr lang="en-US" altLang="ko-KR" sz="2954" dirty="0">
                 <a:solidFill>
                   <a:schemeClr val="bg1"/>
                 </a:solidFill>
@@ -7547,7 +7507,7 @@
           </a:p>
           <a:p>
             <a:r>
-              <a:rPr lang="en-US" altLang="ko-KR" sz="3200" dirty="0">
+              <a:rPr lang="en-US" altLang="ko-KR" sz="2954" dirty="0">
                 <a:solidFill>
                   <a:schemeClr val="bg1"/>
                 </a:solidFill>
@@ -7557,7 +7517,7 @@
               <a:t>	</a:t>
             </a:r>
             <a:r>
-              <a:rPr lang="en-US" altLang="ko-KR" sz="3200" dirty="0">
+              <a:rPr lang="en-US" altLang="ko-KR" sz="2954" dirty="0">
                 <a:solidFill>
                   <a:schemeClr val="accent6">
                     <a:lumMod val="75000"/>
@@ -7569,7 +7529,7 @@
               <a:t>return</a:t>
             </a:r>
             <a:r>
-              <a:rPr lang="ko-KR" altLang="en-US" sz="3200" dirty="0">
+              <a:rPr lang="ko-KR" altLang="en-US" sz="2954" dirty="0">
                 <a:solidFill>
                   <a:schemeClr val="bg1"/>
                 </a:solidFill>
@@ -7579,7 +7539,7 @@
               <a:t> </a:t>
             </a:r>
             <a:r>
-              <a:rPr lang="ko-KR" altLang="en-US" sz="3200" dirty="0" err="1">
+              <a:rPr lang="ko-KR" altLang="en-US" sz="2954" dirty="0" err="1">
                 <a:solidFill>
                   <a:schemeClr val="bg1"/>
                 </a:solidFill>
@@ -7588,7 +7548,7 @@
               </a:rPr>
               <a:t>리턴값</a:t>
             </a:r>
-            <a:endParaRPr lang="en-US" altLang="ko-KR" sz="3200" dirty="0">
+            <a:endParaRPr lang="en-US" altLang="ko-KR" sz="2954" dirty="0">
               <a:solidFill>
                 <a:schemeClr val="bg1"/>
               </a:solidFill>
@@ -7665,8 +7625,8 @@
         </p:nvSpPr>
         <p:spPr>
           <a:xfrm>
-            <a:off x="1908745" y="2644170"/>
-            <a:ext cx="6088526" cy="830997"/>
+            <a:off x="1760180" y="2704542"/>
+            <a:ext cx="5623655" cy="774186"/>
           </a:xfrm>
           <a:prstGeom prst="rect">
             <a:avLst/>
@@ -7681,7 +7641,7 @@
           <a:p>
             <a:pPr algn="ctr"/>
             <a:r>
-              <a:rPr lang="en-US" altLang="ko-KR" sz="4800" dirty="0">
+              <a:rPr lang="en-US" altLang="ko-KR" sz="4431" dirty="0">
                 <a:solidFill>
                   <a:schemeClr val="bg1">
                     <a:lumMod val="95000"/>
@@ -7693,7 +7653,7 @@
               <a:t>2. </a:t>
             </a:r>
             <a:r>
-              <a:rPr lang="ko-KR" altLang="en-US" sz="4800" dirty="0">
+              <a:rPr lang="ko-KR" altLang="en-US" sz="4431" dirty="0">
                 <a:solidFill>
                   <a:schemeClr val="bg1">
                     <a:lumMod val="95000"/>
@@ -7704,7 +7664,7 @@
               </a:rPr>
               <a:t>함수를 사용하는 방법</a:t>
             </a:r>
-            <a:endParaRPr lang="en-US" altLang="ko-KR" sz="4800" dirty="0">
+            <a:endParaRPr lang="en-US" altLang="ko-KR" sz="4431" dirty="0">
               <a:solidFill>
                 <a:schemeClr val="bg1">
                   <a:lumMod val="95000"/>
